--- a/sig1/slides/SIG react 1.pptx
+++ b/sig1/slides/SIG react 1.pptx
@@ -4700,7 +4700,241 @@
                 </a:solidFill>
                 <a:latin typeface="Arial"/>
               </a:rPr>
-              <a:t>TITELSTIJL VAN MODEL BEWERKEN</a:t>
+              <a:t>T</a:t>
+            </a:r>
+            <a:r>
+              <a:rPr b="1" lang="nl-NL" sz="1800" spc="-1" strike="noStrike">
+                <a:solidFill>
+                  <a:srgbClr val="e63232"/>
+                </a:solidFill>
+                <a:latin typeface="Arial"/>
+              </a:rPr>
+              <a:t>I</a:t>
+            </a:r>
+            <a:r>
+              <a:rPr b="1" lang="nl-NL" sz="1800" spc="-1" strike="noStrike">
+                <a:solidFill>
+                  <a:srgbClr val="e63232"/>
+                </a:solidFill>
+                <a:latin typeface="Arial"/>
+              </a:rPr>
+              <a:t>T</a:t>
+            </a:r>
+            <a:r>
+              <a:rPr b="1" lang="nl-NL" sz="1800" spc="-1" strike="noStrike">
+                <a:solidFill>
+                  <a:srgbClr val="e63232"/>
+                </a:solidFill>
+                <a:latin typeface="Arial"/>
+              </a:rPr>
+              <a:t>E</a:t>
+            </a:r>
+            <a:r>
+              <a:rPr b="1" lang="nl-NL" sz="1800" spc="-1" strike="noStrike">
+                <a:solidFill>
+                  <a:srgbClr val="e63232"/>
+                </a:solidFill>
+                <a:latin typeface="Arial"/>
+              </a:rPr>
+              <a:t>L</a:t>
+            </a:r>
+            <a:r>
+              <a:rPr b="1" lang="nl-NL" sz="1800" spc="-1" strike="noStrike">
+                <a:solidFill>
+                  <a:srgbClr val="e63232"/>
+                </a:solidFill>
+                <a:latin typeface="Arial"/>
+              </a:rPr>
+              <a:t>S</a:t>
+            </a:r>
+            <a:r>
+              <a:rPr b="1" lang="nl-NL" sz="1800" spc="-1" strike="noStrike">
+                <a:solidFill>
+                  <a:srgbClr val="e63232"/>
+                </a:solidFill>
+                <a:latin typeface="Arial"/>
+              </a:rPr>
+              <a:t>T</a:t>
+            </a:r>
+            <a:r>
+              <a:rPr b="1" lang="nl-NL" sz="1800" spc="-1" strike="noStrike">
+                <a:solidFill>
+                  <a:srgbClr val="e63232"/>
+                </a:solidFill>
+                <a:latin typeface="Arial"/>
+              </a:rPr>
+              <a:t>I</a:t>
+            </a:r>
+            <a:r>
+              <a:rPr b="1" lang="nl-NL" sz="1800" spc="-1" strike="noStrike">
+                <a:solidFill>
+                  <a:srgbClr val="e63232"/>
+                </a:solidFill>
+                <a:latin typeface="Arial"/>
+              </a:rPr>
+              <a:t>J</a:t>
+            </a:r>
+            <a:r>
+              <a:rPr b="1" lang="nl-NL" sz="1800" spc="-1" strike="noStrike">
+                <a:solidFill>
+                  <a:srgbClr val="e63232"/>
+                </a:solidFill>
+                <a:latin typeface="Arial"/>
+              </a:rPr>
+              <a:t>L </a:t>
+            </a:r>
+            <a:r>
+              <a:rPr b="1" lang="nl-NL" sz="1800" spc="-1" strike="noStrike">
+                <a:solidFill>
+                  <a:srgbClr val="e63232"/>
+                </a:solidFill>
+                <a:latin typeface="Arial"/>
+              </a:rPr>
+              <a:t>V</a:t>
+            </a:r>
+            <a:r>
+              <a:rPr b="1" lang="nl-NL" sz="1800" spc="-1" strike="noStrike">
+                <a:solidFill>
+                  <a:srgbClr val="e63232"/>
+                </a:solidFill>
+                <a:latin typeface="Arial"/>
+              </a:rPr>
+              <a:t>A</a:t>
+            </a:r>
+            <a:r>
+              <a:rPr b="1" lang="nl-NL" sz="1800" spc="-1" strike="noStrike">
+                <a:solidFill>
+                  <a:srgbClr val="e63232"/>
+                </a:solidFill>
+                <a:latin typeface="Arial"/>
+              </a:rPr>
+              <a:t>N</a:t>
+            </a:r>
+            <a:r>
+              <a:rPr b="1" lang="nl-NL" sz="1800" spc="-1" strike="noStrike">
+                <a:solidFill>
+                  <a:srgbClr val="e63232"/>
+                </a:solidFill>
+                <a:latin typeface="Arial"/>
+              </a:rPr>
+              <a:t> </a:t>
+            </a:r>
+            <a:r>
+              <a:rPr b="1" lang="nl-NL" sz="1800" spc="-1" strike="noStrike">
+                <a:solidFill>
+                  <a:srgbClr val="e63232"/>
+                </a:solidFill>
+                <a:latin typeface="Arial"/>
+              </a:rPr>
+              <a:t>M</a:t>
+            </a:r>
+            <a:r>
+              <a:rPr b="1" lang="nl-NL" sz="1800" spc="-1" strike="noStrike">
+                <a:solidFill>
+                  <a:srgbClr val="e63232"/>
+                </a:solidFill>
+                <a:latin typeface="Arial"/>
+              </a:rPr>
+              <a:t>O</a:t>
+            </a:r>
+            <a:r>
+              <a:rPr b="1" lang="nl-NL" sz="1800" spc="-1" strike="noStrike">
+                <a:solidFill>
+                  <a:srgbClr val="e63232"/>
+                </a:solidFill>
+                <a:latin typeface="Arial"/>
+              </a:rPr>
+              <a:t>D</a:t>
+            </a:r>
+            <a:r>
+              <a:rPr b="1" lang="nl-NL" sz="1800" spc="-1" strike="noStrike">
+                <a:solidFill>
+                  <a:srgbClr val="e63232"/>
+                </a:solidFill>
+                <a:latin typeface="Arial"/>
+              </a:rPr>
+              <a:t>E</a:t>
+            </a:r>
+            <a:r>
+              <a:rPr b="1" lang="nl-NL" sz="1800" spc="-1" strike="noStrike">
+                <a:solidFill>
+                  <a:srgbClr val="e63232"/>
+                </a:solidFill>
+                <a:latin typeface="Arial"/>
+              </a:rPr>
+              <a:t>L </a:t>
+            </a:r>
+            <a:r>
+              <a:rPr b="1" lang="nl-NL" sz="1800" spc="-1" strike="noStrike">
+                <a:solidFill>
+                  <a:srgbClr val="e63232"/>
+                </a:solidFill>
+                <a:latin typeface="Arial"/>
+              </a:rPr>
+              <a:t>B</a:t>
+            </a:r>
+            <a:r>
+              <a:rPr b="1" lang="nl-NL" sz="1800" spc="-1" strike="noStrike">
+                <a:solidFill>
+                  <a:srgbClr val="e63232"/>
+                </a:solidFill>
+                <a:latin typeface="Arial"/>
+              </a:rPr>
+              <a:t>E</a:t>
+            </a:r>
+            <a:r>
+              <a:rPr b="1" lang="nl-NL" sz="1800" spc="-1" strike="noStrike">
+                <a:solidFill>
+                  <a:srgbClr val="e63232"/>
+                </a:solidFill>
+                <a:latin typeface="Arial"/>
+              </a:rPr>
+              <a:t>W</a:t>
+            </a:r>
+            <a:r>
+              <a:rPr b="1" lang="nl-NL" sz="1800" spc="-1" strike="noStrike">
+                <a:solidFill>
+                  <a:srgbClr val="e63232"/>
+                </a:solidFill>
+                <a:latin typeface="Arial"/>
+              </a:rPr>
+              <a:t>E</a:t>
+            </a:r>
+            <a:r>
+              <a:rPr b="1" lang="nl-NL" sz="1800" spc="-1" strike="noStrike">
+                <a:solidFill>
+                  <a:srgbClr val="e63232"/>
+                </a:solidFill>
+                <a:latin typeface="Arial"/>
+              </a:rPr>
+              <a:t>R</a:t>
+            </a:r>
+            <a:r>
+              <a:rPr b="1" lang="nl-NL" sz="1800" spc="-1" strike="noStrike">
+                <a:solidFill>
+                  <a:srgbClr val="e63232"/>
+                </a:solidFill>
+                <a:latin typeface="Arial"/>
+              </a:rPr>
+              <a:t>K</a:t>
+            </a:r>
+            <a:r>
+              <a:rPr b="1" lang="nl-NL" sz="1800" spc="-1" strike="noStrike">
+                <a:solidFill>
+                  <a:srgbClr val="e63232"/>
+                </a:solidFill>
+                <a:latin typeface="Arial"/>
+              </a:rPr>
+              <a:t>E</a:t>
+            </a:r>
+            <a:r>
+              <a:rPr b="1" lang="nl-NL" sz="1800" spc="-1" strike="noStrike">
+                <a:solidFill>
+                  <a:srgbClr val="e63232"/>
+                </a:solidFill>
+                <a:latin typeface="Arial"/>
+              </a:rPr>
+              <a:t>N</a:t>
             </a:r>
             <a:endParaRPr b="0" lang="nl-NL" sz="1800" spc="-1" strike="noStrike">
               <a:solidFill>
@@ -4896,7 +5130,7 @@
                 <a:spcPct val="100000"/>
               </a:lnSpc>
             </a:pPr>
-            <a:fld id="{F65E0EE8-59A2-48A1-8C26-78EBB2AFC37B}" type="datetime1">
+            <a:fld id="{159A9430-C223-4B9B-B30C-EF1E96AC3F98}" type="datetime1">
               <a:rPr b="0" lang="en-US" sz="600" spc="-1" strike="noStrike">
                 <a:solidFill>
                   <a:srgbClr val="ffffff"/>
@@ -4980,14 +5214,14 @@
                 <a:spcPct val="100000"/>
               </a:lnSpc>
             </a:pPr>
-            <a:fld id="{84CB916C-ED44-4322-ACD2-3CB086B01099}" type="slidenum">
+            <a:fld id="{32E92605-3E66-4056-93EB-01392A24D91C}" type="slidenum">
               <a:rPr b="0" lang="en-US" sz="600" spc="-1" strike="noStrike">
                 <a:solidFill>
                   <a:srgbClr val="ffffff"/>
                 </a:solidFill>
                 <a:latin typeface="Arial"/>
               </a:rPr>
-              <a:t>&lt;number&gt;</a:t>
+              <a:t>1</a:t>
             </a:fld>
             <a:endParaRPr b="0" lang="en-US" sz="600" spc="-1" strike="noStrike">
               <a:latin typeface="Times New Roman"/>
@@ -5431,7 +5665,7 @@
                 <a:spcPct val="100000"/>
               </a:lnSpc>
             </a:pPr>
-            <a:fld id="{160C729E-E3BB-4251-BC6F-073B77A8EFCE}" type="datetime1">
+            <a:fld id="{2C20A030-120D-4DDD-8EB2-4D0D2B6A020A}" type="datetime1">
               <a:rPr b="0" lang="en-US" sz="600" spc="-1" strike="noStrike">
                 <a:solidFill>
                   <a:srgbClr val="ffffff"/>
@@ -5515,14 +5749,14 @@
                 <a:spcPct val="100000"/>
               </a:lnSpc>
             </a:pPr>
-            <a:fld id="{A9AA7D76-02B4-4EAE-BA10-73BE25DF38EE}" type="slidenum">
+            <a:fld id="{1A7C9F80-AFDF-483F-82D2-41BD7B679C9C}" type="slidenum">
               <a:rPr b="0" lang="en-US" sz="600" spc="-1" strike="noStrike">
                 <a:solidFill>
                   <a:srgbClr val="ffffff"/>
                 </a:solidFill>
                 <a:latin typeface="Arial"/>
               </a:rPr>
-              <a:t>&lt;number&gt;</a:t>
+              <a:t>1</a:t>
             </a:fld>
             <a:endParaRPr b="0" lang="en-US" sz="600" spc="-1" strike="noStrike">
               <a:latin typeface="Times New Roman"/>
@@ -5747,7 +5981,7 @@
       </p:grpSpPr>
       <p:sp>
         <p:nvSpPr>
-          <p:cNvPr id="175" name="TextShape 1"/>
+          <p:cNvPr id="176" name="TextShape 1"/>
           <p:cNvSpPr txBox="1"/>
           <p:nvPr/>
         </p:nvSpPr>
@@ -5792,7 +6026,7 @@
       </p:sp>
       <p:sp>
         <p:nvSpPr>
-          <p:cNvPr id="176" name="TextShape 2"/>
+          <p:cNvPr id="177" name="TextShape 2"/>
           <p:cNvSpPr txBox="1"/>
           <p:nvPr/>
         </p:nvSpPr>
@@ -5834,7 +6068,7 @@
       </p:sp>
       <p:sp>
         <p:nvSpPr>
-          <p:cNvPr id="177" name="TextShape 3"/>
+          <p:cNvPr id="178" name="TextShape 3"/>
           <p:cNvSpPr txBox="1"/>
           <p:nvPr/>
         </p:nvSpPr>
@@ -5859,14 +6093,14 @@
                 <a:spcPct val="100000"/>
               </a:lnSpc>
             </a:pPr>
-            <a:fld id="{AC212465-3ABB-46FC-908F-03065D0D780C}" type="slidenum">
+            <a:fld id="{C3C4D715-80D0-4152-958B-93E92DE5BBAE}" type="slidenum">
               <a:rPr b="0" lang="en-US" sz="600" spc="-1" strike="noStrike">
                 <a:solidFill>
                   <a:srgbClr val="ffffff"/>
                 </a:solidFill>
                 <a:latin typeface="Arial"/>
               </a:rPr>
-              <a:t>&lt;number&gt;</a:t>
+              <a:t>1</a:t>
             </a:fld>
             <a:endParaRPr b="0" lang="en-US" sz="600" spc="-1" strike="noStrike">
               <a:latin typeface="Times New Roman"/>
@@ -5876,7 +6110,7 @@
       </p:sp>
       <p:sp>
         <p:nvSpPr>
-          <p:cNvPr id="178" name="TextShape 4"/>
+          <p:cNvPr id="179" name="TextShape 4"/>
           <p:cNvSpPr txBox="1"/>
           <p:nvPr/>
         </p:nvSpPr>
@@ -6038,7 +6272,7 @@
       </p:sp>
       <p:pic>
         <p:nvPicPr>
-          <p:cNvPr id="179" name="" descr=""/>
+          <p:cNvPr id="180" name="" descr=""/>
           <p:cNvPicPr/>
           <p:nvPr/>
         </p:nvPicPr>
@@ -6110,7 +6344,7 @@
       </p:grpSpPr>
       <p:sp>
         <p:nvSpPr>
-          <p:cNvPr id="180" name="TextShape 1"/>
+          <p:cNvPr id="181" name="TextShape 1"/>
           <p:cNvSpPr txBox="1"/>
           <p:nvPr/>
         </p:nvSpPr>
@@ -6155,7 +6389,7 @@
       </p:sp>
       <p:sp>
         <p:nvSpPr>
-          <p:cNvPr id="181" name="TextShape 2"/>
+          <p:cNvPr id="182" name="TextShape 2"/>
           <p:cNvSpPr txBox="1"/>
           <p:nvPr/>
         </p:nvSpPr>
@@ -6197,7 +6431,7 @@
       </p:sp>
       <p:sp>
         <p:nvSpPr>
-          <p:cNvPr id="182" name="TextShape 3"/>
+          <p:cNvPr id="183" name="TextShape 3"/>
           <p:cNvSpPr txBox="1"/>
           <p:nvPr/>
         </p:nvSpPr>
@@ -6222,14 +6456,14 @@
                 <a:spcPct val="100000"/>
               </a:lnSpc>
             </a:pPr>
-            <a:fld id="{03C074D6-9593-452E-85FD-0C95A9D97C5F}" type="slidenum">
+            <a:fld id="{DC52EB3F-A266-4148-8C8F-CF4A4298B1BA}" type="slidenum">
               <a:rPr b="0" lang="en-US" sz="600" spc="-1" strike="noStrike">
                 <a:solidFill>
                   <a:srgbClr val="ffffff"/>
                 </a:solidFill>
                 <a:latin typeface="Arial"/>
               </a:rPr>
-              <a:t>&lt;number&gt;</a:t>
+              <a:t>1</a:t>
             </a:fld>
             <a:endParaRPr b="0" lang="en-US" sz="600" spc="-1" strike="noStrike">
               <a:latin typeface="Times New Roman"/>
@@ -6239,7 +6473,7 @@
       </p:sp>
       <p:sp>
         <p:nvSpPr>
-          <p:cNvPr id="183" name="TextShape 4"/>
+          <p:cNvPr id="184" name="TextShape 4"/>
           <p:cNvSpPr txBox="1"/>
           <p:nvPr/>
         </p:nvSpPr>
@@ -6423,7 +6657,7 @@
       </p:grpSpPr>
       <p:sp>
         <p:nvSpPr>
-          <p:cNvPr id="184" name="TextShape 1"/>
+          <p:cNvPr id="185" name="TextShape 1"/>
           <p:cNvSpPr txBox="1"/>
           <p:nvPr/>
         </p:nvSpPr>
@@ -6468,7 +6702,7 @@
       </p:sp>
       <p:sp>
         <p:nvSpPr>
-          <p:cNvPr id="185" name="TextShape 2"/>
+          <p:cNvPr id="186" name="TextShape 2"/>
           <p:cNvSpPr txBox="1"/>
           <p:nvPr/>
         </p:nvSpPr>
@@ -6510,7 +6744,7 @@
       </p:sp>
       <p:sp>
         <p:nvSpPr>
-          <p:cNvPr id="186" name="TextShape 3"/>
+          <p:cNvPr id="187" name="TextShape 3"/>
           <p:cNvSpPr txBox="1"/>
           <p:nvPr/>
         </p:nvSpPr>
@@ -6535,14 +6769,14 @@
                 <a:spcPct val="100000"/>
               </a:lnSpc>
             </a:pPr>
-            <a:fld id="{67DB21F9-7A4A-40DE-9750-C3A7191AB786}" type="slidenum">
+            <a:fld id="{FC6F559C-A199-4D6B-9A18-C88A04835D65}" type="slidenum">
               <a:rPr b="0" lang="en-US" sz="600" spc="-1" strike="noStrike">
                 <a:solidFill>
                   <a:srgbClr val="ffffff"/>
                 </a:solidFill>
                 <a:latin typeface="Arial"/>
               </a:rPr>
-              <a:t>&lt;number&gt;</a:t>
+              <a:t>1</a:t>
             </a:fld>
             <a:endParaRPr b="0" lang="en-US" sz="600" spc="-1" strike="noStrike">
               <a:latin typeface="Times New Roman"/>
@@ -6552,7 +6786,7 @@
       </p:sp>
       <p:sp>
         <p:nvSpPr>
-          <p:cNvPr id="187" name="TextShape 4"/>
+          <p:cNvPr id="188" name="TextShape 4"/>
           <p:cNvSpPr txBox="1"/>
           <p:nvPr/>
         </p:nvSpPr>
@@ -6763,7 +6997,7 @@
       </p:grpSpPr>
       <p:sp>
         <p:nvSpPr>
-          <p:cNvPr id="188" name="TextShape 1"/>
+          <p:cNvPr id="189" name="TextShape 1"/>
           <p:cNvSpPr txBox="1"/>
           <p:nvPr/>
         </p:nvSpPr>
@@ -6808,7 +7042,7 @@
       </p:sp>
       <p:sp>
         <p:nvSpPr>
-          <p:cNvPr id="189" name="TextShape 2"/>
+          <p:cNvPr id="190" name="TextShape 2"/>
           <p:cNvSpPr txBox="1"/>
           <p:nvPr/>
         </p:nvSpPr>
@@ -6850,7 +7084,7 @@
       </p:sp>
       <p:sp>
         <p:nvSpPr>
-          <p:cNvPr id="190" name="TextShape 3"/>
+          <p:cNvPr id="191" name="TextShape 3"/>
           <p:cNvSpPr txBox="1"/>
           <p:nvPr/>
         </p:nvSpPr>
@@ -6875,14 +7109,14 @@
                 <a:spcPct val="100000"/>
               </a:lnSpc>
             </a:pPr>
-            <a:fld id="{C5CC904A-5FF3-426C-BA7B-49DC2DA0512D}" type="slidenum">
+            <a:fld id="{8D438610-BFFC-4467-B8CB-5D38D55E0BF3}" type="slidenum">
               <a:rPr b="0" lang="en-US" sz="600" spc="-1" strike="noStrike">
                 <a:solidFill>
                   <a:srgbClr val="ffffff"/>
                 </a:solidFill>
                 <a:latin typeface="Arial"/>
               </a:rPr>
-              <a:t>&lt;number&gt;</a:t>
+              <a:t>1</a:t>
             </a:fld>
             <a:endParaRPr b="0" lang="en-US" sz="600" spc="-1" strike="noStrike">
               <a:latin typeface="Times New Roman"/>
@@ -6892,7 +7126,7 @@
       </p:sp>
       <p:sp>
         <p:nvSpPr>
-          <p:cNvPr id="191" name="TextShape 4"/>
+          <p:cNvPr id="192" name="TextShape 4"/>
           <p:cNvSpPr txBox="1"/>
           <p:nvPr/>
         </p:nvSpPr>
@@ -7067,7 +7301,7 @@
       </p:grpSpPr>
       <p:sp>
         <p:nvSpPr>
-          <p:cNvPr id="192" name="TextShape 1"/>
+          <p:cNvPr id="193" name="TextShape 1"/>
           <p:cNvSpPr txBox="1"/>
           <p:nvPr/>
         </p:nvSpPr>
@@ -7112,7 +7346,7 @@
       </p:sp>
       <p:sp>
         <p:nvSpPr>
-          <p:cNvPr id="193" name="TextShape 2"/>
+          <p:cNvPr id="194" name="TextShape 2"/>
           <p:cNvSpPr txBox="1"/>
           <p:nvPr/>
         </p:nvSpPr>
@@ -7154,7 +7388,7 @@
       </p:sp>
       <p:sp>
         <p:nvSpPr>
-          <p:cNvPr id="194" name="TextShape 3"/>
+          <p:cNvPr id="195" name="TextShape 3"/>
           <p:cNvSpPr txBox="1"/>
           <p:nvPr/>
         </p:nvSpPr>
@@ -7179,14 +7413,14 @@
                 <a:spcPct val="100000"/>
               </a:lnSpc>
             </a:pPr>
-            <a:fld id="{CF6E039B-49B7-4FA8-A4EB-E62B0EC45CFC}" type="slidenum">
+            <a:fld id="{17A5296D-280B-40A8-A0EB-30704731B355}" type="slidenum">
               <a:rPr b="0" lang="en-US" sz="600" spc="-1" strike="noStrike">
                 <a:solidFill>
                   <a:srgbClr val="ffffff"/>
                 </a:solidFill>
                 <a:latin typeface="Arial"/>
               </a:rPr>
-              <a:t>&lt;number&gt;</a:t>
+              <a:t>1</a:t>
             </a:fld>
             <a:endParaRPr b="0" lang="en-US" sz="600" spc="-1" strike="noStrike">
               <a:latin typeface="Times New Roman"/>
@@ -7196,7 +7430,7 @@
       </p:sp>
       <p:sp>
         <p:nvSpPr>
-          <p:cNvPr id="195" name="TextShape 4"/>
+          <p:cNvPr id="196" name="TextShape 4"/>
           <p:cNvSpPr txBox="1"/>
           <p:nvPr/>
         </p:nvSpPr>
@@ -7398,7 +7632,7 @@
       </p:grpSpPr>
       <p:sp>
         <p:nvSpPr>
-          <p:cNvPr id="196" name="TextShape 1"/>
+          <p:cNvPr id="197" name="TextShape 1"/>
           <p:cNvSpPr txBox="1"/>
           <p:nvPr/>
         </p:nvSpPr>
@@ -7443,7 +7677,7 @@
       </p:sp>
       <p:sp>
         <p:nvSpPr>
-          <p:cNvPr id="197" name="TextShape 2"/>
+          <p:cNvPr id="198" name="TextShape 2"/>
           <p:cNvSpPr txBox="1"/>
           <p:nvPr/>
         </p:nvSpPr>
@@ -7485,7 +7719,7 @@
       </p:sp>
       <p:sp>
         <p:nvSpPr>
-          <p:cNvPr id="198" name="TextShape 3"/>
+          <p:cNvPr id="199" name="TextShape 3"/>
           <p:cNvSpPr txBox="1"/>
           <p:nvPr/>
         </p:nvSpPr>
@@ -7510,7 +7744,7 @@
                 <a:spcPct val="100000"/>
               </a:lnSpc>
             </a:pPr>
-            <a:fld id="{852DA601-EF40-4AD2-80C0-044B12431EBD}" type="slidenum">
+            <a:fld id="{75918AC1-4341-42B7-8FD6-BEAE7103CD28}" type="slidenum">
               <a:rPr b="0" lang="en-US" sz="600" spc="-1" strike="noStrike">
                 <a:solidFill>
                   <a:srgbClr val="ffffff"/>
@@ -7527,7 +7761,7 @@
       </p:sp>
       <p:sp>
         <p:nvSpPr>
-          <p:cNvPr id="199" name="TextShape 4"/>
+          <p:cNvPr id="200" name="TextShape 4"/>
           <p:cNvSpPr txBox="1"/>
           <p:nvPr/>
         </p:nvSpPr>
@@ -7577,16 +7811,7 @@
                 </a:solidFill>
                 <a:latin typeface="Arial"/>
               </a:rPr>
-              <a:t>Display the accommodations which have `favorite === true` at the top of </a:t>
-            </a:r>
-            <a:r>
-              <a:rPr b="0" lang="nl-NL" sz="1500" spc="-1" strike="noStrike">
-                <a:solidFill>
-                  <a:srgbClr val="000000"/>
-                </a:solidFill>
-                <a:latin typeface="Arial"/>
-              </a:rPr>
-              <a:t>the page</a:t>
+              <a:t>Display the accommodations which have `favorite === true` at the top of the page</a:t>
             </a:r>
             <a:endParaRPr b="0" lang="nl-NL" sz="1500" spc="-1" strike="noStrike">
               <a:solidFill>
@@ -7613,7 +7838,7 @@
                 </a:solidFill>
                 <a:latin typeface="Arial"/>
               </a:rPr>
-              <a:t>Make sure that the  </a:t>
+              <a:t>Make sure that the toggleState will still work by keeping the state in the parent component and passing down the toggle function to the child</a:t>
             </a:r>
             <a:endParaRPr b="0" lang="nl-NL" sz="1500" spc="-1" strike="noStrike">
               <a:solidFill>
@@ -7743,7 +7968,7 @@
                 </a:solidFill>
                 <a:latin typeface="Arial"/>
               </a:rPr>
-              <a:t>History  and features of React</a:t>
+              <a:t>React</a:t>
             </a:r>
             <a:endParaRPr b="0" lang="nl-NL" sz="1800" spc="-1" strike="noStrike">
               <a:solidFill>
@@ -7776,6 +8001,160 @@
         <p:txBody>
           <a:bodyPr lIns="0" rIns="0" tIns="0" bIns="0"/>
           <a:p>
+            <a:pPr marL="180000" indent="-179640">
+              <a:lnSpc>
+                <a:spcPct val="120000"/>
+              </a:lnSpc>
+              <a:buClr>
+                <a:srgbClr val="000000"/>
+              </a:buClr>
+              <a:buFont typeface="Arial"/>
+              <a:buChar char="•"/>
+            </a:pPr>
+            <a:r>
+              <a:rPr b="0" lang="nl-NL" sz="1500" spc="-1" strike="noStrike">
+                <a:solidFill>
+                  <a:srgbClr val="000000"/>
+                </a:solidFill>
+                <a:latin typeface="Arial"/>
+              </a:rPr>
+              <a:t>5 years old &amp; made by facebook</a:t>
+            </a:r>
+            <a:endParaRPr b="0" lang="nl-NL" sz="1500" spc="-1" strike="noStrike">
+              <a:solidFill>
+                <a:srgbClr val="000000"/>
+              </a:solidFill>
+              <a:latin typeface="Arial"/>
+            </a:endParaRPr>
+          </a:p>
+          <a:p>
+            <a:pPr marL="180000" indent="-179640">
+              <a:lnSpc>
+                <a:spcPct val="120000"/>
+              </a:lnSpc>
+              <a:buClr>
+                <a:srgbClr val="000000"/>
+              </a:buClr>
+              <a:buFont typeface="Arial"/>
+              <a:buChar char="•"/>
+            </a:pPr>
+            <a:r>
+              <a:rPr b="0" lang="nl-NL" sz="1500" spc="-1" strike="noStrike">
+                <a:solidFill>
+                  <a:srgbClr val="000000"/>
+                </a:solidFill>
+                <a:latin typeface="Arial"/>
+              </a:rPr>
+              <a:t>Most popular JS framework</a:t>
+            </a:r>
+            <a:endParaRPr b="0" lang="nl-NL" sz="1500" spc="-1" strike="noStrike">
+              <a:solidFill>
+                <a:srgbClr val="000000"/>
+              </a:solidFill>
+              <a:latin typeface="Arial"/>
+            </a:endParaRPr>
+          </a:p>
+          <a:p>
+            <a:pPr marL="180000" indent="-179640">
+              <a:lnSpc>
+                <a:spcPct val="120000"/>
+              </a:lnSpc>
+              <a:buClr>
+                <a:srgbClr val="000000"/>
+              </a:buClr>
+              <a:buFont typeface="Arial"/>
+              <a:buChar char="•"/>
+            </a:pPr>
+            <a:r>
+              <a:rPr b="0" lang="nl-NL" sz="1500" spc="-1" strike="noStrike">
+                <a:solidFill>
+                  <a:srgbClr val="000000"/>
+                </a:solidFill>
+                <a:latin typeface="Arial"/>
+              </a:rPr>
+              <a:t>Unopinionated</a:t>
+            </a:r>
+            <a:endParaRPr b="0" lang="nl-NL" sz="1500" spc="-1" strike="noStrike">
+              <a:solidFill>
+                <a:srgbClr val="000000"/>
+              </a:solidFill>
+              <a:latin typeface="Arial"/>
+            </a:endParaRPr>
+          </a:p>
+          <a:p>
+            <a:pPr marL="180000" indent="-179640">
+              <a:lnSpc>
+                <a:spcPct val="120000"/>
+              </a:lnSpc>
+              <a:buClr>
+                <a:srgbClr val="000000"/>
+              </a:buClr>
+              <a:buFont typeface="Arial"/>
+              <a:buChar char="•"/>
+            </a:pPr>
+            <a:r>
+              <a:rPr b="0" lang="nl-NL" sz="1500" spc="-1" strike="noStrike">
+                <a:solidFill>
+                  <a:srgbClr val="000000"/>
+                </a:solidFill>
+                <a:latin typeface="Arial"/>
+              </a:rPr>
+              <a:t>Component based</a:t>
+            </a:r>
+            <a:endParaRPr b="0" lang="nl-NL" sz="1500" spc="-1" strike="noStrike">
+              <a:solidFill>
+                <a:srgbClr val="000000"/>
+              </a:solidFill>
+              <a:latin typeface="Arial"/>
+            </a:endParaRPr>
+          </a:p>
+          <a:p>
+            <a:pPr marL="180000" indent="-179640">
+              <a:lnSpc>
+                <a:spcPct val="120000"/>
+              </a:lnSpc>
+              <a:buClr>
+                <a:srgbClr val="000000"/>
+              </a:buClr>
+              <a:buFont typeface="Arial"/>
+              <a:buChar char="•"/>
+            </a:pPr>
+            <a:r>
+              <a:rPr b="0" lang="nl-NL" sz="1500" spc="-1" strike="noStrike">
+                <a:solidFill>
+                  <a:srgbClr val="000000"/>
+                </a:solidFill>
+                <a:latin typeface="Arial"/>
+              </a:rPr>
+              <a:t>Spawned React Native</a:t>
+            </a:r>
+            <a:endParaRPr b="0" lang="nl-NL" sz="1500" spc="-1" strike="noStrike">
+              <a:solidFill>
+                <a:srgbClr val="000000"/>
+              </a:solidFill>
+              <a:latin typeface="Arial"/>
+            </a:endParaRPr>
+          </a:p>
+          <a:p>
+            <a:pPr marL="180000" indent="-179640">
+              <a:lnSpc>
+                <a:spcPct val="120000"/>
+              </a:lnSpc>
+              <a:buClr>
+                <a:srgbClr val="000000"/>
+              </a:buClr>
+              <a:buFont typeface="Arial"/>
+              <a:buChar char="•"/>
+            </a:pPr>
+            <a:r>
+              <a:rPr b="0" lang="nl-NL" sz="1500" spc="-1" strike="noStrike">
+                <a:solidFill>
+                  <a:srgbClr val="000000"/>
+                </a:solidFill>
+                <a:latin typeface="Arial"/>
+              </a:rPr>
+              <a:t>Awesome</a:t>
+            </a:r>
             <a:endParaRPr b="0" lang="nl-NL" sz="1500" spc="-1" strike="noStrike">
               <a:solidFill>
                 <a:srgbClr val="000000"/>
@@ -7854,14 +8233,14 @@
                 <a:spcPct val="100000"/>
               </a:lnSpc>
             </a:pPr>
-            <a:fld id="{1A312733-CCA9-45C7-9435-6F79340E63F5}" type="slidenum">
+            <a:fld id="{79E58E59-DADA-41B8-94FD-E3C2F1968338}" type="slidenum">
               <a:rPr b="0" lang="en-US" sz="600" spc="-1" strike="noStrike">
                 <a:solidFill>
                   <a:srgbClr val="ffffff"/>
                 </a:solidFill>
                 <a:latin typeface="Arial"/>
               </a:rPr>
-              <a:t>&lt;number&gt;</a:t>
+              <a:t>1</a:t>
             </a:fld>
             <a:endParaRPr b="0" lang="en-US" sz="600" spc="-1" strike="noStrike">
               <a:latin typeface="Times New Roman"/>
@@ -7869,16 +8248,39 @@
           </a:p>
         </p:txBody>
       </p:sp>
-      <p:sp>
-        <p:nvSpPr>
-          <p:cNvPr id="140" name="TextShape 5"/>
+      <p:pic>
+        <p:nvPicPr>
+          <p:cNvPr id="140" name="" descr=""/>
+          <p:cNvPicPr/>
+          <p:nvPr/>
+        </p:nvPicPr>
+        <p:blipFill>
+          <a:blip r:embed="rId1"/>
+          <a:stretch/>
+        </p:blipFill>
+        <p:spPr>
+          <a:xfrm>
+            <a:off x="4389120" y="791640"/>
+            <a:ext cx="2790360" cy="2809440"/>
+          </a:xfrm>
+          <a:prstGeom prst="rect">
+            <a:avLst/>
+          </a:prstGeom>
+          <a:ln>
+            <a:noFill/>
+          </a:ln>
+        </p:spPr>
+      </p:pic>
+      <p:sp>
+        <p:nvSpPr>
+          <p:cNvPr id="141" name="TextShape 5"/>
           <p:cNvSpPr txBox="1"/>
           <p:nvPr/>
         </p:nvSpPr>
         <p:spPr>
           <a:xfrm>
-            <a:off x="720000" y="936000"/>
-            <a:ext cx="6623640" cy="287640"/>
+            <a:off x="8138160" y="4663440"/>
+            <a:ext cx="1463040" cy="198720"/>
           </a:xfrm>
           <a:prstGeom prst="rect">
             <a:avLst/>
@@ -7889,12 +8291,15 @@
           </a:ln>
         </p:spPr>
         <p:txBody>
-          <a:bodyPr lIns="0" rIns="0" tIns="0" bIns="0"/>
-          <a:p>
-            <a:endParaRPr b="0" lang="nl-NL" sz="1500" spc="-1" strike="noStrike">
-              <a:solidFill>
-                <a:srgbClr val="000000"/>
-              </a:solidFill>
+          <a:bodyPr lIns="90000" rIns="90000" tIns="45000" bIns="45000"/>
+          <a:p>
+            <a:r>
+              <a:rPr b="0" lang="en-US" sz="900" spc="-1" strike="noStrike">
+                <a:latin typeface="Arial"/>
+              </a:rPr>
+              <a:t>Stateofjs.com</a:t>
+            </a:r>
+            <a:endParaRPr b="0" lang="en-US" sz="900" spc="-1" strike="noStrike">
               <a:latin typeface="Arial"/>
             </a:endParaRPr>
           </a:p>
@@ -7951,7 +8356,7 @@
       </p:grpSpPr>
       <p:sp>
         <p:nvSpPr>
-          <p:cNvPr id="141" name="TextShape 1"/>
+          <p:cNvPr id="142" name="TextShape 1"/>
           <p:cNvSpPr txBox="1"/>
           <p:nvPr/>
         </p:nvSpPr>
@@ -7996,7 +8401,7 @@
       </p:sp>
       <p:sp>
         <p:nvSpPr>
-          <p:cNvPr id="142" name="TextShape 2"/>
+          <p:cNvPr id="143" name="TextShape 2"/>
           <p:cNvSpPr txBox="1"/>
           <p:nvPr/>
         </p:nvSpPr>
@@ -8149,7 +8554,7 @@
       </p:sp>
       <p:sp>
         <p:nvSpPr>
-          <p:cNvPr id="143" name="TextShape 3"/>
+          <p:cNvPr id="144" name="TextShape 3"/>
           <p:cNvSpPr txBox="1"/>
           <p:nvPr/>
         </p:nvSpPr>
@@ -8191,7 +8596,7 @@
       </p:sp>
       <p:sp>
         <p:nvSpPr>
-          <p:cNvPr id="144" name="TextShape 4"/>
+          <p:cNvPr id="145" name="TextShape 4"/>
           <p:cNvSpPr txBox="1"/>
           <p:nvPr/>
         </p:nvSpPr>
@@ -8216,14 +8621,14 @@
                 <a:spcPct val="100000"/>
               </a:lnSpc>
             </a:pPr>
-            <a:fld id="{A41353EC-D6C8-47BF-A285-44F57BFF1BC9}" type="slidenum">
+            <a:fld id="{FC4154BB-3A43-4E4D-B785-754FD2C74EC7}" type="slidenum">
               <a:rPr b="0" lang="en-US" sz="600" spc="-1" strike="noStrike">
                 <a:solidFill>
                   <a:srgbClr val="ffffff"/>
                 </a:solidFill>
                 <a:latin typeface="Arial"/>
               </a:rPr>
-              <a:t>&lt;number&gt;</a:t>
+              <a:t>1</a:t>
             </a:fld>
             <a:endParaRPr b="0" lang="en-US" sz="600" spc="-1" strike="noStrike">
               <a:latin typeface="Times New Roman"/>
@@ -8282,7 +8687,7 @@
       </p:grpSpPr>
       <p:sp>
         <p:nvSpPr>
-          <p:cNvPr id="145" name="TextShape 1"/>
+          <p:cNvPr id="146" name="TextShape 1"/>
           <p:cNvSpPr txBox="1"/>
           <p:nvPr/>
         </p:nvSpPr>
@@ -8327,7 +8732,7 @@
       </p:sp>
       <p:sp>
         <p:nvSpPr>
-          <p:cNvPr id="146" name="TextShape 2"/>
+          <p:cNvPr id="147" name="TextShape 2"/>
           <p:cNvSpPr txBox="1"/>
           <p:nvPr/>
         </p:nvSpPr>
@@ -8369,7 +8774,7 @@
       </p:sp>
       <p:sp>
         <p:nvSpPr>
-          <p:cNvPr id="147" name="TextShape 3"/>
+          <p:cNvPr id="148" name="TextShape 3"/>
           <p:cNvSpPr txBox="1"/>
           <p:nvPr/>
         </p:nvSpPr>
@@ -8394,14 +8799,14 @@
                 <a:spcPct val="100000"/>
               </a:lnSpc>
             </a:pPr>
-            <a:fld id="{2995C11E-C307-48F5-BD23-ADAD506A2D0B}" type="slidenum">
+            <a:fld id="{11C8918A-56D9-48DA-9C96-D29713A5C84A}" type="slidenum">
               <a:rPr b="0" lang="en-US" sz="600" spc="-1" strike="noStrike">
                 <a:solidFill>
                   <a:srgbClr val="ffffff"/>
                 </a:solidFill>
                 <a:latin typeface="Arial"/>
               </a:rPr>
-              <a:t>&lt;number&gt;</a:t>
+              <a:t>1</a:t>
             </a:fld>
             <a:endParaRPr b="0" lang="en-US" sz="600" spc="-1" strike="noStrike">
               <a:latin typeface="Times New Roman"/>
@@ -8411,7 +8816,7 @@
       </p:sp>
       <p:pic>
         <p:nvPicPr>
-          <p:cNvPr id="148" name="Picture 6" descr=""/>
+          <p:cNvPr id="149" name="Picture 6" descr=""/>
           <p:cNvPicPr/>
           <p:nvPr/>
         </p:nvPicPr>
@@ -8434,14 +8839,14 @@
       </p:pic>
       <p:sp>
         <p:nvSpPr>
-          <p:cNvPr id="149" name="TextShape 4"/>
+          <p:cNvPr id="150" name="TextShape 4"/>
           <p:cNvSpPr txBox="1"/>
           <p:nvPr/>
         </p:nvSpPr>
         <p:spPr>
           <a:xfrm>
-            <a:off x="720000" y="1224000"/>
-            <a:ext cx="6623640" cy="3491640"/>
+            <a:off x="8138160" y="4663440"/>
+            <a:ext cx="1463040" cy="198720"/>
           </a:xfrm>
           <a:prstGeom prst="rect">
             <a:avLst/>
@@ -8452,12 +8857,15 @@
           </a:ln>
         </p:spPr>
         <p:txBody>
-          <a:bodyPr lIns="0" rIns="0" tIns="0" bIns="0"/>
-          <a:p>
-            <a:endParaRPr b="0" lang="nl-NL" sz="1500" spc="-1" strike="noStrike">
-              <a:solidFill>
-                <a:srgbClr val="000000"/>
-              </a:solidFill>
+          <a:bodyPr lIns="90000" rIns="90000" tIns="45000" bIns="45000"/>
+          <a:p>
+            <a:r>
+              <a:rPr b="0" lang="en-US" sz="900" spc="-1" strike="noStrike">
+                <a:latin typeface="Arial"/>
+              </a:rPr>
+              <a:t>Tweakers.net</a:t>
+            </a:r>
+            <a:endParaRPr b="0" lang="en-US" sz="900" spc="-1" strike="noStrike">
               <a:latin typeface="Arial"/>
             </a:endParaRPr>
           </a:p>
@@ -8514,7 +8922,7 @@
       </p:grpSpPr>
       <p:sp>
         <p:nvSpPr>
-          <p:cNvPr id="150" name="TextShape 1"/>
+          <p:cNvPr id="151" name="TextShape 1"/>
           <p:cNvSpPr txBox="1"/>
           <p:nvPr/>
         </p:nvSpPr>
@@ -8559,7 +8967,7 @@
       </p:sp>
       <p:sp>
         <p:nvSpPr>
-          <p:cNvPr id="151" name="TextShape 2"/>
+          <p:cNvPr id="152" name="TextShape 2"/>
           <p:cNvSpPr txBox="1"/>
           <p:nvPr/>
         </p:nvSpPr>
@@ -8601,7 +9009,7 @@
       </p:sp>
       <p:sp>
         <p:nvSpPr>
-          <p:cNvPr id="152" name="TextShape 3"/>
+          <p:cNvPr id="153" name="TextShape 3"/>
           <p:cNvSpPr txBox="1"/>
           <p:nvPr/>
         </p:nvSpPr>
@@ -8626,14 +9034,14 @@
                 <a:spcPct val="100000"/>
               </a:lnSpc>
             </a:pPr>
-            <a:fld id="{CA47596E-7F64-4BDE-9C23-AAB13C50B5FB}" type="slidenum">
+            <a:fld id="{8781CC16-7B4C-40DE-84FE-C83FADA003B5}" type="slidenum">
               <a:rPr b="0" lang="en-US" sz="600" spc="-1" strike="noStrike">
                 <a:solidFill>
                   <a:srgbClr val="ffffff"/>
                 </a:solidFill>
                 <a:latin typeface="Arial"/>
               </a:rPr>
-              <a:t>&lt;number&gt;</a:t>
+              <a:t>1</a:t>
             </a:fld>
             <a:endParaRPr b="0" lang="en-US" sz="600" spc="-1" strike="noStrike">
               <a:latin typeface="Times New Roman"/>
@@ -8643,7 +9051,7 @@
       </p:sp>
       <p:pic>
         <p:nvPicPr>
-          <p:cNvPr id="153" name="Picture 12" descr=""/>
+          <p:cNvPr id="154" name="Picture 12" descr=""/>
           <p:cNvPicPr/>
           <p:nvPr/>
         </p:nvPicPr>
@@ -8666,7 +9074,7 @@
       </p:pic>
       <p:pic>
         <p:nvPicPr>
-          <p:cNvPr id="154" name="Picture 14" descr=""/>
+          <p:cNvPr id="155" name="Picture 14" descr=""/>
           <p:cNvPicPr/>
           <p:nvPr/>
         </p:nvPicPr>
@@ -8738,7 +9146,7 @@
       </p:grpSpPr>
       <p:sp>
         <p:nvSpPr>
-          <p:cNvPr id="155" name="TextShape 1"/>
+          <p:cNvPr id="156" name="TextShape 1"/>
           <p:cNvSpPr txBox="1"/>
           <p:nvPr/>
         </p:nvSpPr>
@@ -8783,7 +9191,7 @@
       </p:sp>
       <p:sp>
         <p:nvSpPr>
-          <p:cNvPr id="156" name="TextShape 2"/>
+          <p:cNvPr id="157" name="TextShape 2"/>
           <p:cNvSpPr txBox="1"/>
           <p:nvPr/>
         </p:nvSpPr>
@@ -8825,7 +9233,7 @@
       </p:sp>
       <p:sp>
         <p:nvSpPr>
-          <p:cNvPr id="157" name="TextShape 3"/>
+          <p:cNvPr id="158" name="TextShape 3"/>
           <p:cNvSpPr txBox="1"/>
           <p:nvPr/>
         </p:nvSpPr>
@@ -8850,14 +9258,14 @@
                 <a:spcPct val="100000"/>
               </a:lnSpc>
             </a:pPr>
-            <a:fld id="{A20C7362-CAFD-4F34-9B48-4C6B2BCBDD54}" type="slidenum">
+            <a:fld id="{0076A546-934B-4284-B3AE-131CBB17B45D}" type="slidenum">
               <a:rPr b="0" lang="en-US" sz="600" spc="-1" strike="noStrike">
                 <a:solidFill>
                   <a:srgbClr val="ffffff"/>
                 </a:solidFill>
                 <a:latin typeface="Arial"/>
               </a:rPr>
-              <a:t>&lt;number&gt;</a:t>
+              <a:t>1</a:t>
             </a:fld>
             <a:endParaRPr b="0" lang="en-US" sz="600" spc="-1" strike="noStrike">
               <a:latin typeface="Times New Roman"/>
@@ -8867,7 +9275,7 @@
       </p:sp>
       <p:pic>
         <p:nvPicPr>
-          <p:cNvPr id="158" name="Picture 12" descr=""/>
+          <p:cNvPr id="159" name="Picture 12" descr=""/>
           <p:cNvPicPr/>
           <p:nvPr/>
         </p:nvPicPr>
@@ -8890,7 +9298,7 @@
       </p:pic>
       <p:pic>
         <p:nvPicPr>
-          <p:cNvPr id="159" name="Picture 14" descr=""/>
+          <p:cNvPr id="160" name="Picture 14" descr=""/>
           <p:cNvPicPr/>
           <p:nvPr/>
         </p:nvPicPr>
@@ -8962,7 +9370,7 @@
       </p:grpSpPr>
       <p:sp>
         <p:nvSpPr>
-          <p:cNvPr id="160" name="TextShape 1"/>
+          <p:cNvPr id="161" name="TextShape 1"/>
           <p:cNvSpPr txBox="1"/>
           <p:nvPr/>
         </p:nvSpPr>
@@ -9007,7 +9415,7 @@
       </p:sp>
       <p:pic>
         <p:nvPicPr>
-          <p:cNvPr id="161" name="Picture 7" descr=""/>
+          <p:cNvPr id="162" name="Picture 7" descr=""/>
           <p:cNvPicPr/>
           <p:nvPr/>
         </p:nvPicPr>
@@ -9030,7 +9438,7 @@
       </p:pic>
       <p:sp>
         <p:nvSpPr>
-          <p:cNvPr id="162" name="TextShape 2"/>
+          <p:cNvPr id="163" name="TextShape 2"/>
           <p:cNvSpPr txBox="1"/>
           <p:nvPr/>
         </p:nvSpPr>
@@ -9072,7 +9480,7 @@
       </p:sp>
       <p:sp>
         <p:nvSpPr>
-          <p:cNvPr id="163" name="TextShape 3"/>
+          <p:cNvPr id="164" name="TextShape 3"/>
           <p:cNvSpPr txBox="1"/>
           <p:nvPr/>
         </p:nvSpPr>
@@ -9097,14 +9505,14 @@
                 <a:spcPct val="100000"/>
               </a:lnSpc>
             </a:pPr>
-            <a:fld id="{5FFEEF61-FDC3-41B3-B44F-4F4322127E9B}" type="slidenum">
+            <a:fld id="{88E9D71D-5FB5-44D5-8AEB-BFA354BFE926}" type="slidenum">
               <a:rPr b="0" lang="en-US" sz="600" spc="-1" strike="noStrike">
                 <a:solidFill>
                   <a:srgbClr val="ffffff"/>
                 </a:solidFill>
                 <a:latin typeface="Arial"/>
               </a:rPr>
-              <a:t>&lt;number&gt;</a:t>
+              <a:t>1</a:t>
             </a:fld>
             <a:endParaRPr b="0" lang="en-US" sz="600" spc="-1" strike="noStrike">
               <a:latin typeface="Times New Roman"/>
@@ -9114,7 +9522,7 @@
       </p:sp>
       <p:pic>
         <p:nvPicPr>
-          <p:cNvPr id="164" name="Picture 9" descr=""/>
+          <p:cNvPr id="165" name="Picture 9" descr=""/>
           <p:cNvPicPr/>
           <p:nvPr/>
         </p:nvPicPr>
@@ -9137,7 +9545,7 @@
       </p:pic>
       <p:pic>
         <p:nvPicPr>
-          <p:cNvPr id="165" name="Picture 11" descr=""/>
+          <p:cNvPr id="166" name="Picture 11" descr=""/>
           <p:cNvPicPr/>
           <p:nvPr/>
         </p:nvPicPr>
@@ -9209,7 +9617,7 @@
       </p:grpSpPr>
       <p:sp>
         <p:nvSpPr>
-          <p:cNvPr id="166" name="TextShape 1"/>
+          <p:cNvPr id="167" name="TextShape 1"/>
           <p:cNvSpPr txBox="1"/>
           <p:nvPr/>
         </p:nvSpPr>
@@ -9241,7 +9649,7 @@
                 </a:solidFill>
                 <a:latin typeface="Arial"/>
               </a:rPr>
-              <a:t>Hands on tijd!</a:t>
+              <a:t>Hands-on Time!</a:t>
             </a:r>
             <a:endParaRPr b="0" lang="nl-NL" sz="1800" spc="-1" strike="noStrike">
               <a:solidFill>
@@ -9254,14 +9662,14 @@
       </p:sp>
       <p:sp>
         <p:nvSpPr>
-          <p:cNvPr id="167" name="TextShape 2"/>
+          <p:cNvPr id="168" name="TextShape 2"/>
           <p:cNvSpPr txBox="1"/>
           <p:nvPr/>
         </p:nvSpPr>
         <p:spPr>
           <a:xfrm>
-            <a:off x="2712960" y="2116440"/>
-            <a:ext cx="1591200" cy="778680"/>
+            <a:off x="2347200" y="2194560"/>
+            <a:ext cx="2407680" cy="778680"/>
           </a:xfrm>
           <a:prstGeom prst="rect">
             <a:avLst/>
@@ -9286,7 +9694,7 @@
                 </a:solidFill>
                 <a:latin typeface="Arial"/>
               </a:rPr>
-              <a:t>Vragen?</a:t>
+              <a:t>Questions?</a:t>
             </a:r>
             <a:endParaRPr b="0" lang="nl-NL" sz="3200" spc="-1" strike="noStrike">
               <a:solidFill>
@@ -9299,7 +9707,7 @@
       </p:sp>
       <p:sp>
         <p:nvSpPr>
-          <p:cNvPr id="168" name="TextShape 3"/>
+          <p:cNvPr id="169" name="TextShape 3"/>
           <p:cNvSpPr txBox="1"/>
           <p:nvPr/>
         </p:nvSpPr>
@@ -9341,7 +9749,7 @@
       </p:sp>
       <p:sp>
         <p:nvSpPr>
-          <p:cNvPr id="169" name="TextShape 4"/>
+          <p:cNvPr id="170" name="TextShape 4"/>
           <p:cNvSpPr txBox="1"/>
           <p:nvPr/>
         </p:nvSpPr>
@@ -9366,14 +9774,14 @@
                 <a:spcPct val="100000"/>
               </a:lnSpc>
             </a:pPr>
-            <a:fld id="{4C89DFDF-FCCC-4433-8424-C36AB06FE2A9}" type="slidenum">
+            <a:fld id="{31D6A668-D1D1-48E2-8BEE-B9B47A0A6AAC}" type="slidenum">
               <a:rPr b="0" lang="en-US" sz="600" spc="-1" strike="noStrike">
                 <a:solidFill>
                   <a:srgbClr val="ffffff"/>
                 </a:solidFill>
                 <a:latin typeface="Arial"/>
               </a:rPr>
-              <a:t>&lt;number&gt;</a:t>
+              <a:t>1</a:t>
             </a:fld>
             <a:endParaRPr b="0" lang="en-US" sz="600" spc="-1" strike="noStrike">
               <a:latin typeface="Times New Roman"/>
@@ -9383,7 +9791,7 @@
       </p:sp>
       <p:pic>
         <p:nvPicPr>
-          <p:cNvPr id="170" name="Picture Placeholder 6" descr=""/>
+          <p:cNvPr id="171" name="Picture Placeholder 6" descr=""/>
           <p:cNvPicPr/>
           <p:nvPr/>
         </p:nvPicPr>
@@ -9458,7 +9866,7 @@
       </p:grpSpPr>
       <p:sp>
         <p:nvSpPr>
-          <p:cNvPr id="171" name="TextShape 1"/>
+          <p:cNvPr id="172" name="TextShape 1"/>
           <p:cNvSpPr txBox="1"/>
           <p:nvPr/>
         </p:nvSpPr>
@@ -9503,7 +9911,7 @@
       </p:sp>
       <p:sp>
         <p:nvSpPr>
-          <p:cNvPr id="172" name="TextShape 2"/>
+          <p:cNvPr id="173" name="TextShape 2"/>
           <p:cNvSpPr txBox="1"/>
           <p:nvPr/>
         </p:nvSpPr>
@@ -9545,7 +9953,7 @@
       </p:sp>
       <p:sp>
         <p:nvSpPr>
-          <p:cNvPr id="173" name="TextShape 3"/>
+          <p:cNvPr id="174" name="TextShape 3"/>
           <p:cNvSpPr txBox="1"/>
           <p:nvPr/>
         </p:nvSpPr>
@@ -9570,14 +9978,14 @@
                 <a:spcPct val="100000"/>
               </a:lnSpc>
             </a:pPr>
-            <a:fld id="{85D2DF5C-F6F4-47E8-B71D-B0154A29F2AD}" type="slidenum">
+            <a:fld id="{36C095A4-6970-4968-BEA9-17ED1451C7E2}" type="slidenum">
               <a:rPr b="0" lang="en-US" sz="600" spc="-1" strike="noStrike">
                 <a:solidFill>
                   <a:srgbClr val="ffffff"/>
                 </a:solidFill>
                 <a:latin typeface="Arial"/>
               </a:rPr>
-              <a:t>&lt;number&gt;</a:t>
+              <a:t>1</a:t>
             </a:fld>
             <a:endParaRPr b="0" lang="en-US" sz="600" spc="-1" strike="noStrike">
               <a:latin typeface="Times New Roman"/>
@@ -9587,7 +9995,7 @@
       </p:sp>
       <p:sp>
         <p:nvSpPr>
-          <p:cNvPr id="174" name="TextShape 4"/>
+          <p:cNvPr id="175" name="TextShape 4"/>
           <p:cNvSpPr txBox="1"/>
           <p:nvPr/>
         </p:nvSpPr>

--- a/sig1/slides/SIG react 1.pptx
+++ b/sig1/slides/SIG react 1.pptx
@@ -79,8 +79,8 @@
         </p:nvSpPr>
         <p:spPr>
           <a:xfrm>
-            <a:off x="720000" y="288000"/>
-            <a:ext cx="6623640" cy="503640"/>
+            <a:off x="457200" y="205200"/>
+            <a:ext cx="8229240" cy="858600"/>
           </a:xfrm>
           <a:prstGeom prst="rect">
             <a:avLst/>
@@ -89,10 +89,8 @@
         <p:txBody>
           <a:bodyPr lIns="0" rIns="0" tIns="0" bIns="0" anchor="ctr"/>
           <a:p>
-            <a:endParaRPr b="0" lang="nl-NL" sz="1350" spc="-1" strike="noStrike">
-              <a:solidFill>
-                <a:srgbClr val="000000"/>
-              </a:solidFill>
+            <a:pPr algn="ctr"/>
+            <a:endParaRPr b="0" lang="en-US" sz="4400" spc="-1" strike="noStrike">
               <a:latin typeface="Arial"/>
             </a:endParaRPr>
           </a:p>
@@ -110,8 +108,8 @@
         </p:nvSpPr>
         <p:spPr>
           <a:xfrm>
-            <a:off x="720000" y="1224000"/>
-            <a:ext cx="6623640" cy="1665360"/>
+            <a:off x="457200" y="1203480"/>
+            <a:ext cx="8229240" cy="1422720"/>
           </a:xfrm>
           <a:prstGeom prst="rect">
             <a:avLst/>
@@ -122,10 +120,7 @@
             <a:normAutofit/>
           </a:bodyPr>
           <a:p>
-            <a:endParaRPr b="0" lang="nl-NL" sz="1500" spc="-1" strike="noStrike">
-              <a:solidFill>
-                <a:srgbClr val="000000"/>
-              </a:solidFill>
+            <a:endParaRPr b="0" lang="en-US" sz="3200" spc="-1" strike="noStrike">
               <a:latin typeface="Arial"/>
             </a:endParaRPr>
           </a:p>
@@ -143,8 +138,8 @@
         </p:nvSpPr>
         <p:spPr>
           <a:xfrm>
-            <a:off x="720000" y="3048120"/>
-            <a:ext cx="6623640" cy="1665360"/>
+            <a:off x="457200" y="2761920"/>
+            <a:ext cx="8229240" cy="1422720"/>
           </a:xfrm>
           <a:prstGeom prst="rect">
             <a:avLst/>
@@ -155,10 +150,7 @@
             <a:normAutofit/>
           </a:bodyPr>
           <a:p>
-            <a:endParaRPr b="0" lang="nl-NL" sz="1500" spc="-1" strike="noStrike">
-              <a:solidFill>
-                <a:srgbClr val="000000"/>
-              </a:solidFill>
+            <a:endParaRPr b="0" lang="en-US" sz="3200" spc="-1" strike="noStrike">
               <a:latin typeface="Arial"/>
             </a:endParaRPr>
           </a:p>
@@ -198,8 +190,8 @@
         </p:nvSpPr>
         <p:spPr>
           <a:xfrm>
-            <a:off x="720000" y="288000"/>
-            <a:ext cx="6623640" cy="503640"/>
+            <a:off x="457200" y="205200"/>
+            <a:ext cx="8229240" cy="858600"/>
           </a:xfrm>
           <a:prstGeom prst="rect">
             <a:avLst/>
@@ -208,10 +200,8 @@
         <p:txBody>
           <a:bodyPr lIns="0" rIns="0" tIns="0" bIns="0" anchor="ctr"/>
           <a:p>
-            <a:endParaRPr b="0" lang="nl-NL" sz="1350" spc="-1" strike="noStrike">
-              <a:solidFill>
-                <a:srgbClr val="000000"/>
-              </a:solidFill>
+            <a:pPr algn="ctr"/>
+            <a:endParaRPr b="0" lang="en-US" sz="4400" spc="-1" strike="noStrike">
               <a:latin typeface="Arial"/>
             </a:endParaRPr>
           </a:p>
@@ -229,8 +219,8 @@
         </p:nvSpPr>
         <p:spPr>
           <a:xfrm>
-            <a:off x="720000" y="1224000"/>
-            <a:ext cx="3232080" cy="1665360"/>
+            <a:off x="457200" y="1203480"/>
+            <a:ext cx="4015800" cy="1422720"/>
           </a:xfrm>
           <a:prstGeom prst="rect">
             <a:avLst/>
@@ -241,10 +231,7 @@
             <a:normAutofit/>
           </a:bodyPr>
           <a:p>
-            <a:endParaRPr b="0" lang="nl-NL" sz="1500" spc="-1" strike="noStrike">
-              <a:solidFill>
-                <a:srgbClr val="000000"/>
-              </a:solidFill>
+            <a:endParaRPr b="0" lang="en-US" sz="3200" spc="-1" strike="noStrike">
               <a:latin typeface="Arial"/>
             </a:endParaRPr>
           </a:p>
@@ -262,8 +249,8 @@
         </p:nvSpPr>
         <p:spPr>
           <a:xfrm>
-            <a:off x="4114080" y="1224000"/>
-            <a:ext cx="3232080" cy="1665360"/>
+            <a:off x="4674240" y="1203480"/>
+            <a:ext cx="4015800" cy="1422720"/>
           </a:xfrm>
           <a:prstGeom prst="rect">
             <a:avLst/>
@@ -274,10 +261,7 @@
             <a:normAutofit/>
           </a:bodyPr>
           <a:p>
-            <a:endParaRPr b="0" lang="nl-NL" sz="1500" spc="-1" strike="noStrike">
-              <a:solidFill>
-                <a:srgbClr val="000000"/>
-              </a:solidFill>
+            <a:endParaRPr b="0" lang="en-US" sz="3200" spc="-1" strike="noStrike">
               <a:latin typeface="Arial"/>
             </a:endParaRPr>
           </a:p>
@@ -295,8 +279,8 @@
         </p:nvSpPr>
         <p:spPr>
           <a:xfrm>
-            <a:off x="720000" y="3048120"/>
-            <a:ext cx="3232080" cy="1665360"/>
+            <a:off x="457200" y="2761920"/>
+            <a:ext cx="4015800" cy="1422720"/>
           </a:xfrm>
           <a:prstGeom prst="rect">
             <a:avLst/>
@@ -307,10 +291,7 @@
             <a:normAutofit/>
           </a:bodyPr>
           <a:p>
-            <a:endParaRPr b="0" lang="nl-NL" sz="1500" spc="-1" strike="noStrike">
-              <a:solidFill>
-                <a:srgbClr val="000000"/>
-              </a:solidFill>
+            <a:endParaRPr b="0" lang="en-US" sz="3200" spc="-1" strike="noStrike">
               <a:latin typeface="Arial"/>
             </a:endParaRPr>
           </a:p>
@@ -328,8 +309,8 @@
         </p:nvSpPr>
         <p:spPr>
           <a:xfrm>
-            <a:off x="4114080" y="3048120"/>
-            <a:ext cx="3232080" cy="1665360"/>
+            <a:off x="4674240" y="2761920"/>
+            <a:ext cx="4015800" cy="1422720"/>
           </a:xfrm>
           <a:prstGeom prst="rect">
             <a:avLst/>
@@ -340,10 +321,7 @@
             <a:normAutofit/>
           </a:bodyPr>
           <a:p>
-            <a:endParaRPr b="0" lang="nl-NL" sz="1500" spc="-1" strike="noStrike">
-              <a:solidFill>
-                <a:srgbClr val="000000"/>
-              </a:solidFill>
+            <a:endParaRPr b="0" lang="en-US" sz="3200" spc="-1" strike="noStrike">
               <a:latin typeface="Arial"/>
             </a:endParaRPr>
           </a:p>
@@ -383,8 +361,8 @@
         </p:nvSpPr>
         <p:spPr>
           <a:xfrm>
-            <a:off x="720000" y="288000"/>
-            <a:ext cx="6623640" cy="503640"/>
+            <a:off x="457200" y="205200"/>
+            <a:ext cx="8229240" cy="858600"/>
           </a:xfrm>
           <a:prstGeom prst="rect">
             <a:avLst/>
@@ -393,10 +371,8 @@
         <p:txBody>
           <a:bodyPr lIns="0" rIns="0" tIns="0" bIns="0" anchor="ctr"/>
           <a:p>
-            <a:endParaRPr b="0" lang="nl-NL" sz="1350" spc="-1" strike="noStrike">
-              <a:solidFill>
-                <a:srgbClr val="000000"/>
-              </a:solidFill>
+            <a:pPr algn="ctr"/>
+            <a:endParaRPr b="0" lang="en-US" sz="4400" spc="-1" strike="noStrike">
               <a:latin typeface="Arial"/>
             </a:endParaRPr>
           </a:p>
@@ -414,8 +390,8 @@
         </p:nvSpPr>
         <p:spPr>
           <a:xfrm>
-            <a:off x="720000" y="1224000"/>
-            <a:ext cx="2132640" cy="1665360"/>
+            <a:off x="457200" y="1203480"/>
+            <a:ext cx="2649600" cy="1422720"/>
           </a:xfrm>
           <a:prstGeom prst="rect">
             <a:avLst/>
@@ -426,10 +402,7 @@
             <a:normAutofit/>
           </a:bodyPr>
           <a:p>
-            <a:endParaRPr b="0" lang="nl-NL" sz="1500" spc="-1" strike="noStrike">
-              <a:solidFill>
-                <a:srgbClr val="000000"/>
-              </a:solidFill>
+            <a:endParaRPr b="0" lang="en-US" sz="3200" spc="-1" strike="noStrike">
               <a:latin typeface="Arial"/>
             </a:endParaRPr>
           </a:p>
@@ -447,8 +420,8 @@
         </p:nvSpPr>
         <p:spPr>
           <a:xfrm>
-            <a:off x="2959560" y="1224000"/>
-            <a:ext cx="2132640" cy="1665360"/>
+            <a:off x="3239640" y="1203480"/>
+            <a:ext cx="2649600" cy="1422720"/>
           </a:xfrm>
           <a:prstGeom prst="rect">
             <a:avLst/>
@@ -459,10 +432,7 @@
             <a:normAutofit/>
           </a:bodyPr>
           <a:p>
-            <a:endParaRPr b="0" lang="nl-NL" sz="1500" spc="-1" strike="noStrike">
-              <a:solidFill>
-                <a:srgbClr val="000000"/>
-              </a:solidFill>
+            <a:endParaRPr b="0" lang="en-US" sz="3200" spc="-1" strike="noStrike">
               <a:latin typeface="Arial"/>
             </a:endParaRPr>
           </a:p>
@@ -480,8 +450,8 @@
         </p:nvSpPr>
         <p:spPr>
           <a:xfrm>
-            <a:off x="5199480" y="1224000"/>
-            <a:ext cx="2132640" cy="1665360"/>
+            <a:off x="6022080" y="1203480"/>
+            <a:ext cx="2649600" cy="1422720"/>
           </a:xfrm>
           <a:prstGeom prst="rect">
             <a:avLst/>
@@ -492,10 +462,7 @@
             <a:normAutofit/>
           </a:bodyPr>
           <a:p>
-            <a:endParaRPr b="0" lang="nl-NL" sz="1500" spc="-1" strike="noStrike">
-              <a:solidFill>
-                <a:srgbClr val="000000"/>
-              </a:solidFill>
+            <a:endParaRPr b="0" lang="en-US" sz="3200" spc="-1" strike="noStrike">
               <a:latin typeface="Arial"/>
             </a:endParaRPr>
           </a:p>
@@ -513,8 +480,8 @@
         </p:nvSpPr>
         <p:spPr>
           <a:xfrm>
-            <a:off x="720000" y="3048120"/>
-            <a:ext cx="2132640" cy="1665360"/>
+            <a:off x="457200" y="2761920"/>
+            <a:ext cx="2649600" cy="1422720"/>
           </a:xfrm>
           <a:prstGeom prst="rect">
             <a:avLst/>
@@ -525,10 +492,7 @@
             <a:normAutofit/>
           </a:bodyPr>
           <a:p>
-            <a:endParaRPr b="0" lang="nl-NL" sz="1500" spc="-1" strike="noStrike">
-              <a:solidFill>
-                <a:srgbClr val="000000"/>
-              </a:solidFill>
+            <a:endParaRPr b="0" lang="en-US" sz="3200" spc="-1" strike="noStrike">
               <a:latin typeface="Arial"/>
             </a:endParaRPr>
           </a:p>
@@ -546,8 +510,8 @@
         </p:nvSpPr>
         <p:spPr>
           <a:xfrm>
-            <a:off x="2959560" y="3048120"/>
-            <a:ext cx="2132640" cy="1665360"/>
+            <a:off x="3239640" y="2761920"/>
+            <a:ext cx="2649600" cy="1422720"/>
           </a:xfrm>
           <a:prstGeom prst="rect">
             <a:avLst/>
@@ -558,10 +522,7 @@
             <a:normAutofit/>
           </a:bodyPr>
           <a:p>
-            <a:endParaRPr b="0" lang="nl-NL" sz="1500" spc="-1" strike="noStrike">
-              <a:solidFill>
-                <a:srgbClr val="000000"/>
-              </a:solidFill>
+            <a:endParaRPr b="0" lang="en-US" sz="3200" spc="-1" strike="noStrike">
               <a:latin typeface="Arial"/>
             </a:endParaRPr>
           </a:p>
@@ -579,8 +540,8 @@
         </p:nvSpPr>
         <p:spPr>
           <a:xfrm>
-            <a:off x="5199480" y="3048120"/>
-            <a:ext cx="2132640" cy="1665360"/>
+            <a:off x="6022080" y="2761920"/>
+            <a:ext cx="2649600" cy="1422720"/>
           </a:xfrm>
           <a:prstGeom prst="rect">
             <a:avLst/>
@@ -591,10 +552,7 @@
             <a:normAutofit/>
           </a:bodyPr>
           <a:p>
-            <a:endParaRPr b="0" lang="nl-NL" sz="1500" spc="-1" strike="noStrike">
-              <a:solidFill>
-                <a:srgbClr val="000000"/>
-              </a:solidFill>
+            <a:endParaRPr b="0" lang="en-US" sz="3200" spc="-1" strike="noStrike">
               <a:latin typeface="Arial"/>
             </a:endParaRPr>
           </a:p>
@@ -646,7 +604,7 @@
       </p:grpSpPr>
       <p:sp>
         <p:nvSpPr>
-          <p:cNvPr id="52" name="PlaceHolder 1"/>
+          <p:cNvPr id="48" name="PlaceHolder 1"/>
           <p:cNvSpPr>
             <a:spLocks noGrp="1"/>
           </p:cNvSpPr>
@@ -656,8 +614,8 @@
         </p:nvSpPr>
         <p:spPr>
           <a:xfrm>
-            <a:off x="720000" y="288000"/>
-            <a:ext cx="6623640" cy="503640"/>
+            <a:off x="457200" y="205200"/>
+            <a:ext cx="8229240" cy="858600"/>
           </a:xfrm>
           <a:prstGeom prst="rect">
             <a:avLst/>
@@ -666,18 +624,16 @@
         <p:txBody>
           <a:bodyPr lIns="0" rIns="0" tIns="0" bIns="0" anchor="ctr"/>
           <a:p>
-            <a:endParaRPr b="0" lang="nl-NL" sz="1350" spc="-1" strike="noStrike">
-              <a:solidFill>
-                <a:srgbClr val="000000"/>
-              </a:solidFill>
-              <a:latin typeface="Arial"/>
-            </a:endParaRPr>
-          </a:p>
-        </p:txBody>
-      </p:sp>
-      <p:sp>
-        <p:nvSpPr>
-          <p:cNvPr id="53" name="PlaceHolder 2"/>
+            <a:pPr algn="ctr"/>
+            <a:endParaRPr b="0" lang="en-US" sz="4400" spc="-1" strike="noStrike">
+              <a:latin typeface="Arial"/>
+            </a:endParaRPr>
+          </a:p>
+        </p:txBody>
+      </p:sp>
+      <p:sp>
+        <p:nvSpPr>
+          <p:cNvPr id="49" name="PlaceHolder 2"/>
           <p:cNvSpPr>
             <a:spLocks noGrp="1"/>
           </p:cNvSpPr>
@@ -687,8 +643,8 @@
         </p:nvSpPr>
         <p:spPr>
           <a:xfrm>
-            <a:off x="720000" y="1224000"/>
-            <a:ext cx="6623640" cy="3491640"/>
+            <a:off x="457200" y="1203480"/>
+            <a:ext cx="8229240" cy="2982960"/>
           </a:xfrm>
           <a:prstGeom prst="rect">
             <a:avLst/>
@@ -728,7 +684,7 @@
       </p:grpSpPr>
       <p:sp>
         <p:nvSpPr>
-          <p:cNvPr id="54" name="PlaceHolder 1"/>
+          <p:cNvPr id="50" name="PlaceHolder 1"/>
           <p:cNvSpPr>
             <a:spLocks noGrp="1"/>
           </p:cNvSpPr>
@@ -738,8 +694,8 @@
         </p:nvSpPr>
         <p:spPr>
           <a:xfrm>
-            <a:off x="720000" y="288000"/>
-            <a:ext cx="6623640" cy="503640"/>
+            <a:off x="457200" y="205200"/>
+            <a:ext cx="8229240" cy="858600"/>
           </a:xfrm>
           <a:prstGeom prst="rect">
             <a:avLst/>
@@ -748,18 +704,16 @@
         <p:txBody>
           <a:bodyPr lIns="0" rIns="0" tIns="0" bIns="0" anchor="ctr"/>
           <a:p>
-            <a:endParaRPr b="0" lang="nl-NL" sz="1350" spc="-1" strike="noStrike">
-              <a:solidFill>
-                <a:srgbClr val="000000"/>
-              </a:solidFill>
-              <a:latin typeface="Arial"/>
-            </a:endParaRPr>
-          </a:p>
-        </p:txBody>
-      </p:sp>
-      <p:sp>
-        <p:nvSpPr>
-          <p:cNvPr id="55" name="PlaceHolder 2"/>
+            <a:pPr algn="ctr"/>
+            <a:endParaRPr b="0" lang="en-US" sz="4400" spc="-1" strike="noStrike">
+              <a:latin typeface="Arial"/>
+            </a:endParaRPr>
+          </a:p>
+        </p:txBody>
+      </p:sp>
+      <p:sp>
+        <p:nvSpPr>
+          <p:cNvPr id="51" name="PlaceHolder 2"/>
           <p:cNvSpPr>
             <a:spLocks noGrp="1"/>
           </p:cNvSpPr>
@@ -769,8 +723,8 @@
         </p:nvSpPr>
         <p:spPr>
           <a:xfrm>
-            <a:off x="720000" y="1224000"/>
-            <a:ext cx="6623640" cy="3491640"/>
+            <a:off x="457200" y="1203480"/>
+            <a:ext cx="8229240" cy="2982960"/>
           </a:xfrm>
           <a:prstGeom prst="rect">
             <a:avLst/>
@@ -781,10 +735,7 @@
             <a:normAutofit/>
           </a:bodyPr>
           <a:p>
-            <a:endParaRPr b="0" lang="nl-NL" sz="1500" spc="-1" strike="noStrike">
-              <a:solidFill>
-                <a:srgbClr val="000000"/>
-              </a:solidFill>
+            <a:endParaRPr b="0" lang="en-US" sz="3200" spc="-1" strike="noStrike">
               <a:latin typeface="Arial"/>
             </a:endParaRPr>
           </a:p>
@@ -814,7 +765,7 @@
       </p:grpSpPr>
       <p:sp>
         <p:nvSpPr>
-          <p:cNvPr id="56" name="PlaceHolder 1"/>
+          <p:cNvPr id="52" name="PlaceHolder 1"/>
           <p:cNvSpPr>
             <a:spLocks noGrp="1"/>
           </p:cNvSpPr>
@@ -824,8 +775,8 @@
         </p:nvSpPr>
         <p:spPr>
           <a:xfrm>
-            <a:off x="720000" y="288000"/>
-            <a:ext cx="6623640" cy="503640"/>
+            <a:off x="457200" y="205200"/>
+            <a:ext cx="8229240" cy="858600"/>
           </a:xfrm>
           <a:prstGeom prst="rect">
             <a:avLst/>
@@ -834,18 +785,16 @@
         <p:txBody>
           <a:bodyPr lIns="0" rIns="0" tIns="0" bIns="0" anchor="ctr"/>
           <a:p>
-            <a:endParaRPr b="0" lang="nl-NL" sz="1350" spc="-1" strike="noStrike">
-              <a:solidFill>
-                <a:srgbClr val="000000"/>
-              </a:solidFill>
-              <a:latin typeface="Arial"/>
-            </a:endParaRPr>
-          </a:p>
-        </p:txBody>
-      </p:sp>
-      <p:sp>
-        <p:nvSpPr>
-          <p:cNvPr id="57" name="PlaceHolder 2"/>
+            <a:pPr algn="ctr"/>
+            <a:endParaRPr b="0" lang="en-US" sz="4400" spc="-1" strike="noStrike">
+              <a:latin typeface="Arial"/>
+            </a:endParaRPr>
+          </a:p>
+        </p:txBody>
+      </p:sp>
+      <p:sp>
+        <p:nvSpPr>
+          <p:cNvPr id="53" name="PlaceHolder 2"/>
           <p:cNvSpPr>
             <a:spLocks noGrp="1"/>
           </p:cNvSpPr>
@@ -855,8 +804,8 @@
         </p:nvSpPr>
         <p:spPr>
           <a:xfrm>
-            <a:off x="720000" y="1224000"/>
-            <a:ext cx="3232080" cy="3491640"/>
+            <a:off x="457200" y="1203480"/>
+            <a:ext cx="4015800" cy="2982960"/>
           </a:xfrm>
           <a:prstGeom prst="rect">
             <a:avLst/>
@@ -867,18 +816,15 @@
             <a:normAutofit/>
           </a:bodyPr>
           <a:p>
-            <a:endParaRPr b="0" lang="nl-NL" sz="1500" spc="-1" strike="noStrike">
-              <a:solidFill>
-                <a:srgbClr val="000000"/>
-              </a:solidFill>
-              <a:latin typeface="Arial"/>
-            </a:endParaRPr>
-          </a:p>
-        </p:txBody>
-      </p:sp>
-      <p:sp>
-        <p:nvSpPr>
-          <p:cNvPr id="58" name="PlaceHolder 3"/>
+            <a:endParaRPr b="0" lang="en-US" sz="3200" spc="-1" strike="noStrike">
+              <a:latin typeface="Arial"/>
+            </a:endParaRPr>
+          </a:p>
+        </p:txBody>
+      </p:sp>
+      <p:sp>
+        <p:nvSpPr>
+          <p:cNvPr id="54" name="PlaceHolder 3"/>
           <p:cNvSpPr>
             <a:spLocks noGrp="1"/>
           </p:cNvSpPr>
@@ -888,8 +834,8 @@
         </p:nvSpPr>
         <p:spPr>
           <a:xfrm>
-            <a:off x="4114080" y="1224000"/>
-            <a:ext cx="3232080" cy="3491640"/>
+            <a:off x="4674240" y="1203480"/>
+            <a:ext cx="4015800" cy="2982960"/>
           </a:xfrm>
           <a:prstGeom prst="rect">
             <a:avLst/>
@@ -900,10 +846,7 @@
             <a:normAutofit/>
           </a:bodyPr>
           <a:p>
-            <a:endParaRPr b="0" lang="nl-NL" sz="1500" spc="-1" strike="noStrike">
-              <a:solidFill>
-                <a:srgbClr val="000000"/>
-              </a:solidFill>
+            <a:endParaRPr b="0" lang="en-US" sz="3200" spc="-1" strike="noStrike">
               <a:latin typeface="Arial"/>
             </a:endParaRPr>
           </a:p>
@@ -933,7 +876,7 @@
       </p:grpSpPr>
       <p:sp>
         <p:nvSpPr>
-          <p:cNvPr id="59" name="PlaceHolder 1"/>
+          <p:cNvPr id="55" name="PlaceHolder 1"/>
           <p:cNvSpPr>
             <a:spLocks noGrp="1"/>
           </p:cNvSpPr>
@@ -943,8 +886,8 @@
         </p:nvSpPr>
         <p:spPr>
           <a:xfrm>
-            <a:off x="720000" y="288000"/>
-            <a:ext cx="6623640" cy="503640"/>
+            <a:off x="457200" y="205200"/>
+            <a:ext cx="8229240" cy="858600"/>
           </a:xfrm>
           <a:prstGeom prst="rect">
             <a:avLst/>
@@ -953,10 +896,8 @@
         <p:txBody>
           <a:bodyPr lIns="0" rIns="0" tIns="0" bIns="0" anchor="ctr"/>
           <a:p>
-            <a:endParaRPr b="0" lang="nl-NL" sz="1350" spc="-1" strike="noStrike">
-              <a:solidFill>
-                <a:srgbClr val="000000"/>
-              </a:solidFill>
+            <a:pPr algn="ctr"/>
+            <a:endParaRPr b="0" lang="en-US" sz="4400" spc="-1" strike="noStrike">
               <a:latin typeface="Arial"/>
             </a:endParaRPr>
           </a:p>
@@ -986,7 +927,7 @@
       </p:grpSpPr>
       <p:sp>
         <p:nvSpPr>
-          <p:cNvPr id="60" name="PlaceHolder 1"/>
+          <p:cNvPr id="56" name="PlaceHolder 1"/>
           <p:cNvSpPr>
             <a:spLocks noGrp="1"/>
           </p:cNvSpPr>
@@ -996,8 +937,8 @@
         </p:nvSpPr>
         <p:spPr>
           <a:xfrm>
-            <a:off x="720000" y="288000"/>
-            <a:ext cx="6623640" cy="2336040"/>
+            <a:off x="457200" y="205200"/>
+            <a:ext cx="8229240" cy="3981240"/>
           </a:xfrm>
           <a:prstGeom prst="rect">
             <a:avLst/>
@@ -1037,7 +978,7 @@
       </p:grpSpPr>
       <p:sp>
         <p:nvSpPr>
-          <p:cNvPr id="61" name="PlaceHolder 1"/>
+          <p:cNvPr id="57" name="PlaceHolder 1"/>
           <p:cNvSpPr>
             <a:spLocks noGrp="1"/>
           </p:cNvSpPr>
@@ -1047,8 +988,8 @@
         </p:nvSpPr>
         <p:spPr>
           <a:xfrm>
-            <a:off x="720000" y="288000"/>
-            <a:ext cx="6623640" cy="503640"/>
+            <a:off x="457200" y="205200"/>
+            <a:ext cx="8229240" cy="858600"/>
           </a:xfrm>
           <a:prstGeom prst="rect">
             <a:avLst/>
@@ -1057,18 +998,16 @@
         <p:txBody>
           <a:bodyPr lIns="0" rIns="0" tIns="0" bIns="0" anchor="ctr"/>
           <a:p>
-            <a:endParaRPr b="0" lang="nl-NL" sz="1350" spc="-1" strike="noStrike">
-              <a:solidFill>
-                <a:srgbClr val="000000"/>
-              </a:solidFill>
-              <a:latin typeface="Arial"/>
-            </a:endParaRPr>
-          </a:p>
-        </p:txBody>
-      </p:sp>
-      <p:sp>
-        <p:nvSpPr>
-          <p:cNvPr id="62" name="PlaceHolder 2"/>
+            <a:pPr algn="ctr"/>
+            <a:endParaRPr b="0" lang="en-US" sz="4400" spc="-1" strike="noStrike">
+              <a:latin typeface="Arial"/>
+            </a:endParaRPr>
+          </a:p>
+        </p:txBody>
+      </p:sp>
+      <p:sp>
+        <p:nvSpPr>
+          <p:cNvPr id="58" name="PlaceHolder 2"/>
           <p:cNvSpPr>
             <a:spLocks noGrp="1"/>
           </p:cNvSpPr>
@@ -1078,8 +1017,8 @@
         </p:nvSpPr>
         <p:spPr>
           <a:xfrm>
-            <a:off x="720000" y="1224000"/>
-            <a:ext cx="3232080" cy="1665360"/>
+            <a:off x="457200" y="1203480"/>
+            <a:ext cx="4015800" cy="1422720"/>
           </a:xfrm>
           <a:prstGeom prst="rect">
             <a:avLst/>
@@ -1090,18 +1029,15 @@
             <a:normAutofit/>
           </a:bodyPr>
           <a:p>
-            <a:endParaRPr b="0" lang="nl-NL" sz="1500" spc="-1" strike="noStrike">
-              <a:solidFill>
-                <a:srgbClr val="000000"/>
-              </a:solidFill>
-              <a:latin typeface="Arial"/>
-            </a:endParaRPr>
-          </a:p>
-        </p:txBody>
-      </p:sp>
-      <p:sp>
-        <p:nvSpPr>
-          <p:cNvPr id="63" name="PlaceHolder 3"/>
+            <a:endParaRPr b="0" lang="en-US" sz="3200" spc="-1" strike="noStrike">
+              <a:latin typeface="Arial"/>
+            </a:endParaRPr>
+          </a:p>
+        </p:txBody>
+      </p:sp>
+      <p:sp>
+        <p:nvSpPr>
+          <p:cNvPr id="59" name="PlaceHolder 3"/>
           <p:cNvSpPr>
             <a:spLocks noGrp="1"/>
           </p:cNvSpPr>
@@ -1111,8 +1047,8 @@
         </p:nvSpPr>
         <p:spPr>
           <a:xfrm>
-            <a:off x="4114080" y="1224000"/>
-            <a:ext cx="3232080" cy="3491640"/>
+            <a:off x="4674240" y="1203480"/>
+            <a:ext cx="4015800" cy="2982960"/>
           </a:xfrm>
           <a:prstGeom prst="rect">
             <a:avLst/>
@@ -1123,18 +1059,15 @@
             <a:normAutofit/>
           </a:bodyPr>
           <a:p>
-            <a:endParaRPr b="0" lang="nl-NL" sz="1500" spc="-1" strike="noStrike">
-              <a:solidFill>
-                <a:srgbClr val="000000"/>
-              </a:solidFill>
-              <a:latin typeface="Arial"/>
-            </a:endParaRPr>
-          </a:p>
-        </p:txBody>
-      </p:sp>
-      <p:sp>
-        <p:nvSpPr>
-          <p:cNvPr id="64" name="PlaceHolder 4"/>
+            <a:endParaRPr b="0" lang="en-US" sz="3200" spc="-1" strike="noStrike">
+              <a:latin typeface="Arial"/>
+            </a:endParaRPr>
+          </a:p>
+        </p:txBody>
+      </p:sp>
+      <p:sp>
+        <p:nvSpPr>
+          <p:cNvPr id="60" name="PlaceHolder 4"/>
           <p:cNvSpPr>
             <a:spLocks noGrp="1"/>
           </p:cNvSpPr>
@@ -1144,8 +1077,8 @@
         </p:nvSpPr>
         <p:spPr>
           <a:xfrm>
-            <a:off x="720000" y="3048120"/>
-            <a:ext cx="3232080" cy="1665360"/>
+            <a:off x="457200" y="2761920"/>
+            <a:ext cx="4015800" cy="1422720"/>
           </a:xfrm>
           <a:prstGeom prst="rect">
             <a:avLst/>
@@ -1156,10 +1089,7 @@
             <a:normAutofit/>
           </a:bodyPr>
           <a:p>
-            <a:endParaRPr b="0" lang="nl-NL" sz="1500" spc="-1" strike="noStrike">
-              <a:solidFill>
-                <a:srgbClr val="000000"/>
-              </a:solidFill>
+            <a:endParaRPr b="0" lang="en-US" sz="3200" spc="-1" strike="noStrike">
               <a:latin typeface="Arial"/>
             </a:endParaRPr>
           </a:p>
@@ -1199,8 +1129,8 @@
         </p:nvSpPr>
         <p:spPr>
           <a:xfrm>
-            <a:off x="720000" y="288000"/>
-            <a:ext cx="6623640" cy="503640"/>
+            <a:off x="457200" y="205200"/>
+            <a:ext cx="8229240" cy="858600"/>
           </a:xfrm>
           <a:prstGeom prst="rect">
             <a:avLst/>
@@ -1209,10 +1139,8 @@
         <p:txBody>
           <a:bodyPr lIns="0" rIns="0" tIns="0" bIns="0" anchor="ctr"/>
           <a:p>
-            <a:endParaRPr b="0" lang="nl-NL" sz="1350" spc="-1" strike="noStrike">
-              <a:solidFill>
-                <a:srgbClr val="000000"/>
-              </a:solidFill>
+            <a:pPr algn="ctr"/>
+            <a:endParaRPr b="0" lang="en-US" sz="4400" spc="-1" strike="noStrike">
               <a:latin typeface="Arial"/>
             </a:endParaRPr>
           </a:p>
@@ -1230,8 +1158,8 @@
         </p:nvSpPr>
         <p:spPr>
           <a:xfrm>
-            <a:off x="720000" y="1224000"/>
-            <a:ext cx="6623640" cy="3491640"/>
+            <a:off x="457200" y="1203480"/>
+            <a:ext cx="8229240" cy="2982960"/>
           </a:xfrm>
           <a:prstGeom prst="rect">
             <a:avLst/>
@@ -1271,7 +1199,7 @@
       </p:grpSpPr>
       <p:sp>
         <p:nvSpPr>
-          <p:cNvPr id="65" name="PlaceHolder 1"/>
+          <p:cNvPr id="61" name="PlaceHolder 1"/>
           <p:cNvSpPr>
             <a:spLocks noGrp="1"/>
           </p:cNvSpPr>
@@ -1281,8 +1209,8 @@
         </p:nvSpPr>
         <p:spPr>
           <a:xfrm>
-            <a:off x="720000" y="288000"/>
-            <a:ext cx="6623640" cy="503640"/>
+            <a:off x="457200" y="205200"/>
+            <a:ext cx="8229240" cy="858600"/>
           </a:xfrm>
           <a:prstGeom prst="rect">
             <a:avLst/>
@@ -1291,18 +1219,16 @@
         <p:txBody>
           <a:bodyPr lIns="0" rIns="0" tIns="0" bIns="0" anchor="ctr"/>
           <a:p>
-            <a:endParaRPr b="0" lang="nl-NL" sz="1350" spc="-1" strike="noStrike">
-              <a:solidFill>
-                <a:srgbClr val="000000"/>
-              </a:solidFill>
-              <a:latin typeface="Arial"/>
-            </a:endParaRPr>
-          </a:p>
-        </p:txBody>
-      </p:sp>
-      <p:sp>
-        <p:nvSpPr>
-          <p:cNvPr id="66" name="PlaceHolder 2"/>
+            <a:pPr algn="ctr"/>
+            <a:endParaRPr b="0" lang="en-US" sz="4400" spc="-1" strike="noStrike">
+              <a:latin typeface="Arial"/>
+            </a:endParaRPr>
+          </a:p>
+        </p:txBody>
+      </p:sp>
+      <p:sp>
+        <p:nvSpPr>
+          <p:cNvPr id="62" name="PlaceHolder 2"/>
           <p:cNvSpPr>
             <a:spLocks noGrp="1"/>
           </p:cNvSpPr>
@@ -1312,8 +1238,8 @@
         </p:nvSpPr>
         <p:spPr>
           <a:xfrm>
-            <a:off x="720000" y="1224000"/>
-            <a:ext cx="3232080" cy="3491640"/>
+            <a:off x="457200" y="1203480"/>
+            <a:ext cx="4015800" cy="2982960"/>
           </a:xfrm>
           <a:prstGeom prst="rect">
             <a:avLst/>
@@ -1324,18 +1250,15 @@
             <a:normAutofit/>
           </a:bodyPr>
           <a:p>
-            <a:endParaRPr b="0" lang="nl-NL" sz="1500" spc="-1" strike="noStrike">
-              <a:solidFill>
-                <a:srgbClr val="000000"/>
-              </a:solidFill>
-              <a:latin typeface="Arial"/>
-            </a:endParaRPr>
-          </a:p>
-        </p:txBody>
-      </p:sp>
-      <p:sp>
-        <p:nvSpPr>
-          <p:cNvPr id="67" name="PlaceHolder 3"/>
+            <a:endParaRPr b="0" lang="en-US" sz="3200" spc="-1" strike="noStrike">
+              <a:latin typeface="Arial"/>
+            </a:endParaRPr>
+          </a:p>
+        </p:txBody>
+      </p:sp>
+      <p:sp>
+        <p:nvSpPr>
+          <p:cNvPr id="63" name="PlaceHolder 3"/>
           <p:cNvSpPr>
             <a:spLocks noGrp="1"/>
           </p:cNvSpPr>
@@ -1345,8 +1268,8 @@
         </p:nvSpPr>
         <p:spPr>
           <a:xfrm>
-            <a:off x="4114080" y="1224000"/>
-            <a:ext cx="3232080" cy="1665360"/>
+            <a:off x="4674240" y="1203480"/>
+            <a:ext cx="4015800" cy="1422720"/>
           </a:xfrm>
           <a:prstGeom prst="rect">
             <a:avLst/>
@@ -1357,18 +1280,15 @@
             <a:normAutofit/>
           </a:bodyPr>
           <a:p>
-            <a:endParaRPr b="0" lang="nl-NL" sz="1500" spc="-1" strike="noStrike">
-              <a:solidFill>
-                <a:srgbClr val="000000"/>
-              </a:solidFill>
-              <a:latin typeface="Arial"/>
-            </a:endParaRPr>
-          </a:p>
-        </p:txBody>
-      </p:sp>
-      <p:sp>
-        <p:nvSpPr>
-          <p:cNvPr id="68" name="PlaceHolder 4"/>
+            <a:endParaRPr b="0" lang="en-US" sz="3200" spc="-1" strike="noStrike">
+              <a:latin typeface="Arial"/>
+            </a:endParaRPr>
+          </a:p>
+        </p:txBody>
+      </p:sp>
+      <p:sp>
+        <p:nvSpPr>
+          <p:cNvPr id="64" name="PlaceHolder 4"/>
           <p:cNvSpPr>
             <a:spLocks noGrp="1"/>
           </p:cNvSpPr>
@@ -1378,8 +1298,8 @@
         </p:nvSpPr>
         <p:spPr>
           <a:xfrm>
-            <a:off x="4114080" y="3048120"/>
-            <a:ext cx="3232080" cy="1665360"/>
+            <a:off x="4674240" y="2761920"/>
+            <a:ext cx="4015800" cy="1422720"/>
           </a:xfrm>
           <a:prstGeom prst="rect">
             <a:avLst/>
@@ -1390,10 +1310,7 @@
             <a:normAutofit/>
           </a:bodyPr>
           <a:p>
-            <a:endParaRPr b="0" lang="nl-NL" sz="1500" spc="-1" strike="noStrike">
-              <a:solidFill>
-                <a:srgbClr val="000000"/>
-              </a:solidFill>
+            <a:endParaRPr b="0" lang="en-US" sz="3200" spc="-1" strike="noStrike">
               <a:latin typeface="Arial"/>
             </a:endParaRPr>
           </a:p>
@@ -1423,7 +1340,7 @@
       </p:grpSpPr>
       <p:sp>
         <p:nvSpPr>
-          <p:cNvPr id="69" name="PlaceHolder 1"/>
+          <p:cNvPr id="65" name="PlaceHolder 1"/>
           <p:cNvSpPr>
             <a:spLocks noGrp="1"/>
           </p:cNvSpPr>
@@ -1433,8 +1350,8 @@
         </p:nvSpPr>
         <p:spPr>
           <a:xfrm>
-            <a:off x="720000" y="288000"/>
-            <a:ext cx="6623640" cy="503640"/>
+            <a:off x="457200" y="205200"/>
+            <a:ext cx="8229240" cy="858600"/>
           </a:xfrm>
           <a:prstGeom prst="rect">
             <a:avLst/>
@@ -1443,18 +1360,16 @@
         <p:txBody>
           <a:bodyPr lIns="0" rIns="0" tIns="0" bIns="0" anchor="ctr"/>
           <a:p>
-            <a:endParaRPr b="0" lang="nl-NL" sz="1350" spc="-1" strike="noStrike">
-              <a:solidFill>
-                <a:srgbClr val="000000"/>
-              </a:solidFill>
-              <a:latin typeface="Arial"/>
-            </a:endParaRPr>
-          </a:p>
-        </p:txBody>
-      </p:sp>
-      <p:sp>
-        <p:nvSpPr>
-          <p:cNvPr id="70" name="PlaceHolder 2"/>
+            <a:pPr algn="ctr"/>
+            <a:endParaRPr b="0" lang="en-US" sz="4400" spc="-1" strike="noStrike">
+              <a:latin typeface="Arial"/>
+            </a:endParaRPr>
+          </a:p>
+        </p:txBody>
+      </p:sp>
+      <p:sp>
+        <p:nvSpPr>
+          <p:cNvPr id="66" name="PlaceHolder 2"/>
           <p:cNvSpPr>
             <a:spLocks noGrp="1"/>
           </p:cNvSpPr>
@@ -1464,8 +1379,8 @@
         </p:nvSpPr>
         <p:spPr>
           <a:xfrm>
-            <a:off x="720000" y="1224000"/>
-            <a:ext cx="3232080" cy="1665360"/>
+            <a:off x="457200" y="1203480"/>
+            <a:ext cx="4015800" cy="1422720"/>
           </a:xfrm>
           <a:prstGeom prst="rect">
             <a:avLst/>
@@ -1476,18 +1391,15 @@
             <a:normAutofit/>
           </a:bodyPr>
           <a:p>
-            <a:endParaRPr b="0" lang="nl-NL" sz="1500" spc="-1" strike="noStrike">
-              <a:solidFill>
-                <a:srgbClr val="000000"/>
-              </a:solidFill>
-              <a:latin typeface="Arial"/>
-            </a:endParaRPr>
-          </a:p>
-        </p:txBody>
-      </p:sp>
-      <p:sp>
-        <p:nvSpPr>
-          <p:cNvPr id="71" name="PlaceHolder 3"/>
+            <a:endParaRPr b="0" lang="en-US" sz="3200" spc="-1" strike="noStrike">
+              <a:latin typeface="Arial"/>
+            </a:endParaRPr>
+          </a:p>
+        </p:txBody>
+      </p:sp>
+      <p:sp>
+        <p:nvSpPr>
+          <p:cNvPr id="67" name="PlaceHolder 3"/>
           <p:cNvSpPr>
             <a:spLocks noGrp="1"/>
           </p:cNvSpPr>
@@ -1497,8 +1409,8 @@
         </p:nvSpPr>
         <p:spPr>
           <a:xfrm>
-            <a:off x="4114080" y="1224000"/>
-            <a:ext cx="3232080" cy="1665360"/>
+            <a:off x="4674240" y="1203480"/>
+            <a:ext cx="4015800" cy="1422720"/>
           </a:xfrm>
           <a:prstGeom prst="rect">
             <a:avLst/>
@@ -1509,18 +1421,15 @@
             <a:normAutofit/>
           </a:bodyPr>
           <a:p>
-            <a:endParaRPr b="0" lang="nl-NL" sz="1500" spc="-1" strike="noStrike">
-              <a:solidFill>
-                <a:srgbClr val="000000"/>
-              </a:solidFill>
-              <a:latin typeface="Arial"/>
-            </a:endParaRPr>
-          </a:p>
-        </p:txBody>
-      </p:sp>
-      <p:sp>
-        <p:nvSpPr>
-          <p:cNvPr id="72" name="PlaceHolder 4"/>
+            <a:endParaRPr b="0" lang="en-US" sz="3200" spc="-1" strike="noStrike">
+              <a:latin typeface="Arial"/>
+            </a:endParaRPr>
+          </a:p>
+        </p:txBody>
+      </p:sp>
+      <p:sp>
+        <p:nvSpPr>
+          <p:cNvPr id="68" name="PlaceHolder 4"/>
           <p:cNvSpPr>
             <a:spLocks noGrp="1"/>
           </p:cNvSpPr>
@@ -1530,8 +1439,8 @@
         </p:nvSpPr>
         <p:spPr>
           <a:xfrm>
-            <a:off x="720000" y="3048120"/>
-            <a:ext cx="6623640" cy="1665360"/>
+            <a:off x="457200" y="2761920"/>
+            <a:ext cx="8229240" cy="1422720"/>
           </a:xfrm>
           <a:prstGeom prst="rect">
             <a:avLst/>
@@ -1542,10 +1451,7 @@
             <a:normAutofit/>
           </a:bodyPr>
           <a:p>
-            <a:endParaRPr b="0" lang="nl-NL" sz="1500" spc="-1" strike="noStrike">
-              <a:solidFill>
-                <a:srgbClr val="000000"/>
-              </a:solidFill>
+            <a:endParaRPr b="0" lang="en-US" sz="3200" spc="-1" strike="noStrike">
               <a:latin typeface="Arial"/>
             </a:endParaRPr>
           </a:p>
@@ -1575,7 +1481,7 @@
       </p:grpSpPr>
       <p:sp>
         <p:nvSpPr>
-          <p:cNvPr id="73" name="PlaceHolder 1"/>
+          <p:cNvPr id="69" name="PlaceHolder 1"/>
           <p:cNvSpPr>
             <a:spLocks noGrp="1"/>
           </p:cNvSpPr>
@@ -1585,8 +1491,8 @@
         </p:nvSpPr>
         <p:spPr>
           <a:xfrm>
-            <a:off x="720000" y="288000"/>
-            <a:ext cx="6623640" cy="503640"/>
+            <a:off x="457200" y="205200"/>
+            <a:ext cx="8229240" cy="858600"/>
           </a:xfrm>
           <a:prstGeom prst="rect">
             <a:avLst/>
@@ -1595,18 +1501,16 @@
         <p:txBody>
           <a:bodyPr lIns="0" rIns="0" tIns="0" bIns="0" anchor="ctr"/>
           <a:p>
-            <a:endParaRPr b="0" lang="nl-NL" sz="1350" spc="-1" strike="noStrike">
-              <a:solidFill>
-                <a:srgbClr val="000000"/>
-              </a:solidFill>
-              <a:latin typeface="Arial"/>
-            </a:endParaRPr>
-          </a:p>
-        </p:txBody>
-      </p:sp>
-      <p:sp>
-        <p:nvSpPr>
-          <p:cNvPr id="74" name="PlaceHolder 2"/>
+            <a:pPr algn="ctr"/>
+            <a:endParaRPr b="0" lang="en-US" sz="4400" spc="-1" strike="noStrike">
+              <a:latin typeface="Arial"/>
+            </a:endParaRPr>
+          </a:p>
+        </p:txBody>
+      </p:sp>
+      <p:sp>
+        <p:nvSpPr>
+          <p:cNvPr id="70" name="PlaceHolder 2"/>
           <p:cNvSpPr>
             <a:spLocks noGrp="1"/>
           </p:cNvSpPr>
@@ -1616,8 +1520,8 @@
         </p:nvSpPr>
         <p:spPr>
           <a:xfrm>
-            <a:off x="720000" y="1224000"/>
-            <a:ext cx="6623640" cy="1665360"/>
+            <a:off x="457200" y="1203480"/>
+            <a:ext cx="8229240" cy="1422720"/>
           </a:xfrm>
           <a:prstGeom prst="rect">
             <a:avLst/>
@@ -1628,18 +1532,15 @@
             <a:normAutofit/>
           </a:bodyPr>
           <a:p>
-            <a:endParaRPr b="0" lang="nl-NL" sz="1500" spc="-1" strike="noStrike">
-              <a:solidFill>
-                <a:srgbClr val="000000"/>
-              </a:solidFill>
-              <a:latin typeface="Arial"/>
-            </a:endParaRPr>
-          </a:p>
-        </p:txBody>
-      </p:sp>
-      <p:sp>
-        <p:nvSpPr>
-          <p:cNvPr id="75" name="PlaceHolder 3"/>
+            <a:endParaRPr b="0" lang="en-US" sz="3200" spc="-1" strike="noStrike">
+              <a:latin typeface="Arial"/>
+            </a:endParaRPr>
+          </a:p>
+        </p:txBody>
+      </p:sp>
+      <p:sp>
+        <p:nvSpPr>
+          <p:cNvPr id="71" name="PlaceHolder 3"/>
           <p:cNvSpPr>
             <a:spLocks noGrp="1"/>
           </p:cNvSpPr>
@@ -1649,8 +1550,8 @@
         </p:nvSpPr>
         <p:spPr>
           <a:xfrm>
-            <a:off x="720000" y="3048120"/>
-            <a:ext cx="6623640" cy="1665360"/>
+            <a:off x="457200" y="2761920"/>
+            <a:ext cx="8229240" cy="1422720"/>
           </a:xfrm>
           <a:prstGeom prst="rect">
             <a:avLst/>
@@ -1661,10 +1562,7 @@
             <a:normAutofit/>
           </a:bodyPr>
           <a:p>
-            <a:endParaRPr b="0" lang="nl-NL" sz="1500" spc="-1" strike="noStrike">
-              <a:solidFill>
-                <a:srgbClr val="000000"/>
-              </a:solidFill>
+            <a:endParaRPr b="0" lang="en-US" sz="3200" spc="-1" strike="noStrike">
               <a:latin typeface="Arial"/>
             </a:endParaRPr>
           </a:p>
@@ -1694,7 +1592,7 @@
       </p:grpSpPr>
       <p:sp>
         <p:nvSpPr>
-          <p:cNvPr id="76" name="PlaceHolder 1"/>
+          <p:cNvPr id="72" name="PlaceHolder 1"/>
           <p:cNvSpPr>
             <a:spLocks noGrp="1"/>
           </p:cNvSpPr>
@@ -1704,8 +1602,8 @@
         </p:nvSpPr>
         <p:spPr>
           <a:xfrm>
-            <a:off x="720000" y="288000"/>
-            <a:ext cx="6623640" cy="503640"/>
+            <a:off x="457200" y="205200"/>
+            <a:ext cx="8229240" cy="858600"/>
           </a:xfrm>
           <a:prstGeom prst="rect">
             <a:avLst/>
@@ -1714,18 +1612,16 @@
         <p:txBody>
           <a:bodyPr lIns="0" rIns="0" tIns="0" bIns="0" anchor="ctr"/>
           <a:p>
-            <a:endParaRPr b="0" lang="nl-NL" sz="1350" spc="-1" strike="noStrike">
-              <a:solidFill>
-                <a:srgbClr val="000000"/>
-              </a:solidFill>
-              <a:latin typeface="Arial"/>
-            </a:endParaRPr>
-          </a:p>
-        </p:txBody>
-      </p:sp>
-      <p:sp>
-        <p:nvSpPr>
-          <p:cNvPr id="77" name="PlaceHolder 2"/>
+            <a:pPr algn="ctr"/>
+            <a:endParaRPr b="0" lang="en-US" sz="4400" spc="-1" strike="noStrike">
+              <a:latin typeface="Arial"/>
+            </a:endParaRPr>
+          </a:p>
+        </p:txBody>
+      </p:sp>
+      <p:sp>
+        <p:nvSpPr>
+          <p:cNvPr id="73" name="PlaceHolder 2"/>
           <p:cNvSpPr>
             <a:spLocks noGrp="1"/>
           </p:cNvSpPr>
@@ -1735,8 +1631,8 @@
         </p:nvSpPr>
         <p:spPr>
           <a:xfrm>
-            <a:off x="720000" y="1224000"/>
-            <a:ext cx="3232080" cy="1665360"/>
+            <a:off x="457200" y="1203480"/>
+            <a:ext cx="4015800" cy="1422720"/>
           </a:xfrm>
           <a:prstGeom prst="rect">
             <a:avLst/>
@@ -1747,18 +1643,15 @@
             <a:normAutofit/>
           </a:bodyPr>
           <a:p>
-            <a:endParaRPr b="0" lang="nl-NL" sz="1500" spc="-1" strike="noStrike">
-              <a:solidFill>
-                <a:srgbClr val="000000"/>
-              </a:solidFill>
-              <a:latin typeface="Arial"/>
-            </a:endParaRPr>
-          </a:p>
-        </p:txBody>
-      </p:sp>
-      <p:sp>
-        <p:nvSpPr>
-          <p:cNvPr id="78" name="PlaceHolder 3"/>
+            <a:endParaRPr b="0" lang="en-US" sz="3200" spc="-1" strike="noStrike">
+              <a:latin typeface="Arial"/>
+            </a:endParaRPr>
+          </a:p>
+        </p:txBody>
+      </p:sp>
+      <p:sp>
+        <p:nvSpPr>
+          <p:cNvPr id="74" name="PlaceHolder 3"/>
           <p:cNvSpPr>
             <a:spLocks noGrp="1"/>
           </p:cNvSpPr>
@@ -1768,8 +1661,8 @@
         </p:nvSpPr>
         <p:spPr>
           <a:xfrm>
-            <a:off x="4114080" y="1224000"/>
-            <a:ext cx="3232080" cy="1665360"/>
+            <a:off x="4674240" y="1203480"/>
+            <a:ext cx="4015800" cy="1422720"/>
           </a:xfrm>
           <a:prstGeom prst="rect">
             <a:avLst/>
@@ -1780,18 +1673,15 @@
             <a:normAutofit/>
           </a:bodyPr>
           <a:p>
-            <a:endParaRPr b="0" lang="nl-NL" sz="1500" spc="-1" strike="noStrike">
-              <a:solidFill>
-                <a:srgbClr val="000000"/>
-              </a:solidFill>
-              <a:latin typeface="Arial"/>
-            </a:endParaRPr>
-          </a:p>
-        </p:txBody>
-      </p:sp>
-      <p:sp>
-        <p:nvSpPr>
-          <p:cNvPr id="79" name="PlaceHolder 4"/>
+            <a:endParaRPr b="0" lang="en-US" sz="3200" spc="-1" strike="noStrike">
+              <a:latin typeface="Arial"/>
+            </a:endParaRPr>
+          </a:p>
+        </p:txBody>
+      </p:sp>
+      <p:sp>
+        <p:nvSpPr>
+          <p:cNvPr id="75" name="PlaceHolder 4"/>
           <p:cNvSpPr>
             <a:spLocks noGrp="1"/>
           </p:cNvSpPr>
@@ -1801,8 +1691,8 @@
         </p:nvSpPr>
         <p:spPr>
           <a:xfrm>
-            <a:off x="720000" y="3048120"/>
-            <a:ext cx="3232080" cy="1665360"/>
+            <a:off x="457200" y="2761920"/>
+            <a:ext cx="4015800" cy="1422720"/>
           </a:xfrm>
           <a:prstGeom prst="rect">
             <a:avLst/>
@@ -1813,18 +1703,15 @@
             <a:normAutofit/>
           </a:bodyPr>
           <a:p>
-            <a:endParaRPr b="0" lang="nl-NL" sz="1500" spc="-1" strike="noStrike">
-              <a:solidFill>
-                <a:srgbClr val="000000"/>
-              </a:solidFill>
-              <a:latin typeface="Arial"/>
-            </a:endParaRPr>
-          </a:p>
-        </p:txBody>
-      </p:sp>
-      <p:sp>
-        <p:nvSpPr>
-          <p:cNvPr id="80" name="PlaceHolder 5"/>
+            <a:endParaRPr b="0" lang="en-US" sz="3200" spc="-1" strike="noStrike">
+              <a:latin typeface="Arial"/>
+            </a:endParaRPr>
+          </a:p>
+        </p:txBody>
+      </p:sp>
+      <p:sp>
+        <p:nvSpPr>
+          <p:cNvPr id="76" name="PlaceHolder 5"/>
           <p:cNvSpPr>
             <a:spLocks noGrp="1"/>
           </p:cNvSpPr>
@@ -1834,8 +1721,8 @@
         </p:nvSpPr>
         <p:spPr>
           <a:xfrm>
-            <a:off x="4114080" y="3048120"/>
-            <a:ext cx="3232080" cy="1665360"/>
+            <a:off x="4674240" y="2761920"/>
+            <a:ext cx="4015800" cy="1422720"/>
           </a:xfrm>
           <a:prstGeom prst="rect">
             <a:avLst/>
@@ -1846,10 +1733,7 @@
             <a:normAutofit/>
           </a:bodyPr>
           <a:p>
-            <a:endParaRPr b="0" lang="nl-NL" sz="1500" spc="-1" strike="noStrike">
-              <a:solidFill>
-                <a:srgbClr val="000000"/>
-              </a:solidFill>
+            <a:endParaRPr b="0" lang="en-US" sz="3200" spc="-1" strike="noStrike">
               <a:latin typeface="Arial"/>
             </a:endParaRPr>
           </a:p>
@@ -1879,7 +1763,7 @@
       </p:grpSpPr>
       <p:sp>
         <p:nvSpPr>
-          <p:cNvPr id="81" name="PlaceHolder 1"/>
+          <p:cNvPr id="77" name="PlaceHolder 1"/>
           <p:cNvSpPr>
             <a:spLocks noGrp="1"/>
           </p:cNvSpPr>
@@ -1889,8 +1773,8 @@
         </p:nvSpPr>
         <p:spPr>
           <a:xfrm>
-            <a:off x="720000" y="288000"/>
-            <a:ext cx="6623640" cy="503640"/>
+            <a:off x="457200" y="205200"/>
+            <a:ext cx="8229240" cy="858600"/>
           </a:xfrm>
           <a:prstGeom prst="rect">
             <a:avLst/>
@@ -1899,18 +1783,16 @@
         <p:txBody>
           <a:bodyPr lIns="0" rIns="0" tIns="0" bIns="0" anchor="ctr"/>
           <a:p>
-            <a:endParaRPr b="0" lang="nl-NL" sz="1350" spc="-1" strike="noStrike">
-              <a:solidFill>
-                <a:srgbClr val="000000"/>
-              </a:solidFill>
-              <a:latin typeface="Arial"/>
-            </a:endParaRPr>
-          </a:p>
-        </p:txBody>
-      </p:sp>
-      <p:sp>
-        <p:nvSpPr>
-          <p:cNvPr id="82" name="PlaceHolder 2"/>
+            <a:pPr algn="ctr"/>
+            <a:endParaRPr b="0" lang="en-US" sz="4400" spc="-1" strike="noStrike">
+              <a:latin typeface="Arial"/>
+            </a:endParaRPr>
+          </a:p>
+        </p:txBody>
+      </p:sp>
+      <p:sp>
+        <p:nvSpPr>
+          <p:cNvPr id="78" name="PlaceHolder 2"/>
           <p:cNvSpPr>
             <a:spLocks noGrp="1"/>
           </p:cNvSpPr>
@@ -1920,8 +1802,8 @@
         </p:nvSpPr>
         <p:spPr>
           <a:xfrm>
-            <a:off x="720000" y="1224000"/>
-            <a:ext cx="2132640" cy="1665360"/>
+            <a:off x="457200" y="1203480"/>
+            <a:ext cx="2649600" cy="1422720"/>
           </a:xfrm>
           <a:prstGeom prst="rect">
             <a:avLst/>
@@ -1932,18 +1814,15 @@
             <a:normAutofit/>
           </a:bodyPr>
           <a:p>
-            <a:endParaRPr b="0" lang="nl-NL" sz="1500" spc="-1" strike="noStrike">
-              <a:solidFill>
-                <a:srgbClr val="000000"/>
-              </a:solidFill>
-              <a:latin typeface="Arial"/>
-            </a:endParaRPr>
-          </a:p>
-        </p:txBody>
-      </p:sp>
-      <p:sp>
-        <p:nvSpPr>
-          <p:cNvPr id="83" name="PlaceHolder 3"/>
+            <a:endParaRPr b="0" lang="en-US" sz="3200" spc="-1" strike="noStrike">
+              <a:latin typeface="Arial"/>
+            </a:endParaRPr>
+          </a:p>
+        </p:txBody>
+      </p:sp>
+      <p:sp>
+        <p:nvSpPr>
+          <p:cNvPr id="79" name="PlaceHolder 3"/>
           <p:cNvSpPr>
             <a:spLocks noGrp="1"/>
           </p:cNvSpPr>
@@ -1953,8 +1832,8 @@
         </p:nvSpPr>
         <p:spPr>
           <a:xfrm>
-            <a:off x="2959560" y="1224000"/>
-            <a:ext cx="2132640" cy="1665360"/>
+            <a:off x="3239640" y="1203480"/>
+            <a:ext cx="2649600" cy="1422720"/>
           </a:xfrm>
           <a:prstGeom prst="rect">
             <a:avLst/>
@@ -1965,18 +1844,15 @@
             <a:normAutofit/>
           </a:bodyPr>
           <a:p>
-            <a:endParaRPr b="0" lang="nl-NL" sz="1500" spc="-1" strike="noStrike">
-              <a:solidFill>
-                <a:srgbClr val="000000"/>
-              </a:solidFill>
-              <a:latin typeface="Arial"/>
-            </a:endParaRPr>
-          </a:p>
-        </p:txBody>
-      </p:sp>
-      <p:sp>
-        <p:nvSpPr>
-          <p:cNvPr id="84" name="PlaceHolder 4"/>
+            <a:endParaRPr b="0" lang="en-US" sz="3200" spc="-1" strike="noStrike">
+              <a:latin typeface="Arial"/>
+            </a:endParaRPr>
+          </a:p>
+        </p:txBody>
+      </p:sp>
+      <p:sp>
+        <p:nvSpPr>
+          <p:cNvPr id="80" name="PlaceHolder 4"/>
           <p:cNvSpPr>
             <a:spLocks noGrp="1"/>
           </p:cNvSpPr>
@@ -1986,8 +1862,8 @@
         </p:nvSpPr>
         <p:spPr>
           <a:xfrm>
-            <a:off x="5199480" y="1224000"/>
-            <a:ext cx="2132640" cy="1665360"/>
+            <a:off x="6022080" y="1203480"/>
+            <a:ext cx="2649600" cy="1422720"/>
           </a:xfrm>
           <a:prstGeom prst="rect">
             <a:avLst/>
@@ -1998,18 +1874,15 @@
             <a:normAutofit/>
           </a:bodyPr>
           <a:p>
-            <a:endParaRPr b="0" lang="nl-NL" sz="1500" spc="-1" strike="noStrike">
-              <a:solidFill>
-                <a:srgbClr val="000000"/>
-              </a:solidFill>
-              <a:latin typeface="Arial"/>
-            </a:endParaRPr>
-          </a:p>
-        </p:txBody>
-      </p:sp>
-      <p:sp>
-        <p:nvSpPr>
-          <p:cNvPr id="85" name="PlaceHolder 5"/>
+            <a:endParaRPr b="0" lang="en-US" sz="3200" spc="-1" strike="noStrike">
+              <a:latin typeface="Arial"/>
+            </a:endParaRPr>
+          </a:p>
+        </p:txBody>
+      </p:sp>
+      <p:sp>
+        <p:nvSpPr>
+          <p:cNvPr id="81" name="PlaceHolder 5"/>
           <p:cNvSpPr>
             <a:spLocks noGrp="1"/>
           </p:cNvSpPr>
@@ -2019,8 +1892,8 @@
         </p:nvSpPr>
         <p:spPr>
           <a:xfrm>
-            <a:off x="720000" y="3048120"/>
-            <a:ext cx="2132640" cy="1665360"/>
+            <a:off x="457200" y="2761920"/>
+            <a:ext cx="2649600" cy="1422720"/>
           </a:xfrm>
           <a:prstGeom prst="rect">
             <a:avLst/>
@@ -2031,18 +1904,15 @@
             <a:normAutofit/>
           </a:bodyPr>
           <a:p>
-            <a:endParaRPr b="0" lang="nl-NL" sz="1500" spc="-1" strike="noStrike">
-              <a:solidFill>
-                <a:srgbClr val="000000"/>
-              </a:solidFill>
-              <a:latin typeface="Arial"/>
-            </a:endParaRPr>
-          </a:p>
-        </p:txBody>
-      </p:sp>
-      <p:sp>
-        <p:nvSpPr>
-          <p:cNvPr id="86" name="PlaceHolder 6"/>
+            <a:endParaRPr b="0" lang="en-US" sz="3200" spc="-1" strike="noStrike">
+              <a:latin typeface="Arial"/>
+            </a:endParaRPr>
+          </a:p>
+        </p:txBody>
+      </p:sp>
+      <p:sp>
+        <p:nvSpPr>
+          <p:cNvPr id="82" name="PlaceHolder 6"/>
           <p:cNvSpPr>
             <a:spLocks noGrp="1"/>
           </p:cNvSpPr>
@@ -2052,8 +1922,8 @@
         </p:nvSpPr>
         <p:spPr>
           <a:xfrm>
-            <a:off x="2959560" y="3048120"/>
-            <a:ext cx="2132640" cy="1665360"/>
+            <a:off x="3239640" y="2761920"/>
+            <a:ext cx="2649600" cy="1422720"/>
           </a:xfrm>
           <a:prstGeom prst="rect">
             <a:avLst/>
@@ -2064,18 +1934,15 @@
             <a:normAutofit/>
           </a:bodyPr>
           <a:p>
-            <a:endParaRPr b="0" lang="nl-NL" sz="1500" spc="-1" strike="noStrike">
-              <a:solidFill>
-                <a:srgbClr val="000000"/>
-              </a:solidFill>
-              <a:latin typeface="Arial"/>
-            </a:endParaRPr>
-          </a:p>
-        </p:txBody>
-      </p:sp>
-      <p:sp>
-        <p:nvSpPr>
-          <p:cNvPr id="87" name="PlaceHolder 7"/>
+            <a:endParaRPr b="0" lang="en-US" sz="3200" spc="-1" strike="noStrike">
+              <a:latin typeface="Arial"/>
+            </a:endParaRPr>
+          </a:p>
+        </p:txBody>
+      </p:sp>
+      <p:sp>
+        <p:nvSpPr>
+          <p:cNvPr id="83" name="PlaceHolder 7"/>
           <p:cNvSpPr>
             <a:spLocks noGrp="1"/>
           </p:cNvSpPr>
@@ -2085,8 +1952,8 @@
         </p:nvSpPr>
         <p:spPr>
           <a:xfrm>
-            <a:off x="5199480" y="3048120"/>
-            <a:ext cx="2132640" cy="1665360"/>
+            <a:off x="6022080" y="2761920"/>
+            <a:ext cx="2649600" cy="1422720"/>
           </a:xfrm>
           <a:prstGeom prst="rect">
             <a:avLst/>
@@ -2097,10 +1964,7 @@
             <a:normAutofit/>
           </a:bodyPr>
           <a:p>
-            <a:endParaRPr b="0" lang="nl-NL" sz="1500" spc="-1" strike="noStrike">
-              <a:solidFill>
-                <a:srgbClr val="000000"/>
-              </a:solidFill>
+            <a:endParaRPr b="0" lang="en-US" sz="3200" spc="-1" strike="noStrike">
               <a:latin typeface="Arial"/>
             </a:endParaRPr>
           </a:p>
@@ -2152,7 +2016,7 @@
       </p:grpSpPr>
       <p:sp>
         <p:nvSpPr>
-          <p:cNvPr id="98" name="PlaceHolder 1"/>
+          <p:cNvPr id="90" name="PlaceHolder 1"/>
           <p:cNvSpPr>
             <a:spLocks noGrp="1"/>
           </p:cNvSpPr>
@@ -2162,8 +2026,8 @@
         </p:nvSpPr>
         <p:spPr>
           <a:xfrm>
-            <a:off x="720000" y="288000"/>
-            <a:ext cx="6623640" cy="503640"/>
+            <a:off x="457200" y="205200"/>
+            <a:ext cx="8229240" cy="858600"/>
           </a:xfrm>
           <a:prstGeom prst="rect">
             <a:avLst/>
@@ -2172,18 +2036,16 @@
         <p:txBody>
           <a:bodyPr lIns="0" rIns="0" tIns="0" bIns="0" anchor="ctr"/>
           <a:p>
-            <a:endParaRPr b="0" lang="nl-NL" sz="1350" spc="-1" strike="noStrike">
-              <a:solidFill>
-                <a:srgbClr val="000000"/>
-              </a:solidFill>
-              <a:latin typeface="Arial"/>
-            </a:endParaRPr>
-          </a:p>
-        </p:txBody>
-      </p:sp>
-      <p:sp>
-        <p:nvSpPr>
-          <p:cNvPr id="99" name="PlaceHolder 2"/>
+            <a:pPr algn="ctr"/>
+            <a:endParaRPr b="0" lang="en-US" sz="4400" spc="-1" strike="noStrike">
+              <a:latin typeface="Arial"/>
+            </a:endParaRPr>
+          </a:p>
+        </p:txBody>
+      </p:sp>
+      <p:sp>
+        <p:nvSpPr>
+          <p:cNvPr id="91" name="PlaceHolder 2"/>
           <p:cNvSpPr>
             <a:spLocks noGrp="1"/>
           </p:cNvSpPr>
@@ -2193,8 +2055,8 @@
         </p:nvSpPr>
         <p:spPr>
           <a:xfrm>
-            <a:off x="720000" y="1224000"/>
-            <a:ext cx="6623640" cy="3491640"/>
+            <a:off x="457200" y="1203480"/>
+            <a:ext cx="8229240" cy="2982960"/>
           </a:xfrm>
           <a:prstGeom prst="rect">
             <a:avLst/>
@@ -2234,7 +2096,7 @@
       </p:grpSpPr>
       <p:sp>
         <p:nvSpPr>
-          <p:cNvPr id="100" name="PlaceHolder 1"/>
+          <p:cNvPr id="92" name="PlaceHolder 1"/>
           <p:cNvSpPr>
             <a:spLocks noGrp="1"/>
           </p:cNvSpPr>
@@ -2244,8 +2106,8 @@
         </p:nvSpPr>
         <p:spPr>
           <a:xfrm>
-            <a:off x="720000" y="288000"/>
-            <a:ext cx="6623640" cy="503640"/>
+            <a:off x="457200" y="205200"/>
+            <a:ext cx="8229240" cy="858600"/>
           </a:xfrm>
           <a:prstGeom prst="rect">
             <a:avLst/>
@@ -2254,18 +2116,16 @@
         <p:txBody>
           <a:bodyPr lIns="0" rIns="0" tIns="0" bIns="0" anchor="ctr"/>
           <a:p>
-            <a:endParaRPr b="0" lang="nl-NL" sz="1350" spc="-1" strike="noStrike">
-              <a:solidFill>
-                <a:srgbClr val="000000"/>
-              </a:solidFill>
-              <a:latin typeface="Arial"/>
-            </a:endParaRPr>
-          </a:p>
-        </p:txBody>
-      </p:sp>
-      <p:sp>
-        <p:nvSpPr>
-          <p:cNvPr id="101" name="PlaceHolder 2"/>
+            <a:pPr algn="ctr"/>
+            <a:endParaRPr b="0" lang="en-US" sz="4400" spc="-1" strike="noStrike">
+              <a:latin typeface="Arial"/>
+            </a:endParaRPr>
+          </a:p>
+        </p:txBody>
+      </p:sp>
+      <p:sp>
+        <p:nvSpPr>
+          <p:cNvPr id="93" name="PlaceHolder 2"/>
           <p:cNvSpPr>
             <a:spLocks noGrp="1"/>
           </p:cNvSpPr>
@@ -2275,8 +2135,8 @@
         </p:nvSpPr>
         <p:spPr>
           <a:xfrm>
-            <a:off x="720000" y="1224000"/>
-            <a:ext cx="6623640" cy="3491640"/>
+            <a:off x="457200" y="1203480"/>
+            <a:ext cx="8229240" cy="2982960"/>
           </a:xfrm>
           <a:prstGeom prst="rect">
             <a:avLst/>
@@ -2287,10 +2147,7 @@
             <a:normAutofit/>
           </a:bodyPr>
           <a:p>
-            <a:endParaRPr b="0" lang="nl-NL" sz="1500" spc="-1" strike="noStrike">
-              <a:solidFill>
-                <a:srgbClr val="000000"/>
-              </a:solidFill>
+            <a:endParaRPr b="0" lang="en-US" sz="3200" spc="-1" strike="noStrike">
               <a:latin typeface="Arial"/>
             </a:endParaRPr>
           </a:p>
@@ -2320,7 +2177,7 @@
       </p:grpSpPr>
       <p:sp>
         <p:nvSpPr>
-          <p:cNvPr id="102" name="PlaceHolder 1"/>
+          <p:cNvPr id="94" name="PlaceHolder 1"/>
           <p:cNvSpPr>
             <a:spLocks noGrp="1"/>
           </p:cNvSpPr>
@@ -2330,8 +2187,8 @@
         </p:nvSpPr>
         <p:spPr>
           <a:xfrm>
-            <a:off x="720000" y="288000"/>
-            <a:ext cx="6623640" cy="503640"/>
+            <a:off x="457200" y="205200"/>
+            <a:ext cx="8229240" cy="858600"/>
           </a:xfrm>
           <a:prstGeom prst="rect">
             <a:avLst/>
@@ -2340,18 +2197,16 @@
         <p:txBody>
           <a:bodyPr lIns="0" rIns="0" tIns="0" bIns="0" anchor="ctr"/>
           <a:p>
-            <a:endParaRPr b="0" lang="nl-NL" sz="1350" spc="-1" strike="noStrike">
-              <a:solidFill>
-                <a:srgbClr val="000000"/>
-              </a:solidFill>
-              <a:latin typeface="Arial"/>
-            </a:endParaRPr>
-          </a:p>
-        </p:txBody>
-      </p:sp>
-      <p:sp>
-        <p:nvSpPr>
-          <p:cNvPr id="103" name="PlaceHolder 2"/>
+            <a:pPr algn="ctr"/>
+            <a:endParaRPr b="0" lang="en-US" sz="4400" spc="-1" strike="noStrike">
+              <a:latin typeface="Arial"/>
+            </a:endParaRPr>
+          </a:p>
+        </p:txBody>
+      </p:sp>
+      <p:sp>
+        <p:nvSpPr>
+          <p:cNvPr id="95" name="PlaceHolder 2"/>
           <p:cNvSpPr>
             <a:spLocks noGrp="1"/>
           </p:cNvSpPr>
@@ -2361,8 +2216,8 @@
         </p:nvSpPr>
         <p:spPr>
           <a:xfrm>
-            <a:off x="720000" y="1224000"/>
-            <a:ext cx="3232080" cy="3491640"/>
+            <a:off x="457200" y="1203480"/>
+            <a:ext cx="4015800" cy="2982960"/>
           </a:xfrm>
           <a:prstGeom prst="rect">
             <a:avLst/>
@@ -2373,18 +2228,15 @@
             <a:normAutofit/>
           </a:bodyPr>
           <a:p>
-            <a:endParaRPr b="0" lang="nl-NL" sz="1500" spc="-1" strike="noStrike">
-              <a:solidFill>
-                <a:srgbClr val="000000"/>
-              </a:solidFill>
-              <a:latin typeface="Arial"/>
-            </a:endParaRPr>
-          </a:p>
-        </p:txBody>
-      </p:sp>
-      <p:sp>
-        <p:nvSpPr>
-          <p:cNvPr id="104" name="PlaceHolder 3"/>
+            <a:endParaRPr b="0" lang="en-US" sz="3200" spc="-1" strike="noStrike">
+              <a:latin typeface="Arial"/>
+            </a:endParaRPr>
+          </a:p>
+        </p:txBody>
+      </p:sp>
+      <p:sp>
+        <p:nvSpPr>
+          <p:cNvPr id="96" name="PlaceHolder 3"/>
           <p:cNvSpPr>
             <a:spLocks noGrp="1"/>
           </p:cNvSpPr>
@@ -2394,8 +2246,8 @@
         </p:nvSpPr>
         <p:spPr>
           <a:xfrm>
-            <a:off x="4114080" y="1224000"/>
-            <a:ext cx="3232080" cy="3491640"/>
+            <a:off x="4674240" y="1203480"/>
+            <a:ext cx="4015800" cy="2982960"/>
           </a:xfrm>
           <a:prstGeom prst="rect">
             <a:avLst/>
@@ -2406,10 +2258,7 @@
             <a:normAutofit/>
           </a:bodyPr>
           <a:p>
-            <a:endParaRPr b="0" lang="nl-NL" sz="1500" spc="-1" strike="noStrike">
-              <a:solidFill>
-                <a:srgbClr val="000000"/>
-              </a:solidFill>
+            <a:endParaRPr b="0" lang="en-US" sz="3200" spc="-1" strike="noStrike">
               <a:latin typeface="Arial"/>
             </a:endParaRPr>
           </a:p>
@@ -2439,7 +2288,7 @@
       </p:grpSpPr>
       <p:sp>
         <p:nvSpPr>
-          <p:cNvPr id="105" name="PlaceHolder 1"/>
+          <p:cNvPr id="97" name="PlaceHolder 1"/>
           <p:cNvSpPr>
             <a:spLocks noGrp="1"/>
           </p:cNvSpPr>
@@ -2449,8 +2298,8 @@
         </p:nvSpPr>
         <p:spPr>
           <a:xfrm>
-            <a:off x="720000" y="288000"/>
-            <a:ext cx="6623640" cy="503640"/>
+            <a:off x="457200" y="205200"/>
+            <a:ext cx="8229240" cy="858600"/>
           </a:xfrm>
           <a:prstGeom prst="rect">
             <a:avLst/>
@@ -2459,10 +2308,8 @@
         <p:txBody>
           <a:bodyPr lIns="0" rIns="0" tIns="0" bIns="0" anchor="ctr"/>
           <a:p>
-            <a:endParaRPr b="0" lang="nl-NL" sz="1350" spc="-1" strike="noStrike">
-              <a:solidFill>
-                <a:srgbClr val="000000"/>
-              </a:solidFill>
+            <a:pPr algn="ctr"/>
+            <a:endParaRPr b="0" lang="en-US" sz="4400" spc="-1" strike="noStrike">
               <a:latin typeface="Arial"/>
             </a:endParaRPr>
           </a:p>
@@ -2502,8 +2349,8 @@
         </p:nvSpPr>
         <p:spPr>
           <a:xfrm>
-            <a:off x="720000" y="288000"/>
-            <a:ext cx="6623640" cy="503640"/>
+            <a:off x="457200" y="205200"/>
+            <a:ext cx="8229240" cy="858600"/>
           </a:xfrm>
           <a:prstGeom prst="rect">
             <a:avLst/>
@@ -2512,10 +2359,8 @@
         <p:txBody>
           <a:bodyPr lIns="0" rIns="0" tIns="0" bIns="0" anchor="ctr"/>
           <a:p>
-            <a:endParaRPr b="0" lang="nl-NL" sz="1350" spc="-1" strike="noStrike">
-              <a:solidFill>
-                <a:srgbClr val="000000"/>
-              </a:solidFill>
+            <a:pPr algn="ctr"/>
+            <a:endParaRPr b="0" lang="en-US" sz="4400" spc="-1" strike="noStrike">
               <a:latin typeface="Arial"/>
             </a:endParaRPr>
           </a:p>
@@ -2533,8 +2378,8 @@
         </p:nvSpPr>
         <p:spPr>
           <a:xfrm>
-            <a:off x="720000" y="1224000"/>
-            <a:ext cx="6623640" cy="3491640"/>
+            <a:off x="457200" y="1203480"/>
+            <a:ext cx="8229240" cy="2982960"/>
           </a:xfrm>
           <a:prstGeom prst="rect">
             <a:avLst/>
@@ -2545,10 +2390,7 @@
             <a:normAutofit/>
           </a:bodyPr>
           <a:p>
-            <a:endParaRPr b="0" lang="nl-NL" sz="1500" spc="-1" strike="noStrike">
-              <a:solidFill>
-                <a:srgbClr val="000000"/>
-              </a:solidFill>
+            <a:endParaRPr b="0" lang="en-US" sz="3200" spc="-1" strike="noStrike">
               <a:latin typeface="Arial"/>
             </a:endParaRPr>
           </a:p>
@@ -2578,7 +2420,7 @@
       </p:grpSpPr>
       <p:sp>
         <p:nvSpPr>
-          <p:cNvPr id="106" name="PlaceHolder 1"/>
+          <p:cNvPr id="98" name="PlaceHolder 1"/>
           <p:cNvSpPr>
             <a:spLocks noGrp="1"/>
           </p:cNvSpPr>
@@ -2588,8 +2430,8 @@
         </p:nvSpPr>
         <p:spPr>
           <a:xfrm>
-            <a:off x="720000" y="288000"/>
-            <a:ext cx="6623640" cy="2336040"/>
+            <a:off x="457200" y="205200"/>
+            <a:ext cx="8229240" cy="3981240"/>
           </a:xfrm>
           <a:prstGeom prst="rect">
             <a:avLst/>
@@ -2629,7 +2471,7 @@
       </p:grpSpPr>
       <p:sp>
         <p:nvSpPr>
-          <p:cNvPr id="107" name="PlaceHolder 1"/>
+          <p:cNvPr id="99" name="PlaceHolder 1"/>
           <p:cNvSpPr>
             <a:spLocks noGrp="1"/>
           </p:cNvSpPr>
@@ -2639,8 +2481,8 @@
         </p:nvSpPr>
         <p:spPr>
           <a:xfrm>
-            <a:off x="720000" y="288000"/>
-            <a:ext cx="6623640" cy="503640"/>
+            <a:off x="457200" y="205200"/>
+            <a:ext cx="8229240" cy="858600"/>
           </a:xfrm>
           <a:prstGeom prst="rect">
             <a:avLst/>
@@ -2649,18 +2491,16 @@
         <p:txBody>
           <a:bodyPr lIns="0" rIns="0" tIns="0" bIns="0" anchor="ctr"/>
           <a:p>
-            <a:endParaRPr b="0" lang="nl-NL" sz="1350" spc="-1" strike="noStrike">
-              <a:solidFill>
-                <a:srgbClr val="000000"/>
-              </a:solidFill>
-              <a:latin typeface="Arial"/>
-            </a:endParaRPr>
-          </a:p>
-        </p:txBody>
-      </p:sp>
-      <p:sp>
-        <p:nvSpPr>
-          <p:cNvPr id="108" name="PlaceHolder 2"/>
+            <a:pPr algn="ctr"/>
+            <a:endParaRPr b="0" lang="en-US" sz="4400" spc="-1" strike="noStrike">
+              <a:latin typeface="Arial"/>
+            </a:endParaRPr>
+          </a:p>
+        </p:txBody>
+      </p:sp>
+      <p:sp>
+        <p:nvSpPr>
+          <p:cNvPr id="100" name="PlaceHolder 2"/>
           <p:cNvSpPr>
             <a:spLocks noGrp="1"/>
           </p:cNvSpPr>
@@ -2670,8 +2510,8 @@
         </p:nvSpPr>
         <p:spPr>
           <a:xfrm>
-            <a:off x="720000" y="1224000"/>
-            <a:ext cx="3232080" cy="1665360"/>
+            <a:off x="457200" y="1203480"/>
+            <a:ext cx="4015800" cy="1422720"/>
           </a:xfrm>
           <a:prstGeom prst="rect">
             <a:avLst/>
@@ -2682,18 +2522,15 @@
             <a:normAutofit/>
           </a:bodyPr>
           <a:p>
-            <a:endParaRPr b="0" lang="nl-NL" sz="1500" spc="-1" strike="noStrike">
-              <a:solidFill>
-                <a:srgbClr val="000000"/>
-              </a:solidFill>
-              <a:latin typeface="Arial"/>
-            </a:endParaRPr>
-          </a:p>
-        </p:txBody>
-      </p:sp>
-      <p:sp>
-        <p:nvSpPr>
-          <p:cNvPr id="109" name="PlaceHolder 3"/>
+            <a:endParaRPr b="0" lang="en-US" sz="3200" spc="-1" strike="noStrike">
+              <a:latin typeface="Arial"/>
+            </a:endParaRPr>
+          </a:p>
+        </p:txBody>
+      </p:sp>
+      <p:sp>
+        <p:nvSpPr>
+          <p:cNvPr id="101" name="PlaceHolder 3"/>
           <p:cNvSpPr>
             <a:spLocks noGrp="1"/>
           </p:cNvSpPr>
@@ -2703,8 +2540,8 @@
         </p:nvSpPr>
         <p:spPr>
           <a:xfrm>
-            <a:off x="4114080" y="1224000"/>
-            <a:ext cx="3232080" cy="3491640"/>
+            <a:off x="4674240" y="1203480"/>
+            <a:ext cx="4015800" cy="2982960"/>
           </a:xfrm>
           <a:prstGeom prst="rect">
             <a:avLst/>
@@ -2715,18 +2552,15 @@
             <a:normAutofit/>
           </a:bodyPr>
           <a:p>
-            <a:endParaRPr b="0" lang="nl-NL" sz="1500" spc="-1" strike="noStrike">
-              <a:solidFill>
-                <a:srgbClr val="000000"/>
-              </a:solidFill>
-              <a:latin typeface="Arial"/>
-            </a:endParaRPr>
-          </a:p>
-        </p:txBody>
-      </p:sp>
-      <p:sp>
-        <p:nvSpPr>
-          <p:cNvPr id="110" name="PlaceHolder 4"/>
+            <a:endParaRPr b="0" lang="en-US" sz="3200" spc="-1" strike="noStrike">
+              <a:latin typeface="Arial"/>
+            </a:endParaRPr>
+          </a:p>
+        </p:txBody>
+      </p:sp>
+      <p:sp>
+        <p:nvSpPr>
+          <p:cNvPr id="102" name="PlaceHolder 4"/>
           <p:cNvSpPr>
             <a:spLocks noGrp="1"/>
           </p:cNvSpPr>
@@ -2736,8 +2570,8 @@
         </p:nvSpPr>
         <p:spPr>
           <a:xfrm>
-            <a:off x="720000" y="3048120"/>
-            <a:ext cx="3232080" cy="1665360"/>
+            <a:off x="457200" y="2761920"/>
+            <a:ext cx="4015800" cy="1422720"/>
           </a:xfrm>
           <a:prstGeom prst="rect">
             <a:avLst/>
@@ -2748,10 +2582,7 @@
             <a:normAutofit/>
           </a:bodyPr>
           <a:p>
-            <a:endParaRPr b="0" lang="nl-NL" sz="1500" spc="-1" strike="noStrike">
-              <a:solidFill>
-                <a:srgbClr val="000000"/>
-              </a:solidFill>
+            <a:endParaRPr b="0" lang="en-US" sz="3200" spc="-1" strike="noStrike">
               <a:latin typeface="Arial"/>
             </a:endParaRPr>
           </a:p>
@@ -2781,7 +2612,7 @@
       </p:grpSpPr>
       <p:sp>
         <p:nvSpPr>
-          <p:cNvPr id="111" name="PlaceHolder 1"/>
+          <p:cNvPr id="103" name="PlaceHolder 1"/>
           <p:cNvSpPr>
             <a:spLocks noGrp="1"/>
           </p:cNvSpPr>
@@ -2791,8 +2622,8 @@
         </p:nvSpPr>
         <p:spPr>
           <a:xfrm>
-            <a:off x="720000" y="288000"/>
-            <a:ext cx="6623640" cy="503640"/>
+            <a:off x="457200" y="205200"/>
+            <a:ext cx="8229240" cy="858600"/>
           </a:xfrm>
           <a:prstGeom prst="rect">
             <a:avLst/>
@@ -2801,18 +2632,16 @@
         <p:txBody>
           <a:bodyPr lIns="0" rIns="0" tIns="0" bIns="0" anchor="ctr"/>
           <a:p>
-            <a:endParaRPr b="0" lang="nl-NL" sz="1350" spc="-1" strike="noStrike">
-              <a:solidFill>
-                <a:srgbClr val="000000"/>
-              </a:solidFill>
-              <a:latin typeface="Arial"/>
-            </a:endParaRPr>
-          </a:p>
-        </p:txBody>
-      </p:sp>
-      <p:sp>
-        <p:nvSpPr>
-          <p:cNvPr id="112" name="PlaceHolder 2"/>
+            <a:pPr algn="ctr"/>
+            <a:endParaRPr b="0" lang="en-US" sz="4400" spc="-1" strike="noStrike">
+              <a:latin typeface="Arial"/>
+            </a:endParaRPr>
+          </a:p>
+        </p:txBody>
+      </p:sp>
+      <p:sp>
+        <p:nvSpPr>
+          <p:cNvPr id="104" name="PlaceHolder 2"/>
           <p:cNvSpPr>
             <a:spLocks noGrp="1"/>
           </p:cNvSpPr>
@@ -2822,8 +2651,8 @@
         </p:nvSpPr>
         <p:spPr>
           <a:xfrm>
-            <a:off x="720000" y="1224000"/>
-            <a:ext cx="3232080" cy="3491640"/>
+            <a:off x="457200" y="1203480"/>
+            <a:ext cx="4015800" cy="2982960"/>
           </a:xfrm>
           <a:prstGeom prst="rect">
             <a:avLst/>
@@ -2834,18 +2663,15 @@
             <a:normAutofit/>
           </a:bodyPr>
           <a:p>
-            <a:endParaRPr b="0" lang="nl-NL" sz="1500" spc="-1" strike="noStrike">
-              <a:solidFill>
-                <a:srgbClr val="000000"/>
-              </a:solidFill>
-              <a:latin typeface="Arial"/>
-            </a:endParaRPr>
-          </a:p>
-        </p:txBody>
-      </p:sp>
-      <p:sp>
-        <p:nvSpPr>
-          <p:cNvPr id="113" name="PlaceHolder 3"/>
+            <a:endParaRPr b="0" lang="en-US" sz="3200" spc="-1" strike="noStrike">
+              <a:latin typeface="Arial"/>
+            </a:endParaRPr>
+          </a:p>
+        </p:txBody>
+      </p:sp>
+      <p:sp>
+        <p:nvSpPr>
+          <p:cNvPr id="105" name="PlaceHolder 3"/>
           <p:cNvSpPr>
             <a:spLocks noGrp="1"/>
           </p:cNvSpPr>
@@ -2855,8 +2681,8 @@
         </p:nvSpPr>
         <p:spPr>
           <a:xfrm>
-            <a:off x="4114080" y="1224000"/>
-            <a:ext cx="3232080" cy="1665360"/>
+            <a:off x="4674240" y="1203480"/>
+            <a:ext cx="4015800" cy="1422720"/>
           </a:xfrm>
           <a:prstGeom prst="rect">
             <a:avLst/>
@@ -2867,18 +2693,15 @@
             <a:normAutofit/>
           </a:bodyPr>
           <a:p>
-            <a:endParaRPr b="0" lang="nl-NL" sz="1500" spc="-1" strike="noStrike">
-              <a:solidFill>
-                <a:srgbClr val="000000"/>
-              </a:solidFill>
-              <a:latin typeface="Arial"/>
-            </a:endParaRPr>
-          </a:p>
-        </p:txBody>
-      </p:sp>
-      <p:sp>
-        <p:nvSpPr>
-          <p:cNvPr id="114" name="PlaceHolder 4"/>
+            <a:endParaRPr b="0" lang="en-US" sz="3200" spc="-1" strike="noStrike">
+              <a:latin typeface="Arial"/>
+            </a:endParaRPr>
+          </a:p>
+        </p:txBody>
+      </p:sp>
+      <p:sp>
+        <p:nvSpPr>
+          <p:cNvPr id="106" name="PlaceHolder 4"/>
           <p:cNvSpPr>
             <a:spLocks noGrp="1"/>
           </p:cNvSpPr>
@@ -2888,8 +2711,8 @@
         </p:nvSpPr>
         <p:spPr>
           <a:xfrm>
-            <a:off x="4114080" y="3048120"/>
-            <a:ext cx="3232080" cy="1665360"/>
+            <a:off x="4674240" y="2761920"/>
+            <a:ext cx="4015800" cy="1422720"/>
           </a:xfrm>
           <a:prstGeom prst="rect">
             <a:avLst/>
@@ -2900,10 +2723,7 @@
             <a:normAutofit/>
           </a:bodyPr>
           <a:p>
-            <a:endParaRPr b="0" lang="nl-NL" sz="1500" spc="-1" strike="noStrike">
-              <a:solidFill>
-                <a:srgbClr val="000000"/>
-              </a:solidFill>
+            <a:endParaRPr b="0" lang="en-US" sz="3200" spc="-1" strike="noStrike">
               <a:latin typeface="Arial"/>
             </a:endParaRPr>
           </a:p>
@@ -2933,7 +2753,7 @@
       </p:grpSpPr>
       <p:sp>
         <p:nvSpPr>
-          <p:cNvPr id="115" name="PlaceHolder 1"/>
+          <p:cNvPr id="107" name="PlaceHolder 1"/>
           <p:cNvSpPr>
             <a:spLocks noGrp="1"/>
           </p:cNvSpPr>
@@ -2943,8 +2763,8 @@
         </p:nvSpPr>
         <p:spPr>
           <a:xfrm>
-            <a:off x="720000" y="288000"/>
-            <a:ext cx="6623640" cy="503640"/>
+            <a:off x="457200" y="205200"/>
+            <a:ext cx="8229240" cy="858600"/>
           </a:xfrm>
           <a:prstGeom prst="rect">
             <a:avLst/>
@@ -2953,18 +2773,16 @@
         <p:txBody>
           <a:bodyPr lIns="0" rIns="0" tIns="0" bIns="0" anchor="ctr"/>
           <a:p>
-            <a:endParaRPr b="0" lang="nl-NL" sz="1350" spc="-1" strike="noStrike">
-              <a:solidFill>
-                <a:srgbClr val="000000"/>
-              </a:solidFill>
-              <a:latin typeface="Arial"/>
-            </a:endParaRPr>
-          </a:p>
-        </p:txBody>
-      </p:sp>
-      <p:sp>
-        <p:nvSpPr>
-          <p:cNvPr id="116" name="PlaceHolder 2"/>
+            <a:pPr algn="ctr"/>
+            <a:endParaRPr b="0" lang="en-US" sz="4400" spc="-1" strike="noStrike">
+              <a:latin typeface="Arial"/>
+            </a:endParaRPr>
+          </a:p>
+        </p:txBody>
+      </p:sp>
+      <p:sp>
+        <p:nvSpPr>
+          <p:cNvPr id="108" name="PlaceHolder 2"/>
           <p:cNvSpPr>
             <a:spLocks noGrp="1"/>
           </p:cNvSpPr>
@@ -2974,8 +2792,8 @@
         </p:nvSpPr>
         <p:spPr>
           <a:xfrm>
-            <a:off x="720000" y="1224000"/>
-            <a:ext cx="3232080" cy="1665360"/>
+            <a:off x="457200" y="1203480"/>
+            <a:ext cx="4015800" cy="1422720"/>
           </a:xfrm>
           <a:prstGeom prst="rect">
             <a:avLst/>
@@ -2986,18 +2804,15 @@
             <a:normAutofit/>
           </a:bodyPr>
           <a:p>
-            <a:endParaRPr b="0" lang="nl-NL" sz="1500" spc="-1" strike="noStrike">
-              <a:solidFill>
-                <a:srgbClr val="000000"/>
-              </a:solidFill>
-              <a:latin typeface="Arial"/>
-            </a:endParaRPr>
-          </a:p>
-        </p:txBody>
-      </p:sp>
-      <p:sp>
-        <p:nvSpPr>
-          <p:cNvPr id="117" name="PlaceHolder 3"/>
+            <a:endParaRPr b="0" lang="en-US" sz="3200" spc="-1" strike="noStrike">
+              <a:latin typeface="Arial"/>
+            </a:endParaRPr>
+          </a:p>
+        </p:txBody>
+      </p:sp>
+      <p:sp>
+        <p:nvSpPr>
+          <p:cNvPr id="109" name="PlaceHolder 3"/>
           <p:cNvSpPr>
             <a:spLocks noGrp="1"/>
           </p:cNvSpPr>
@@ -3007,8 +2822,8 @@
         </p:nvSpPr>
         <p:spPr>
           <a:xfrm>
-            <a:off x="4114080" y="1224000"/>
-            <a:ext cx="3232080" cy="1665360"/>
+            <a:off x="4674240" y="1203480"/>
+            <a:ext cx="4015800" cy="1422720"/>
           </a:xfrm>
           <a:prstGeom prst="rect">
             <a:avLst/>
@@ -3019,18 +2834,15 @@
             <a:normAutofit/>
           </a:bodyPr>
           <a:p>
-            <a:endParaRPr b="0" lang="nl-NL" sz="1500" spc="-1" strike="noStrike">
-              <a:solidFill>
-                <a:srgbClr val="000000"/>
-              </a:solidFill>
-              <a:latin typeface="Arial"/>
-            </a:endParaRPr>
-          </a:p>
-        </p:txBody>
-      </p:sp>
-      <p:sp>
-        <p:nvSpPr>
-          <p:cNvPr id="118" name="PlaceHolder 4"/>
+            <a:endParaRPr b="0" lang="en-US" sz="3200" spc="-1" strike="noStrike">
+              <a:latin typeface="Arial"/>
+            </a:endParaRPr>
+          </a:p>
+        </p:txBody>
+      </p:sp>
+      <p:sp>
+        <p:nvSpPr>
+          <p:cNvPr id="110" name="PlaceHolder 4"/>
           <p:cNvSpPr>
             <a:spLocks noGrp="1"/>
           </p:cNvSpPr>
@@ -3040,8 +2852,8 @@
         </p:nvSpPr>
         <p:spPr>
           <a:xfrm>
-            <a:off x="720000" y="3048120"/>
-            <a:ext cx="6623640" cy="1665360"/>
+            <a:off x="457200" y="2761920"/>
+            <a:ext cx="8229240" cy="1422720"/>
           </a:xfrm>
           <a:prstGeom prst="rect">
             <a:avLst/>
@@ -3052,10 +2864,7 @@
             <a:normAutofit/>
           </a:bodyPr>
           <a:p>
-            <a:endParaRPr b="0" lang="nl-NL" sz="1500" spc="-1" strike="noStrike">
-              <a:solidFill>
-                <a:srgbClr val="000000"/>
-              </a:solidFill>
+            <a:endParaRPr b="0" lang="en-US" sz="3200" spc="-1" strike="noStrike">
               <a:latin typeface="Arial"/>
             </a:endParaRPr>
           </a:p>
@@ -3085,7 +2894,7 @@
       </p:grpSpPr>
       <p:sp>
         <p:nvSpPr>
-          <p:cNvPr id="119" name="PlaceHolder 1"/>
+          <p:cNvPr id="111" name="PlaceHolder 1"/>
           <p:cNvSpPr>
             <a:spLocks noGrp="1"/>
           </p:cNvSpPr>
@@ -3095,8 +2904,8 @@
         </p:nvSpPr>
         <p:spPr>
           <a:xfrm>
-            <a:off x="720000" y="288000"/>
-            <a:ext cx="6623640" cy="503640"/>
+            <a:off x="457200" y="205200"/>
+            <a:ext cx="8229240" cy="858600"/>
           </a:xfrm>
           <a:prstGeom prst="rect">
             <a:avLst/>
@@ -3105,18 +2914,16 @@
         <p:txBody>
           <a:bodyPr lIns="0" rIns="0" tIns="0" bIns="0" anchor="ctr"/>
           <a:p>
-            <a:endParaRPr b="0" lang="nl-NL" sz="1350" spc="-1" strike="noStrike">
-              <a:solidFill>
-                <a:srgbClr val="000000"/>
-              </a:solidFill>
-              <a:latin typeface="Arial"/>
-            </a:endParaRPr>
-          </a:p>
-        </p:txBody>
-      </p:sp>
-      <p:sp>
-        <p:nvSpPr>
-          <p:cNvPr id="120" name="PlaceHolder 2"/>
+            <a:pPr algn="ctr"/>
+            <a:endParaRPr b="0" lang="en-US" sz="4400" spc="-1" strike="noStrike">
+              <a:latin typeface="Arial"/>
+            </a:endParaRPr>
+          </a:p>
+        </p:txBody>
+      </p:sp>
+      <p:sp>
+        <p:nvSpPr>
+          <p:cNvPr id="112" name="PlaceHolder 2"/>
           <p:cNvSpPr>
             <a:spLocks noGrp="1"/>
           </p:cNvSpPr>
@@ -3126,8 +2933,8 @@
         </p:nvSpPr>
         <p:spPr>
           <a:xfrm>
-            <a:off x="720000" y="1224000"/>
-            <a:ext cx="6623640" cy="1665360"/>
+            <a:off x="457200" y="1203480"/>
+            <a:ext cx="8229240" cy="1422720"/>
           </a:xfrm>
           <a:prstGeom prst="rect">
             <a:avLst/>
@@ -3138,18 +2945,15 @@
             <a:normAutofit/>
           </a:bodyPr>
           <a:p>
-            <a:endParaRPr b="0" lang="nl-NL" sz="1500" spc="-1" strike="noStrike">
-              <a:solidFill>
-                <a:srgbClr val="000000"/>
-              </a:solidFill>
-              <a:latin typeface="Arial"/>
-            </a:endParaRPr>
-          </a:p>
-        </p:txBody>
-      </p:sp>
-      <p:sp>
-        <p:nvSpPr>
-          <p:cNvPr id="121" name="PlaceHolder 3"/>
+            <a:endParaRPr b="0" lang="en-US" sz="3200" spc="-1" strike="noStrike">
+              <a:latin typeface="Arial"/>
+            </a:endParaRPr>
+          </a:p>
+        </p:txBody>
+      </p:sp>
+      <p:sp>
+        <p:nvSpPr>
+          <p:cNvPr id="113" name="PlaceHolder 3"/>
           <p:cNvSpPr>
             <a:spLocks noGrp="1"/>
           </p:cNvSpPr>
@@ -3159,8 +2963,8 @@
         </p:nvSpPr>
         <p:spPr>
           <a:xfrm>
-            <a:off x="720000" y="3048120"/>
-            <a:ext cx="6623640" cy="1665360"/>
+            <a:off x="457200" y="2761920"/>
+            <a:ext cx="8229240" cy="1422720"/>
           </a:xfrm>
           <a:prstGeom prst="rect">
             <a:avLst/>
@@ -3171,10 +2975,7 @@
             <a:normAutofit/>
           </a:bodyPr>
           <a:p>
-            <a:endParaRPr b="0" lang="nl-NL" sz="1500" spc="-1" strike="noStrike">
-              <a:solidFill>
-                <a:srgbClr val="000000"/>
-              </a:solidFill>
+            <a:endParaRPr b="0" lang="en-US" sz="3200" spc="-1" strike="noStrike">
               <a:latin typeface="Arial"/>
             </a:endParaRPr>
           </a:p>
@@ -3204,7 +3005,7 @@
       </p:grpSpPr>
       <p:sp>
         <p:nvSpPr>
-          <p:cNvPr id="122" name="PlaceHolder 1"/>
+          <p:cNvPr id="114" name="PlaceHolder 1"/>
           <p:cNvSpPr>
             <a:spLocks noGrp="1"/>
           </p:cNvSpPr>
@@ -3214,8 +3015,8 @@
         </p:nvSpPr>
         <p:spPr>
           <a:xfrm>
-            <a:off x="720000" y="288000"/>
-            <a:ext cx="6623640" cy="503640"/>
+            <a:off x="457200" y="205200"/>
+            <a:ext cx="8229240" cy="858600"/>
           </a:xfrm>
           <a:prstGeom prst="rect">
             <a:avLst/>
@@ -3224,18 +3025,16 @@
         <p:txBody>
           <a:bodyPr lIns="0" rIns="0" tIns="0" bIns="0" anchor="ctr"/>
           <a:p>
-            <a:endParaRPr b="0" lang="nl-NL" sz="1350" spc="-1" strike="noStrike">
-              <a:solidFill>
-                <a:srgbClr val="000000"/>
-              </a:solidFill>
-              <a:latin typeface="Arial"/>
-            </a:endParaRPr>
-          </a:p>
-        </p:txBody>
-      </p:sp>
-      <p:sp>
-        <p:nvSpPr>
-          <p:cNvPr id="123" name="PlaceHolder 2"/>
+            <a:pPr algn="ctr"/>
+            <a:endParaRPr b="0" lang="en-US" sz="4400" spc="-1" strike="noStrike">
+              <a:latin typeface="Arial"/>
+            </a:endParaRPr>
+          </a:p>
+        </p:txBody>
+      </p:sp>
+      <p:sp>
+        <p:nvSpPr>
+          <p:cNvPr id="115" name="PlaceHolder 2"/>
           <p:cNvSpPr>
             <a:spLocks noGrp="1"/>
           </p:cNvSpPr>
@@ -3245,8 +3044,8 @@
         </p:nvSpPr>
         <p:spPr>
           <a:xfrm>
-            <a:off x="720000" y="1224000"/>
-            <a:ext cx="3232080" cy="1665360"/>
+            <a:off x="457200" y="1203480"/>
+            <a:ext cx="4015800" cy="1422720"/>
           </a:xfrm>
           <a:prstGeom prst="rect">
             <a:avLst/>
@@ -3257,18 +3056,15 @@
             <a:normAutofit/>
           </a:bodyPr>
           <a:p>
-            <a:endParaRPr b="0" lang="nl-NL" sz="1500" spc="-1" strike="noStrike">
-              <a:solidFill>
-                <a:srgbClr val="000000"/>
-              </a:solidFill>
-              <a:latin typeface="Arial"/>
-            </a:endParaRPr>
-          </a:p>
-        </p:txBody>
-      </p:sp>
-      <p:sp>
-        <p:nvSpPr>
-          <p:cNvPr id="124" name="PlaceHolder 3"/>
+            <a:endParaRPr b="0" lang="en-US" sz="3200" spc="-1" strike="noStrike">
+              <a:latin typeface="Arial"/>
+            </a:endParaRPr>
+          </a:p>
+        </p:txBody>
+      </p:sp>
+      <p:sp>
+        <p:nvSpPr>
+          <p:cNvPr id="116" name="PlaceHolder 3"/>
           <p:cNvSpPr>
             <a:spLocks noGrp="1"/>
           </p:cNvSpPr>
@@ -3278,8 +3074,8 @@
         </p:nvSpPr>
         <p:spPr>
           <a:xfrm>
-            <a:off x="4114080" y="1224000"/>
-            <a:ext cx="3232080" cy="1665360"/>
+            <a:off x="4674240" y="1203480"/>
+            <a:ext cx="4015800" cy="1422720"/>
           </a:xfrm>
           <a:prstGeom prst="rect">
             <a:avLst/>
@@ -3290,18 +3086,15 @@
             <a:normAutofit/>
           </a:bodyPr>
           <a:p>
-            <a:endParaRPr b="0" lang="nl-NL" sz="1500" spc="-1" strike="noStrike">
-              <a:solidFill>
-                <a:srgbClr val="000000"/>
-              </a:solidFill>
-              <a:latin typeface="Arial"/>
-            </a:endParaRPr>
-          </a:p>
-        </p:txBody>
-      </p:sp>
-      <p:sp>
-        <p:nvSpPr>
-          <p:cNvPr id="125" name="PlaceHolder 4"/>
+            <a:endParaRPr b="0" lang="en-US" sz="3200" spc="-1" strike="noStrike">
+              <a:latin typeface="Arial"/>
+            </a:endParaRPr>
+          </a:p>
+        </p:txBody>
+      </p:sp>
+      <p:sp>
+        <p:nvSpPr>
+          <p:cNvPr id="117" name="PlaceHolder 4"/>
           <p:cNvSpPr>
             <a:spLocks noGrp="1"/>
           </p:cNvSpPr>
@@ -3311,8 +3104,8 @@
         </p:nvSpPr>
         <p:spPr>
           <a:xfrm>
-            <a:off x="720000" y="3048120"/>
-            <a:ext cx="3232080" cy="1665360"/>
+            <a:off x="457200" y="2761920"/>
+            <a:ext cx="4015800" cy="1422720"/>
           </a:xfrm>
           <a:prstGeom prst="rect">
             <a:avLst/>
@@ -3323,18 +3116,15 @@
             <a:normAutofit/>
           </a:bodyPr>
           <a:p>
-            <a:endParaRPr b="0" lang="nl-NL" sz="1500" spc="-1" strike="noStrike">
-              <a:solidFill>
-                <a:srgbClr val="000000"/>
-              </a:solidFill>
-              <a:latin typeface="Arial"/>
-            </a:endParaRPr>
-          </a:p>
-        </p:txBody>
-      </p:sp>
-      <p:sp>
-        <p:nvSpPr>
-          <p:cNvPr id="126" name="PlaceHolder 5"/>
+            <a:endParaRPr b="0" lang="en-US" sz="3200" spc="-1" strike="noStrike">
+              <a:latin typeface="Arial"/>
+            </a:endParaRPr>
+          </a:p>
+        </p:txBody>
+      </p:sp>
+      <p:sp>
+        <p:nvSpPr>
+          <p:cNvPr id="118" name="PlaceHolder 5"/>
           <p:cNvSpPr>
             <a:spLocks noGrp="1"/>
           </p:cNvSpPr>
@@ -3344,8 +3134,8 @@
         </p:nvSpPr>
         <p:spPr>
           <a:xfrm>
-            <a:off x="4114080" y="3048120"/>
-            <a:ext cx="3232080" cy="1665360"/>
+            <a:off x="4674240" y="2761920"/>
+            <a:ext cx="4015800" cy="1422720"/>
           </a:xfrm>
           <a:prstGeom prst="rect">
             <a:avLst/>
@@ -3356,10 +3146,7 @@
             <a:normAutofit/>
           </a:bodyPr>
           <a:p>
-            <a:endParaRPr b="0" lang="nl-NL" sz="1500" spc="-1" strike="noStrike">
-              <a:solidFill>
-                <a:srgbClr val="000000"/>
-              </a:solidFill>
+            <a:endParaRPr b="0" lang="en-US" sz="3200" spc="-1" strike="noStrike">
               <a:latin typeface="Arial"/>
             </a:endParaRPr>
           </a:p>
@@ -3389,7 +3176,7 @@
       </p:grpSpPr>
       <p:sp>
         <p:nvSpPr>
-          <p:cNvPr id="127" name="PlaceHolder 1"/>
+          <p:cNvPr id="119" name="PlaceHolder 1"/>
           <p:cNvSpPr>
             <a:spLocks noGrp="1"/>
           </p:cNvSpPr>
@@ -3399,8 +3186,8 @@
         </p:nvSpPr>
         <p:spPr>
           <a:xfrm>
-            <a:off x="720000" y="288000"/>
-            <a:ext cx="6623640" cy="503640"/>
+            <a:off x="457200" y="205200"/>
+            <a:ext cx="8229240" cy="858600"/>
           </a:xfrm>
           <a:prstGeom prst="rect">
             <a:avLst/>
@@ -3409,18 +3196,16 @@
         <p:txBody>
           <a:bodyPr lIns="0" rIns="0" tIns="0" bIns="0" anchor="ctr"/>
           <a:p>
-            <a:endParaRPr b="0" lang="nl-NL" sz="1350" spc="-1" strike="noStrike">
-              <a:solidFill>
-                <a:srgbClr val="000000"/>
-              </a:solidFill>
-              <a:latin typeface="Arial"/>
-            </a:endParaRPr>
-          </a:p>
-        </p:txBody>
-      </p:sp>
-      <p:sp>
-        <p:nvSpPr>
-          <p:cNvPr id="128" name="PlaceHolder 2"/>
+            <a:pPr algn="ctr"/>
+            <a:endParaRPr b="0" lang="en-US" sz="4400" spc="-1" strike="noStrike">
+              <a:latin typeface="Arial"/>
+            </a:endParaRPr>
+          </a:p>
+        </p:txBody>
+      </p:sp>
+      <p:sp>
+        <p:nvSpPr>
+          <p:cNvPr id="120" name="PlaceHolder 2"/>
           <p:cNvSpPr>
             <a:spLocks noGrp="1"/>
           </p:cNvSpPr>
@@ -3430,8 +3215,8 @@
         </p:nvSpPr>
         <p:spPr>
           <a:xfrm>
-            <a:off x="720000" y="1224000"/>
-            <a:ext cx="2132640" cy="1665360"/>
+            <a:off x="457200" y="1203480"/>
+            <a:ext cx="2649600" cy="1422720"/>
           </a:xfrm>
           <a:prstGeom prst="rect">
             <a:avLst/>
@@ -3442,18 +3227,15 @@
             <a:normAutofit/>
           </a:bodyPr>
           <a:p>
-            <a:endParaRPr b="0" lang="nl-NL" sz="1500" spc="-1" strike="noStrike">
-              <a:solidFill>
-                <a:srgbClr val="000000"/>
-              </a:solidFill>
-              <a:latin typeface="Arial"/>
-            </a:endParaRPr>
-          </a:p>
-        </p:txBody>
-      </p:sp>
-      <p:sp>
-        <p:nvSpPr>
-          <p:cNvPr id="129" name="PlaceHolder 3"/>
+            <a:endParaRPr b="0" lang="en-US" sz="3200" spc="-1" strike="noStrike">
+              <a:latin typeface="Arial"/>
+            </a:endParaRPr>
+          </a:p>
+        </p:txBody>
+      </p:sp>
+      <p:sp>
+        <p:nvSpPr>
+          <p:cNvPr id="121" name="PlaceHolder 3"/>
           <p:cNvSpPr>
             <a:spLocks noGrp="1"/>
           </p:cNvSpPr>
@@ -3463,8 +3245,8 @@
         </p:nvSpPr>
         <p:spPr>
           <a:xfrm>
-            <a:off x="2959560" y="1224000"/>
-            <a:ext cx="2132640" cy="1665360"/>
+            <a:off x="3239640" y="1203480"/>
+            <a:ext cx="2649600" cy="1422720"/>
           </a:xfrm>
           <a:prstGeom prst="rect">
             <a:avLst/>
@@ -3475,18 +3257,15 @@
             <a:normAutofit/>
           </a:bodyPr>
           <a:p>
-            <a:endParaRPr b="0" lang="nl-NL" sz="1500" spc="-1" strike="noStrike">
-              <a:solidFill>
-                <a:srgbClr val="000000"/>
-              </a:solidFill>
-              <a:latin typeface="Arial"/>
-            </a:endParaRPr>
-          </a:p>
-        </p:txBody>
-      </p:sp>
-      <p:sp>
-        <p:nvSpPr>
-          <p:cNvPr id="130" name="PlaceHolder 4"/>
+            <a:endParaRPr b="0" lang="en-US" sz="3200" spc="-1" strike="noStrike">
+              <a:latin typeface="Arial"/>
+            </a:endParaRPr>
+          </a:p>
+        </p:txBody>
+      </p:sp>
+      <p:sp>
+        <p:nvSpPr>
+          <p:cNvPr id="122" name="PlaceHolder 4"/>
           <p:cNvSpPr>
             <a:spLocks noGrp="1"/>
           </p:cNvSpPr>
@@ -3496,8 +3275,8 @@
         </p:nvSpPr>
         <p:spPr>
           <a:xfrm>
-            <a:off x="5199480" y="1224000"/>
-            <a:ext cx="2132640" cy="1665360"/>
+            <a:off x="6022080" y="1203480"/>
+            <a:ext cx="2649600" cy="1422720"/>
           </a:xfrm>
           <a:prstGeom prst="rect">
             <a:avLst/>
@@ -3508,18 +3287,15 @@
             <a:normAutofit/>
           </a:bodyPr>
           <a:p>
-            <a:endParaRPr b="0" lang="nl-NL" sz="1500" spc="-1" strike="noStrike">
-              <a:solidFill>
-                <a:srgbClr val="000000"/>
-              </a:solidFill>
-              <a:latin typeface="Arial"/>
-            </a:endParaRPr>
-          </a:p>
-        </p:txBody>
-      </p:sp>
-      <p:sp>
-        <p:nvSpPr>
-          <p:cNvPr id="131" name="PlaceHolder 5"/>
+            <a:endParaRPr b="0" lang="en-US" sz="3200" spc="-1" strike="noStrike">
+              <a:latin typeface="Arial"/>
+            </a:endParaRPr>
+          </a:p>
+        </p:txBody>
+      </p:sp>
+      <p:sp>
+        <p:nvSpPr>
+          <p:cNvPr id="123" name="PlaceHolder 5"/>
           <p:cNvSpPr>
             <a:spLocks noGrp="1"/>
           </p:cNvSpPr>
@@ -3529,8 +3305,8 @@
         </p:nvSpPr>
         <p:spPr>
           <a:xfrm>
-            <a:off x="720000" y="3048120"/>
-            <a:ext cx="2132640" cy="1665360"/>
+            <a:off x="457200" y="2761920"/>
+            <a:ext cx="2649600" cy="1422720"/>
           </a:xfrm>
           <a:prstGeom prst="rect">
             <a:avLst/>
@@ -3541,18 +3317,15 @@
             <a:normAutofit/>
           </a:bodyPr>
           <a:p>
-            <a:endParaRPr b="0" lang="nl-NL" sz="1500" spc="-1" strike="noStrike">
-              <a:solidFill>
-                <a:srgbClr val="000000"/>
-              </a:solidFill>
-              <a:latin typeface="Arial"/>
-            </a:endParaRPr>
-          </a:p>
-        </p:txBody>
-      </p:sp>
-      <p:sp>
-        <p:nvSpPr>
-          <p:cNvPr id="132" name="PlaceHolder 6"/>
+            <a:endParaRPr b="0" lang="en-US" sz="3200" spc="-1" strike="noStrike">
+              <a:latin typeface="Arial"/>
+            </a:endParaRPr>
+          </a:p>
+        </p:txBody>
+      </p:sp>
+      <p:sp>
+        <p:nvSpPr>
+          <p:cNvPr id="124" name="PlaceHolder 6"/>
           <p:cNvSpPr>
             <a:spLocks noGrp="1"/>
           </p:cNvSpPr>
@@ -3562,8 +3335,8 @@
         </p:nvSpPr>
         <p:spPr>
           <a:xfrm>
-            <a:off x="2959560" y="3048120"/>
-            <a:ext cx="2132640" cy="1665360"/>
+            <a:off x="3239640" y="2761920"/>
+            <a:ext cx="2649600" cy="1422720"/>
           </a:xfrm>
           <a:prstGeom prst="rect">
             <a:avLst/>
@@ -3574,18 +3347,15 @@
             <a:normAutofit/>
           </a:bodyPr>
           <a:p>
-            <a:endParaRPr b="0" lang="nl-NL" sz="1500" spc="-1" strike="noStrike">
-              <a:solidFill>
-                <a:srgbClr val="000000"/>
-              </a:solidFill>
-              <a:latin typeface="Arial"/>
-            </a:endParaRPr>
-          </a:p>
-        </p:txBody>
-      </p:sp>
-      <p:sp>
-        <p:nvSpPr>
-          <p:cNvPr id="133" name="PlaceHolder 7"/>
+            <a:endParaRPr b="0" lang="en-US" sz="3200" spc="-1" strike="noStrike">
+              <a:latin typeface="Arial"/>
+            </a:endParaRPr>
+          </a:p>
+        </p:txBody>
+      </p:sp>
+      <p:sp>
+        <p:nvSpPr>
+          <p:cNvPr id="125" name="PlaceHolder 7"/>
           <p:cNvSpPr>
             <a:spLocks noGrp="1"/>
           </p:cNvSpPr>
@@ -3595,8 +3365,8 @@
         </p:nvSpPr>
         <p:spPr>
           <a:xfrm>
-            <a:off x="5199480" y="3048120"/>
-            <a:ext cx="2132640" cy="1665360"/>
+            <a:off x="6022080" y="2761920"/>
+            <a:ext cx="2649600" cy="1422720"/>
           </a:xfrm>
           <a:prstGeom prst="rect">
             <a:avLst/>
@@ -3607,10 +3377,7 @@
             <a:normAutofit/>
           </a:bodyPr>
           <a:p>
-            <a:endParaRPr b="0" lang="nl-NL" sz="1500" spc="-1" strike="noStrike">
-              <a:solidFill>
-                <a:srgbClr val="000000"/>
-              </a:solidFill>
+            <a:endParaRPr b="0" lang="en-US" sz="3200" spc="-1" strike="noStrike">
               <a:latin typeface="Arial"/>
             </a:endParaRPr>
           </a:p>
@@ -3650,8 +3417,8 @@
         </p:nvSpPr>
         <p:spPr>
           <a:xfrm>
-            <a:off x="720000" y="288000"/>
-            <a:ext cx="6623640" cy="503640"/>
+            <a:off x="457200" y="205200"/>
+            <a:ext cx="8229240" cy="858600"/>
           </a:xfrm>
           <a:prstGeom prst="rect">
             <a:avLst/>
@@ -3660,10 +3427,8 @@
         <p:txBody>
           <a:bodyPr lIns="0" rIns="0" tIns="0" bIns="0" anchor="ctr"/>
           <a:p>
-            <a:endParaRPr b="0" lang="nl-NL" sz="1350" spc="-1" strike="noStrike">
-              <a:solidFill>
-                <a:srgbClr val="000000"/>
-              </a:solidFill>
+            <a:pPr algn="ctr"/>
+            <a:endParaRPr b="0" lang="en-US" sz="4400" spc="-1" strike="noStrike">
               <a:latin typeface="Arial"/>
             </a:endParaRPr>
           </a:p>
@@ -3681,8 +3446,8 @@
         </p:nvSpPr>
         <p:spPr>
           <a:xfrm>
-            <a:off x="720000" y="1224000"/>
-            <a:ext cx="3232080" cy="3491640"/>
+            <a:off x="457200" y="1203480"/>
+            <a:ext cx="4015800" cy="2982960"/>
           </a:xfrm>
           <a:prstGeom prst="rect">
             <a:avLst/>
@@ -3693,10 +3458,7 @@
             <a:normAutofit/>
           </a:bodyPr>
           <a:p>
-            <a:endParaRPr b="0" lang="nl-NL" sz="1500" spc="-1" strike="noStrike">
-              <a:solidFill>
-                <a:srgbClr val="000000"/>
-              </a:solidFill>
+            <a:endParaRPr b="0" lang="en-US" sz="3200" spc="-1" strike="noStrike">
               <a:latin typeface="Arial"/>
             </a:endParaRPr>
           </a:p>
@@ -3714,8 +3476,8 @@
         </p:nvSpPr>
         <p:spPr>
           <a:xfrm>
-            <a:off x="4114080" y="1224000"/>
-            <a:ext cx="3232080" cy="3491640"/>
+            <a:off x="4674240" y="1203480"/>
+            <a:ext cx="4015800" cy="2982960"/>
           </a:xfrm>
           <a:prstGeom prst="rect">
             <a:avLst/>
@@ -3726,10 +3488,7 @@
             <a:normAutofit/>
           </a:bodyPr>
           <a:p>
-            <a:endParaRPr b="0" lang="nl-NL" sz="1500" spc="-1" strike="noStrike">
-              <a:solidFill>
-                <a:srgbClr val="000000"/>
-              </a:solidFill>
+            <a:endParaRPr b="0" lang="en-US" sz="3200" spc="-1" strike="noStrike">
               <a:latin typeface="Arial"/>
             </a:endParaRPr>
           </a:p>
@@ -3769,8 +3528,8 @@
         </p:nvSpPr>
         <p:spPr>
           <a:xfrm>
-            <a:off x="720000" y="288000"/>
-            <a:ext cx="6623640" cy="503640"/>
+            <a:off x="457200" y="205200"/>
+            <a:ext cx="8229240" cy="858600"/>
           </a:xfrm>
           <a:prstGeom prst="rect">
             <a:avLst/>
@@ -3779,10 +3538,8 @@
         <p:txBody>
           <a:bodyPr lIns="0" rIns="0" tIns="0" bIns="0" anchor="ctr"/>
           <a:p>
-            <a:endParaRPr b="0" lang="nl-NL" sz="1350" spc="-1" strike="noStrike">
-              <a:solidFill>
-                <a:srgbClr val="000000"/>
-              </a:solidFill>
+            <a:pPr algn="ctr"/>
+            <a:endParaRPr b="0" lang="en-US" sz="4400" spc="-1" strike="noStrike">
               <a:latin typeface="Arial"/>
             </a:endParaRPr>
           </a:p>
@@ -3822,8 +3579,8 @@
         </p:nvSpPr>
         <p:spPr>
           <a:xfrm>
-            <a:off x="720000" y="288000"/>
-            <a:ext cx="6623640" cy="2336040"/>
+            <a:off x="457200" y="205200"/>
+            <a:ext cx="8229240" cy="3981240"/>
           </a:xfrm>
           <a:prstGeom prst="rect">
             <a:avLst/>
@@ -3873,8 +3630,8 @@
         </p:nvSpPr>
         <p:spPr>
           <a:xfrm>
-            <a:off x="720000" y="288000"/>
-            <a:ext cx="6623640" cy="503640"/>
+            <a:off x="457200" y="205200"/>
+            <a:ext cx="8229240" cy="858600"/>
           </a:xfrm>
           <a:prstGeom prst="rect">
             <a:avLst/>
@@ -3883,10 +3640,8 @@
         <p:txBody>
           <a:bodyPr lIns="0" rIns="0" tIns="0" bIns="0" anchor="ctr"/>
           <a:p>
-            <a:endParaRPr b="0" lang="nl-NL" sz="1350" spc="-1" strike="noStrike">
-              <a:solidFill>
-                <a:srgbClr val="000000"/>
-              </a:solidFill>
+            <a:pPr algn="ctr"/>
+            <a:endParaRPr b="0" lang="en-US" sz="4400" spc="-1" strike="noStrike">
               <a:latin typeface="Arial"/>
             </a:endParaRPr>
           </a:p>
@@ -3904,8 +3659,8 @@
         </p:nvSpPr>
         <p:spPr>
           <a:xfrm>
-            <a:off x="720000" y="1224000"/>
-            <a:ext cx="3232080" cy="1665360"/>
+            <a:off x="457200" y="1203480"/>
+            <a:ext cx="4015800" cy="1422720"/>
           </a:xfrm>
           <a:prstGeom prst="rect">
             <a:avLst/>
@@ -3916,10 +3671,7 @@
             <a:normAutofit/>
           </a:bodyPr>
           <a:p>
-            <a:endParaRPr b="0" lang="nl-NL" sz="1500" spc="-1" strike="noStrike">
-              <a:solidFill>
-                <a:srgbClr val="000000"/>
-              </a:solidFill>
+            <a:endParaRPr b="0" lang="en-US" sz="3200" spc="-1" strike="noStrike">
               <a:latin typeface="Arial"/>
             </a:endParaRPr>
           </a:p>
@@ -3937,8 +3689,8 @@
         </p:nvSpPr>
         <p:spPr>
           <a:xfrm>
-            <a:off x="4114080" y="1224000"/>
-            <a:ext cx="3232080" cy="3491640"/>
+            <a:off x="4674240" y="1203480"/>
+            <a:ext cx="4015800" cy="2982960"/>
           </a:xfrm>
           <a:prstGeom prst="rect">
             <a:avLst/>
@@ -3949,10 +3701,7 @@
             <a:normAutofit/>
           </a:bodyPr>
           <a:p>
-            <a:endParaRPr b="0" lang="nl-NL" sz="1500" spc="-1" strike="noStrike">
-              <a:solidFill>
-                <a:srgbClr val="000000"/>
-              </a:solidFill>
+            <a:endParaRPr b="0" lang="en-US" sz="3200" spc="-1" strike="noStrike">
               <a:latin typeface="Arial"/>
             </a:endParaRPr>
           </a:p>
@@ -3970,8 +3719,8 @@
         </p:nvSpPr>
         <p:spPr>
           <a:xfrm>
-            <a:off x="720000" y="3048120"/>
-            <a:ext cx="3232080" cy="1665360"/>
+            <a:off x="457200" y="2761920"/>
+            <a:ext cx="4015800" cy="1422720"/>
           </a:xfrm>
           <a:prstGeom prst="rect">
             <a:avLst/>
@@ -3982,10 +3731,7 @@
             <a:normAutofit/>
           </a:bodyPr>
           <a:p>
-            <a:endParaRPr b="0" lang="nl-NL" sz="1500" spc="-1" strike="noStrike">
-              <a:solidFill>
-                <a:srgbClr val="000000"/>
-              </a:solidFill>
+            <a:endParaRPr b="0" lang="en-US" sz="3200" spc="-1" strike="noStrike">
               <a:latin typeface="Arial"/>
             </a:endParaRPr>
           </a:p>
@@ -4025,8 +3771,8 @@
         </p:nvSpPr>
         <p:spPr>
           <a:xfrm>
-            <a:off x="720000" y="288000"/>
-            <a:ext cx="6623640" cy="503640"/>
+            <a:off x="457200" y="205200"/>
+            <a:ext cx="8229240" cy="858600"/>
           </a:xfrm>
           <a:prstGeom prst="rect">
             <a:avLst/>
@@ -4035,10 +3781,8 @@
         <p:txBody>
           <a:bodyPr lIns="0" rIns="0" tIns="0" bIns="0" anchor="ctr"/>
           <a:p>
-            <a:endParaRPr b="0" lang="nl-NL" sz="1350" spc="-1" strike="noStrike">
-              <a:solidFill>
-                <a:srgbClr val="000000"/>
-              </a:solidFill>
+            <a:pPr algn="ctr"/>
+            <a:endParaRPr b="0" lang="en-US" sz="4400" spc="-1" strike="noStrike">
               <a:latin typeface="Arial"/>
             </a:endParaRPr>
           </a:p>
@@ -4056,8 +3800,8 @@
         </p:nvSpPr>
         <p:spPr>
           <a:xfrm>
-            <a:off x="720000" y="1224000"/>
-            <a:ext cx="3232080" cy="3491640"/>
+            <a:off x="457200" y="1203480"/>
+            <a:ext cx="4015800" cy="2982960"/>
           </a:xfrm>
           <a:prstGeom prst="rect">
             <a:avLst/>
@@ -4068,10 +3812,7 @@
             <a:normAutofit/>
           </a:bodyPr>
           <a:p>
-            <a:endParaRPr b="0" lang="nl-NL" sz="1500" spc="-1" strike="noStrike">
-              <a:solidFill>
-                <a:srgbClr val="000000"/>
-              </a:solidFill>
+            <a:endParaRPr b="0" lang="en-US" sz="3200" spc="-1" strike="noStrike">
               <a:latin typeface="Arial"/>
             </a:endParaRPr>
           </a:p>
@@ -4089,8 +3830,8 @@
         </p:nvSpPr>
         <p:spPr>
           <a:xfrm>
-            <a:off x="4114080" y="1224000"/>
-            <a:ext cx="3232080" cy="1665360"/>
+            <a:off x="4674240" y="1203480"/>
+            <a:ext cx="4015800" cy="1422720"/>
           </a:xfrm>
           <a:prstGeom prst="rect">
             <a:avLst/>
@@ -4101,10 +3842,7 @@
             <a:normAutofit/>
           </a:bodyPr>
           <a:p>
-            <a:endParaRPr b="0" lang="nl-NL" sz="1500" spc="-1" strike="noStrike">
-              <a:solidFill>
-                <a:srgbClr val="000000"/>
-              </a:solidFill>
+            <a:endParaRPr b="0" lang="en-US" sz="3200" spc="-1" strike="noStrike">
               <a:latin typeface="Arial"/>
             </a:endParaRPr>
           </a:p>
@@ -4122,8 +3860,8 @@
         </p:nvSpPr>
         <p:spPr>
           <a:xfrm>
-            <a:off x="4114080" y="3048120"/>
-            <a:ext cx="3232080" cy="1665360"/>
+            <a:off x="4674240" y="2761920"/>
+            <a:ext cx="4015800" cy="1422720"/>
           </a:xfrm>
           <a:prstGeom prst="rect">
             <a:avLst/>
@@ -4134,10 +3872,7 @@
             <a:normAutofit/>
           </a:bodyPr>
           <a:p>
-            <a:endParaRPr b="0" lang="nl-NL" sz="1500" spc="-1" strike="noStrike">
-              <a:solidFill>
-                <a:srgbClr val="000000"/>
-              </a:solidFill>
+            <a:endParaRPr b="0" lang="en-US" sz="3200" spc="-1" strike="noStrike">
               <a:latin typeface="Arial"/>
             </a:endParaRPr>
           </a:p>
@@ -4177,8 +3912,8 @@
         </p:nvSpPr>
         <p:spPr>
           <a:xfrm>
-            <a:off x="720000" y="288000"/>
-            <a:ext cx="6623640" cy="503640"/>
+            <a:off x="457200" y="205200"/>
+            <a:ext cx="8229240" cy="858600"/>
           </a:xfrm>
           <a:prstGeom prst="rect">
             <a:avLst/>
@@ -4187,10 +3922,8 @@
         <p:txBody>
           <a:bodyPr lIns="0" rIns="0" tIns="0" bIns="0" anchor="ctr"/>
           <a:p>
-            <a:endParaRPr b="0" lang="nl-NL" sz="1350" spc="-1" strike="noStrike">
-              <a:solidFill>
-                <a:srgbClr val="000000"/>
-              </a:solidFill>
+            <a:pPr algn="ctr"/>
+            <a:endParaRPr b="0" lang="en-US" sz="4400" spc="-1" strike="noStrike">
               <a:latin typeface="Arial"/>
             </a:endParaRPr>
           </a:p>
@@ -4208,8 +3941,8 @@
         </p:nvSpPr>
         <p:spPr>
           <a:xfrm>
-            <a:off x="720000" y="1224000"/>
-            <a:ext cx="3232080" cy="1665360"/>
+            <a:off x="457200" y="1203480"/>
+            <a:ext cx="4015800" cy="1422720"/>
           </a:xfrm>
           <a:prstGeom prst="rect">
             <a:avLst/>
@@ -4220,10 +3953,7 @@
             <a:normAutofit/>
           </a:bodyPr>
           <a:p>
-            <a:endParaRPr b="0" lang="nl-NL" sz="1500" spc="-1" strike="noStrike">
-              <a:solidFill>
-                <a:srgbClr val="000000"/>
-              </a:solidFill>
+            <a:endParaRPr b="0" lang="en-US" sz="3200" spc="-1" strike="noStrike">
               <a:latin typeface="Arial"/>
             </a:endParaRPr>
           </a:p>
@@ -4241,8 +3971,8 @@
         </p:nvSpPr>
         <p:spPr>
           <a:xfrm>
-            <a:off x="4114080" y="1224000"/>
-            <a:ext cx="3232080" cy="1665360"/>
+            <a:off x="4674240" y="1203480"/>
+            <a:ext cx="4015800" cy="1422720"/>
           </a:xfrm>
           <a:prstGeom prst="rect">
             <a:avLst/>
@@ -4253,10 +3983,7 @@
             <a:normAutofit/>
           </a:bodyPr>
           <a:p>
-            <a:endParaRPr b="0" lang="nl-NL" sz="1500" spc="-1" strike="noStrike">
-              <a:solidFill>
-                <a:srgbClr val="000000"/>
-              </a:solidFill>
+            <a:endParaRPr b="0" lang="en-US" sz="3200" spc="-1" strike="noStrike">
               <a:latin typeface="Arial"/>
             </a:endParaRPr>
           </a:p>
@@ -4274,8 +4001,8 @@
         </p:nvSpPr>
         <p:spPr>
           <a:xfrm>
-            <a:off x="720000" y="3048120"/>
-            <a:ext cx="6623640" cy="1665360"/>
+            <a:off x="457200" y="2761920"/>
+            <a:ext cx="8229240" cy="1422720"/>
           </a:xfrm>
           <a:prstGeom prst="rect">
             <a:avLst/>
@@ -4286,10 +4013,7 @@
             <a:normAutofit/>
           </a:bodyPr>
           <a:p>
-            <a:endParaRPr b="0" lang="nl-NL" sz="1500" spc="-1" strike="noStrike">
-              <a:solidFill>
-                <a:srgbClr val="000000"/>
-              </a:solidFill>
+            <a:endParaRPr b="0" lang="en-US" sz="3200" spc="-1" strike="noStrike">
               <a:latin typeface="Arial"/>
             </a:endParaRPr>
           </a:p>
@@ -4337,7 +4061,7 @@
         <p:spPr>
           <a:xfrm>
             <a:off x="7200000" y="360000"/>
-            <a:ext cx="1258560" cy="286200"/>
+            <a:ext cx="1258200" cy="285840"/>
           </a:xfrm>
           <a:prstGeom prst="rect">
             <a:avLst/>
@@ -4354,15 +4078,13 @@
           <p:nvPr/>
         </p:nvPicPr>
         <p:blipFill>
-          <a:blip r:embed="rId3">
-            <a:alphaModFix amt="45000"/>
-          </a:blip>
+          <a:blip r:embed="rId3"/>
           <a:stretch/>
         </p:blipFill>
         <p:spPr>
           <a:xfrm>
             <a:off x="0" y="4966560"/>
-            <a:ext cx="9143640" cy="176400"/>
+            <a:ext cx="9143280" cy="176040"/>
           </a:xfrm>
           <a:prstGeom prst="rect">
             <a:avLst/>
@@ -4386,10 +4108,11 @@
           <a:prstGeom prst="line">
             <a:avLst/>
           </a:prstGeom>
-          <a:ln w="9360">
+          <a:ln>
             <a:solidFill>
               <a:schemeClr val="bg1"/>
             </a:solidFill>
+            <a:round/>
           </a:ln>
         </p:spPr>
         <p:style>
@@ -4418,7 +4141,7 @@
         <p:spPr>
           <a:xfrm>
             <a:off x="0" y="4966560"/>
-            <a:ext cx="9143640" cy="176400"/>
+            <a:ext cx="9143280" cy="176040"/>
           </a:xfrm>
           <a:prstGeom prst="rect">
             <a:avLst/>
@@ -4428,99 +4151,9 @@
           </a:ln>
         </p:spPr>
       </p:pic>
-      <p:sp>
-        <p:nvSpPr>
-          <p:cNvPr id="4" name="PlaceHolder 2"/>
-          <p:cNvSpPr>
-            <a:spLocks noGrp="1"/>
-          </p:cNvSpPr>
-          <p:nvPr>
-            <p:ph type="body"/>
-          </p:nvPr>
-        </p:nvSpPr>
-        <p:spPr>
-          <a:xfrm>
-            <a:off x="0" y="810000"/>
-            <a:ext cx="9143640" cy="3347640"/>
-          </a:xfrm>
-          <a:prstGeom prst="rect">
-            <a:avLst/>
-          </a:prstGeom>
-        </p:spPr>
-        <p:txBody>
-          <a:bodyPr lIns="360000" rIns="3960000" tIns="252000" bIns="1080000" anchor="b"/>
-          <a:p>
-            <a:pPr algn="r">
-              <a:lnSpc>
-                <a:spcPts val="2001"/>
-              </a:lnSpc>
-            </a:pPr>
-            <a:r>
-              <a:rPr b="0" lang="nl-NL" sz="1400" spc="-1" strike="noStrike">
-                <a:solidFill>
-                  <a:srgbClr val="808080"/>
-                </a:solidFill>
-                <a:latin typeface="Arial"/>
-              </a:rPr>
-              <a:t>Click icon to add picture</a:t>
-            </a:r>
-            <a:endParaRPr b="0" lang="nl-NL" sz="1400" spc="-1" strike="noStrike">
-              <a:solidFill>
-                <a:srgbClr val="000000"/>
-              </a:solidFill>
-              <a:latin typeface="Arial"/>
-            </a:endParaRPr>
-          </a:p>
-        </p:txBody>
-      </p:sp>
-      <p:sp>
-        <p:nvSpPr>
-          <p:cNvPr id="5" name="PlaceHolder 3"/>
-          <p:cNvSpPr>
-            <a:spLocks noGrp="1"/>
-          </p:cNvSpPr>
-          <p:nvPr>
-            <p:ph type="title"/>
-          </p:nvPr>
-        </p:nvSpPr>
-        <p:spPr>
-          <a:xfrm>
-            <a:off x="5400000" y="1548000"/>
-            <a:ext cx="3023640" cy="3023640"/>
-          </a:xfrm>
-          <a:prstGeom prst="rect">
-            <a:avLst/>
-          </a:prstGeom>
-        </p:spPr>
-        <p:txBody>
-          <a:bodyPr lIns="90000" rIns="72000" tIns="90000" bIns="72000"/>
-          <a:p>
-            <a:pPr>
-              <a:lnSpc>
-                <a:spcPct val="85000"/>
-              </a:lnSpc>
-            </a:pPr>
-            <a:r>
-              <a:rPr b="1" lang="nl-NL" sz="2800" spc="-1" strike="noStrike">
-                <a:solidFill>
-                  <a:srgbClr val="ffffff"/>
-                </a:solidFill>
-                <a:latin typeface="Arial"/>
-              </a:rPr>
-              <a:t>CLICK TO EDIT MASTER TITLE STYLE</a:t>
-            </a:r>
-            <a:endParaRPr b="0" lang="nl-NL" sz="2800" spc="-1" strike="noStrike">
-              <a:solidFill>
-                <a:srgbClr val="000000"/>
-              </a:solidFill>
-              <a:latin typeface="Arial"/>
-            </a:endParaRPr>
-          </a:p>
-        </p:txBody>
-      </p:sp>
       <p:pic>
         <p:nvPicPr>
-          <p:cNvPr id="6" name="Picture 9" descr=""/>
+          <p:cNvPr id="4" name="Picture 9" descr=""/>
           <p:cNvPicPr/>
           <p:nvPr/>
         </p:nvPicPr>
@@ -4531,7 +4164,7 @@
         <p:spPr>
           <a:xfrm>
             <a:off x="648000" y="108000"/>
-            <a:ext cx="2880000" cy="648720"/>
+            <a:ext cx="2879640" cy="648360"/>
           </a:xfrm>
           <a:prstGeom prst="rect">
             <a:avLst/>
@@ -4541,6 +4174,220 @@
           </a:ln>
         </p:spPr>
       </p:pic>
+      <p:sp>
+        <p:nvSpPr>
+          <p:cNvPr id="5" name="PlaceHolder 2"/>
+          <p:cNvSpPr>
+            <a:spLocks noGrp="1"/>
+          </p:cNvSpPr>
+          <p:nvPr>
+            <p:ph type="title"/>
+          </p:nvPr>
+        </p:nvSpPr>
+        <p:spPr>
+          <a:xfrm>
+            <a:off x="457200" y="205200"/>
+            <a:ext cx="8229240" cy="858600"/>
+          </a:xfrm>
+          <a:prstGeom prst="rect">
+            <a:avLst/>
+          </a:prstGeom>
+        </p:spPr>
+        <p:txBody>
+          <a:bodyPr lIns="0" rIns="0" tIns="0" bIns="0" anchor="ctr"/>
+          <a:p>
+            <a:pPr algn="ctr"/>
+            <a:r>
+              <a:rPr b="0" lang="en-US" sz="4400" spc="-1" strike="noStrike">
+                <a:latin typeface="Arial"/>
+              </a:rPr>
+              <a:t>Click to edit the title text format</a:t>
+            </a:r>
+            <a:endParaRPr b="0" lang="en-US" sz="4400" spc="-1" strike="noStrike">
+              <a:latin typeface="Arial"/>
+            </a:endParaRPr>
+          </a:p>
+        </p:txBody>
+      </p:sp>
+      <p:sp>
+        <p:nvSpPr>
+          <p:cNvPr id="6" name="PlaceHolder 3"/>
+          <p:cNvSpPr>
+            <a:spLocks noGrp="1"/>
+          </p:cNvSpPr>
+          <p:nvPr>
+            <p:ph type="body"/>
+          </p:nvPr>
+        </p:nvSpPr>
+        <p:spPr>
+          <a:xfrm>
+            <a:off x="457200" y="1203480"/>
+            <a:ext cx="8229240" cy="2982960"/>
+          </a:xfrm>
+          <a:prstGeom prst="rect">
+            <a:avLst/>
+          </a:prstGeom>
+        </p:spPr>
+        <p:txBody>
+          <a:bodyPr lIns="0" rIns="0" tIns="0" bIns="0">
+            <a:normAutofit/>
+          </a:bodyPr>
+          <a:p>
+            <a:pPr marL="432000" indent="-324000">
+              <a:spcBef>
+                <a:spcPts val="1417"/>
+              </a:spcBef>
+              <a:buClr>
+                <a:srgbClr val="000000"/>
+              </a:buClr>
+              <a:buSzPct val="45000"/>
+              <a:buFont typeface="Wingdings" charset="2"/>
+              <a:buChar char=""/>
+            </a:pPr>
+            <a:r>
+              <a:rPr b="0" lang="en-US" sz="3200" spc="-1" strike="noStrike">
+                <a:latin typeface="Arial"/>
+              </a:rPr>
+              <a:t>Click to edit the outline text format</a:t>
+            </a:r>
+            <a:endParaRPr b="0" lang="en-US" sz="3200" spc="-1" strike="noStrike">
+              <a:latin typeface="Arial"/>
+            </a:endParaRPr>
+          </a:p>
+          <a:p>
+            <a:pPr lvl="1" marL="864000" indent="-324000">
+              <a:spcBef>
+                <a:spcPts val="1134"/>
+              </a:spcBef>
+              <a:buClr>
+                <a:srgbClr val="000000"/>
+              </a:buClr>
+              <a:buSzPct val="75000"/>
+              <a:buFont typeface="Symbol" charset="2"/>
+              <a:buChar char=""/>
+            </a:pPr>
+            <a:r>
+              <a:rPr b="0" lang="en-US" sz="2800" spc="-1" strike="noStrike">
+                <a:latin typeface="Arial"/>
+              </a:rPr>
+              <a:t>Second Outline Level</a:t>
+            </a:r>
+            <a:endParaRPr b="0" lang="en-US" sz="2800" spc="-1" strike="noStrike">
+              <a:latin typeface="Arial"/>
+            </a:endParaRPr>
+          </a:p>
+          <a:p>
+            <a:pPr lvl="2" marL="1296000" indent="-288000">
+              <a:spcBef>
+                <a:spcPts val="850"/>
+              </a:spcBef>
+              <a:buClr>
+                <a:srgbClr val="000000"/>
+              </a:buClr>
+              <a:buSzPct val="45000"/>
+              <a:buFont typeface="Wingdings" charset="2"/>
+              <a:buChar char=""/>
+            </a:pPr>
+            <a:r>
+              <a:rPr b="0" lang="en-US" sz="2400" spc="-1" strike="noStrike">
+                <a:latin typeface="Arial"/>
+              </a:rPr>
+              <a:t>Third Outline Level</a:t>
+            </a:r>
+            <a:endParaRPr b="0" lang="en-US" sz="2400" spc="-1" strike="noStrike">
+              <a:latin typeface="Arial"/>
+            </a:endParaRPr>
+          </a:p>
+          <a:p>
+            <a:pPr lvl="3" marL="1728000" indent="-216000">
+              <a:spcBef>
+                <a:spcPts val="567"/>
+              </a:spcBef>
+              <a:buClr>
+                <a:srgbClr val="000000"/>
+              </a:buClr>
+              <a:buSzPct val="75000"/>
+              <a:buFont typeface="Symbol" charset="2"/>
+              <a:buChar char=""/>
+            </a:pPr>
+            <a:r>
+              <a:rPr b="0" lang="en-US" sz="2000" spc="-1" strike="noStrike">
+                <a:latin typeface="Arial"/>
+              </a:rPr>
+              <a:t>Fourth Outline Level</a:t>
+            </a:r>
+            <a:endParaRPr b="0" lang="en-US" sz="2000" spc="-1" strike="noStrike">
+              <a:latin typeface="Arial"/>
+            </a:endParaRPr>
+          </a:p>
+          <a:p>
+            <a:pPr lvl="4" marL="2160000" indent="-216000">
+              <a:spcBef>
+                <a:spcPts val="283"/>
+              </a:spcBef>
+              <a:buClr>
+                <a:srgbClr val="000000"/>
+              </a:buClr>
+              <a:buSzPct val="45000"/>
+              <a:buFont typeface="Wingdings" charset="2"/>
+              <a:buChar char=""/>
+            </a:pPr>
+            <a:r>
+              <a:rPr b="0" lang="en-US" sz="2000" spc="-1" strike="noStrike">
+                <a:latin typeface="Arial"/>
+              </a:rPr>
+              <a:t>Fifth Outline Level</a:t>
+            </a:r>
+            <a:endParaRPr b="0" lang="en-US" sz="2000" spc="-1" strike="noStrike">
+              <a:latin typeface="Arial"/>
+            </a:endParaRPr>
+          </a:p>
+          <a:p>
+            <a:pPr lvl="5" marL="2592000" indent="-216000">
+              <a:spcBef>
+                <a:spcPts val="283"/>
+              </a:spcBef>
+              <a:buClr>
+                <a:srgbClr val="000000"/>
+              </a:buClr>
+              <a:buSzPct val="45000"/>
+              <a:buFont typeface="Wingdings" charset="2"/>
+              <a:buChar char=""/>
+            </a:pPr>
+            <a:r>
+              <a:rPr b="0" lang="en-US" sz="2000" spc="-1" strike="noStrike">
+                <a:latin typeface="Arial"/>
+              </a:rPr>
+              <a:t>Sixth Outline Level</a:t>
+            </a:r>
+            <a:endParaRPr b="0" lang="en-US" sz="2000" spc="-1" strike="noStrike">
+              <a:latin typeface="Arial"/>
+            </a:endParaRPr>
+          </a:p>
+          <a:p>
+            <a:pPr lvl="6" marL="3024000" indent="-216000">
+              <a:spcBef>
+                <a:spcPts val="283"/>
+              </a:spcBef>
+              <a:buClr>
+                <a:srgbClr val="000000"/>
+              </a:buClr>
+              <a:buSzPct val="45000"/>
+              <a:buFont typeface="Wingdings" charset="2"/>
+              <a:buChar char=""/>
+            </a:pPr>
+            <a:r>
+              <a:rPr b="0" lang="en-US" sz="2000" spc="-1" strike="noStrike">
+                <a:latin typeface="Arial"/>
+              </a:rPr>
+              <a:t>Seventh Outline Level</a:t>
+            </a:r>
+            <a:endParaRPr b="0" lang="en-US" sz="2000" spc="-1" strike="noStrike">
+              <a:latin typeface="Arial"/>
+            </a:endParaRPr>
+          </a:p>
+        </p:txBody>
+      </p:sp>
     </p:spTree>
   </p:cSld>
   <p:clrMap bg1="lt1" bg2="lt2" tx1="dk1" tx2="dk2" accent1="accent1" accent2="accent2" accent3="accent3" accent4="accent4" accent5="accent5" accent6="accent6" hlink="hlink" folHlink="folHlink"/>
@@ -4598,7 +4445,7 @@
         <p:spPr>
           <a:xfrm>
             <a:off x="7200000" y="360000"/>
-            <a:ext cx="1258560" cy="286200"/>
+            <a:ext cx="1258200" cy="285840"/>
           </a:xfrm>
           <a:prstGeom prst="rect">
             <a:avLst/>
@@ -4615,15 +4462,13 @@
           <p:nvPr/>
         </p:nvPicPr>
         <p:blipFill>
-          <a:blip r:embed="rId3">
-            <a:alphaModFix amt="45000"/>
-          </a:blip>
+          <a:blip r:embed="rId3"/>
           <a:stretch/>
         </p:blipFill>
         <p:spPr>
           <a:xfrm>
             <a:off x="0" y="4966560"/>
-            <a:ext cx="9143640" cy="176400"/>
+            <a:ext cx="9143280" cy="176040"/>
           </a:xfrm>
           <a:prstGeom prst="rect">
             <a:avLst/>
@@ -4647,10 +4492,11 @@
           <a:prstGeom prst="line">
             <a:avLst/>
           </a:prstGeom>
-          <a:ln w="9360">
+          <a:ln>
             <a:solidFill>
               <a:schemeClr val="bg1"/>
             </a:solidFill>
+            <a:round/>
           </a:ln>
         </p:spPr>
         <p:style>
@@ -4678,8 +4524,8 @@
         </p:nvSpPr>
         <p:spPr>
           <a:xfrm>
-            <a:off x="720000" y="288000"/>
-            <a:ext cx="6623640" cy="503640"/>
+            <a:off x="457200" y="205200"/>
+            <a:ext cx="8229240" cy="858600"/>
           </a:xfrm>
           <a:prstGeom prst="rect">
             <a:avLst/>
@@ -4688,258 +4534,14 @@
         <p:txBody>
           <a:bodyPr lIns="0" rIns="0" tIns="0" bIns="0" anchor="ctr"/>
           <a:p>
-            <a:pPr>
-              <a:lnSpc>
-                <a:spcPct val="85000"/>
-              </a:lnSpc>
-            </a:pPr>
+            <a:pPr algn="ctr"/>
             <a:r>
-              <a:rPr b="1" lang="nl-NL" sz="1800" spc="-1" strike="noStrike">
-                <a:solidFill>
-                  <a:srgbClr val="e63232"/>
-                </a:solidFill>
-                <a:latin typeface="Arial"/>
-              </a:rPr>
-              <a:t>T</a:t>
+              <a:rPr b="0" lang="en-US" sz="4400" spc="-1" strike="noStrike">
+                <a:latin typeface="Arial"/>
+              </a:rPr>
+              <a:t>Click to edit the title text format</a:t>
             </a:r>
-            <a:r>
-              <a:rPr b="1" lang="nl-NL" sz="1800" spc="-1" strike="noStrike">
-                <a:solidFill>
-                  <a:srgbClr val="e63232"/>
-                </a:solidFill>
-                <a:latin typeface="Arial"/>
-              </a:rPr>
-              <a:t>I</a:t>
-            </a:r>
-            <a:r>
-              <a:rPr b="1" lang="nl-NL" sz="1800" spc="-1" strike="noStrike">
-                <a:solidFill>
-                  <a:srgbClr val="e63232"/>
-                </a:solidFill>
-                <a:latin typeface="Arial"/>
-              </a:rPr>
-              <a:t>T</a:t>
-            </a:r>
-            <a:r>
-              <a:rPr b="1" lang="nl-NL" sz="1800" spc="-1" strike="noStrike">
-                <a:solidFill>
-                  <a:srgbClr val="e63232"/>
-                </a:solidFill>
-                <a:latin typeface="Arial"/>
-              </a:rPr>
-              <a:t>E</a:t>
-            </a:r>
-            <a:r>
-              <a:rPr b="1" lang="nl-NL" sz="1800" spc="-1" strike="noStrike">
-                <a:solidFill>
-                  <a:srgbClr val="e63232"/>
-                </a:solidFill>
-                <a:latin typeface="Arial"/>
-              </a:rPr>
-              <a:t>L</a:t>
-            </a:r>
-            <a:r>
-              <a:rPr b="1" lang="nl-NL" sz="1800" spc="-1" strike="noStrike">
-                <a:solidFill>
-                  <a:srgbClr val="e63232"/>
-                </a:solidFill>
-                <a:latin typeface="Arial"/>
-              </a:rPr>
-              <a:t>S</a:t>
-            </a:r>
-            <a:r>
-              <a:rPr b="1" lang="nl-NL" sz="1800" spc="-1" strike="noStrike">
-                <a:solidFill>
-                  <a:srgbClr val="e63232"/>
-                </a:solidFill>
-                <a:latin typeface="Arial"/>
-              </a:rPr>
-              <a:t>T</a:t>
-            </a:r>
-            <a:r>
-              <a:rPr b="1" lang="nl-NL" sz="1800" spc="-1" strike="noStrike">
-                <a:solidFill>
-                  <a:srgbClr val="e63232"/>
-                </a:solidFill>
-                <a:latin typeface="Arial"/>
-              </a:rPr>
-              <a:t>I</a:t>
-            </a:r>
-            <a:r>
-              <a:rPr b="1" lang="nl-NL" sz="1800" spc="-1" strike="noStrike">
-                <a:solidFill>
-                  <a:srgbClr val="e63232"/>
-                </a:solidFill>
-                <a:latin typeface="Arial"/>
-              </a:rPr>
-              <a:t>J</a:t>
-            </a:r>
-            <a:r>
-              <a:rPr b="1" lang="nl-NL" sz="1800" spc="-1" strike="noStrike">
-                <a:solidFill>
-                  <a:srgbClr val="e63232"/>
-                </a:solidFill>
-                <a:latin typeface="Arial"/>
-              </a:rPr>
-              <a:t>L </a:t>
-            </a:r>
-            <a:r>
-              <a:rPr b="1" lang="nl-NL" sz="1800" spc="-1" strike="noStrike">
-                <a:solidFill>
-                  <a:srgbClr val="e63232"/>
-                </a:solidFill>
-                <a:latin typeface="Arial"/>
-              </a:rPr>
-              <a:t>V</a:t>
-            </a:r>
-            <a:r>
-              <a:rPr b="1" lang="nl-NL" sz="1800" spc="-1" strike="noStrike">
-                <a:solidFill>
-                  <a:srgbClr val="e63232"/>
-                </a:solidFill>
-                <a:latin typeface="Arial"/>
-              </a:rPr>
-              <a:t>A</a:t>
-            </a:r>
-            <a:r>
-              <a:rPr b="1" lang="nl-NL" sz="1800" spc="-1" strike="noStrike">
-                <a:solidFill>
-                  <a:srgbClr val="e63232"/>
-                </a:solidFill>
-                <a:latin typeface="Arial"/>
-              </a:rPr>
-              <a:t>N</a:t>
-            </a:r>
-            <a:r>
-              <a:rPr b="1" lang="nl-NL" sz="1800" spc="-1" strike="noStrike">
-                <a:solidFill>
-                  <a:srgbClr val="e63232"/>
-                </a:solidFill>
-                <a:latin typeface="Arial"/>
-              </a:rPr>
-              <a:t> </a:t>
-            </a:r>
-            <a:r>
-              <a:rPr b="1" lang="nl-NL" sz="1800" spc="-1" strike="noStrike">
-                <a:solidFill>
-                  <a:srgbClr val="e63232"/>
-                </a:solidFill>
-                <a:latin typeface="Arial"/>
-              </a:rPr>
-              <a:t>M</a:t>
-            </a:r>
-            <a:r>
-              <a:rPr b="1" lang="nl-NL" sz="1800" spc="-1" strike="noStrike">
-                <a:solidFill>
-                  <a:srgbClr val="e63232"/>
-                </a:solidFill>
-                <a:latin typeface="Arial"/>
-              </a:rPr>
-              <a:t>O</a:t>
-            </a:r>
-            <a:r>
-              <a:rPr b="1" lang="nl-NL" sz="1800" spc="-1" strike="noStrike">
-                <a:solidFill>
-                  <a:srgbClr val="e63232"/>
-                </a:solidFill>
-                <a:latin typeface="Arial"/>
-              </a:rPr>
-              <a:t>D</a:t>
-            </a:r>
-            <a:r>
-              <a:rPr b="1" lang="nl-NL" sz="1800" spc="-1" strike="noStrike">
-                <a:solidFill>
-                  <a:srgbClr val="e63232"/>
-                </a:solidFill>
-                <a:latin typeface="Arial"/>
-              </a:rPr>
-              <a:t>E</a:t>
-            </a:r>
-            <a:r>
-              <a:rPr b="1" lang="nl-NL" sz="1800" spc="-1" strike="noStrike">
-                <a:solidFill>
-                  <a:srgbClr val="e63232"/>
-                </a:solidFill>
-                <a:latin typeface="Arial"/>
-              </a:rPr>
-              <a:t>L </a:t>
-            </a:r>
-            <a:r>
-              <a:rPr b="1" lang="nl-NL" sz="1800" spc="-1" strike="noStrike">
-                <a:solidFill>
-                  <a:srgbClr val="e63232"/>
-                </a:solidFill>
-                <a:latin typeface="Arial"/>
-              </a:rPr>
-              <a:t>B</a:t>
-            </a:r>
-            <a:r>
-              <a:rPr b="1" lang="nl-NL" sz="1800" spc="-1" strike="noStrike">
-                <a:solidFill>
-                  <a:srgbClr val="e63232"/>
-                </a:solidFill>
-                <a:latin typeface="Arial"/>
-              </a:rPr>
-              <a:t>E</a:t>
-            </a:r>
-            <a:r>
-              <a:rPr b="1" lang="nl-NL" sz="1800" spc="-1" strike="noStrike">
-                <a:solidFill>
-                  <a:srgbClr val="e63232"/>
-                </a:solidFill>
-                <a:latin typeface="Arial"/>
-              </a:rPr>
-              <a:t>W</a:t>
-            </a:r>
-            <a:r>
-              <a:rPr b="1" lang="nl-NL" sz="1800" spc="-1" strike="noStrike">
-                <a:solidFill>
-                  <a:srgbClr val="e63232"/>
-                </a:solidFill>
-                <a:latin typeface="Arial"/>
-              </a:rPr>
-              <a:t>E</a:t>
-            </a:r>
-            <a:r>
-              <a:rPr b="1" lang="nl-NL" sz="1800" spc="-1" strike="noStrike">
-                <a:solidFill>
-                  <a:srgbClr val="e63232"/>
-                </a:solidFill>
-                <a:latin typeface="Arial"/>
-              </a:rPr>
-              <a:t>R</a:t>
-            </a:r>
-            <a:r>
-              <a:rPr b="1" lang="nl-NL" sz="1800" spc="-1" strike="noStrike">
-                <a:solidFill>
-                  <a:srgbClr val="e63232"/>
-                </a:solidFill>
-                <a:latin typeface="Arial"/>
-              </a:rPr>
-              <a:t>K</a:t>
-            </a:r>
-            <a:r>
-              <a:rPr b="1" lang="nl-NL" sz="1800" spc="-1" strike="noStrike">
-                <a:solidFill>
-                  <a:srgbClr val="e63232"/>
-                </a:solidFill>
-                <a:latin typeface="Arial"/>
-              </a:rPr>
-              <a:t>E</a:t>
-            </a:r>
-            <a:r>
-              <a:rPr b="1" lang="nl-NL" sz="1800" spc="-1" strike="noStrike">
-                <a:solidFill>
-                  <a:srgbClr val="e63232"/>
-                </a:solidFill>
-                <a:latin typeface="Arial"/>
-              </a:rPr>
-              <a:t>N</a:t>
-            </a:r>
-            <a:endParaRPr b="0" lang="nl-NL" sz="1800" spc="-1" strike="noStrike">
-              <a:solidFill>
-                <a:srgbClr val="000000"/>
-              </a:solidFill>
+            <a:endParaRPr b="0" lang="en-US" sz="4400" spc="-1" strike="noStrike">
               <a:latin typeface="Arial"/>
             </a:endParaRPr>
           </a:p>
@@ -4957,318 +4559,168 @@
         </p:nvSpPr>
         <p:spPr>
           <a:xfrm>
-            <a:off x="720000" y="1224000"/>
-            <a:ext cx="6623640" cy="3491640"/>
-          </a:xfrm>
-          <a:prstGeom prst="rect">
-            <a:avLst/>
-          </a:prstGeom>
-        </p:spPr>
-        <p:txBody>
-          <a:bodyPr lIns="0" rIns="0" tIns="0" bIns="0"/>
-          <a:p>
-            <a:pPr marL="180000" indent="-179640">
-              <a:lnSpc>
-                <a:spcPct val="120000"/>
-              </a:lnSpc>
+            <a:off x="457200" y="1203480"/>
+            <a:ext cx="8229240" cy="2982960"/>
+          </a:xfrm>
+          <a:prstGeom prst="rect">
+            <a:avLst/>
+          </a:prstGeom>
+        </p:spPr>
+        <p:txBody>
+          <a:bodyPr lIns="0" rIns="0" tIns="0" bIns="0">
+            <a:normAutofit/>
+          </a:bodyPr>
+          <a:p>
+            <a:pPr marL="432000" indent="-324000">
+              <a:spcBef>
+                <a:spcPts val="1417"/>
+              </a:spcBef>
               <a:buClr>
                 <a:srgbClr val="000000"/>
               </a:buClr>
-              <a:buFont typeface="Arial"/>
-              <a:buChar char="•"/>
+              <a:buSzPct val="45000"/>
+              <a:buFont typeface="Wingdings" charset="2"/>
+              <a:buChar char=""/>
             </a:pPr>
             <a:r>
-              <a:rPr b="0" lang="nl-NL" sz="1500" spc="-1" strike="noStrike">
-                <a:solidFill>
-                  <a:srgbClr val="000000"/>
-                </a:solidFill>
-                <a:latin typeface="Arial"/>
-              </a:rPr>
-              <a:t>Edit Master text styles</a:t>
+              <a:rPr b="0" lang="en-US" sz="3200" spc="-1" strike="noStrike">
+                <a:latin typeface="Arial"/>
+              </a:rPr>
+              <a:t>Click to edit the outline text format</a:t>
             </a:r>
-            <a:endParaRPr b="0" lang="nl-NL" sz="1500" spc="-1" strike="noStrike">
-              <a:solidFill>
-                <a:srgbClr val="000000"/>
-              </a:solidFill>
-              <a:latin typeface="Arial"/>
-            </a:endParaRPr>
-          </a:p>
-          <a:p>
-            <a:pPr lvl="1" marL="360000" indent="-179640">
-              <a:lnSpc>
-                <a:spcPct val="120000"/>
-              </a:lnSpc>
+            <a:endParaRPr b="0" lang="en-US" sz="3200" spc="-1" strike="noStrike">
+              <a:latin typeface="Arial"/>
+            </a:endParaRPr>
+          </a:p>
+          <a:p>
+            <a:pPr lvl="1" marL="864000" indent="-324000">
+              <a:spcBef>
+                <a:spcPts val="1134"/>
+              </a:spcBef>
               <a:buClr>
                 <a:srgbClr val="000000"/>
               </a:buClr>
-              <a:buFont typeface="Arial"/>
-              <a:buChar char="•"/>
+              <a:buSzPct val="75000"/>
+              <a:buFont typeface="Symbol" charset="2"/>
+              <a:buChar char=""/>
             </a:pPr>
             <a:r>
-              <a:rPr b="0" lang="nl-NL" sz="1500" spc="-1" strike="noStrike">
-                <a:solidFill>
-                  <a:srgbClr val="000000"/>
-                </a:solidFill>
-                <a:latin typeface="Arial"/>
-              </a:rPr>
-              <a:t>Second level</a:t>
+              <a:rPr b="0" lang="en-US" sz="2800" spc="-1" strike="noStrike">
+                <a:latin typeface="Arial"/>
+              </a:rPr>
+              <a:t>Second Outline Level</a:t>
             </a:r>
-            <a:endParaRPr b="0" lang="nl-NL" sz="1500" spc="-1" strike="noStrike">
-              <a:solidFill>
-                <a:srgbClr val="000000"/>
-              </a:solidFill>
-              <a:latin typeface="Arial"/>
-            </a:endParaRPr>
-          </a:p>
-          <a:p>
-            <a:pPr lvl="2" marL="540000" indent="-179640">
-              <a:lnSpc>
-                <a:spcPct val="120000"/>
-              </a:lnSpc>
+            <a:endParaRPr b="0" lang="en-US" sz="2800" spc="-1" strike="noStrike">
+              <a:latin typeface="Arial"/>
+            </a:endParaRPr>
+          </a:p>
+          <a:p>
+            <a:pPr lvl="2" marL="1296000" indent="-288000">
+              <a:spcBef>
+                <a:spcPts val="850"/>
+              </a:spcBef>
               <a:buClr>
                 <a:srgbClr val="000000"/>
               </a:buClr>
-              <a:buFont typeface="Arial"/>
-              <a:buChar char="•"/>
+              <a:buSzPct val="45000"/>
+              <a:buFont typeface="Wingdings" charset="2"/>
+              <a:buChar char=""/>
             </a:pPr>
             <a:r>
-              <a:rPr b="0" lang="nl-NL" sz="1500" spc="-1" strike="noStrike">
-                <a:solidFill>
-                  <a:srgbClr val="000000"/>
-                </a:solidFill>
-                <a:latin typeface="Arial"/>
-              </a:rPr>
-              <a:t>Third level</a:t>
+              <a:rPr b="0" lang="en-US" sz="2400" spc="-1" strike="noStrike">
+                <a:latin typeface="Arial"/>
+              </a:rPr>
+              <a:t>Third Outline Level</a:t>
             </a:r>
-            <a:endParaRPr b="0" lang="nl-NL" sz="1500" spc="-1" strike="noStrike">
-              <a:solidFill>
-                <a:srgbClr val="000000"/>
-              </a:solidFill>
-              <a:latin typeface="Arial"/>
-            </a:endParaRPr>
-          </a:p>
-          <a:p>
-            <a:pPr lvl="3" marL="720000" indent="-179640">
-              <a:lnSpc>
-                <a:spcPct val="120000"/>
-              </a:lnSpc>
+            <a:endParaRPr b="0" lang="en-US" sz="2400" spc="-1" strike="noStrike">
+              <a:latin typeface="Arial"/>
+            </a:endParaRPr>
+          </a:p>
+          <a:p>
+            <a:pPr lvl="3" marL="1728000" indent="-216000">
+              <a:spcBef>
+                <a:spcPts val="567"/>
+              </a:spcBef>
               <a:buClr>
                 <a:srgbClr val="000000"/>
               </a:buClr>
-              <a:buFont typeface="Arial"/>
-              <a:buChar char="•"/>
+              <a:buSzPct val="75000"/>
+              <a:buFont typeface="Symbol" charset="2"/>
+              <a:buChar char=""/>
             </a:pPr>
             <a:r>
-              <a:rPr b="0" lang="nl-NL" sz="1500" spc="-1" strike="noStrike">
-                <a:solidFill>
-                  <a:srgbClr val="000000"/>
-                </a:solidFill>
-                <a:latin typeface="Arial"/>
-              </a:rPr>
-              <a:t>Fourth level</a:t>
+              <a:rPr b="0" lang="en-US" sz="2000" spc="-1" strike="noStrike">
+                <a:latin typeface="Arial"/>
+              </a:rPr>
+              <a:t>Fourth Outline Level</a:t>
             </a:r>
-            <a:endParaRPr b="0" lang="nl-NL" sz="1500" spc="-1" strike="noStrike">
-              <a:solidFill>
-                <a:srgbClr val="000000"/>
-              </a:solidFill>
-              <a:latin typeface="Arial"/>
-            </a:endParaRPr>
-          </a:p>
-          <a:p>
-            <a:pPr lvl="4" marL="900000" indent="-179640">
-              <a:lnSpc>
-                <a:spcPct val="120000"/>
-              </a:lnSpc>
+            <a:endParaRPr b="0" lang="en-US" sz="2000" spc="-1" strike="noStrike">
+              <a:latin typeface="Arial"/>
+            </a:endParaRPr>
+          </a:p>
+          <a:p>
+            <a:pPr lvl="4" marL="2160000" indent="-216000">
+              <a:spcBef>
+                <a:spcPts val="283"/>
+              </a:spcBef>
               <a:buClr>
                 <a:srgbClr val="000000"/>
               </a:buClr>
-              <a:buFont typeface="Arial"/>
-              <a:buChar char="•"/>
+              <a:buSzPct val="45000"/>
+              <a:buFont typeface="Wingdings" charset="2"/>
+              <a:buChar char=""/>
             </a:pPr>
             <a:r>
-              <a:rPr b="0" lang="nl-NL" sz="1500" spc="-1" strike="noStrike">
-                <a:solidFill>
-                  <a:srgbClr val="000000"/>
-                </a:solidFill>
-                <a:latin typeface="Arial"/>
-              </a:rPr>
-              <a:t>Fifth level</a:t>
+              <a:rPr b="0" lang="en-US" sz="2000" spc="-1" strike="noStrike">
+                <a:latin typeface="Arial"/>
+              </a:rPr>
+              <a:t>Fifth Outline Level</a:t>
             </a:r>
-            <a:endParaRPr b="0" lang="nl-NL" sz="1500" spc="-1" strike="noStrike">
-              <a:solidFill>
+            <a:endParaRPr b="0" lang="en-US" sz="2000" spc="-1" strike="noStrike">
+              <a:latin typeface="Arial"/>
+            </a:endParaRPr>
+          </a:p>
+          <a:p>
+            <a:pPr lvl="5" marL="2592000" indent="-216000">
+              <a:spcBef>
+                <a:spcPts val="283"/>
+              </a:spcBef>
+              <a:buClr>
                 <a:srgbClr val="000000"/>
-              </a:solidFill>
-              <a:latin typeface="Arial"/>
-            </a:endParaRPr>
-          </a:p>
-        </p:txBody>
-      </p:sp>
-      <p:sp>
-        <p:nvSpPr>
-          <p:cNvPr id="48" name="PlaceHolder 4"/>
-          <p:cNvSpPr>
-            <a:spLocks noGrp="1"/>
-          </p:cNvSpPr>
-          <p:nvPr>
-            <p:ph type="dt"/>
-          </p:nvPr>
-        </p:nvSpPr>
-        <p:spPr>
-          <a:xfrm>
-            <a:off x="3744000" y="5004000"/>
-            <a:ext cx="1223640" cy="107640"/>
-          </a:xfrm>
-          <a:prstGeom prst="rect">
-            <a:avLst/>
-          </a:prstGeom>
-        </p:spPr>
-        <p:txBody>
-          <a:bodyPr lIns="0" rIns="0" tIns="0" bIns="0"/>
-          <a:p>
-            <a:pPr>
-              <a:lnSpc>
-                <a:spcPct val="100000"/>
-              </a:lnSpc>
-            </a:pPr>
-            <a:fld id="{159A9430-C223-4B9B-B30C-EF1E96AC3F98}" type="datetime1">
-              <a:rPr b="0" lang="en-US" sz="600" spc="-1" strike="noStrike">
-                <a:solidFill>
-                  <a:srgbClr val="ffffff"/>
-                </a:solidFill>
-                <a:latin typeface="Arial"/>
-              </a:rPr>
-              <a:t>07/20/2018</a:t>
-            </a:fld>
-            <a:endParaRPr b="0" lang="en-US" sz="600" spc="-1" strike="noStrike">
-              <a:latin typeface="Times New Roman"/>
-            </a:endParaRPr>
-          </a:p>
-        </p:txBody>
-      </p:sp>
-      <p:sp>
-        <p:nvSpPr>
-          <p:cNvPr id="49" name="PlaceHolder 5"/>
-          <p:cNvSpPr>
-            <a:spLocks noGrp="1"/>
-          </p:cNvSpPr>
-          <p:nvPr>
-            <p:ph type="ftr"/>
-          </p:nvPr>
-        </p:nvSpPr>
-        <p:spPr>
-          <a:xfrm>
-            <a:off x="4968000" y="5004000"/>
-            <a:ext cx="3239640" cy="107640"/>
-          </a:xfrm>
-          <a:prstGeom prst="rect">
-            <a:avLst/>
-          </a:prstGeom>
-        </p:spPr>
-        <p:txBody>
-          <a:bodyPr lIns="0" rIns="0" tIns="0" bIns="0"/>
-          <a:p>
-            <a:pPr algn="r">
-              <a:lnSpc>
-                <a:spcPct val="100000"/>
-              </a:lnSpc>
+              </a:buClr>
+              <a:buSzPct val="45000"/>
+              <a:buFont typeface="Wingdings" charset="2"/>
+              <a:buChar char=""/>
             </a:pPr>
             <a:r>
-              <a:rPr b="0" lang="en-US" sz="600" spc="-1" strike="noStrike">
-                <a:solidFill>
-                  <a:srgbClr val="ffffff"/>
-                </a:solidFill>
-                <a:latin typeface="Arial"/>
-              </a:rPr>
-              <a:t>Titel van de presentatie</a:t>
+              <a:rPr b="0" lang="en-US" sz="2000" spc="-1" strike="noStrike">
+                <a:latin typeface="Arial"/>
+              </a:rPr>
+              <a:t>Sixth Outline Level</a:t>
             </a:r>
-            <a:endParaRPr b="0" lang="en-US" sz="600" spc="-1" strike="noStrike">
-              <a:latin typeface="Times New Roman"/>
-            </a:endParaRPr>
-          </a:p>
-        </p:txBody>
-      </p:sp>
-      <p:sp>
-        <p:nvSpPr>
-          <p:cNvPr id="50" name="PlaceHolder 6"/>
-          <p:cNvSpPr>
-            <a:spLocks noGrp="1"/>
-          </p:cNvSpPr>
-          <p:nvPr>
-            <p:ph type="sldNum"/>
-          </p:nvPr>
-        </p:nvSpPr>
-        <p:spPr>
-          <a:xfrm>
-            <a:off x="8280000" y="5004000"/>
-            <a:ext cx="143640" cy="107640"/>
-          </a:xfrm>
-          <a:prstGeom prst="rect">
-            <a:avLst/>
-          </a:prstGeom>
-        </p:spPr>
-        <p:txBody>
-          <a:bodyPr lIns="0" rIns="0" tIns="0" bIns="0"/>
-          <a:p>
-            <a:pPr algn="r">
-              <a:lnSpc>
-                <a:spcPct val="100000"/>
-              </a:lnSpc>
-            </a:pPr>
-            <a:fld id="{32E92605-3E66-4056-93EB-01392A24D91C}" type="slidenum">
-              <a:rPr b="0" lang="en-US" sz="600" spc="-1" strike="noStrike">
-                <a:solidFill>
-                  <a:srgbClr val="ffffff"/>
-                </a:solidFill>
-                <a:latin typeface="Arial"/>
-              </a:rPr>
-              <a:t>1</a:t>
-            </a:fld>
-            <a:endParaRPr b="0" lang="en-US" sz="600" spc="-1" strike="noStrike">
-              <a:latin typeface="Times New Roman"/>
-            </a:endParaRPr>
-          </a:p>
-        </p:txBody>
-      </p:sp>
-      <p:sp>
-        <p:nvSpPr>
-          <p:cNvPr id="51" name="PlaceHolder 7"/>
-          <p:cNvSpPr>
-            <a:spLocks noGrp="1"/>
-          </p:cNvSpPr>
-          <p:nvPr>
-            <p:ph type="body"/>
-          </p:nvPr>
-        </p:nvSpPr>
-        <p:spPr>
-          <a:xfrm>
-            <a:off x="720000" y="936000"/>
-            <a:ext cx="6623640" cy="287640"/>
-          </a:xfrm>
-          <a:prstGeom prst="rect">
-            <a:avLst/>
-          </a:prstGeom>
-        </p:spPr>
-        <p:txBody>
-          <a:bodyPr lIns="0" rIns="0" tIns="0" bIns="0"/>
-          <a:p>
-            <a:pPr>
-              <a:lnSpc>
-                <a:spcPct val="120000"/>
-              </a:lnSpc>
+            <a:endParaRPr b="0" lang="en-US" sz="2000" spc="-1" strike="noStrike">
+              <a:latin typeface="Arial"/>
+            </a:endParaRPr>
+          </a:p>
+          <a:p>
+            <a:pPr lvl="6" marL="3024000" indent="-216000">
+              <a:spcBef>
+                <a:spcPts val="283"/>
+              </a:spcBef>
+              <a:buClr>
+                <a:srgbClr val="000000"/>
+              </a:buClr>
+              <a:buSzPct val="45000"/>
+              <a:buFont typeface="Wingdings" charset="2"/>
+              <a:buChar char=""/>
             </a:pPr>
             <a:r>
-              <a:rPr b="1" lang="nl-NL" sz="1500" spc="-1" strike="noStrike">
-                <a:solidFill>
-                  <a:srgbClr val="e63232"/>
-                </a:solidFill>
-                <a:latin typeface="Arial"/>
-              </a:rPr>
-              <a:t>Edit Master text styles</a:t>
+              <a:rPr b="0" lang="en-US" sz="2000" spc="-1" strike="noStrike">
+                <a:latin typeface="Arial"/>
+              </a:rPr>
+              <a:t>Seventh Outline Level</a:t>
             </a:r>
-            <a:endParaRPr b="0" lang="nl-NL" sz="1500" spc="-1" strike="noStrike">
-              <a:solidFill>
-                <a:srgbClr val="000000"/>
-              </a:solidFill>
+            <a:endParaRPr b="0" lang="en-US" sz="2000" spc="-1" strike="noStrike">
               <a:latin typeface="Arial"/>
             </a:endParaRPr>
           </a:p>
@@ -5320,7 +4772,7 @@
       </p:grpSpPr>
       <p:pic>
         <p:nvPicPr>
-          <p:cNvPr id="88" name="Picture 11" descr=""/>
+          <p:cNvPr id="84" name="Picture 11" descr=""/>
           <p:cNvPicPr/>
           <p:nvPr/>
         </p:nvPicPr>
@@ -5331,7 +4783,7 @@
         <p:spPr>
           <a:xfrm>
             <a:off x="7200000" y="360000"/>
-            <a:ext cx="1258560" cy="286200"/>
+            <a:ext cx="1258200" cy="285840"/>
           </a:xfrm>
           <a:prstGeom prst="rect">
             <a:avLst/>
@@ -5343,20 +4795,18 @@
       </p:pic>
       <p:pic>
         <p:nvPicPr>
-          <p:cNvPr id="89" name="Picture 10" descr=""/>
+          <p:cNvPr id="85" name="Picture 10" descr=""/>
           <p:cNvPicPr/>
           <p:nvPr/>
         </p:nvPicPr>
         <p:blipFill>
-          <a:blip r:embed="rId3">
-            <a:alphaModFix amt="45000"/>
-          </a:blip>
+          <a:blip r:embed="rId3"/>
           <a:stretch/>
         </p:blipFill>
         <p:spPr>
           <a:xfrm>
             <a:off x="0" y="4966560"/>
-            <a:ext cx="9143640" cy="176400"/>
+            <a:ext cx="9143280" cy="176040"/>
           </a:xfrm>
           <a:prstGeom prst="rect">
             <a:avLst/>
@@ -5368,7 +4818,7 @@
       </p:pic>
       <p:sp>
         <p:nvSpPr>
-          <p:cNvPr id="90" name="Line 1"/>
+          <p:cNvPr id="86" name="Line 1"/>
           <p:cNvSpPr/>
           <p:nvPr/>
         </p:nvSpPr>
@@ -5380,10 +4830,11 @@
           <a:prstGeom prst="line">
             <a:avLst/>
           </a:prstGeom>
-          <a:ln w="9360">
+          <a:ln>
             <a:solidFill>
               <a:schemeClr val="bg1"/>
             </a:solidFill>
+            <a:round/>
           </a:ln>
         </p:spPr>
         <p:style>
@@ -5401,14 +4852,14 @@
       </p:sp>
       <p:sp>
         <p:nvSpPr>
-          <p:cNvPr id="91" name="CustomShape 2"/>
+          <p:cNvPr id="87" name="CustomShape 2"/>
           <p:cNvSpPr/>
           <p:nvPr/>
         </p:nvSpPr>
         <p:spPr>
           <a:xfrm>
             <a:off x="0" y="812880"/>
-            <a:ext cx="9143640" cy="3509640"/>
+            <a:ext cx="9143280" cy="3509280"/>
           </a:xfrm>
           <a:prstGeom prst="rect">
             <a:avLst/>
@@ -5437,7 +4888,7 @@
       </p:sp>
       <p:sp>
         <p:nvSpPr>
-          <p:cNvPr id="92" name="PlaceHolder 3"/>
+          <p:cNvPr id="88" name="PlaceHolder 3"/>
           <p:cNvSpPr>
             <a:spLocks noGrp="1"/>
           </p:cNvSpPr>
@@ -5447,8 +4898,8 @@
         </p:nvSpPr>
         <p:spPr>
           <a:xfrm>
-            <a:off x="720000" y="288000"/>
-            <a:ext cx="6623640" cy="503640"/>
+            <a:off x="457200" y="205200"/>
+            <a:ext cx="8229240" cy="858600"/>
           </a:xfrm>
           <a:prstGeom prst="rect">
             <a:avLst/>
@@ -5457,353 +4908,193 @@
         <p:txBody>
           <a:bodyPr lIns="0" rIns="0" tIns="0" bIns="0" anchor="ctr"/>
           <a:p>
-            <a:pPr>
-              <a:lnSpc>
-                <a:spcPct val="85000"/>
-              </a:lnSpc>
-            </a:pPr>
+            <a:pPr algn="ctr"/>
             <a:r>
-              <a:rPr b="1" lang="nl-NL" sz="1800" spc="-1" strike="noStrike">
-                <a:solidFill>
-                  <a:srgbClr val="e63232"/>
-                </a:solidFill>
-                <a:latin typeface="Arial"/>
-              </a:rPr>
-              <a:t>TITELSTIJL VAN MODEL BEWERKEN</a:t>
+              <a:rPr b="0" lang="en-US" sz="4400" spc="-1" strike="noStrike">
+                <a:latin typeface="Arial"/>
+              </a:rPr>
+              <a:t>Click to edit the title text format</a:t>
             </a:r>
-            <a:endParaRPr b="0" lang="nl-NL" sz="1800" spc="-1" strike="noStrike">
-              <a:solidFill>
+            <a:endParaRPr b="0" lang="en-US" sz="4400" spc="-1" strike="noStrike">
+              <a:latin typeface="Arial"/>
+            </a:endParaRPr>
+          </a:p>
+        </p:txBody>
+      </p:sp>
+      <p:sp>
+        <p:nvSpPr>
+          <p:cNvPr id="89" name="PlaceHolder 4"/>
+          <p:cNvSpPr>
+            <a:spLocks noGrp="1"/>
+          </p:cNvSpPr>
+          <p:nvPr>
+            <p:ph type="body"/>
+          </p:nvPr>
+        </p:nvSpPr>
+        <p:spPr>
+          <a:xfrm>
+            <a:off x="457200" y="1203480"/>
+            <a:ext cx="8229240" cy="2982960"/>
+          </a:xfrm>
+          <a:prstGeom prst="rect">
+            <a:avLst/>
+          </a:prstGeom>
+        </p:spPr>
+        <p:txBody>
+          <a:bodyPr lIns="0" rIns="0" tIns="0" bIns="0">
+            <a:normAutofit/>
+          </a:bodyPr>
+          <a:p>
+            <a:pPr marL="432000" indent="-324000">
+              <a:spcBef>
+                <a:spcPts val="1417"/>
+              </a:spcBef>
+              <a:buClr>
                 <a:srgbClr val="000000"/>
-              </a:solidFill>
-              <a:latin typeface="Arial"/>
-            </a:endParaRPr>
-          </a:p>
-        </p:txBody>
-      </p:sp>
-      <p:sp>
-        <p:nvSpPr>
-          <p:cNvPr id="93" name="PlaceHolder 4"/>
-          <p:cNvSpPr>
-            <a:spLocks noGrp="1"/>
-          </p:cNvSpPr>
-          <p:nvPr>
-            <p:ph type="body"/>
-          </p:nvPr>
-        </p:nvSpPr>
-        <p:spPr>
-          <a:xfrm>
-            <a:off x="720000" y="900000"/>
-            <a:ext cx="5939640" cy="3401640"/>
-          </a:xfrm>
-          <a:prstGeom prst="rect">
-            <a:avLst/>
-          </a:prstGeom>
-        </p:spPr>
-        <p:txBody>
-          <a:bodyPr lIns="0" rIns="0" tIns="0" bIns="0"/>
-          <a:p>
-            <a:pPr marL="180000" indent="-179640">
-              <a:lnSpc>
-                <a:spcPct val="120000"/>
-              </a:lnSpc>
+              </a:buClr>
+              <a:buSzPct val="45000"/>
+              <a:buFont typeface="Wingdings" charset="2"/>
+              <a:buChar char=""/>
+            </a:pPr>
+            <a:r>
+              <a:rPr b="0" lang="en-US" sz="3200" spc="-1" strike="noStrike">
+                <a:latin typeface="Arial"/>
+              </a:rPr>
+              <a:t>Click to edit the outline text format</a:t>
+            </a:r>
+            <a:endParaRPr b="0" lang="en-US" sz="3200" spc="-1" strike="noStrike">
+              <a:latin typeface="Arial"/>
+            </a:endParaRPr>
+          </a:p>
+          <a:p>
+            <a:pPr lvl="1" marL="864000" indent="-324000">
+              <a:spcBef>
+                <a:spcPts val="1134"/>
+              </a:spcBef>
               <a:buClr>
-                <a:srgbClr val="ffffff"/>
+                <a:srgbClr val="000000"/>
               </a:buClr>
-              <a:buFont typeface="Arial"/>
-              <a:buChar char="•"/>
+              <a:buSzPct val="75000"/>
+              <a:buFont typeface="Symbol" charset="2"/>
+              <a:buChar char=""/>
             </a:pPr>
             <a:r>
-              <a:rPr b="0" lang="nl-NL" sz="1500" spc="-1" strike="noStrike">
-                <a:solidFill>
-                  <a:srgbClr val="ffffff"/>
-                </a:solidFill>
-                <a:latin typeface="Arial"/>
-              </a:rPr>
-              <a:t>Edit Master text styles</a:t>
+              <a:rPr b="0" lang="en-US" sz="2800" spc="-1" strike="noStrike">
+                <a:latin typeface="Arial"/>
+              </a:rPr>
+              <a:t>Second Outline Level</a:t>
             </a:r>
-            <a:endParaRPr b="0" lang="nl-NL" sz="1500" spc="-1" strike="noStrike">
-              <a:solidFill>
+            <a:endParaRPr b="0" lang="en-US" sz="2800" spc="-1" strike="noStrike">
+              <a:latin typeface="Arial"/>
+            </a:endParaRPr>
+          </a:p>
+          <a:p>
+            <a:pPr lvl="2" marL="1296000" indent="-288000">
+              <a:spcBef>
+                <a:spcPts val="850"/>
+              </a:spcBef>
+              <a:buClr>
                 <a:srgbClr val="000000"/>
-              </a:solidFill>
-              <a:latin typeface="Arial"/>
-            </a:endParaRPr>
-          </a:p>
-          <a:p>
-            <a:pPr lvl="1" marL="360000" indent="-179640">
-              <a:lnSpc>
-                <a:spcPct val="120000"/>
-              </a:lnSpc>
+              </a:buClr>
+              <a:buSzPct val="45000"/>
+              <a:buFont typeface="Wingdings" charset="2"/>
+              <a:buChar char=""/>
+            </a:pPr>
+            <a:r>
+              <a:rPr b="0" lang="en-US" sz="2400" spc="-1" strike="noStrike">
+                <a:latin typeface="Arial"/>
+              </a:rPr>
+              <a:t>Third Outline Level</a:t>
+            </a:r>
+            <a:endParaRPr b="0" lang="en-US" sz="2400" spc="-1" strike="noStrike">
+              <a:latin typeface="Arial"/>
+            </a:endParaRPr>
+          </a:p>
+          <a:p>
+            <a:pPr lvl="3" marL="1728000" indent="-216000">
+              <a:spcBef>
+                <a:spcPts val="567"/>
+              </a:spcBef>
               <a:buClr>
-                <a:srgbClr val="ffffff"/>
+                <a:srgbClr val="000000"/>
               </a:buClr>
-              <a:buFont typeface="Arial"/>
-              <a:buChar char="•"/>
+              <a:buSzPct val="75000"/>
+              <a:buFont typeface="Symbol" charset="2"/>
+              <a:buChar char=""/>
             </a:pPr>
             <a:r>
-              <a:rPr b="0" lang="nl-NL" sz="1500" spc="-1" strike="noStrike">
-                <a:solidFill>
-                  <a:srgbClr val="ffffff"/>
-                </a:solidFill>
-                <a:latin typeface="Arial"/>
-              </a:rPr>
-              <a:t>Second level</a:t>
+              <a:rPr b="0" lang="en-US" sz="2000" spc="-1" strike="noStrike">
+                <a:latin typeface="Arial"/>
+              </a:rPr>
+              <a:t>Fourth Outline Level</a:t>
             </a:r>
-            <a:endParaRPr b="0" lang="nl-NL" sz="1500" spc="-1" strike="noStrike">
-              <a:solidFill>
+            <a:endParaRPr b="0" lang="en-US" sz="2000" spc="-1" strike="noStrike">
+              <a:latin typeface="Arial"/>
+            </a:endParaRPr>
+          </a:p>
+          <a:p>
+            <a:pPr lvl="4" marL="2160000" indent="-216000">
+              <a:spcBef>
+                <a:spcPts val="283"/>
+              </a:spcBef>
+              <a:buClr>
                 <a:srgbClr val="000000"/>
-              </a:solidFill>
-              <a:latin typeface="Arial"/>
-            </a:endParaRPr>
-          </a:p>
-          <a:p>
-            <a:pPr lvl="2" marL="540000" indent="-179640">
-              <a:lnSpc>
-                <a:spcPct val="120000"/>
-              </a:lnSpc>
+              </a:buClr>
+              <a:buSzPct val="45000"/>
+              <a:buFont typeface="Wingdings" charset="2"/>
+              <a:buChar char=""/>
+            </a:pPr>
+            <a:r>
+              <a:rPr b="0" lang="en-US" sz="2000" spc="-1" strike="noStrike">
+                <a:latin typeface="Arial"/>
+              </a:rPr>
+              <a:t>Fifth Outline Level</a:t>
+            </a:r>
+            <a:endParaRPr b="0" lang="en-US" sz="2000" spc="-1" strike="noStrike">
+              <a:latin typeface="Arial"/>
+            </a:endParaRPr>
+          </a:p>
+          <a:p>
+            <a:pPr lvl="5" marL="2592000" indent="-216000">
+              <a:spcBef>
+                <a:spcPts val="283"/>
+              </a:spcBef>
               <a:buClr>
-                <a:srgbClr val="ffffff"/>
+                <a:srgbClr val="000000"/>
               </a:buClr>
-              <a:buFont typeface="Arial"/>
-              <a:buChar char="•"/>
+              <a:buSzPct val="45000"/>
+              <a:buFont typeface="Wingdings" charset="2"/>
+              <a:buChar char=""/>
             </a:pPr>
             <a:r>
-              <a:rPr b="0" lang="nl-NL" sz="1500" spc="-1" strike="noStrike">
-                <a:solidFill>
-                  <a:srgbClr val="ffffff"/>
-                </a:solidFill>
-                <a:latin typeface="Arial"/>
-              </a:rPr>
-              <a:t>Third level</a:t>
+              <a:rPr b="0" lang="en-US" sz="2000" spc="-1" strike="noStrike">
+                <a:latin typeface="Arial"/>
+              </a:rPr>
+              <a:t>Sixth Outline Level</a:t>
             </a:r>
-            <a:endParaRPr b="0" lang="nl-NL" sz="1500" spc="-1" strike="noStrike">
-              <a:solidFill>
+            <a:endParaRPr b="0" lang="en-US" sz="2000" spc="-1" strike="noStrike">
+              <a:latin typeface="Arial"/>
+            </a:endParaRPr>
+          </a:p>
+          <a:p>
+            <a:pPr lvl="6" marL="3024000" indent="-216000">
+              <a:spcBef>
+                <a:spcPts val="283"/>
+              </a:spcBef>
+              <a:buClr>
                 <a:srgbClr val="000000"/>
-              </a:solidFill>
-              <a:latin typeface="Arial"/>
-            </a:endParaRPr>
-          </a:p>
-          <a:p>
-            <a:pPr lvl="3" marL="720000" indent="-179640">
-              <a:lnSpc>
-                <a:spcPct val="120000"/>
-              </a:lnSpc>
-              <a:buClr>
-                <a:srgbClr val="ffffff"/>
               </a:buClr>
-              <a:buFont typeface="Arial"/>
-              <a:buChar char="•"/>
+              <a:buSzPct val="45000"/>
+              <a:buFont typeface="Wingdings" charset="2"/>
+              <a:buChar char=""/>
             </a:pPr>
             <a:r>
-              <a:rPr b="0" lang="nl-NL" sz="1500" spc="-1" strike="noStrike">
-                <a:solidFill>
-                  <a:srgbClr val="ffffff"/>
-                </a:solidFill>
-                <a:latin typeface="Arial"/>
-              </a:rPr>
-              <a:t>Fourth level</a:t>
+              <a:rPr b="0" lang="en-US" sz="2000" spc="-1" strike="noStrike">
+                <a:latin typeface="Arial"/>
+              </a:rPr>
+              <a:t>Seventh Outline Level</a:t>
             </a:r>
-            <a:endParaRPr b="0" lang="nl-NL" sz="1500" spc="-1" strike="noStrike">
-              <a:solidFill>
-                <a:srgbClr val="000000"/>
-              </a:solidFill>
-              <a:latin typeface="Arial"/>
-            </a:endParaRPr>
-          </a:p>
-          <a:p>
-            <a:pPr lvl="4" marL="900000" indent="-179640">
-              <a:lnSpc>
-                <a:spcPct val="120000"/>
-              </a:lnSpc>
-              <a:buClr>
-                <a:srgbClr val="ffffff"/>
-              </a:buClr>
-              <a:buFont typeface="Arial"/>
-              <a:buChar char="•"/>
-            </a:pPr>
-            <a:r>
-              <a:rPr b="0" lang="nl-NL" sz="1500" spc="-1" strike="noStrike">
-                <a:solidFill>
-                  <a:srgbClr val="ffffff"/>
-                </a:solidFill>
-                <a:latin typeface="Arial"/>
-              </a:rPr>
-              <a:t>Fifth level</a:t>
-            </a:r>
-            <a:endParaRPr b="0" lang="nl-NL" sz="1500" spc="-1" strike="noStrike">
-              <a:solidFill>
-                <a:srgbClr val="000000"/>
-              </a:solidFill>
-              <a:latin typeface="Arial"/>
-            </a:endParaRPr>
-          </a:p>
-        </p:txBody>
-      </p:sp>
-      <p:sp>
-        <p:nvSpPr>
-          <p:cNvPr id="94" name="PlaceHolder 5"/>
-          <p:cNvSpPr>
-            <a:spLocks noGrp="1"/>
-          </p:cNvSpPr>
-          <p:nvPr>
-            <p:ph type="dt"/>
-          </p:nvPr>
-        </p:nvSpPr>
-        <p:spPr>
-          <a:xfrm>
-            <a:off x="3744000" y="5004000"/>
-            <a:ext cx="1223640" cy="107640"/>
-          </a:xfrm>
-          <a:prstGeom prst="rect">
-            <a:avLst/>
-          </a:prstGeom>
-        </p:spPr>
-        <p:txBody>
-          <a:bodyPr lIns="0" rIns="0" tIns="0" bIns="0"/>
-          <a:p>
-            <a:pPr>
-              <a:lnSpc>
-                <a:spcPct val="100000"/>
-              </a:lnSpc>
-            </a:pPr>
-            <a:fld id="{2C20A030-120D-4DDD-8EB2-4D0D2B6A020A}" type="datetime1">
-              <a:rPr b="0" lang="en-US" sz="600" spc="-1" strike="noStrike">
-                <a:solidFill>
-                  <a:srgbClr val="ffffff"/>
-                </a:solidFill>
-                <a:latin typeface="Arial"/>
-              </a:rPr>
-              <a:t>07/20/2018</a:t>
-            </a:fld>
-            <a:endParaRPr b="0" lang="en-US" sz="600" spc="-1" strike="noStrike">
-              <a:latin typeface="Times New Roman"/>
-            </a:endParaRPr>
-          </a:p>
-        </p:txBody>
-      </p:sp>
-      <p:sp>
-        <p:nvSpPr>
-          <p:cNvPr id="95" name="PlaceHolder 6"/>
-          <p:cNvSpPr>
-            <a:spLocks noGrp="1"/>
-          </p:cNvSpPr>
-          <p:nvPr>
-            <p:ph type="ftr"/>
-          </p:nvPr>
-        </p:nvSpPr>
-        <p:spPr>
-          <a:xfrm>
-            <a:off x="4968000" y="5004000"/>
-            <a:ext cx="3239640" cy="107640"/>
-          </a:xfrm>
-          <a:prstGeom prst="rect">
-            <a:avLst/>
-          </a:prstGeom>
-        </p:spPr>
-        <p:txBody>
-          <a:bodyPr lIns="0" rIns="0" tIns="0" bIns="0"/>
-          <a:p>
-            <a:pPr algn="r">
-              <a:lnSpc>
-                <a:spcPct val="100000"/>
-              </a:lnSpc>
-            </a:pPr>
-            <a:r>
-              <a:rPr b="0" lang="en-US" sz="600" spc="-1" strike="noStrike">
-                <a:solidFill>
-                  <a:srgbClr val="ffffff"/>
-                </a:solidFill>
-                <a:latin typeface="Arial"/>
-              </a:rPr>
-              <a:t>Titel van de presentatie</a:t>
-            </a:r>
-            <a:endParaRPr b="0" lang="en-US" sz="600" spc="-1" strike="noStrike">
-              <a:latin typeface="Times New Roman"/>
-            </a:endParaRPr>
-          </a:p>
-        </p:txBody>
-      </p:sp>
-      <p:sp>
-        <p:nvSpPr>
-          <p:cNvPr id="96" name="PlaceHolder 7"/>
-          <p:cNvSpPr>
-            <a:spLocks noGrp="1"/>
-          </p:cNvSpPr>
-          <p:nvPr>
-            <p:ph type="sldNum"/>
-          </p:nvPr>
-        </p:nvSpPr>
-        <p:spPr>
-          <a:xfrm>
-            <a:off x="8280000" y="5004000"/>
-            <a:ext cx="143640" cy="107640"/>
-          </a:xfrm>
-          <a:prstGeom prst="rect">
-            <a:avLst/>
-          </a:prstGeom>
-        </p:spPr>
-        <p:txBody>
-          <a:bodyPr lIns="0" rIns="0" tIns="0" bIns="0"/>
-          <a:p>
-            <a:pPr algn="r">
-              <a:lnSpc>
-                <a:spcPct val="100000"/>
-              </a:lnSpc>
-            </a:pPr>
-            <a:fld id="{1A7C9F80-AFDF-483F-82D2-41BD7B679C9C}" type="slidenum">
-              <a:rPr b="0" lang="en-US" sz="600" spc="-1" strike="noStrike">
-                <a:solidFill>
-                  <a:srgbClr val="ffffff"/>
-                </a:solidFill>
-                <a:latin typeface="Arial"/>
-              </a:rPr>
-              <a:t>1</a:t>
-            </a:fld>
-            <a:endParaRPr b="0" lang="en-US" sz="600" spc="-1" strike="noStrike">
-              <a:latin typeface="Times New Roman"/>
-            </a:endParaRPr>
-          </a:p>
-        </p:txBody>
-      </p:sp>
-      <p:sp>
-        <p:nvSpPr>
-          <p:cNvPr id="97" name="PlaceHolder 8"/>
-          <p:cNvSpPr>
-            <a:spLocks noGrp="1"/>
-          </p:cNvSpPr>
-          <p:nvPr>
-            <p:ph type="body"/>
-          </p:nvPr>
-        </p:nvSpPr>
-        <p:spPr>
-          <a:xfrm>
-            <a:off x="6840000" y="810000"/>
-            <a:ext cx="2303640" cy="3509640"/>
-          </a:xfrm>
-          <a:prstGeom prst="rect">
-            <a:avLst/>
-          </a:prstGeom>
-        </p:spPr>
-        <p:txBody>
-          <a:bodyPr lIns="360000" rIns="360000" tIns="360000" bIns="45000"/>
-          <a:p>
-            <a:pPr algn="ctr">
-              <a:lnSpc>
-                <a:spcPts val="2001"/>
-              </a:lnSpc>
-            </a:pPr>
-            <a:r>
-              <a:rPr b="0" lang="nl-NL" sz="1400" spc="-1" strike="noStrike">
-                <a:solidFill>
-                  <a:srgbClr val="808080"/>
-                </a:solidFill>
-                <a:latin typeface="Arial"/>
-              </a:rPr>
-              <a:t>Click icon to add picture</a:t>
-            </a:r>
-            <a:endParaRPr b="0" lang="nl-NL" sz="1400" spc="-1" strike="noStrike">
-              <a:solidFill>
-                <a:srgbClr val="000000"/>
-              </a:solidFill>
+            <a:endParaRPr b="0" lang="en-US" sz="2000" spc="-1" strike="noStrike">
               <a:latin typeface="Arial"/>
             </a:endParaRPr>
           </a:p>
@@ -5848,7 +5139,7 @@
       </p:grpSpPr>
       <p:pic>
         <p:nvPicPr>
-          <p:cNvPr id="134" name="Picture Placeholder 3" descr=""/>
+          <p:cNvPr id="126" name="Picture Placeholder 3" descr=""/>
           <p:cNvPicPr/>
           <p:nvPr/>
         </p:nvPicPr>
@@ -5860,7 +5151,7 @@
         <p:spPr>
           <a:xfrm>
             <a:off x="0" y="810000"/>
-            <a:ext cx="9143640" cy="3347640"/>
+            <a:ext cx="9143280" cy="3347280"/>
           </a:xfrm>
           <a:prstGeom prst="rect">
             <a:avLst/>
@@ -5875,14 +5166,14 @@
       </p:pic>
       <p:sp>
         <p:nvSpPr>
-          <p:cNvPr id="135" name="TextShape 1"/>
-          <p:cNvSpPr txBox="1"/>
+          <p:cNvPr id="127" name="CustomShape 1"/>
+          <p:cNvSpPr/>
           <p:nvPr/>
         </p:nvSpPr>
         <p:spPr>
           <a:xfrm>
             <a:off x="5400000" y="1548000"/>
-            <a:ext cx="3023640" cy="3023640"/>
+            <a:ext cx="3023280" cy="3023280"/>
           </a:xfrm>
           <a:prstGeom prst="rect">
             <a:avLst/>
@@ -5894,6 +5185,12 @@
             <a:noFill/>
           </a:ln>
         </p:spPr>
+        <p:style>
+          <a:lnRef idx="0"/>
+          <a:fillRef idx="0"/>
+          <a:effectRef idx="0"/>
+          <a:fontRef idx="minor"/>
+        </p:style>
         <p:txBody>
           <a:bodyPr lIns="90000" rIns="72000" tIns="90000" bIns="72000"/>
           <a:p>
@@ -5903,7 +5200,7 @@
               </a:lnSpc>
             </a:pPr>
             <a:r>
-              <a:rPr b="1" lang="nl-NL" sz="2800" spc="-1" strike="noStrike">
+              <a:rPr b="1" lang="en-US" sz="2800" spc="-1" strike="noStrike">
                 <a:solidFill>
                   <a:srgbClr val="ffffff"/>
                 </a:solidFill>
@@ -5913,7 +5210,7 @@
             </a:r>
             <a:br/>
             <a:r>
-              <a:rPr b="1" lang="nl-NL" sz="2800" spc="-1" strike="noStrike">
+              <a:rPr b="1" lang="en-US" sz="2800" spc="-1" strike="noStrike">
                 <a:solidFill>
                   <a:srgbClr val="ffffff"/>
                 </a:solidFill>
@@ -5921,10 +5218,7 @@
               </a:rPr>
               <a:t>24-07-2018</a:t>
             </a:r>
-            <a:endParaRPr b="0" lang="nl-NL" sz="2800" spc="-1" strike="noStrike">
-              <a:solidFill>
-                <a:srgbClr val="000000"/>
-              </a:solidFill>
+            <a:endParaRPr b="0" lang="en-US" sz="2800" spc="-1" strike="noStrike">
               <a:latin typeface="Arial"/>
             </a:endParaRPr>
           </a:p>
@@ -5981,14 +5275,14 @@
       </p:grpSpPr>
       <p:sp>
         <p:nvSpPr>
-          <p:cNvPr id="176" name="TextShape 1"/>
-          <p:cNvSpPr txBox="1"/>
+          <p:cNvPr id="169" name="CustomShape 1"/>
+          <p:cNvSpPr/>
           <p:nvPr/>
         </p:nvSpPr>
         <p:spPr>
           <a:xfrm>
             <a:off x="720000" y="288000"/>
-            <a:ext cx="6623640" cy="503640"/>
+            <a:ext cx="6623280" cy="503280"/>
           </a:xfrm>
           <a:prstGeom prst="rect">
             <a:avLst/>
@@ -5998,6 +5292,12 @@
             <a:noFill/>
           </a:ln>
         </p:spPr>
+        <p:style>
+          <a:lnRef idx="0"/>
+          <a:fillRef idx="0"/>
+          <a:effectRef idx="0"/>
+          <a:fontRef idx="minor"/>
+        </p:style>
         <p:txBody>
           <a:bodyPr lIns="0" rIns="0" tIns="0" bIns="0" anchor="ctr"/>
           <a:p>
@@ -6007,7 +5307,7 @@
               </a:lnSpc>
             </a:pPr>
             <a:r>
-              <a:rPr b="1" lang="nl-NL" sz="1800" spc="-1" strike="noStrike">
+              <a:rPr b="1" lang="en-US" sz="1800" spc="-1" strike="noStrike">
                 <a:solidFill>
                   <a:srgbClr val="e63232"/>
                 </a:solidFill>
@@ -6015,25 +5315,22 @@
               </a:rPr>
               <a:t>Hands-on: Creating a component</a:t>
             </a:r>
-            <a:endParaRPr b="0" lang="nl-NL" sz="1800" spc="-1" strike="noStrike">
-              <a:solidFill>
-                <a:srgbClr val="000000"/>
-              </a:solidFill>
-              <a:latin typeface="Arial"/>
-            </a:endParaRPr>
-          </a:p>
-        </p:txBody>
-      </p:sp>
-      <p:sp>
-        <p:nvSpPr>
-          <p:cNvPr id="177" name="TextShape 2"/>
-          <p:cNvSpPr txBox="1"/>
+            <a:endParaRPr b="0" lang="en-US" sz="1800" spc="-1" strike="noStrike">
+              <a:latin typeface="Arial"/>
+            </a:endParaRPr>
+          </a:p>
+        </p:txBody>
+      </p:sp>
+      <p:sp>
+        <p:nvSpPr>
+          <p:cNvPr id="170" name="CustomShape 2"/>
+          <p:cNvSpPr/>
           <p:nvPr/>
         </p:nvSpPr>
         <p:spPr>
           <a:xfrm>
             <a:off x="4968000" y="5004000"/>
-            <a:ext cx="3239640" cy="107640"/>
+            <a:ext cx="3239280" cy="107280"/>
           </a:xfrm>
           <a:prstGeom prst="rect">
             <a:avLst/>
@@ -6043,6 +5340,12 @@
             <a:noFill/>
           </a:ln>
         </p:spPr>
+        <p:style>
+          <a:lnRef idx="0"/>
+          <a:fillRef idx="0"/>
+          <a:effectRef idx="0"/>
+          <a:fontRef idx="minor"/>
+        </p:style>
         <p:txBody>
           <a:bodyPr lIns="0" rIns="0" tIns="0" bIns="0"/>
           <a:p>
@@ -6061,21 +5364,21 @@
               <a:t>Titel van de presentatie</a:t>
             </a:r>
             <a:endParaRPr b="0" lang="en-US" sz="600" spc="-1" strike="noStrike">
-              <a:latin typeface="Times New Roman"/>
-            </a:endParaRPr>
-          </a:p>
-        </p:txBody>
-      </p:sp>
-      <p:sp>
-        <p:nvSpPr>
-          <p:cNvPr id="178" name="TextShape 3"/>
-          <p:cNvSpPr txBox="1"/>
+              <a:latin typeface="Arial"/>
+            </a:endParaRPr>
+          </a:p>
+        </p:txBody>
+      </p:sp>
+      <p:sp>
+        <p:nvSpPr>
+          <p:cNvPr id="171" name="CustomShape 3"/>
+          <p:cNvSpPr/>
           <p:nvPr/>
         </p:nvSpPr>
         <p:spPr>
           <a:xfrm>
             <a:off x="8280000" y="5004000"/>
-            <a:ext cx="143640" cy="107640"/>
+            <a:ext cx="143280" cy="107280"/>
           </a:xfrm>
           <a:prstGeom prst="rect">
             <a:avLst/>
@@ -6085,6 +5388,12 @@
             <a:noFill/>
           </a:ln>
         </p:spPr>
+        <p:style>
+          <a:lnRef idx="0"/>
+          <a:fillRef idx="0"/>
+          <a:effectRef idx="0"/>
+          <a:fontRef idx="minor"/>
+        </p:style>
         <p:txBody>
           <a:bodyPr lIns="0" rIns="0" tIns="0" bIns="0"/>
           <a:p>
@@ -6093,31 +5402,31 @@
                 <a:spcPct val="100000"/>
               </a:lnSpc>
             </a:pPr>
-            <a:fld id="{C3C4D715-80D0-4152-958B-93E92DE5BBAE}" type="slidenum">
+            <a:fld id="{98A78FA5-DDF2-4A85-9106-E4AF14D17C01}" type="slidenum">
               <a:rPr b="0" lang="en-US" sz="600" spc="-1" strike="noStrike">
                 <a:solidFill>
                   <a:srgbClr val="ffffff"/>
                 </a:solidFill>
                 <a:latin typeface="Arial"/>
               </a:rPr>
-              <a:t>1</a:t>
+              <a:t>&lt;number&gt;</a:t>
             </a:fld>
             <a:endParaRPr b="0" lang="en-US" sz="600" spc="-1" strike="noStrike">
-              <a:latin typeface="Times New Roman"/>
-            </a:endParaRPr>
-          </a:p>
-        </p:txBody>
-      </p:sp>
-      <p:sp>
-        <p:nvSpPr>
-          <p:cNvPr id="179" name="TextShape 4"/>
-          <p:cNvSpPr txBox="1"/>
+              <a:latin typeface="Arial"/>
+            </a:endParaRPr>
+          </a:p>
+        </p:txBody>
+      </p:sp>
+      <p:sp>
+        <p:nvSpPr>
+          <p:cNvPr id="172" name="CustomShape 4"/>
+          <p:cNvSpPr/>
           <p:nvPr/>
         </p:nvSpPr>
         <p:spPr>
           <a:xfrm>
             <a:off x="717120" y="792000"/>
-            <a:ext cx="6623640" cy="3886920"/>
+            <a:ext cx="6623280" cy="3886560"/>
           </a:xfrm>
           <a:prstGeom prst="rect">
             <a:avLst/>
@@ -6127,6 +5436,12 @@
             <a:noFill/>
           </a:ln>
         </p:spPr>
+        <p:style>
+          <a:lnRef idx="0"/>
+          <a:fillRef idx="0"/>
+          <a:effectRef idx="0"/>
+          <a:fontRef idx="minor"/>
+        </p:style>
         <p:txBody>
           <a:bodyPr lIns="0" rIns="0" tIns="0" bIns="0"/>
           <a:p>
@@ -6135,15 +5450,12 @@
                 <a:spcPct val="120000"/>
               </a:lnSpc>
             </a:pPr>
-            <a:endParaRPr b="0" lang="nl-NL" sz="1500" spc="-1" strike="noStrike">
-              <a:solidFill>
-                <a:srgbClr val="000000"/>
-              </a:solidFill>
-              <a:latin typeface="Arial"/>
-            </a:endParaRPr>
-          </a:p>
-          <a:p>
-            <a:pPr marL="285840" indent="-285480">
+            <a:endParaRPr b="0" lang="en-US" sz="1800" spc="-1" strike="noStrike">
+              <a:latin typeface="Arial"/>
+            </a:endParaRPr>
+          </a:p>
+          <a:p>
+            <a:pPr marL="285840" indent="-285120">
               <a:lnSpc>
                 <a:spcPct val="120000"/>
               </a:lnSpc>
@@ -6154,7 +5466,7 @@
               <a:buChar char="•"/>
             </a:pPr>
             <a:r>
-              <a:rPr b="0" lang="nl-NL" sz="1500" spc="-1" strike="noStrike">
+              <a:rPr b="0" lang="en-US" sz="1500" spc="-1" strike="noStrike">
                 <a:solidFill>
                   <a:srgbClr val="000000"/>
                 </a:solidFill>
@@ -6162,15 +5474,12 @@
               </a:rPr>
               <a:t>Create the folder src/components</a:t>
             </a:r>
-            <a:endParaRPr b="0" lang="nl-NL" sz="1500" spc="-1" strike="noStrike">
-              <a:solidFill>
-                <a:srgbClr val="000000"/>
-              </a:solidFill>
-              <a:latin typeface="Arial"/>
-            </a:endParaRPr>
-          </a:p>
-          <a:p>
-            <a:pPr marL="285840" indent="-285480">
+            <a:endParaRPr b="0" lang="en-US" sz="1500" spc="-1" strike="noStrike">
+              <a:latin typeface="Arial"/>
+            </a:endParaRPr>
+          </a:p>
+          <a:p>
+            <a:pPr marL="285840" indent="-285120">
               <a:lnSpc>
                 <a:spcPct val="120000"/>
               </a:lnSpc>
@@ -6181,23 +5490,20 @@
               <a:buChar char="•"/>
             </a:pPr>
             <a:r>
-              <a:rPr b="0" lang="nl-NL" sz="1500" spc="-1" strike="noStrike">
+              <a:rPr b="0" lang="en-US" sz="1500" spc="-1" strike="noStrike">
                 <a:solidFill>
                   <a:srgbClr val="000000"/>
                 </a:solidFill>
                 <a:latin typeface="Arial"/>
               </a:rPr>
-              <a:t>Create a new component by adding a file with the code shown below</a:t>
+              <a:t>Create a new component by adding a file named Appbar.js with the code shown below.</a:t>
             </a:r>
-            <a:endParaRPr b="0" lang="nl-NL" sz="1500" spc="-1" strike="noStrike">
-              <a:solidFill>
-                <a:srgbClr val="000000"/>
-              </a:solidFill>
-              <a:latin typeface="Arial"/>
-            </a:endParaRPr>
-          </a:p>
-          <a:p>
-            <a:pPr marL="285840" indent="-285480">
+            <a:endParaRPr b="0" lang="en-US" sz="1500" spc="-1" strike="noStrike">
+              <a:latin typeface="Arial"/>
+            </a:endParaRPr>
+          </a:p>
+          <a:p>
+            <a:pPr marL="285840" indent="-285120">
               <a:lnSpc>
                 <a:spcPct val="120000"/>
               </a:lnSpc>
@@ -6208,23 +5514,20 @@
               <a:buChar char="•"/>
             </a:pPr>
             <a:r>
-              <a:rPr b="0" lang="nl-NL" sz="1500" spc="-1" strike="noStrike">
+              <a:rPr b="0" lang="en-US" sz="1500" spc="-1" strike="noStrike">
                 <a:solidFill>
                   <a:srgbClr val="000000"/>
                 </a:solidFill>
                 <a:latin typeface="Arial"/>
               </a:rPr>
-              <a:t>Add JSX to the render method. Add some styling in a .css file.</a:t>
+              <a:t>Add JSX to the return of the render method. </a:t>
             </a:r>
-            <a:endParaRPr b="0" lang="nl-NL" sz="1500" spc="-1" strike="noStrike">
-              <a:solidFill>
-                <a:srgbClr val="000000"/>
-              </a:solidFill>
-              <a:latin typeface="Arial"/>
-            </a:endParaRPr>
-          </a:p>
-          <a:p>
-            <a:pPr marL="285840" indent="-285480">
+            <a:endParaRPr b="0" lang="en-US" sz="1500" spc="-1" strike="noStrike">
+              <a:latin typeface="Arial"/>
+            </a:endParaRPr>
+          </a:p>
+          <a:p>
+            <a:pPr marL="285840" indent="-285120">
               <a:lnSpc>
                 <a:spcPct val="120000"/>
               </a:lnSpc>
@@ -6235,23 +5538,20 @@
               <a:buChar char="•"/>
             </a:pPr>
             <a:r>
-              <a:rPr b="0" lang="nl-NL" sz="1500" spc="-1" strike="noStrike">
+              <a:rPr b="0" lang="en-US" sz="1500" spc="-1" strike="noStrike">
                 <a:solidFill>
                   <a:srgbClr val="000000"/>
                 </a:solidFill>
                 <a:latin typeface="Arial"/>
               </a:rPr>
-              <a:t>Import and use the component in the App.js</a:t>
+              <a:t>Add some styling in a .css file and import the css file</a:t>
             </a:r>
-            <a:endParaRPr b="0" lang="nl-NL" sz="1500" spc="-1" strike="noStrike">
-              <a:solidFill>
-                <a:srgbClr val="000000"/>
-              </a:solidFill>
-              <a:latin typeface="Arial"/>
-            </a:endParaRPr>
-          </a:p>
-          <a:p>
-            <a:pPr marL="285840" indent="-285480">
+            <a:endParaRPr b="0" lang="en-US" sz="1500" spc="-1" strike="noStrike">
+              <a:latin typeface="Arial"/>
+            </a:endParaRPr>
+          </a:p>
+          <a:p>
+            <a:pPr marL="285840" indent="-285120">
               <a:lnSpc>
                 <a:spcPct val="120000"/>
               </a:lnSpc>
@@ -6261,10 +5561,26 @@
               <a:buFont typeface="Arial"/>
               <a:buChar char="•"/>
             </a:pPr>
-            <a:endParaRPr b="0" lang="nl-NL" sz="1500" spc="-1" strike="noStrike">
-              <a:solidFill>
-                <a:srgbClr val="000000"/>
-              </a:solidFill>
+            <a:r>
+              <a:rPr b="0" lang="en-US" sz="1500" spc="-1" strike="noStrike">
+                <a:solidFill>
+                  <a:srgbClr val="000000"/>
+                </a:solidFill>
+                <a:latin typeface="Arial"/>
+              </a:rPr>
+              <a:t>Import and use the component in  src/App.js</a:t>
+            </a:r>
+            <a:endParaRPr b="0" lang="en-US" sz="1500" spc="-1" strike="noStrike">
+              <a:latin typeface="Arial"/>
+            </a:endParaRPr>
+          </a:p>
+          <a:p>
+            <a:pPr>
+              <a:lnSpc>
+                <a:spcPct val="120000"/>
+              </a:lnSpc>
+            </a:pPr>
+            <a:endParaRPr b="0" lang="en-US" sz="1500" spc="-1" strike="noStrike">
               <a:latin typeface="Arial"/>
             </a:endParaRPr>
           </a:p>
@@ -6272,7 +5588,7 @@
       </p:sp>
       <p:pic>
         <p:nvPicPr>
-          <p:cNvPr id="180" name="" descr=""/>
+          <p:cNvPr id="173" name="" descr=""/>
           <p:cNvPicPr/>
           <p:nvPr/>
         </p:nvPicPr>
@@ -6282,8 +5598,8 @@
         </p:blipFill>
         <p:spPr>
           <a:xfrm>
-            <a:off x="2377440" y="2286000"/>
-            <a:ext cx="3238200" cy="1666440"/>
+            <a:off x="2332080" y="2670840"/>
+            <a:ext cx="4343040" cy="2333160"/>
           </a:xfrm>
           <a:prstGeom prst="rect">
             <a:avLst/>
@@ -6344,14 +5660,14 @@
       </p:grpSpPr>
       <p:sp>
         <p:nvSpPr>
-          <p:cNvPr id="181" name="TextShape 1"/>
-          <p:cNvSpPr txBox="1"/>
+          <p:cNvPr id="174" name="CustomShape 1"/>
+          <p:cNvSpPr/>
           <p:nvPr/>
         </p:nvSpPr>
         <p:spPr>
           <a:xfrm>
             <a:off x="720000" y="288000"/>
-            <a:ext cx="6623640" cy="503640"/>
+            <a:ext cx="6623280" cy="503280"/>
           </a:xfrm>
           <a:prstGeom prst="rect">
             <a:avLst/>
@@ -6361,6 +5677,12 @@
             <a:noFill/>
           </a:ln>
         </p:spPr>
+        <p:style>
+          <a:lnRef idx="0"/>
+          <a:fillRef idx="0"/>
+          <a:effectRef idx="0"/>
+          <a:fontRef idx="minor"/>
+        </p:style>
         <p:txBody>
           <a:bodyPr lIns="0" rIns="0" tIns="0" bIns="0" anchor="ctr"/>
           <a:p>
@@ -6370,7 +5692,7 @@
               </a:lnSpc>
             </a:pPr>
             <a:r>
-              <a:rPr b="1" lang="nl-NL" sz="1800" spc="-1" strike="noStrike">
+              <a:rPr b="1" lang="en-US" sz="1800" spc="-1" strike="noStrike">
                 <a:solidFill>
                   <a:srgbClr val="e63232"/>
                 </a:solidFill>
@@ -6378,25 +5700,22 @@
               </a:rPr>
               <a:t>Hands-on: passing props to your component</a:t>
             </a:r>
-            <a:endParaRPr b="0" lang="nl-NL" sz="1800" spc="-1" strike="noStrike">
-              <a:solidFill>
-                <a:srgbClr val="000000"/>
-              </a:solidFill>
-              <a:latin typeface="Arial"/>
-            </a:endParaRPr>
-          </a:p>
-        </p:txBody>
-      </p:sp>
-      <p:sp>
-        <p:nvSpPr>
-          <p:cNvPr id="182" name="TextShape 2"/>
-          <p:cNvSpPr txBox="1"/>
+            <a:endParaRPr b="0" lang="en-US" sz="1800" spc="-1" strike="noStrike">
+              <a:latin typeface="Arial"/>
+            </a:endParaRPr>
+          </a:p>
+        </p:txBody>
+      </p:sp>
+      <p:sp>
+        <p:nvSpPr>
+          <p:cNvPr id="175" name="CustomShape 2"/>
+          <p:cNvSpPr/>
           <p:nvPr/>
         </p:nvSpPr>
         <p:spPr>
           <a:xfrm>
             <a:off x="4968000" y="5004000"/>
-            <a:ext cx="3239640" cy="107640"/>
+            <a:ext cx="3239280" cy="107280"/>
           </a:xfrm>
           <a:prstGeom prst="rect">
             <a:avLst/>
@@ -6406,6 +5725,12 @@
             <a:noFill/>
           </a:ln>
         </p:spPr>
+        <p:style>
+          <a:lnRef idx="0"/>
+          <a:fillRef idx="0"/>
+          <a:effectRef idx="0"/>
+          <a:fontRef idx="minor"/>
+        </p:style>
         <p:txBody>
           <a:bodyPr lIns="0" rIns="0" tIns="0" bIns="0"/>
           <a:p>
@@ -6424,21 +5749,21 @@
               <a:t>Titel van de presentatie</a:t>
             </a:r>
             <a:endParaRPr b="0" lang="en-US" sz="600" spc="-1" strike="noStrike">
-              <a:latin typeface="Times New Roman"/>
-            </a:endParaRPr>
-          </a:p>
-        </p:txBody>
-      </p:sp>
-      <p:sp>
-        <p:nvSpPr>
-          <p:cNvPr id="183" name="TextShape 3"/>
-          <p:cNvSpPr txBox="1"/>
+              <a:latin typeface="Arial"/>
+            </a:endParaRPr>
+          </a:p>
+        </p:txBody>
+      </p:sp>
+      <p:sp>
+        <p:nvSpPr>
+          <p:cNvPr id="176" name="CustomShape 3"/>
+          <p:cNvSpPr/>
           <p:nvPr/>
         </p:nvSpPr>
         <p:spPr>
           <a:xfrm>
             <a:off x="8280000" y="5004000"/>
-            <a:ext cx="143640" cy="107640"/>
+            <a:ext cx="143280" cy="107280"/>
           </a:xfrm>
           <a:prstGeom prst="rect">
             <a:avLst/>
@@ -6448,6 +5773,12 @@
             <a:noFill/>
           </a:ln>
         </p:spPr>
+        <p:style>
+          <a:lnRef idx="0"/>
+          <a:fillRef idx="0"/>
+          <a:effectRef idx="0"/>
+          <a:fontRef idx="minor"/>
+        </p:style>
         <p:txBody>
           <a:bodyPr lIns="0" rIns="0" tIns="0" bIns="0"/>
           <a:p>
@@ -6456,31 +5787,31 @@
                 <a:spcPct val="100000"/>
               </a:lnSpc>
             </a:pPr>
-            <a:fld id="{DC52EB3F-A266-4148-8C8F-CF4A4298B1BA}" type="slidenum">
+            <a:fld id="{2DC73CA2-27A4-4701-AD3C-97B20E195BCB}" type="slidenum">
               <a:rPr b="0" lang="en-US" sz="600" spc="-1" strike="noStrike">
                 <a:solidFill>
                   <a:srgbClr val="ffffff"/>
                 </a:solidFill>
                 <a:latin typeface="Arial"/>
               </a:rPr>
-              <a:t>1</a:t>
+              <a:t>&lt;number&gt;</a:t>
             </a:fld>
             <a:endParaRPr b="0" lang="en-US" sz="600" spc="-1" strike="noStrike">
-              <a:latin typeface="Times New Roman"/>
-            </a:endParaRPr>
-          </a:p>
-        </p:txBody>
-      </p:sp>
-      <p:sp>
-        <p:nvSpPr>
-          <p:cNvPr id="184" name="TextShape 4"/>
-          <p:cNvSpPr txBox="1"/>
+              <a:latin typeface="Arial"/>
+            </a:endParaRPr>
+          </a:p>
+        </p:txBody>
+      </p:sp>
+      <p:sp>
+        <p:nvSpPr>
+          <p:cNvPr id="177" name="CustomShape 4"/>
+          <p:cNvSpPr/>
           <p:nvPr/>
         </p:nvSpPr>
         <p:spPr>
           <a:xfrm>
             <a:off x="717120" y="792000"/>
-            <a:ext cx="6623640" cy="3886920"/>
+            <a:ext cx="6623280" cy="3886560"/>
           </a:xfrm>
           <a:prstGeom prst="rect">
             <a:avLst/>
@@ -6490,6 +5821,12 @@
             <a:noFill/>
           </a:ln>
         </p:spPr>
+        <p:style>
+          <a:lnRef idx="0"/>
+          <a:fillRef idx="0"/>
+          <a:effectRef idx="0"/>
+          <a:fontRef idx="minor"/>
+        </p:style>
         <p:txBody>
           <a:bodyPr lIns="0" rIns="0" tIns="0" bIns="0"/>
           <a:p>
@@ -6498,15 +5835,12 @@
                 <a:spcPct val="120000"/>
               </a:lnSpc>
             </a:pPr>
-            <a:endParaRPr b="0" lang="nl-NL" sz="1500" spc="-1" strike="noStrike">
-              <a:solidFill>
-                <a:srgbClr val="000000"/>
-              </a:solidFill>
-              <a:latin typeface="Arial"/>
-            </a:endParaRPr>
-          </a:p>
-          <a:p>
-            <a:pPr marL="285840" indent="-285480">
+            <a:endParaRPr b="0" lang="en-US" sz="1800" spc="-1" strike="noStrike">
+              <a:latin typeface="Arial"/>
+            </a:endParaRPr>
+          </a:p>
+          <a:p>
+            <a:pPr marL="285840" indent="-285120">
               <a:lnSpc>
                 <a:spcPct val="120000"/>
               </a:lnSpc>
@@ -6517,23 +5851,20 @@
               <a:buChar char="•"/>
             </a:pPr>
             <a:r>
-              <a:rPr b="0" lang="nl-NL" sz="1500" spc="-1" strike="noStrike">
+              <a:rPr b="0" lang="en-US" sz="1500" spc="-1" strike="noStrike">
                 <a:solidFill>
                   <a:srgbClr val="000000"/>
                 </a:solidFill>
                 <a:latin typeface="Arial"/>
               </a:rPr>
-              <a:t>Pass a prop to your Appbar</a:t>
+              <a:t>Pass a prop to your Appbar ( `&lt;Appbar propName=’a string’ /&gt;`)</a:t>
             </a:r>
-            <a:endParaRPr b="0" lang="nl-NL" sz="1500" spc="-1" strike="noStrike">
-              <a:solidFill>
-                <a:srgbClr val="000000"/>
-              </a:solidFill>
-              <a:latin typeface="Arial"/>
-            </a:endParaRPr>
-          </a:p>
-          <a:p>
-            <a:pPr marL="285840" indent="-285480">
+            <a:endParaRPr b="0" lang="en-US" sz="1500" spc="-1" strike="noStrike">
+              <a:latin typeface="Arial"/>
+            </a:endParaRPr>
+          </a:p>
+          <a:p>
+            <a:pPr marL="285840" indent="-285120">
               <a:lnSpc>
                 <a:spcPct val="120000"/>
               </a:lnSpc>
@@ -6544,7 +5875,7 @@
               <a:buChar char="•"/>
             </a:pPr>
             <a:r>
-              <a:rPr b="0" lang="nl-NL" sz="1500" spc="-1" strike="noStrike">
+              <a:rPr b="0" lang="en-US" sz="1500" spc="-1" strike="noStrike">
                 <a:solidFill>
                   <a:srgbClr val="000000"/>
                 </a:solidFill>
@@ -6552,15 +5883,12 @@
               </a:rPr>
               <a:t>Use this prop in the Appbar (availabe with `this.props.propName`)</a:t>
             </a:r>
-            <a:endParaRPr b="0" lang="nl-NL" sz="1500" spc="-1" strike="noStrike">
-              <a:solidFill>
-                <a:srgbClr val="000000"/>
-              </a:solidFill>
-              <a:latin typeface="Arial"/>
-            </a:endParaRPr>
-          </a:p>
-          <a:p>
-            <a:pPr marL="285840" indent="-285480">
+            <a:endParaRPr b="0" lang="en-US" sz="1500" spc="-1" strike="noStrike">
+              <a:latin typeface="Arial"/>
+            </a:endParaRPr>
+          </a:p>
+          <a:p>
+            <a:pPr marL="285840" indent="-285120">
               <a:lnSpc>
                 <a:spcPct val="120000"/>
               </a:lnSpc>
@@ -6571,7 +5899,7 @@
               <a:buChar char="•"/>
             </a:pPr>
             <a:r>
-              <a:rPr b="0" lang="nl-NL" sz="1500" spc="-1" strike="noStrike">
+              <a:rPr b="0" lang="en-US" sz="1500" spc="-1" strike="noStrike">
                 <a:solidFill>
                   <a:srgbClr val="000000"/>
                 </a:solidFill>
@@ -6579,28 +5907,17 @@
               </a:rPr>
               <a:t>Try using multiple Appbar components in your App.js with different values for your prop</a:t>
             </a:r>
-            <a:endParaRPr b="0" lang="nl-NL" sz="1500" spc="-1" strike="noStrike">
-              <a:solidFill>
-                <a:srgbClr val="000000"/>
-              </a:solidFill>
-              <a:latin typeface="Arial"/>
-            </a:endParaRPr>
-          </a:p>
-          <a:p>
-            <a:pPr marL="285840" indent="-285480">
+            <a:endParaRPr b="0" lang="en-US" sz="1500" spc="-1" strike="noStrike">
+              <a:latin typeface="Arial"/>
+            </a:endParaRPr>
+          </a:p>
+          <a:p>
+            <a:pPr>
               <a:lnSpc>
                 <a:spcPct val="120000"/>
               </a:lnSpc>
-              <a:buClr>
-                <a:srgbClr val="000000"/>
-              </a:buClr>
-              <a:buFont typeface="Arial"/>
-              <a:buChar char="•"/>
-            </a:pPr>
-            <a:endParaRPr b="0" lang="nl-NL" sz="1500" spc="-1" strike="noStrike">
-              <a:solidFill>
-                <a:srgbClr val="000000"/>
-              </a:solidFill>
+            </a:pPr>
+            <a:endParaRPr b="0" lang="en-US" sz="1500" spc="-1" strike="noStrike">
               <a:latin typeface="Arial"/>
             </a:endParaRPr>
           </a:p>
@@ -6657,14 +5974,14 @@
       </p:grpSpPr>
       <p:sp>
         <p:nvSpPr>
-          <p:cNvPr id="185" name="TextShape 1"/>
-          <p:cNvSpPr txBox="1"/>
+          <p:cNvPr id="178" name="CustomShape 1"/>
+          <p:cNvSpPr/>
           <p:nvPr/>
         </p:nvSpPr>
         <p:spPr>
           <a:xfrm>
             <a:off x="720000" y="288000"/>
-            <a:ext cx="6623640" cy="503640"/>
+            <a:ext cx="6623280" cy="503280"/>
           </a:xfrm>
           <a:prstGeom prst="rect">
             <a:avLst/>
@@ -6674,6 +5991,12 @@
             <a:noFill/>
           </a:ln>
         </p:spPr>
+        <p:style>
+          <a:lnRef idx="0"/>
+          <a:fillRef idx="0"/>
+          <a:effectRef idx="0"/>
+          <a:fontRef idx="minor"/>
+        </p:style>
         <p:txBody>
           <a:bodyPr lIns="0" rIns="0" tIns="0" bIns="0" anchor="ctr"/>
           <a:p>
@@ -6683,7 +6006,7 @@
               </a:lnSpc>
             </a:pPr>
             <a:r>
-              <a:rPr b="1" lang="nl-NL" sz="1800" spc="-1" strike="noStrike">
+              <a:rPr b="1" lang="en-US" sz="1800" spc="-1" strike="noStrike">
                 <a:solidFill>
                   <a:srgbClr val="e63232"/>
                 </a:solidFill>
@@ -6691,25 +6014,22 @@
               </a:rPr>
               <a:t>Hands-on: displaying data</a:t>
             </a:r>
-            <a:endParaRPr b="0" lang="nl-NL" sz="1800" spc="-1" strike="noStrike">
-              <a:solidFill>
-                <a:srgbClr val="000000"/>
-              </a:solidFill>
-              <a:latin typeface="Arial"/>
-            </a:endParaRPr>
-          </a:p>
-        </p:txBody>
-      </p:sp>
-      <p:sp>
-        <p:nvSpPr>
-          <p:cNvPr id="186" name="TextShape 2"/>
-          <p:cNvSpPr txBox="1"/>
+            <a:endParaRPr b="0" lang="en-US" sz="1800" spc="-1" strike="noStrike">
+              <a:latin typeface="Arial"/>
+            </a:endParaRPr>
+          </a:p>
+        </p:txBody>
+      </p:sp>
+      <p:sp>
+        <p:nvSpPr>
+          <p:cNvPr id="179" name="CustomShape 2"/>
+          <p:cNvSpPr/>
           <p:nvPr/>
         </p:nvSpPr>
         <p:spPr>
           <a:xfrm>
             <a:off x="4968000" y="5004000"/>
-            <a:ext cx="3239640" cy="107640"/>
+            <a:ext cx="3239280" cy="107280"/>
           </a:xfrm>
           <a:prstGeom prst="rect">
             <a:avLst/>
@@ -6719,6 +6039,12 @@
             <a:noFill/>
           </a:ln>
         </p:spPr>
+        <p:style>
+          <a:lnRef idx="0"/>
+          <a:fillRef idx="0"/>
+          <a:effectRef idx="0"/>
+          <a:fontRef idx="minor"/>
+        </p:style>
         <p:txBody>
           <a:bodyPr lIns="0" rIns="0" tIns="0" bIns="0"/>
           <a:p>
@@ -6737,21 +6063,21 @@
               <a:t>Titel van de presentatie</a:t>
             </a:r>
             <a:endParaRPr b="0" lang="en-US" sz="600" spc="-1" strike="noStrike">
-              <a:latin typeface="Times New Roman"/>
-            </a:endParaRPr>
-          </a:p>
-        </p:txBody>
-      </p:sp>
-      <p:sp>
-        <p:nvSpPr>
-          <p:cNvPr id="187" name="TextShape 3"/>
-          <p:cNvSpPr txBox="1"/>
+              <a:latin typeface="Arial"/>
+            </a:endParaRPr>
+          </a:p>
+        </p:txBody>
+      </p:sp>
+      <p:sp>
+        <p:nvSpPr>
+          <p:cNvPr id="180" name="CustomShape 3"/>
+          <p:cNvSpPr/>
           <p:nvPr/>
         </p:nvSpPr>
         <p:spPr>
           <a:xfrm>
             <a:off x="8280000" y="5004000"/>
-            <a:ext cx="143640" cy="107640"/>
+            <a:ext cx="143280" cy="107280"/>
           </a:xfrm>
           <a:prstGeom prst="rect">
             <a:avLst/>
@@ -6761,6 +6087,12 @@
             <a:noFill/>
           </a:ln>
         </p:spPr>
+        <p:style>
+          <a:lnRef idx="0"/>
+          <a:fillRef idx="0"/>
+          <a:effectRef idx="0"/>
+          <a:fontRef idx="minor"/>
+        </p:style>
         <p:txBody>
           <a:bodyPr lIns="0" rIns="0" tIns="0" bIns="0"/>
           <a:p>
@@ -6769,31 +6101,31 @@
                 <a:spcPct val="100000"/>
               </a:lnSpc>
             </a:pPr>
-            <a:fld id="{FC6F559C-A199-4D6B-9A18-C88A04835D65}" type="slidenum">
+            <a:fld id="{B5B288B2-F8E5-4A2A-96C5-43F4DA7CE584}" type="slidenum">
               <a:rPr b="0" lang="en-US" sz="600" spc="-1" strike="noStrike">
                 <a:solidFill>
                   <a:srgbClr val="ffffff"/>
                 </a:solidFill>
                 <a:latin typeface="Arial"/>
               </a:rPr>
-              <a:t>1</a:t>
+              <a:t>&lt;number&gt;</a:t>
             </a:fld>
             <a:endParaRPr b="0" lang="en-US" sz="600" spc="-1" strike="noStrike">
-              <a:latin typeface="Times New Roman"/>
-            </a:endParaRPr>
-          </a:p>
-        </p:txBody>
-      </p:sp>
-      <p:sp>
-        <p:nvSpPr>
-          <p:cNvPr id="188" name="TextShape 4"/>
-          <p:cNvSpPr txBox="1"/>
+              <a:latin typeface="Arial"/>
+            </a:endParaRPr>
+          </a:p>
+        </p:txBody>
+      </p:sp>
+      <p:sp>
+        <p:nvSpPr>
+          <p:cNvPr id="181" name="CustomShape 4"/>
+          <p:cNvSpPr/>
           <p:nvPr/>
         </p:nvSpPr>
         <p:spPr>
           <a:xfrm>
             <a:off x="783000" y="776520"/>
-            <a:ext cx="6623640" cy="3886920"/>
+            <a:ext cx="6623280" cy="3886560"/>
           </a:xfrm>
           <a:prstGeom prst="rect">
             <a:avLst/>
@@ -6803,6 +6135,12 @@
             <a:noFill/>
           </a:ln>
         </p:spPr>
+        <p:style>
+          <a:lnRef idx="0"/>
+          <a:fillRef idx="0"/>
+          <a:effectRef idx="0"/>
+          <a:fontRef idx="minor"/>
+        </p:style>
         <p:txBody>
           <a:bodyPr lIns="0" rIns="0" tIns="0" bIns="0"/>
           <a:p>
@@ -6811,15 +6149,12 @@
                 <a:spcPct val="120000"/>
               </a:lnSpc>
             </a:pPr>
-            <a:endParaRPr b="0" lang="nl-NL" sz="1500" spc="-1" strike="noStrike">
-              <a:solidFill>
-                <a:srgbClr val="000000"/>
-              </a:solidFill>
-              <a:latin typeface="Arial"/>
-            </a:endParaRPr>
-          </a:p>
-          <a:p>
-            <a:pPr marL="285840" indent="-285480">
+            <a:endParaRPr b="0" lang="en-US" sz="1800" spc="-1" strike="noStrike">
+              <a:latin typeface="Arial"/>
+            </a:endParaRPr>
+          </a:p>
+          <a:p>
+            <a:pPr marL="285840" indent="-285120">
               <a:lnSpc>
                 <a:spcPct val="120000"/>
               </a:lnSpc>
@@ -6830,23 +6165,20 @@
               <a:buChar char="•"/>
             </a:pPr>
             <a:r>
-              <a:rPr b="0" lang="nl-NL" sz="1500" spc="-1" strike="noStrike">
+              <a:rPr b="0" lang="en-US" sz="1500" spc="-1" strike="noStrike">
                 <a:solidFill>
                   <a:srgbClr val="000000"/>
                 </a:solidFill>
                 <a:latin typeface="Arial"/>
               </a:rPr>
-              <a:t>Import the data from the resources folder (import { accomodations } from ‘src/resources/accommodations.js’)</a:t>
+              <a:t>Import the data from the resources folder (`import { accomodations } from ‘src/resources/accommodations.js’`)</a:t>
             </a:r>
-            <a:endParaRPr b="0" lang="nl-NL" sz="1500" spc="-1" strike="noStrike">
-              <a:solidFill>
-                <a:srgbClr val="000000"/>
-              </a:solidFill>
-              <a:latin typeface="Arial"/>
-            </a:endParaRPr>
-          </a:p>
-          <a:p>
-            <a:pPr marL="285840" indent="-285480">
+            <a:endParaRPr b="0" lang="en-US" sz="1500" spc="-1" strike="noStrike">
+              <a:latin typeface="Arial"/>
+            </a:endParaRPr>
+          </a:p>
+          <a:p>
+            <a:pPr marL="285840" indent="-285120">
               <a:lnSpc>
                 <a:spcPct val="120000"/>
               </a:lnSpc>
@@ -6857,7 +6189,7 @@
               <a:buChar char="•"/>
             </a:pPr>
             <a:r>
-              <a:rPr b="0" lang="nl-NL" sz="1500" spc="-1" strike="noStrike">
+              <a:rPr b="0" lang="en-US" sz="1500" spc="-1" strike="noStrike">
                 <a:solidFill>
                   <a:srgbClr val="000000"/>
                 </a:solidFill>
@@ -6865,15 +6197,12 @@
               </a:rPr>
               <a:t>Use accommodations.map(() =&gt; {}) to display a div with the accommodations name for each accommodation</a:t>
             </a:r>
-            <a:endParaRPr b="0" lang="nl-NL" sz="1500" spc="-1" strike="noStrike">
-              <a:solidFill>
-                <a:srgbClr val="000000"/>
-              </a:solidFill>
-              <a:latin typeface="Arial"/>
-            </a:endParaRPr>
-          </a:p>
-          <a:p>
-            <a:pPr marL="285840" indent="-285480">
+            <a:endParaRPr b="0" lang="en-US" sz="1500" spc="-1" strike="noStrike">
+              <a:latin typeface="Arial"/>
+            </a:endParaRPr>
+          </a:p>
+          <a:p>
+            <a:pPr marL="285840" indent="-285120">
               <a:lnSpc>
                 <a:spcPct val="120000"/>
               </a:lnSpc>
@@ -6884,23 +6213,20 @@
               <a:buChar char="•"/>
             </a:pPr>
             <a:r>
-              <a:rPr b="0" lang="nl-NL" sz="1500" spc="-1" strike="noStrike">
+              <a:rPr b="0" lang="en-US" sz="1500" spc="-1" strike="noStrike">
                 <a:solidFill>
                   <a:srgbClr val="000000"/>
                 </a:solidFill>
                 <a:latin typeface="Arial"/>
               </a:rPr>
-              <a:t>Move the rendering of the accommodations to a separate function which returns JSX. Use `accommodations.map(this.renderAccomodations)`.</a:t>
+              <a:t>Move the rendering of the accommodations to a separate function called renderAccommodations which should JSX. Use it by changing the map function to: `accommodations.map(this.renderAccomodations)`</a:t>
             </a:r>
-            <a:endParaRPr b="0" lang="nl-NL" sz="1500" spc="-1" strike="noStrike">
-              <a:solidFill>
-                <a:srgbClr val="000000"/>
-              </a:solidFill>
-              <a:latin typeface="Arial"/>
-            </a:endParaRPr>
-          </a:p>
-          <a:p>
-            <a:pPr marL="285840" indent="-285480">
+            <a:endParaRPr b="0" lang="en-US" sz="1500" spc="-1" strike="noStrike">
+              <a:latin typeface="Arial"/>
+            </a:endParaRPr>
+          </a:p>
+          <a:p>
+            <a:pPr marL="285840" indent="-285120">
               <a:lnSpc>
                 <a:spcPct val="120000"/>
               </a:lnSpc>
@@ -6911,36 +6237,25 @@
               <a:buChar char="•"/>
             </a:pPr>
             <a:r>
-              <a:rPr b="0" lang="nl-NL" sz="1500" spc="-1" strike="noStrike">
+              <a:rPr b="0" lang="en-US" sz="1500" spc="-1" strike="noStrike">
                 <a:solidFill>
                   <a:srgbClr val="000000"/>
                 </a:solidFill>
                 <a:latin typeface="Arial"/>
               </a:rPr>
-              <a:t>Display more data. Add some styling.</a:t>
+              <a:t>Display more of the data from the accommodations objects. Add some styling.</a:t>
             </a:r>
-            <a:endParaRPr b="0" lang="nl-NL" sz="1500" spc="-1" strike="noStrike">
-              <a:solidFill>
-                <a:srgbClr val="000000"/>
-              </a:solidFill>
-              <a:latin typeface="Arial"/>
-            </a:endParaRPr>
-          </a:p>
-          <a:p>
-            <a:pPr marL="285840" indent="-285480">
+            <a:endParaRPr b="0" lang="en-US" sz="1500" spc="-1" strike="noStrike">
+              <a:latin typeface="Arial"/>
+            </a:endParaRPr>
+          </a:p>
+          <a:p>
+            <a:pPr>
               <a:lnSpc>
                 <a:spcPct val="120000"/>
               </a:lnSpc>
-              <a:buClr>
-                <a:srgbClr val="000000"/>
-              </a:buClr>
-              <a:buFont typeface="Arial"/>
-              <a:buChar char="•"/>
-            </a:pPr>
-            <a:endParaRPr b="0" lang="nl-NL" sz="1500" spc="-1" strike="noStrike">
-              <a:solidFill>
-                <a:srgbClr val="000000"/>
-              </a:solidFill>
+            </a:pPr>
+            <a:endParaRPr b="0" lang="en-US" sz="1500" spc="-1" strike="noStrike">
               <a:latin typeface="Arial"/>
             </a:endParaRPr>
           </a:p>
@@ -6997,14 +6312,14 @@
       </p:grpSpPr>
       <p:sp>
         <p:nvSpPr>
-          <p:cNvPr id="189" name="TextShape 1"/>
-          <p:cNvSpPr txBox="1"/>
+          <p:cNvPr id="182" name="CustomShape 1"/>
+          <p:cNvSpPr/>
           <p:nvPr/>
         </p:nvSpPr>
         <p:spPr>
           <a:xfrm>
             <a:off x="720000" y="288000"/>
-            <a:ext cx="6623640" cy="503640"/>
+            <a:ext cx="6623280" cy="503280"/>
           </a:xfrm>
           <a:prstGeom prst="rect">
             <a:avLst/>
@@ -7014,6 +6329,12 @@
             <a:noFill/>
           </a:ln>
         </p:spPr>
+        <p:style>
+          <a:lnRef idx="0"/>
+          <a:fillRef idx="0"/>
+          <a:effectRef idx="0"/>
+          <a:fontRef idx="minor"/>
+        </p:style>
         <p:txBody>
           <a:bodyPr lIns="0" rIns="0" tIns="0" bIns="0" anchor="ctr"/>
           <a:p>
@@ -7023,7 +6344,7 @@
               </a:lnSpc>
             </a:pPr>
             <a:r>
-              <a:rPr b="1" lang="nl-NL" sz="1800" spc="-1" strike="noStrike">
+              <a:rPr b="1" lang="en-US" sz="1800" spc="-1" strike="noStrike">
                 <a:solidFill>
                   <a:srgbClr val="e63232"/>
                 </a:solidFill>
@@ -7031,25 +6352,22 @@
               </a:rPr>
               <a:t>Hands-on: move accommodation to it’s own component</a:t>
             </a:r>
-            <a:endParaRPr b="0" lang="nl-NL" sz="1800" spc="-1" strike="noStrike">
-              <a:solidFill>
-                <a:srgbClr val="000000"/>
-              </a:solidFill>
-              <a:latin typeface="Arial"/>
-            </a:endParaRPr>
-          </a:p>
-        </p:txBody>
-      </p:sp>
-      <p:sp>
-        <p:nvSpPr>
-          <p:cNvPr id="190" name="TextShape 2"/>
-          <p:cNvSpPr txBox="1"/>
+            <a:endParaRPr b="0" lang="en-US" sz="1800" spc="-1" strike="noStrike">
+              <a:latin typeface="Arial"/>
+            </a:endParaRPr>
+          </a:p>
+        </p:txBody>
+      </p:sp>
+      <p:sp>
+        <p:nvSpPr>
+          <p:cNvPr id="183" name="CustomShape 2"/>
+          <p:cNvSpPr/>
           <p:nvPr/>
         </p:nvSpPr>
         <p:spPr>
           <a:xfrm>
             <a:off x="4968000" y="5004000"/>
-            <a:ext cx="3239640" cy="107640"/>
+            <a:ext cx="3239280" cy="107280"/>
           </a:xfrm>
           <a:prstGeom prst="rect">
             <a:avLst/>
@@ -7059,6 +6377,12 @@
             <a:noFill/>
           </a:ln>
         </p:spPr>
+        <p:style>
+          <a:lnRef idx="0"/>
+          <a:fillRef idx="0"/>
+          <a:effectRef idx="0"/>
+          <a:fontRef idx="minor"/>
+        </p:style>
         <p:txBody>
           <a:bodyPr lIns="0" rIns="0" tIns="0" bIns="0"/>
           <a:p>
@@ -7077,21 +6401,21 @@
               <a:t>Titel van de presentatie</a:t>
             </a:r>
             <a:endParaRPr b="0" lang="en-US" sz="600" spc="-1" strike="noStrike">
-              <a:latin typeface="Times New Roman"/>
-            </a:endParaRPr>
-          </a:p>
-        </p:txBody>
-      </p:sp>
-      <p:sp>
-        <p:nvSpPr>
-          <p:cNvPr id="191" name="TextShape 3"/>
-          <p:cNvSpPr txBox="1"/>
+              <a:latin typeface="Arial"/>
+            </a:endParaRPr>
+          </a:p>
+        </p:txBody>
+      </p:sp>
+      <p:sp>
+        <p:nvSpPr>
+          <p:cNvPr id="184" name="CustomShape 3"/>
+          <p:cNvSpPr/>
           <p:nvPr/>
         </p:nvSpPr>
         <p:spPr>
           <a:xfrm>
             <a:off x="8280000" y="5004000"/>
-            <a:ext cx="143640" cy="107640"/>
+            <a:ext cx="143280" cy="107280"/>
           </a:xfrm>
           <a:prstGeom prst="rect">
             <a:avLst/>
@@ -7101,6 +6425,12 @@
             <a:noFill/>
           </a:ln>
         </p:spPr>
+        <p:style>
+          <a:lnRef idx="0"/>
+          <a:fillRef idx="0"/>
+          <a:effectRef idx="0"/>
+          <a:fontRef idx="minor"/>
+        </p:style>
         <p:txBody>
           <a:bodyPr lIns="0" rIns="0" tIns="0" bIns="0"/>
           <a:p>
@@ -7109,31 +6439,31 @@
                 <a:spcPct val="100000"/>
               </a:lnSpc>
             </a:pPr>
-            <a:fld id="{8D438610-BFFC-4467-B8CB-5D38D55E0BF3}" type="slidenum">
+            <a:fld id="{7EDD62CB-6CEF-4C5A-BE04-8044DA09DF01}" type="slidenum">
               <a:rPr b="0" lang="en-US" sz="600" spc="-1" strike="noStrike">
                 <a:solidFill>
                   <a:srgbClr val="ffffff"/>
                 </a:solidFill>
                 <a:latin typeface="Arial"/>
               </a:rPr>
-              <a:t>1</a:t>
+              <a:t>&lt;number&gt;</a:t>
             </a:fld>
             <a:endParaRPr b="0" lang="en-US" sz="600" spc="-1" strike="noStrike">
-              <a:latin typeface="Times New Roman"/>
-            </a:endParaRPr>
-          </a:p>
-        </p:txBody>
-      </p:sp>
-      <p:sp>
-        <p:nvSpPr>
-          <p:cNvPr id="192" name="TextShape 4"/>
-          <p:cNvSpPr txBox="1"/>
+              <a:latin typeface="Arial"/>
+            </a:endParaRPr>
+          </a:p>
+        </p:txBody>
+      </p:sp>
+      <p:sp>
+        <p:nvSpPr>
+          <p:cNvPr id="185" name="CustomShape 4"/>
+          <p:cNvSpPr/>
           <p:nvPr/>
         </p:nvSpPr>
         <p:spPr>
           <a:xfrm>
             <a:off x="717120" y="792000"/>
-            <a:ext cx="6623640" cy="3886920"/>
+            <a:ext cx="6623280" cy="3886560"/>
           </a:xfrm>
           <a:prstGeom prst="rect">
             <a:avLst/>
@@ -7143,6 +6473,12 @@
             <a:noFill/>
           </a:ln>
         </p:spPr>
+        <p:style>
+          <a:lnRef idx="0"/>
+          <a:fillRef idx="0"/>
+          <a:effectRef idx="0"/>
+          <a:fontRef idx="minor"/>
+        </p:style>
         <p:txBody>
           <a:bodyPr lIns="0" rIns="0" tIns="0" bIns="0"/>
           <a:p>
@@ -7151,15 +6487,12 @@
                 <a:spcPct val="120000"/>
               </a:lnSpc>
             </a:pPr>
-            <a:endParaRPr b="0" lang="nl-NL" sz="1500" spc="-1" strike="noStrike">
-              <a:solidFill>
-                <a:srgbClr val="000000"/>
-              </a:solidFill>
-              <a:latin typeface="Arial"/>
-            </a:endParaRPr>
-          </a:p>
-          <a:p>
-            <a:pPr marL="285840" indent="-285480">
+            <a:endParaRPr b="0" lang="en-US" sz="1800" spc="-1" strike="noStrike">
+              <a:latin typeface="Arial"/>
+            </a:endParaRPr>
+          </a:p>
+          <a:p>
+            <a:pPr marL="285840" indent="-285120">
               <a:lnSpc>
                 <a:spcPct val="120000"/>
               </a:lnSpc>
@@ -7170,23 +6503,20 @@
               <a:buChar char="•"/>
             </a:pPr>
             <a:r>
-              <a:rPr b="0" lang="nl-NL" sz="1500" spc="-1" strike="noStrike">
+              <a:rPr b="0" lang="en-US" sz="1500" spc="-1" strike="noStrike">
                 <a:solidFill>
                   <a:srgbClr val="000000"/>
                 </a:solidFill>
                 <a:latin typeface="Arial"/>
               </a:rPr>
-              <a:t>Create a new .js and .css file for accomodation. Create a new component and move the rendering of an accommodation to this component. Move the css. </a:t>
+              <a:t>Create a new .js and .css file for Accommodation. Add the required code to export a component from these files and move the rendering of an accommodation to this component. </a:t>
             </a:r>
-            <a:endParaRPr b="0" lang="nl-NL" sz="1500" spc="-1" strike="noStrike">
-              <a:solidFill>
-                <a:srgbClr val="000000"/>
-              </a:solidFill>
-              <a:latin typeface="Arial"/>
-            </a:endParaRPr>
-          </a:p>
-          <a:p>
-            <a:pPr marL="285840" indent="-285480">
+            <a:endParaRPr b="0" lang="en-US" sz="1500" spc="-1" strike="noStrike">
+              <a:latin typeface="Arial"/>
+            </a:endParaRPr>
+          </a:p>
+          <a:p>
+            <a:pPr marL="285840" indent="-285120">
               <a:lnSpc>
                 <a:spcPct val="120000"/>
               </a:lnSpc>
@@ -7197,23 +6527,20 @@
               <a:buChar char="•"/>
             </a:pPr>
             <a:r>
-              <a:rPr b="0" lang="nl-NL" sz="1500" spc="-1" strike="noStrike">
+              <a:rPr b="0" lang="en-US" sz="1500" spc="-1" strike="noStrike">
                 <a:solidFill>
                   <a:srgbClr val="000000"/>
                 </a:solidFill>
                 <a:latin typeface="Arial"/>
               </a:rPr>
-              <a:t>Display the component &lt;HomeIcon /&gt; from the resources folder. Have its color be based on favorite being true or false.</a:t>
+              <a:t>Move the css you used to style the individial accommodations from Accommodations.css to the new css file</a:t>
             </a:r>
-            <a:endParaRPr b="0" lang="nl-NL" sz="1500" spc="-1" strike="noStrike">
-              <a:solidFill>
-                <a:srgbClr val="000000"/>
-              </a:solidFill>
-              <a:latin typeface="Arial"/>
-            </a:endParaRPr>
-          </a:p>
-          <a:p>
-            <a:pPr marL="285840" indent="-285480">
+            <a:endParaRPr b="0" lang="en-US" sz="1500" spc="-1" strike="noStrike">
+              <a:latin typeface="Arial"/>
+            </a:endParaRPr>
+          </a:p>
+          <a:p>
+            <a:pPr marL="285840" indent="-285120">
               <a:lnSpc>
                 <a:spcPct val="120000"/>
               </a:lnSpc>
@@ -7223,28 +6550,36 @@
               <a:buFont typeface="Arial"/>
               <a:buChar char="•"/>
             </a:pPr>
-            <a:endParaRPr b="0" lang="nl-NL" sz="1500" spc="-1" strike="noStrike">
-              <a:solidFill>
-                <a:srgbClr val="000000"/>
-              </a:solidFill>
-              <a:latin typeface="Arial"/>
-            </a:endParaRPr>
-          </a:p>
-          <a:p>
-            <a:pPr marL="285840" indent="-285480">
+            <a:r>
+              <a:rPr b="0" lang="en-US" sz="1500" spc="-1" strike="noStrike">
+                <a:solidFill>
+                  <a:srgbClr val="000000"/>
+                </a:solidFill>
+                <a:latin typeface="Arial"/>
+              </a:rPr>
+              <a:t>Display the component &lt;HomeIcon /&gt; from the resources folder in your new Accomodation component. Have its color be based on favorite being true or false.</a:t>
+            </a:r>
+            <a:endParaRPr b="0" lang="en-US" sz="1500" spc="-1" strike="noStrike">
+              <a:latin typeface="Arial"/>
+            </a:endParaRPr>
+          </a:p>
+          <a:p>
+            <a:pPr>
               <a:lnSpc>
                 <a:spcPct val="120000"/>
               </a:lnSpc>
-              <a:buClr>
-                <a:srgbClr val="000000"/>
-              </a:buClr>
-              <a:buFont typeface="Arial"/>
-              <a:buChar char="•"/>
-            </a:pPr>
-            <a:endParaRPr b="0" lang="nl-NL" sz="1500" spc="-1" strike="noStrike">
-              <a:solidFill>
-                <a:srgbClr val="000000"/>
-              </a:solidFill>
+            </a:pPr>
+            <a:endParaRPr b="0" lang="en-US" sz="1500" spc="-1" strike="noStrike">
+              <a:latin typeface="Arial"/>
+            </a:endParaRPr>
+          </a:p>
+          <a:p>
+            <a:pPr>
+              <a:lnSpc>
+                <a:spcPct val="120000"/>
+              </a:lnSpc>
+            </a:pPr>
+            <a:endParaRPr b="0" lang="en-US" sz="1500" spc="-1" strike="noStrike">
               <a:latin typeface="Arial"/>
             </a:endParaRPr>
           </a:p>
@@ -7301,14 +6636,14 @@
       </p:grpSpPr>
       <p:sp>
         <p:nvSpPr>
-          <p:cNvPr id="193" name="TextShape 1"/>
-          <p:cNvSpPr txBox="1"/>
+          <p:cNvPr id="186" name="CustomShape 1"/>
+          <p:cNvSpPr/>
           <p:nvPr/>
         </p:nvSpPr>
         <p:spPr>
           <a:xfrm>
             <a:off x="720000" y="288000"/>
-            <a:ext cx="6623640" cy="503640"/>
+            <a:ext cx="6623280" cy="503280"/>
           </a:xfrm>
           <a:prstGeom prst="rect">
             <a:avLst/>
@@ -7318,6 +6653,12 @@
             <a:noFill/>
           </a:ln>
         </p:spPr>
+        <p:style>
+          <a:lnRef idx="0"/>
+          <a:fillRef idx="0"/>
+          <a:effectRef idx="0"/>
+          <a:fontRef idx="minor"/>
+        </p:style>
         <p:txBody>
           <a:bodyPr lIns="0" rIns="0" tIns="0" bIns="0" anchor="ctr"/>
           <a:p>
@@ -7327,7 +6668,7 @@
               </a:lnSpc>
             </a:pPr>
             <a:r>
-              <a:rPr b="1" lang="nl-NL" sz="1800" spc="-1" strike="noStrike">
+              <a:rPr b="1" lang="en-US" sz="1800" spc="-1" strike="noStrike">
                 <a:solidFill>
                   <a:srgbClr val="e63232"/>
                 </a:solidFill>
@@ -7335,25 +6676,22 @@
               </a:rPr>
               <a:t>Hands-on: using state</a:t>
             </a:r>
-            <a:endParaRPr b="0" lang="nl-NL" sz="1800" spc="-1" strike="noStrike">
-              <a:solidFill>
-                <a:srgbClr val="000000"/>
-              </a:solidFill>
-              <a:latin typeface="Arial"/>
-            </a:endParaRPr>
-          </a:p>
-        </p:txBody>
-      </p:sp>
-      <p:sp>
-        <p:nvSpPr>
-          <p:cNvPr id="194" name="TextShape 2"/>
-          <p:cNvSpPr txBox="1"/>
+            <a:endParaRPr b="0" lang="en-US" sz="1800" spc="-1" strike="noStrike">
+              <a:latin typeface="Arial"/>
+            </a:endParaRPr>
+          </a:p>
+        </p:txBody>
+      </p:sp>
+      <p:sp>
+        <p:nvSpPr>
+          <p:cNvPr id="187" name="CustomShape 2"/>
+          <p:cNvSpPr/>
           <p:nvPr/>
         </p:nvSpPr>
         <p:spPr>
           <a:xfrm>
             <a:off x="4968000" y="5004000"/>
-            <a:ext cx="3239640" cy="107640"/>
+            <a:ext cx="3239280" cy="107280"/>
           </a:xfrm>
           <a:prstGeom prst="rect">
             <a:avLst/>
@@ -7363,6 +6701,12 @@
             <a:noFill/>
           </a:ln>
         </p:spPr>
+        <p:style>
+          <a:lnRef idx="0"/>
+          <a:fillRef idx="0"/>
+          <a:effectRef idx="0"/>
+          <a:fontRef idx="minor"/>
+        </p:style>
         <p:txBody>
           <a:bodyPr lIns="0" rIns="0" tIns="0" bIns="0"/>
           <a:p>
@@ -7381,21 +6725,21 @@
               <a:t>Titel van de presentatie</a:t>
             </a:r>
             <a:endParaRPr b="0" lang="en-US" sz="600" spc="-1" strike="noStrike">
-              <a:latin typeface="Times New Roman"/>
-            </a:endParaRPr>
-          </a:p>
-        </p:txBody>
-      </p:sp>
-      <p:sp>
-        <p:nvSpPr>
-          <p:cNvPr id="195" name="TextShape 3"/>
-          <p:cNvSpPr txBox="1"/>
+              <a:latin typeface="Arial"/>
+            </a:endParaRPr>
+          </a:p>
+        </p:txBody>
+      </p:sp>
+      <p:sp>
+        <p:nvSpPr>
+          <p:cNvPr id="188" name="CustomShape 3"/>
+          <p:cNvSpPr/>
           <p:nvPr/>
         </p:nvSpPr>
         <p:spPr>
           <a:xfrm>
             <a:off x="8280000" y="5004000"/>
-            <a:ext cx="143640" cy="107640"/>
+            <a:ext cx="143280" cy="107280"/>
           </a:xfrm>
           <a:prstGeom prst="rect">
             <a:avLst/>
@@ -7405,6 +6749,12 @@
             <a:noFill/>
           </a:ln>
         </p:spPr>
+        <p:style>
+          <a:lnRef idx="0"/>
+          <a:fillRef idx="0"/>
+          <a:effectRef idx="0"/>
+          <a:fontRef idx="minor"/>
+        </p:style>
         <p:txBody>
           <a:bodyPr lIns="0" rIns="0" tIns="0" bIns="0"/>
           <a:p>
@@ -7413,31 +6763,31 @@
                 <a:spcPct val="100000"/>
               </a:lnSpc>
             </a:pPr>
-            <a:fld id="{17A5296D-280B-40A8-A0EB-30704731B355}" type="slidenum">
+            <a:fld id="{283F7000-0BB2-438B-BCBD-E9CDB96BC7D6}" type="slidenum">
               <a:rPr b="0" lang="en-US" sz="600" spc="-1" strike="noStrike">
                 <a:solidFill>
                   <a:srgbClr val="ffffff"/>
                 </a:solidFill>
                 <a:latin typeface="Arial"/>
               </a:rPr>
-              <a:t>1</a:t>
+              <a:t>&lt;number&gt;</a:t>
             </a:fld>
             <a:endParaRPr b="0" lang="en-US" sz="600" spc="-1" strike="noStrike">
-              <a:latin typeface="Times New Roman"/>
-            </a:endParaRPr>
-          </a:p>
-        </p:txBody>
-      </p:sp>
-      <p:sp>
-        <p:nvSpPr>
-          <p:cNvPr id="196" name="TextShape 4"/>
-          <p:cNvSpPr txBox="1"/>
+              <a:latin typeface="Arial"/>
+            </a:endParaRPr>
+          </a:p>
+        </p:txBody>
+      </p:sp>
+      <p:sp>
+        <p:nvSpPr>
+          <p:cNvPr id="189" name="CustomShape 4"/>
+          <p:cNvSpPr/>
           <p:nvPr/>
         </p:nvSpPr>
         <p:spPr>
           <a:xfrm>
             <a:off x="717120" y="792000"/>
-            <a:ext cx="6623640" cy="3886920"/>
+            <a:ext cx="6623280" cy="3886560"/>
           </a:xfrm>
           <a:prstGeom prst="rect">
             <a:avLst/>
@@ -7447,6 +6797,12 @@
             <a:noFill/>
           </a:ln>
         </p:spPr>
+        <p:style>
+          <a:lnRef idx="0"/>
+          <a:fillRef idx="0"/>
+          <a:effectRef idx="0"/>
+          <a:fontRef idx="minor"/>
+        </p:style>
         <p:txBody>
           <a:bodyPr lIns="0" rIns="0" tIns="0" bIns="0"/>
           <a:p>
@@ -7455,15 +6811,12 @@
                 <a:spcPct val="120000"/>
               </a:lnSpc>
             </a:pPr>
-            <a:endParaRPr b="0" lang="nl-NL" sz="1500" spc="-1" strike="noStrike">
-              <a:solidFill>
-                <a:srgbClr val="000000"/>
-              </a:solidFill>
-              <a:latin typeface="Arial"/>
-            </a:endParaRPr>
-          </a:p>
-          <a:p>
-            <a:pPr marL="285840" indent="-285480">
+            <a:endParaRPr b="0" lang="en-US" sz="1800" spc="-1" strike="noStrike">
+              <a:latin typeface="Arial"/>
+            </a:endParaRPr>
+          </a:p>
+          <a:p>
+            <a:pPr marL="285840" indent="-285120">
               <a:lnSpc>
                 <a:spcPct val="120000"/>
               </a:lnSpc>
@@ -7474,7 +6827,7 @@
               <a:buChar char="•"/>
             </a:pPr>
             <a:r>
-              <a:rPr b="0" lang="nl-NL" sz="1500" spc="-1" strike="noStrike">
+              <a:rPr b="0" lang="en-US" sz="1500" spc="-1" strike="noStrike">
                 <a:solidFill>
                   <a:srgbClr val="000000"/>
                 </a:solidFill>
@@ -7482,15 +6835,12 @@
               </a:rPr>
               <a:t>Have the HomeIcon be shown dependent on state rather than props by adding a this.state.favorite to your Accommodation component</a:t>
             </a:r>
-            <a:endParaRPr b="0" lang="nl-NL" sz="1500" spc="-1" strike="noStrike">
-              <a:solidFill>
-                <a:srgbClr val="000000"/>
-              </a:solidFill>
-              <a:latin typeface="Arial"/>
-            </a:endParaRPr>
-          </a:p>
-          <a:p>
-            <a:pPr marL="285840" indent="-285480">
+            <a:endParaRPr b="0" lang="en-US" sz="1500" spc="-1" strike="noStrike">
+              <a:latin typeface="Arial"/>
+            </a:endParaRPr>
+          </a:p>
+          <a:p>
+            <a:pPr marL="285840" indent="-285120">
               <a:lnSpc>
                 <a:spcPct val="120000"/>
               </a:lnSpc>
@@ -7501,23 +6851,20 @@
               <a:buChar char="•"/>
             </a:pPr>
             <a:r>
-              <a:rPr b="0" lang="nl-NL" sz="1500" spc="-1" strike="noStrike">
+              <a:rPr b="0" lang="en-US" sz="1500" spc="-1" strike="noStrike">
                 <a:solidFill>
                   <a:srgbClr val="000000"/>
                 </a:solidFill>
                 <a:latin typeface="Arial"/>
               </a:rPr>
-              <a:t>Add a function to toggle the value of this state using `this.setState()`</a:t>
+              <a:t>Add a function to toggle the value of this.state.favorite using `this.setState()`</a:t>
             </a:r>
-            <a:endParaRPr b="0" lang="nl-NL" sz="1500" spc="-1" strike="noStrike">
-              <a:solidFill>
-                <a:srgbClr val="000000"/>
-              </a:solidFill>
-              <a:latin typeface="Arial"/>
-            </a:endParaRPr>
-          </a:p>
-          <a:p>
-            <a:pPr marL="285840" indent="-285480">
+            <a:endParaRPr b="0" lang="en-US" sz="1500" spc="-1" strike="noStrike">
+              <a:latin typeface="Arial"/>
+            </a:endParaRPr>
+          </a:p>
+          <a:p>
+            <a:pPr marL="285840" indent="-285120">
               <a:lnSpc>
                 <a:spcPct val="120000"/>
               </a:lnSpc>
@@ -7528,54 +6875,35 @@
               <a:buChar char="•"/>
             </a:pPr>
             <a:r>
-              <a:rPr b="0" lang="nl-NL" sz="1500" spc="-1" strike="noStrike">
+              <a:rPr b="0" lang="en-US" sz="1500" spc="-1" strike="noStrike">
                 <a:solidFill>
                   <a:srgbClr val="000000"/>
                 </a:solidFill>
                 <a:latin typeface="Arial"/>
               </a:rPr>
-              <a:t>Add an `onClick()` to your HomeIcon which calls the function which toggles this.state.favorite </a:t>
+              <a:t>Add an `onClick` property to your HomeIcon which calls the function you just wrote</a:t>
             </a:r>
-            <a:endParaRPr b="0" lang="nl-NL" sz="1500" spc="-1" strike="noStrike">
-              <a:solidFill>
-                <a:srgbClr val="000000"/>
-              </a:solidFill>
-              <a:latin typeface="Arial"/>
-            </a:endParaRPr>
-          </a:p>
-          <a:p>
-            <a:pPr marL="285840" indent="-285480">
+            <a:endParaRPr b="0" lang="en-US" sz="1500" spc="-1" strike="noStrike">
+              <a:latin typeface="Arial"/>
+            </a:endParaRPr>
+          </a:p>
+          <a:p>
+            <a:pPr>
               <a:lnSpc>
                 <a:spcPct val="120000"/>
               </a:lnSpc>
-              <a:buClr>
-                <a:srgbClr val="000000"/>
-              </a:buClr>
-              <a:buFont typeface="Arial"/>
-              <a:buChar char="•"/>
-            </a:pPr>
-            <a:endParaRPr b="0" lang="nl-NL" sz="1500" spc="-1" strike="noStrike">
-              <a:solidFill>
-                <a:srgbClr val="000000"/>
-              </a:solidFill>
-              <a:latin typeface="Arial"/>
-            </a:endParaRPr>
-          </a:p>
-          <a:p>
-            <a:pPr marL="285840" indent="-285480">
+            </a:pPr>
+            <a:endParaRPr b="0" lang="en-US" sz="1500" spc="-1" strike="noStrike">
+              <a:latin typeface="Arial"/>
+            </a:endParaRPr>
+          </a:p>
+          <a:p>
+            <a:pPr>
               <a:lnSpc>
                 <a:spcPct val="120000"/>
               </a:lnSpc>
-              <a:buClr>
-                <a:srgbClr val="000000"/>
-              </a:buClr>
-              <a:buFont typeface="Arial"/>
-              <a:buChar char="•"/>
-            </a:pPr>
-            <a:endParaRPr b="0" lang="nl-NL" sz="1500" spc="-1" strike="noStrike">
-              <a:solidFill>
-                <a:srgbClr val="000000"/>
-              </a:solidFill>
+            </a:pPr>
+            <a:endParaRPr b="0" lang="en-US" sz="1500" spc="-1" strike="noStrike">
               <a:latin typeface="Arial"/>
             </a:endParaRPr>
           </a:p>
@@ -7632,14 +6960,14 @@
       </p:grpSpPr>
       <p:sp>
         <p:nvSpPr>
-          <p:cNvPr id="197" name="TextShape 1"/>
-          <p:cNvSpPr txBox="1"/>
+          <p:cNvPr id="190" name="CustomShape 1"/>
+          <p:cNvSpPr/>
           <p:nvPr/>
         </p:nvSpPr>
         <p:spPr>
           <a:xfrm>
             <a:off x="720000" y="288000"/>
-            <a:ext cx="6623640" cy="503640"/>
+            <a:ext cx="6623280" cy="503280"/>
           </a:xfrm>
           <a:prstGeom prst="rect">
             <a:avLst/>
@@ -7649,6 +6977,12 @@
             <a:noFill/>
           </a:ln>
         </p:spPr>
+        <p:style>
+          <a:lnRef idx="0"/>
+          <a:fillRef idx="0"/>
+          <a:effectRef idx="0"/>
+          <a:fontRef idx="minor"/>
+        </p:style>
         <p:txBody>
           <a:bodyPr lIns="0" rIns="0" tIns="0" bIns="0" anchor="ctr"/>
           <a:p>
@@ -7658,7 +6992,7 @@
               </a:lnSpc>
             </a:pPr>
             <a:r>
-              <a:rPr b="1" lang="nl-NL" sz="1800" spc="-1" strike="noStrike">
+              <a:rPr b="1" lang="en-US" sz="1800" spc="-1" strike="noStrike">
                 <a:solidFill>
                   <a:srgbClr val="e63232"/>
                 </a:solidFill>
@@ -7666,25 +7000,22 @@
               </a:rPr>
               <a:t>Hands-on extra: displaying favorites at the top</a:t>
             </a:r>
-            <a:endParaRPr b="0" lang="nl-NL" sz="1800" spc="-1" strike="noStrike">
-              <a:solidFill>
-                <a:srgbClr val="000000"/>
-              </a:solidFill>
-              <a:latin typeface="Arial"/>
-            </a:endParaRPr>
-          </a:p>
-        </p:txBody>
-      </p:sp>
-      <p:sp>
-        <p:nvSpPr>
-          <p:cNvPr id="198" name="TextShape 2"/>
-          <p:cNvSpPr txBox="1"/>
+            <a:endParaRPr b="0" lang="en-US" sz="1800" spc="-1" strike="noStrike">
+              <a:latin typeface="Arial"/>
+            </a:endParaRPr>
+          </a:p>
+        </p:txBody>
+      </p:sp>
+      <p:sp>
+        <p:nvSpPr>
+          <p:cNvPr id="191" name="CustomShape 2"/>
+          <p:cNvSpPr/>
           <p:nvPr/>
         </p:nvSpPr>
         <p:spPr>
           <a:xfrm>
             <a:off x="4968000" y="5004000"/>
-            <a:ext cx="3239640" cy="107640"/>
+            <a:ext cx="3239280" cy="107280"/>
           </a:xfrm>
           <a:prstGeom prst="rect">
             <a:avLst/>
@@ -7694,6 +7025,12 @@
             <a:noFill/>
           </a:ln>
         </p:spPr>
+        <p:style>
+          <a:lnRef idx="0"/>
+          <a:fillRef idx="0"/>
+          <a:effectRef idx="0"/>
+          <a:fontRef idx="minor"/>
+        </p:style>
         <p:txBody>
           <a:bodyPr lIns="0" rIns="0" tIns="0" bIns="0"/>
           <a:p>
@@ -7712,21 +7049,21 @@
               <a:t>Titel van de presentatie</a:t>
             </a:r>
             <a:endParaRPr b="0" lang="en-US" sz="600" spc="-1" strike="noStrike">
-              <a:latin typeface="Times New Roman"/>
-            </a:endParaRPr>
-          </a:p>
-        </p:txBody>
-      </p:sp>
-      <p:sp>
-        <p:nvSpPr>
-          <p:cNvPr id="199" name="TextShape 3"/>
-          <p:cNvSpPr txBox="1"/>
+              <a:latin typeface="Arial"/>
+            </a:endParaRPr>
+          </a:p>
+        </p:txBody>
+      </p:sp>
+      <p:sp>
+        <p:nvSpPr>
+          <p:cNvPr id="192" name="CustomShape 3"/>
+          <p:cNvSpPr/>
           <p:nvPr/>
         </p:nvSpPr>
         <p:spPr>
           <a:xfrm>
             <a:off x="8280000" y="5004000"/>
-            <a:ext cx="143640" cy="107640"/>
+            <a:ext cx="143280" cy="107280"/>
           </a:xfrm>
           <a:prstGeom prst="rect">
             <a:avLst/>
@@ -7736,6 +7073,12 @@
             <a:noFill/>
           </a:ln>
         </p:spPr>
+        <p:style>
+          <a:lnRef idx="0"/>
+          <a:fillRef idx="0"/>
+          <a:effectRef idx="0"/>
+          <a:fontRef idx="minor"/>
+        </p:style>
         <p:txBody>
           <a:bodyPr lIns="0" rIns="0" tIns="0" bIns="0"/>
           <a:p>
@@ -7744,7 +7087,7 @@
                 <a:spcPct val="100000"/>
               </a:lnSpc>
             </a:pPr>
-            <a:fld id="{75918AC1-4341-42B7-8FD6-BEAE7103CD28}" type="slidenum">
+            <a:fld id="{F2762546-B5CF-48C9-AF48-3A6545906EBC}" type="slidenum">
               <a:rPr b="0" lang="en-US" sz="600" spc="-1" strike="noStrike">
                 <a:solidFill>
                   <a:srgbClr val="ffffff"/>
@@ -7754,21 +7097,21 @@
               <a:t>&lt;number&gt;</a:t>
             </a:fld>
             <a:endParaRPr b="0" lang="en-US" sz="600" spc="-1" strike="noStrike">
-              <a:latin typeface="Times New Roman"/>
-            </a:endParaRPr>
-          </a:p>
-        </p:txBody>
-      </p:sp>
-      <p:sp>
-        <p:nvSpPr>
-          <p:cNvPr id="200" name="TextShape 4"/>
-          <p:cNvSpPr txBox="1"/>
+              <a:latin typeface="Arial"/>
+            </a:endParaRPr>
+          </a:p>
+        </p:txBody>
+      </p:sp>
+      <p:sp>
+        <p:nvSpPr>
+          <p:cNvPr id="193" name="CustomShape 4"/>
+          <p:cNvSpPr/>
           <p:nvPr/>
         </p:nvSpPr>
         <p:spPr>
           <a:xfrm>
             <a:off x="717120" y="792000"/>
-            <a:ext cx="6623640" cy="3886920"/>
+            <a:ext cx="6623280" cy="3886560"/>
           </a:xfrm>
           <a:prstGeom prst="rect">
             <a:avLst/>
@@ -7778,6 +7121,12 @@
             <a:noFill/>
           </a:ln>
         </p:spPr>
+        <p:style>
+          <a:lnRef idx="0"/>
+          <a:fillRef idx="0"/>
+          <a:effectRef idx="0"/>
+          <a:fontRef idx="minor"/>
+        </p:style>
         <p:txBody>
           <a:bodyPr lIns="0" rIns="0" tIns="0" bIns="0"/>
           <a:p>
@@ -7786,15 +7135,12 @@
                 <a:spcPct val="120000"/>
               </a:lnSpc>
             </a:pPr>
-            <a:endParaRPr b="0" lang="nl-NL" sz="1500" spc="-1" strike="noStrike">
-              <a:solidFill>
-                <a:srgbClr val="000000"/>
-              </a:solidFill>
-              <a:latin typeface="Arial"/>
-            </a:endParaRPr>
-          </a:p>
-          <a:p>
-            <a:pPr marL="285840" indent="-285480">
+            <a:endParaRPr b="0" lang="en-US" sz="1800" spc="-1" strike="noStrike">
+              <a:latin typeface="Arial"/>
+            </a:endParaRPr>
+          </a:p>
+          <a:p>
+            <a:pPr marL="285840" indent="-285120">
               <a:lnSpc>
                 <a:spcPct val="120000"/>
               </a:lnSpc>
@@ -7805,23 +7151,20 @@
               <a:buChar char="•"/>
             </a:pPr>
             <a:r>
-              <a:rPr b="0" lang="nl-NL" sz="1500" spc="-1" strike="noStrike">
+              <a:rPr b="0" lang="en-US" sz="1500" spc="-1" strike="noStrike">
                 <a:solidFill>
                   <a:srgbClr val="000000"/>
                 </a:solidFill>
                 <a:latin typeface="Arial"/>
               </a:rPr>
-              <a:t>Display the accommodations which have `favorite === true` at the top of the page</a:t>
+              <a:t>Display the accommodations which have `favorite === true` a second time at the top of the page</a:t>
             </a:r>
-            <a:endParaRPr b="0" lang="nl-NL" sz="1500" spc="-1" strike="noStrike">
-              <a:solidFill>
-                <a:srgbClr val="000000"/>
-              </a:solidFill>
-              <a:latin typeface="Arial"/>
-            </a:endParaRPr>
-          </a:p>
-          <a:p>
-            <a:pPr marL="285840" indent="-285480">
+            <a:endParaRPr b="0" lang="en-US" sz="1500" spc="-1" strike="noStrike">
+              <a:latin typeface="Arial"/>
+            </a:endParaRPr>
+          </a:p>
+          <a:p>
+            <a:pPr marL="285840" indent="-285120">
               <a:lnSpc>
                 <a:spcPct val="120000"/>
               </a:lnSpc>
@@ -7832,7 +7175,7 @@
               <a:buChar char="•"/>
             </a:pPr>
             <a:r>
-              <a:rPr b="0" lang="nl-NL" sz="1500" spc="-1" strike="noStrike">
+              <a:rPr b="0" lang="en-US" sz="1500" spc="-1" strike="noStrike">
                 <a:solidFill>
                   <a:srgbClr val="000000"/>
                 </a:solidFill>
@@ -7840,46 +7183,27 @@
               </a:rPr>
               <a:t>Make sure that the toggleState will still work by keeping the state in the parent component and passing down the toggle function to the child</a:t>
             </a:r>
-            <a:endParaRPr b="0" lang="nl-NL" sz="1500" spc="-1" strike="noStrike">
-              <a:solidFill>
-                <a:srgbClr val="000000"/>
-              </a:solidFill>
-              <a:latin typeface="Arial"/>
-            </a:endParaRPr>
-          </a:p>
-          <a:p>
-            <a:pPr marL="285840" indent="-285480">
+            <a:endParaRPr b="0" lang="en-US" sz="1500" spc="-1" strike="noStrike">
+              <a:latin typeface="Arial"/>
+            </a:endParaRPr>
+          </a:p>
+          <a:p>
+            <a:pPr>
               <a:lnSpc>
                 <a:spcPct val="120000"/>
               </a:lnSpc>
-              <a:buClr>
-                <a:srgbClr val="000000"/>
-              </a:buClr>
-              <a:buFont typeface="Arial"/>
-              <a:buChar char="•"/>
-            </a:pPr>
-            <a:endParaRPr b="0" lang="nl-NL" sz="1500" spc="-1" strike="noStrike">
-              <a:solidFill>
-                <a:srgbClr val="000000"/>
-              </a:solidFill>
-              <a:latin typeface="Arial"/>
-            </a:endParaRPr>
-          </a:p>
-          <a:p>
-            <a:pPr marL="285840" indent="-285480">
+            </a:pPr>
+            <a:endParaRPr b="0" lang="en-US" sz="1500" spc="-1" strike="noStrike">
+              <a:latin typeface="Arial"/>
+            </a:endParaRPr>
+          </a:p>
+          <a:p>
+            <a:pPr>
               <a:lnSpc>
                 <a:spcPct val="120000"/>
               </a:lnSpc>
-              <a:buClr>
-                <a:srgbClr val="000000"/>
-              </a:buClr>
-              <a:buFont typeface="Arial"/>
-              <a:buChar char="•"/>
-            </a:pPr>
-            <a:endParaRPr b="0" lang="nl-NL" sz="1500" spc="-1" strike="noStrike">
-              <a:solidFill>
-                <a:srgbClr val="000000"/>
-              </a:solidFill>
+            </a:pPr>
+            <a:endParaRPr b="0" lang="en-US" sz="1500" spc="-1" strike="noStrike">
               <a:latin typeface="Arial"/>
             </a:endParaRPr>
           </a:p>
@@ -7936,14 +7260,14 @@
       </p:grpSpPr>
       <p:sp>
         <p:nvSpPr>
-          <p:cNvPr id="136" name="TextShape 1"/>
-          <p:cNvSpPr txBox="1"/>
+          <p:cNvPr id="128" name="CustomShape 1"/>
+          <p:cNvSpPr/>
           <p:nvPr/>
         </p:nvSpPr>
         <p:spPr>
           <a:xfrm>
             <a:off x="720000" y="288000"/>
-            <a:ext cx="6623640" cy="503640"/>
+            <a:ext cx="6623280" cy="503280"/>
           </a:xfrm>
           <a:prstGeom prst="rect">
             <a:avLst/>
@@ -7953,6 +7277,12 @@
             <a:noFill/>
           </a:ln>
         </p:spPr>
+        <p:style>
+          <a:lnRef idx="0"/>
+          <a:fillRef idx="0"/>
+          <a:effectRef idx="0"/>
+          <a:fontRef idx="minor"/>
+        </p:style>
         <p:txBody>
           <a:bodyPr lIns="0" rIns="0" tIns="0" bIns="0" anchor="ctr"/>
           <a:p>
@@ -7962,7 +7292,7 @@
               </a:lnSpc>
             </a:pPr>
             <a:r>
-              <a:rPr b="1" lang="nl-NL" sz="1800" spc="-1" strike="noStrike">
+              <a:rPr b="1" lang="en-US" sz="1800" spc="-1" strike="noStrike">
                 <a:solidFill>
                   <a:srgbClr val="e63232"/>
                 </a:solidFill>
@@ -7970,25 +7300,22 @@
               </a:rPr>
               <a:t>React</a:t>
             </a:r>
-            <a:endParaRPr b="0" lang="nl-NL" sz="1800" spc="-1" strike="noStrike">
-              <a:solidFill>
-                <a:srgbClr val="000000"/>
-              </a:solidFill>
-              <a:latin typeface="Arial"/>
-            </a:endParaRPr>
-          </a:p>
-        </p:txBody>
-      </p:sp>
-      <p:sp>
-        <p:nvSpPr>
-          <p:cNvPr id="137" name="TextShape 2"/>
-          <p:cNvSpPr txBox="1"/>
+            <a:endParaRPr b="0" lang="en-US" sz="1800" spc="-1" strike="noStrike">
+              <a:latin typeface="Arial"/>
+            </a:endParaRPr>
+          </a:p>
+        </p:txBody>
+      </p:sp>
+      <p:sp>
+        <p:nvSpPr>
+          <p:cNvPr id="129" name="CustomShape 2"/>
+          <p:cNvSpPr/>
           <p:nvPr/>
         </p:nvSpPr>
         <p:spPr>
           <a:xfrm>
             <a:off x="720000" y="1224000"/>
-            <a:ext cx="6623640" cy="3491640"/>
+            <a:ext cx="6623280" cy="3491280"/>
           </a:xfrm>
           <a:prstGeom prst="rect">
             <a:avLst/>
@@ -7998,10 +7325,16 @@
             <a:noFill/>
           </a:ln>
         </p:spPr>
+        <p:style>
+          <a:lnRef idx="0"/>
+          <a:fillRef idx="0"/>
+          <a:effectRef idx="0"/>
+          <a:fontRef idx="minor"/>
+        </p:style>
         <p:txBody>
           <a:bodyPr lIns="0" rIns="0" tIns="0" bIns="0"/>
           <a:p>
-            <a:pPr marL="180000" indent="-179640">
+            <a:pPr marL="180000" indent="-179280">
               <a:lnSpc>
                 <a:spcPct val="120000"/>
               </a:lnSpc>
@@ -8012,7 +7345,7 @@
               <a:buChar char="•"/>
             </a:pPr>
             <a:r>
-              <a:rPr b="0" lang="nl-NL" sz="1500" spc="-1" strike="noStrike">
+              <a:rPr b="0" lang="en-US" sz="1500" spc="-1" strike="noStrike">
                 <a:solidFill>
                   <a:srgbClr val="000000"/>
                 </a:solidFill>
@@ -8020,15 +7353,12 @@
               </a:rPr>
               <a:t>5 years old &amp; made by facebook</a:t>
             </a:r>
-            <a:endParaRPr b="0" lang="nl-NL" sz="1500" spc="-1" strike="noStrike">
-              <a:solidFill>
-                <a:srgbClr val="000000"/>
-              </a:solidFill>
-              <a:latin typeface="Arial"/>
-            </a:endParaRPr>
-          </a:p>
-          <a:p>
-            <a:pPr marL="180000" indent="-179640">
+            <a:endParaRPr b="0" lang="en-US" sz="1500" spc="-1" strike="noStrike">
+              <a:latin typeface="Arial"/>
+            </a:endParaRPr>
+          </a:p>
+          <a:p>
+            <a:pPr marL="180000" indent="-179280">
               <a:lnSpc>
                 <a:spcPct val="120000"/>
               </a:lnSpc>
@@ -8039,7 +7369,7 @@
               <a:buChar char="•"/>
             </a:pPr>
             <a:r>
-              <a:rPr b="0" lang="nl-NL" sz="1500" spc="-1" strike="noStrike">
+              <a:rPr b="0" lang="en-US" sz="1500" spc="-1" strike="noStrike">
                 <a:solidFill>
                   <a:srgbClr val="000000"/>
                 </a:solidFill>
@@ -8047,15 +7377,12 @@
               </a:rPr>
               <a:t>Most popular JS framework</a:t>
             </a:r>
-            <a:endParaRPr b="0" lang="nl-NL" sz="1500" spc="-1" strike="noStrike">
-              <a:solidFill>
-                <a:srgbClr val="000000"/>
-              </a:solidFill>
-              <a:latin typeface="Arial"/>
-            </a:endParaRPr>
-          </a:p>
-          <a:p>
-            <a:pPr marL="180000" indent="-179640">
+            <a:endParaRPr b="0" lang="en-US" sz="1500" spc="-1" strike="noStrike">
+              <a:latin typeface="Arial"/>
+            </a:endParaRPr>
+          </a:p>
+          <a:p>
+            <a:pPr marL="180000" indent="-179280">
               <a:lnSpc>
                 <a:spcPct val="120000"/>
               </a:lnSpc>
@@ -8066,7 +7393,7 @@
               <a:buChar char="•"/>
             </a:pPr>
             <a:r>
-              <a:rPr b="0" lang="nl-NL" sz="1500" spc="-1" strike="noStrike">
+              <a:rPr b="0" lang="en-US" sz="1500" spc="-1" strike="noStrike">
                 <a:solidFill>
                   <a:srgbClr val="000000"/>
                 </a:solidFill>
@@ -8074,15 +7401,12 @@
               </a:rPr>
               <a:t>Unopinionated</a:t>
             </a:r>
-            <a:endParaRPr b="0" lang="nl-NL" sz="1500" spc="-1" strike="noStrike">
-              <a:solidFill>
-                <a:srgbClr val="000000"/>
-              </a:solidFill>
-              <a:latin typeface="Arial"/>
-            </a:endParaRPr>
-          </a:p>
-          <a:p>
-            <a:pPr marL="180000" indent="-179640">
+            <a:endParaRPr b="0" lang="en-US" sz="1500" spc="-1" strike="noStrike">
+              <a:latin typeface="Arial"/>
+            </a:endParaRPr>
+          </a:p>
+          <a:p>
+            <a:pPr marL="180000" indent="-179280">
               <a:lnSpc>
                 <a:spcPct val="120000"/>
               </a:lnSpc>
@@ -8093,7 +7417,7 @@
               <a:buChar char="•"/>
             </a:pPr>
             <a:r>
-              <a:rPr b="0" lang="nl-NL" sz="1500" spc="-1" strike="noStrike">
+              <a:rPr b="0" lang="en-US" sz="1500" spc="-1" strike="noStrike">
                 <a:solidFill>
                   <a:srgbClr val="000000"/>
                 </a:solidFill>
@@ -8101,15 +7425,12 @@
               </a:rPr>
               <a:t>Component based</a:t>
             </a:r>
-            <a:endParaRPr b="0" lang="nl-NL" sz="1500" spc="-1" strike="noStrike">
-              <a:solidFill>
-                <a:srgbClr val="000000"/>
-              </a:solidFill>
-              <a:latin typeface="Arial"/>
-            </a:endParaRPr>
-          </a:p>
-          <a:p>
-            <a:pPr marL="180000" indent="-179640">
+            <a:endParaRPr b="0" lang="en-US" sz="1500" spc="-1" strike="noStrike">
+              <a:latin typeface="Arial"/>
+            </a:endParaRPr>
+          </a:p>
+          <a:p>
+            <a:pPr marL="180000" indent="-179280">
               <a:lnSpc>
                 <a:spcPct val="120000"/>
               </a:lnSpc>
@@ -8120,7 +7441,7 @@
               <a:buChar char="•"/>
             </a:pPr>
             <a:r>
-              <a:rPr b="0" lang="nl-NL" sz="1500" spc="-1" strike="noStrike">
+              <a:rPr b="0" lang="en-US" sz="1500" spc="-1" strike="noStrike">
                 <a:solidFill>
                   <a:srgbClr val="000000"/>
                 </a:solidFill>
@@ -8128,15 +7449,12 @@
               </a:rPr>
               <a:t>Spawned React Native</a:t>
             </a:r>
-            <a:endParaRPr b="0" lang="nl-NL" sz="1500" spc="-1" strike="noStrike">
-              <a:solidFill>
-                <a:srgbClr val="000000"/>
-              </a:solidFill>
-              <a:latin typeface="Arial"/>
-            </a:endParaRPr>
-          </a:p>
-          <a:p>
-            <a:pPr marL="180000" indent="-179640">
+            <a:endParaRPr b="0" lang="en-US" sz="1500" spc="-1" strike="noStrike">
+              <a:latin typeface="Arial"/>
+            </a:endParaRPr>
+          </a:p>
+          <a:p>
+            <a:pPr marL="180000" indent="-179280">
               <a:lnSpc>
                 <a:spcPct val="120000"/>
               </a:lnSpc>
@@ -8147,7 +7465,7 @@
               <a:buChar char="•"/>
             </a:pPr>
             <a:r>
-              <a:rPr b="0" lang="nl-NL" sz="1500" spc="-1" strike="noStrike">
+              <a:rPr b="0" lang="en-US" sz="1500" spc="-1" strike="noStrike">
                 <a:solidFill>
                   <a:srgbClr val="000000"/>
                 </a:solidFill>
@@ -8155,25 +7473,22 @@
               </a:rPr>
               <a:t>Awesome</a:t>
             </a:r>
-            <a:endParaRPr b="0" lang="nl-NL" sz="1500" spc="-1" strike="noStrike">
-              <a:solidFill>
-                <a:srgbClr val="000000"/>
-              </a:solidFill>
-              <a:latin typeface="Arial"/>
-            </a:endParaRPr>
-          </a:p>
-        </p:txBody>
-      </p:sp>
-      <p:sp>
-        <p:nvSpPr>
-          <p:cNvPr id="138" name="TextShape 3"/>
-          <p:cNvSpPr txBox="1"/>
+            <a:endParaRPr b="0" lang="en-US" sz="1500" spc="-1" strike="noStrike">
+              <a:latin typeface="Arial"/>
+            </a:endParaRPr>
+          </a:p>
+        </p:txBody>
+      </p:sp>
+      <p:sp>
+        <p:nvSpPr>
+          <p:cNvPr id="130" name="CustomShape 3"/>
+          <p:cNvSpPr/>
           <p:nvPr/>
         </p:nvSpPr>
         <p:spPr>
           <a:xfrm>
             <a:off x="4968000" y="5004000"/>
-            <a:ext cx="3239640" cy="107640"/>
+            <a:ext cx="3239280" cy="107280"/>
           </a:xfrm>
           <a:prstGeom prst="rect">
             <a:avLst/>
@@ -8183,6 +7498,12 @@
             <a:noFill/>
           </a:ln>
         </p:spPr>
+        <p:style>
+          <a:lnRef idx="0"/>
+          <a:fillRef idx="0"/>
+          <a:effectRef idx="0"/>
+          <a:fontRef idx="minor"/>
+        </p:style>
         <p:txBody>
           <a:bodyPr lIns="0" rIns="0" tIns="0" bIns="0"/>
           <a:p>
@@ -8201,21 +7522,21 @@
               <a:t>Titel van de presentatie</a:t>
             </a:r>
             <a:endParaRPr b="0" lang="en-US" sz="600" spc="-1" strike="noStrike">
-              <a:latin typeface="Times New Roman"/>
-            </a:endParaRPr>
-          </a:p>
-        </p:txBody>
-      </p:sp>
-      <p:sp>
-        <p:nvSpPr>
-          <p:cNvPr id="139" name="TextShape 4"/>
-          <p:cNvSpPr txBox="1"/>
+              <a:latin typeface="Arial"/>
+            </a:endParaRPr>
+          </a:p>
+        </p:txBody>
+      </p:sp>
+      <p:sp>
+        <p:nvSpPr>
+          <p:cNvPr id="131" name="CustomShape 4"/>
+          <p:cNvSpPr/>
           <p:nvPr/>
         </p:nvSpPr>
         <p:spPr>
           <a:xfrm>
             <a:off x="8280000" y="5004000"/>
-            <a:ext cx="143640" cy="107640"/>
+            <a:ext cx="143280" cy="107280"/>
           </a:xfrm>
           <a:prstGeom prst="rect">
             <a:avLst/>
@@ -8225,6 +7546,12 @@
             <a:noFill/>
           </a:ln>
         </p:spPr>
+        <p:style>
+          <a:lnRef idx="0"/>
+          <a:fillRef idx="0"/>
+          <a:effectRef idx="0"/>
+          <a:fontRef idx="minor"/>
+        </p:style>
         <p:txBody>
           <a:bodyPr lIns="0" rIns="0" tIns="0" bIns="0"/>
           <a:p>
@@ -8233,7 +7560,7 @@
                 <a:spcPct val="100000"/>
               </a:lnSpc>
             </a:pPr>
-            <a:fld id="{79E58E59-DADA-41B8-94FD-E3C2F1968338}" type="slidenum">
+            <a:fld id="{6E8F72B7-F0EE-4E0D-9875-92CCE5AF1604}" type="slidenum">
               <a:rPr b="0" lang="en-US" sz="600" spc="-1" strike="noStrike">
                 <a:solidFill>
                   <a:srgbClr val="ffffff"/>
@@ -8243,14 +7570,14 @@
               <a:t>1</a:t>
             </a:fld>
             <a:endParaRPr b="0" lang="en-US" sz="600" spc="-1" strike="noStrike">
-              <a:latin typeface="Times New Roman"/>
+              <a:latin typeface="Arial"/>
             </a:endParaRPr>
           </a:p>
         </p:txBody>
       </p:sp>
       <p:pic>
         <p:nvPicPr>
-          <p:cNvPr id="140" name="" descr=""/>
+          <p:cNvPr id="132" name="" descr=""/>
           <p:cNvPicPr/>
           <p:nvPr/>
         </p:nvPicPr>
@@ -8261,7 +7588,7 @@
         <p:spPr>
           <a:xfrm>
             <a:off x="4389120" y="791640"/>
-            <a:ext cx="2790360" cy="2809440"/>
+            <a:ext cx="2790000" cy="2809080"/>
           </a:xfrm>
           <a:prstGeom prst="rect">
             <a:avLst/>
@@ -8273,14 +7600,14 @@
       </p:pic>
       <p:sp>
         <p:nvSpPr>
-          <p:cNvPr id="141" name="TextShape 5"/>
-          <p:cNvSpPr txBox="1"/>
+          <p:cNvPr id="133" name="CustomShape 5"/>
+          <p:cNvSpPr/>
           <p:nvPr/>
         </p:nvSpPr>
         <p:spPr>
           <a:xfrm>
             <a:off x="8138160" y="4663440"/>
-            <a:ext cx="1463040" cy="198720"/>
+            <a:ext cx="1462680" cy="198360"/>
           </a:xfrm>
           <a:prstGeom prst="rect">
             <a:avLst/>
@@ -8290,9 +7617,20 @@
             <a:noFill/>
           </a:ln>
         </p:spPr>
+        <p:style>
+          <a:lnRef idx="0"/>
+          <a:fillRef idx="0"/>
+          <a:effectRef idx="0"/>
+          <a:fontRef idx="minor"/>
+        </p:style>
         <p:txBody>
           <a:bodyPr lIns="90000" rIns="90000" tIns="45000" bIns="45000"/>
           <a:p>
+            <a:pPr>
+              <a:lnSpc>
+                <a:spcPct val="100000"/>
+              </a:lnSpc>
+            </a:pPr>
             <a:r>
               <a:rPr b="0" lang="en-US" sz="900" spc="-1" strike="noStrike">
                 <a:latin typeface="Arial"/>
@@ -8356,14 +7694,14 @@
       </p:grpSpPr>
       <p:sp>
         <p:nvSpPr>
-          <p:cNvPr id="142" name="TextShape 1"/>
-          <p:cNvSpPr txBox="1"/>
+          <p:cNvPr id="134" name="CustomShape 1"/>
+          <p:cNvSpPr/>
           <p:nvPr/>
         </p:nvSpPr>
         <p:spPr>
           <a:xfrm>
             <a:off x="720000" y="288000"/>
-            <a:ext cx="6623640" cy="503640"/>
+            <a:ext cx="6623280" cy="503280"/>
           </a:xfrm>
           <a:prstGeom prst="rect">
             <a:avLst/>
@@ -8373,6 +7711,12 @@
             <a:noFill/>
           </a:ln>
         </p:spPr>
+        <p:style>
+          <a:lnRef idx="0"/>
+          <a:fillRef idx="0"/>
+          <a:effectRef idx="0"/>
+          <a:fontRef idx="minor"/>
+        </p:style>
         <p:txBody>
           <a:bodyPr lIns="0" rIns="0" tIns="0" bIns="0" anchor="ctr"/>
           <a:p>
@@ -8382,7 +7726,7 @@
               </a:lnSpc>
             </a:pPr>
             <a:r>
-              <a:rPr b="1" lang="nl-NL" sz="1800" spc="-1" strike="noStrike">
+              <a:rPr b="1" lang="en-US" sz="1800" spc="-1" strike="noStrike">
                 <a:solidFill>
                   <a:srgbClr val="e63232"/>
                 </a:solidFill>
@@ -8390,25 +7734,22 @@
               </a:rPr>
               <a:t>Components</a:t>
             </a:r>
-            <a:endParaRPr b="0" lang="nl-NL" sz="1800" spc="-1" strike="noStrike">
-              <a:solidFill>
-                <a:srgbClr val="000000"/>
-              </a:solidFill>
-              <a:latin typeface="Arial"/>
-            </a:endParaRPr>
-          </a:p>
-        </p:txBody>
-      </p:sp>
-      <p:sp>
-        <p:nvSpPr>
-          <p:cNvPr id="143" name="TextShape 2"/>
-          <p:cNvSpPr txBox="1"/>
+            <a:endParaRPr b="0" lang="en-US" sz="1800" spc="-1" strike="noStrike">
+              <a:latin typeface="Arial"/>
+            </a:endParaRPr>
+          </a:p>
+        </p:txBody>
+      </p:sp>
+      <p:sp>
+        <p:nvSpPr>
+          <p:cNvPr id="135" name="CustomShape 2"/>
+          <p:cNvSpPr/>
           <p:nvPr/>
         </p:nvSpPr>
         <p:spPr>
           <a:xfrm>
             <a:off x="720000" y="791640"/>
-            <a:ext cx="6623640" cy="3886920"/>
+            <a:ext cx="6623280" cy="3886560"/>
           </a:xfrm>
           <a:prstGeom prst="rect">
             <a:avLst/>
@@ -8418,6 +7759,12 @@
             <a:noFill/>
           </a:ln>
         </p:spPr>
+        <p:style>
+          <a:lnRef idx="0"/>
+          <a:fillRef idx="0"/>
+          <a:effectRef idx="0"/>
+          <a:fontRef idx="minor"/>
+        </p:style>
         <p:txBody>
           <a:bodyPr lIns="0" rIns="0" tIns="0" bIns="0"/>
           <a:p>
@@ -8427,7 +7774,7 @@
               </a:lnSpc>
             </a:pPr>
             <a:r>
-              <a:rPr b="0" lang="nl-NL" sz="1500" spc="-1" strike="noStrike">
+              <a:rPr b="0" lang="en-US" sz="1500" spc="-1" strike="noStrike">
                 <a:solidFill>
                   <a:srgbClr val="000000"/>
                 </a:solidFill>
@@ -8435,15 +7782,12 @@
               </a:rPr>
               <a:t>Components:</a:t>
             </a:r>
-            <a:endParaRPr b="0" lang="nl-NL" sz="1500" spc="-1" strike="noStrike">
-              <a:solidFill>
-                <a:srgbClr val="000000"/>
-              </a:solidFill>
-              <a:latin typeface="Arial"/>
-            </a:endParaRPr>
-          </a:p>
-          <a:p>
-            <a:pPr marL="285840" indent="-285480">
+            <a:endParaRPr b="0" lang="en-US" sz="1500" spc="-1" strike="noStrike">
+              <a:latin typeface="Arial"/>
+            </a:endParaRPr>
+          </a:p>
+          <a:p>
+            <a:pPr marL="285840" indent="-285120">
               <a:lnSpc>
                 <a:spcPct val="120000"/>
               </a:lnSpc>
@@ -8454,7 +7798,7 @@
               <a:buChar char="•"/>
             </a:pPr>
             <a:r>
-              <a:rPr b="0" lang="nl-NL" sz="1500" spc="-1" strike="noStrike">
+              <a:rPr b="0" lang="en-US" sz="1500" spc="-1" strike="noStrike">
                 <a:solidFill>
                   <a:srgbClr val="000000"/>
                 </a:solidFill>
@@ -8462,15 +7806,12 @@
               </a:rPr>
               <a:t>Are reusable blocks of code</a:t>
             </a:r>
-            <a:endParaRPr b="0" lang="nl-NL" sz="1500" spc="-1" strike="noStrike">
-              <a:solidFill>
-                <a:srgbClr val="000000"/>
-              </a:solidFill>
-              <a:latin typeface="Arial"/>
-            </a:endParaRPr>
-          </a:p>
-          <a:p>
-            <a:pPr marL="285840" indent="-285480">
+            <a:endParaRPr b="0" lang="en-US" sz="1500" spc="-1" strike="noStrike">
+              <a:latin typeface="Arial"/>
+            </a:endParaRPr>
+          </a:p>
+          <a:p>
+            <a:pPr marL="285840" indent="-285120">
               <a:lnSpc>
                 <a:spcPct val="120000"/>
               </a:lnSpc>
@@ -8481,7 +7822,7 @@
               <a:buChar char="•"/>
             </a:pPr>
             <a:r>
-              <a:rPr b="0" lang="nl-NL" sz="1500" spc="-1" strike="noStrike">
+              <a:rPr b="0" lang="en-US" sz="1500" spc="-1" strike="noStrike">
                 <a:solidFill>
                   <a:srgbClr val="000000"/>
                 </a:solidFill>
@@ -8489,15 +7830,12 @@
               </a:rPr>
               <a:t>Render JSX</a:t>
             </a:r>
-            <a:endParaRPr b="0" lang="nl-NL" sz="1500" spc="-1" strike="noStrike">
-              <a:solidFill>
-                <a:srgbClr val="000000"/>
-              </a:solidFill>
-              <a:latin typeface="Arial"/>
-            </a:endParaRPr>
-          </a:p>
-          <a:p>
-            <a:pPr marL="285840" indent="-285480">
+            <a:endParaRPr b="0" lang="en-US" sz="1500" spc="-1" strike="noStrike">
+              <a:latin typeface="Arial"/>
+            </a:endParaRPr>
+          </a:p>
+          <a:p>
+            <a:pPr marL="285840" indent="-285120">
               <a:lnSpc>
                 <a:spcPct val="120000"/>
               </a:lnSpc>
@@ -8508,23 +7846,20 @@
               <a:buChar char="•"/>
             </a:pPr>
             <a:r>
-              <a:rPr b="0" lang="nl-NL" sz="1500" spc="-1" strike="noStrike">
+              <a:rPr b="0" lang="en-US" sz="1500" spc="-1" strike="noStrike">
                 <a:solidFill>
                   <a:srgbClr val="000000"/>
                 </a:solidFill>
                 <a:latin typeface="Arial"/>
               </a:rPr>
-              <a:t>Can be passed propperties when called</a:t>
+              <a:t>Can be passed properties when called</a:t>
             </a:r>
-            <a:endParaRPr b="0" lang="nl-NL" sz="1500" spc="-1" strike="noStrike">
-              <a:solidFill>
-                <a:srgbClr val="000000"/>
-              </a:solidFill>
-              <a:latin typeface="Arial"/>
-            </a:endParaRPr>
-          </a:p>
-          <a:p>
-            <a:pPr marL="285840" indent="-285480">
+            <a:endParaRPr b="0" lang="en-US" sz="1500" spc="-1" strike="noStrike">
+              <a:latin typeface="Arial"/>
+            </a:endParaRPr>
+          </a:p>
+          <a:p>
+            <a:pPr marL="285840" indent="-285120">
               <a:lnSpc>
                 <a:spcPct val="120000"/>
               </a:lnSpc>
@@ -8535,7 +7870,7 @@
               <a:buChar char="•"/>
             </a:pPr>
             <a:r>
-              <a:rPr b="0" lang="nl-NL" sz="1500" spc="-1" strike="noStrike">
+              <a:rPr b="0" lang="en-US" sz="1500" spc="-1" strike="noStrike">
                 <a:solidFill>
                   <a:srgbClr val="000000"/>
                 </a:solidFill>
@@ -8543,25 +7878,22 @@
               </a:rPr>
               <a:t>Have their own state</a:t>
             </a:r>
-            <a:endParaRPr b="0" lang="nl-NL" sz="1500" spc="-1" strike="noStrike">
-              <a:solidFill>
-                <a:srgbClr val="000000"/>
-              </a:solidFill>
-              <a:latin typeface="Arial"/>
-            </a:endParaRPr>
-          </a:p>
-        </p:txBody>
-      </p:sp>
-      <p:sp>
-        <p:nvSpPr>
-          <p:cNvPr id="144" name="TextShape 3"/>
-          <p:cNvSpPr txBox="1"/>
+            <a:endParaRPr b="0" lang="en-US" sz="1500" spc="-1" strike="noStrike">
+              <a:latin typeface="Arial"/>
+            </a:endParaRPr>
+          </a:p>
+        </p:txBody>
+      </p:sp>
+      <p:sp>
+        <p:nvSpPr>
+          <p:cNvPr id="136" name="CustomShape 3"/>
+          <p:cNvSpPr/>
           <p:nvPr/>
         </p:nvSpPr>
         <p:spPr>
           <a:xfrm>
             <a:off x="4968000" y="5004000"/>
-            <a:ext cx="3239640" cy="107640"/>
+            <a:ext cx="3239280" cy="107280"/>
           </a:xfrm>
           <a:prstGeom prst="rect">
             <a:avLst/>
@@ -8571,6 +7903,12 @@
             <a:noFill/>
           </a:ln>
         </p:spPr>
+        <p:style>
+          <a:lnRef idx="0"/>
+          <a:fillRef idx="0"/>
+          <a:effectRef idx="0"/>
+          <a:fontRef idx="minor"/>
+        </p:style>
         <p:txBody>
           <a:bodyPr lIns="0" rIns="0" tIns="0" bIns="0"/>
           <a:p>
@@ -8589,21 +7927,21 @@
               <a:t>Titel van de presentatie</a:t>
             </a:r>
             <a:endParaRPr b="0" lang="en-US" sz="600" spc="-1" strike="noStrike">
-              <a:latin typeface="Times New Roman"/>
-            </a:endParaRPr>
-          </a:p>
-        </p:txBody>
-      </p:sp>
-      <p:sp>
-        <p:nvSpPr>
-          <p:cNvPr id="145" name="TextShape 4"/>
-          <p:cNvSpPr txBox="1"/>
+              <a:latin typeface="Arial"/>
+            </a:endParaRPr>
+          </a:p>
+        </p:txBody>
+      </p:sp>
+      <p:sp>
+        <p:nvSpPr>
+          <p:cNvPr id="137" name="CustomShape 4"/>
+          <p:cNvSpPr/>
           <p:nvPr/>
         </p:nvSpPr>
         <p:spPr>
           <a:xfrm>
             <a:off x="8280000" y="5004000"/>
-            <a:ext cx="143640" cy="107640"/>
+            <a:ext cx="143280" cy="107280"/>
           </a:xfrm>
           <a:prstGeom prst="rect">
             <a:avLst/>
@@ -8613,6 +7951,12 @@
             <a:noFill/>
           </a:ln>
         </p:spPr>
+        <p:style>
+          <a:lnRef idx="0"/>
+          <a:fillRef idx="0"/>
+          <a:effectRef idx="0"/>
+          <a:fontRef idx="minor"/>
+        </p:style>
         <p:txBody>
           <a:bodyPr lIns="0" rIns="0" tIns="0" bIns="0"/>
           <a:p>
@@ -8621,7 +7965,7 @@
                 <a:spcPct val="100000"/>
               </a:lnSpc>
             </a:pPr>
-            <a:fld id="{FC4154BB-3A43-4E4D-B785-754FD2C74EC7}" type="slidenum">
+            <a:fld id="{A9949FA9-7AD1-4648-8076-9D55E26A98D0}" type="slidenum">
               <a:rPr b="0" lang="en-US" sz="600" spc="-1" strike="noStrike">
                 <a:solidFill>
                   <a:srgbClr val="ffffff"/>
@@ -8631,7 +7975,7 @@
               <a:t>1</a:t>
             </a:fld>
             <a:endParaRPr b="0" lang="en-US" sz="600" spc="-1" strike="noStrike">
-              <a:latin typeface="Times New Roman"/>
+              <a:latin typeface="Arial"/>
             </a:endParaRPr>
           </a:p>
         </p:txBody>
@@ -8687,14 +8031,14 @@
       </p:grpSpPr>
       <p:sp>
         <p:nvSpPr>
-          <p:cNvPr id="146" name="TextShape 1"/>
-          <p:cNvSpPr txBox="1"/>
+          <p:cNvPr id="138" name="CustomShape 1"/>
+          <p:cNvSpPr/>
           <p:nvPr/>
         </p:nvSpPr>
         <p:spPr>
           <a:xfrm>
             <a:off x="720000" y="288000"/>
-            <a:ext cx="6623640" cy="503640"/>
+            <a:ext cx="6623280" cy="503280"/>
           </a:xfrm>
           <a:prstGeom prst="rect">
             <a:avLst/>
@@ -8704,6 +8048,12 @@
             <a:noFill/>
           </a:ln>
         </p:spPr>
+        <p:style>
+          <a:lnRef idx="0"/>
+          <a:fillRef idx="0"/>
+          <a:effectRef idx="0"/>
+          <a:fontRef idx="minor"/>
+        </p:style>
         <p:txBody>
           <a:bodyPr lIns="0" rIns="0" tIns="0" bIns="0" anchor="ctr"/>
           <a:p>
@@ -8713,7 +8063,7 @@
               </a:lnSpc>
             </a:pPr>
             <a:r>
-              <a:rPr b="1" lang="nl-NL" sz="1800" spc="-1" strike="noStrike">
+              <a:rPr b="1" lang="en-US" sz="1800" spc="-1" strike="noStrike">
                 <a:solidFill>
                   <a:srgbClr val="e63232"/>
                 </a:solidFill>
@@ -8721,25 +8071,22 @@
               </a:rPr>
               <a:t>Components</a:t>
             </a:r>
-            <a:endParaRPr b="0" lang="nl-NL" sz="1800" spc="-1" strike="noStrike">
-              <a:solidFill>
-                <a:srgbClr val="000000"/>
-              </a:solidFill>
-              <a:latin typeface="Arial"/>
-            </a:endParaRPr>
-          </a:p>
-        </p:txBody>
-      </p:sp>
-      <p:sp>
-        <p:nvSpPr>
-          <p:cNvPr id="147" name="TextShape 2"/>
-          <p:cNvSpPr txBox="1"/>
+            <a:endParaRPr b="0" lang="en-US" sz="1800" spc="-1" strike="noStrike">
+              <a:latin typeface="Arial"/>
+            </a:endParaRPr>
+          </a:p>
+        </p:txBody>
+      </p:sp>
+      <p:sp>
+        <p:nvSpPr>
+          <p:cNvPr id="139" name="CustomShape 2"/>
+          <p:cNvSpPr/>
           <p:nvPr/>
         </p:nvSpPr>
         <p:spPr>
           <a:xfrm>
             <a:off x="4968000" y="5004000"/>
-            <a:ext cx="3239640" cy="107640"/>
+            <a:ext cx="3239280" cy="107280"/>
           </a:xfrm>
           <a:prstGeom prst="rect">
             <a:avLst/>
@@ -8749,6 +8096,12 @@
             <a:noFill/>
           </a:ln>
         </p:spPr>
+        <p:style>
+          <a:lnRef idx="0"/>
+          <a:fillRef idx="0"/>
+          <a:effectRef idx="0"/>
+          <a:fontRef idx="minor"/>
+        </p:style>
         <p:txBody>
           <a:bodyPr lIns="0" rIns="0" tIns="0" bIns="0"/>
           <a:p>
@@ -8767,21 +8120,21 @@
               <a:t>Titel van de presentatie</a:t>
             </a:r>
             <a:endParaRPr b="0" lang="en-US" sz="600" spc="-1" strike="noStrike">
-              <a:latin typeface="Times New Roman"/>
-            </a:endParaRPr>
-          </a:p>
-        </p:txBody>
-      </p:sp>
-      <p:sp>
-        <p:nvSpPr>
-          <p:cNvPr id="148" name="TextShape 3"/>
-          <p:cNvSpPr txBox="1"/>
+              <a:latin typeface="Arial"/>
+            </a:endParaRPr>
+          </a:p>
+        </p:txBody>
+      </p:sp>
+      <p:sp>
+        <p:nvSpPr>
+          <p:cNvPr id="140" name="CustomShape 3"/>
+          <p:cNvSpPr/>
           <p:nvPr/>
         </p:nvSpPr>
         <p:spPr>
           <a:xfrm>
             <a:off x="8280000" y="5004000"/>
-            <a:ext cx="143640" cy="107640"/>
+            <a:ext cx="143280" cy="107280"/>
           </a:xfrm>
           <a:prstGeom prst="rect">
             <a:avLst/>
@@ -8791,6 +8144,12 @@
             <a:noFill/>
           </a:ln>
         </p:spPr>
+        <p:style>
+          <a:lnRef idx="0"/>
+          <a:fillRef idx="0"/>
+          <a:effectRef idx="0"/>
+          <a:fontRef idx="minor"/>
+        </p:style>
         <p:txBody>
           <a:bodyPr lIns="0" rIns="0" tIns="0" bIns="0"/>
           <a:p>
@@ -8799,7 +8158,7 @@
                 <a:spcPct val="100000"/>
               </a:lnSpc>
             </a:pPr>
-            <a:fld id="{11C8918A-56D9-48DA-9C96-D29713A5C84A}" type="slidenum">
+            <a:fld id="{D114D0B2-3D65-448C-ACA5-B03BC73E5547}" type="slidenum">
               <a:rPr b="0" lang="en-US" sz="600" spc="-1" strike="noStrike">
                 <a:solidFill>
                   <a:srgbClr val="ffffff"/>
@@ -8809,14 +8168,14 @@
               <a:t>1</a:t>
             </a:fld>
             <a:endParaRPr b="0" lang="en-US" sz="600" spc="-1" strike="noStrike">
-              <a:latin typeface="Times New Roman"/>
+              <a:latin typeface="Arial"/>
             </a:endParaRPr>
           </a:p>
         </p:txBody>
       </p:sp>
       <p:pic>
         <p:nvPicPr>
-          <p:cNvPr id="149" name="Picture 6" descr=""/>
+          <p:cNvPr id="141" name="Picture 6" descr=""/>
           <p:cNvPicPr/>
           <p:nvPr/>
         </p:nvPicPr>
@@ -8827,7 +8186,7 @@
         <p:spPr>
           <a:xfrm>
             <a:off x="780480" y="658440"/>
-            <a:ext cx="6446880" cy="4432680"/>
+            <a:ext cx="6446520" cy="4432320"/>
           </a:xfrm>
           <a:prstGeom prst="rect">
             <a:avLst/>
@@ -8839,14 +8198,14 @@
       </p:pic>
       <p:sp>
         <p:nvSpPr>
-          <p:cNvPr id="150" name="TextShape 4"/>
-          <p:cNvSpPr txBox="1"/>
+          <p:cNvPr id="142" name="CustomShape 4"/>
+          <p:cNvSpPr/>
           <p:nvPr/>
         </p:nvSpPr>
         <p:spPr>
           <a:xfrm>
             <a:off x="8138160" y="4663440"/>
-            <a:ext cx="1463040" cy="198720"/>
+            <a:ext cx="1462680" cy="198360"/>
           </a:xfrm>
           <a:prstGeom prst="rect">
             <a:avLst/>
@@ -8856,9 +8215,20 @@
             <a:noFill/>
           </a:ln>
         </p:spPr>
+        <p:style>
+          <a:lnRef idx="0"/>
+          <a:fillRef idx="0"/>
+          <a:effectRef idx="0"/>
+          <a:fontRef idx="minor"/>
+        </p:style>
         <p:txBody>
           <a:bodyPr lIns="90000" rIns="90000" tIns="45000" bIns="45000"/>
           <a:p>
+            <a:pPr>
+              <a:lnSpc>
+                <a:spcPct val="100000"/>
+              </a:lnSpc>
+            </a:pPr>
             <a:r>
               <a:rPr b="0" lang="en-US" sz="900" spc="-1" strike="noStrike">
                 <a:latin typeface="Arial"/>
@@ -8922,14 +8292,14 @@
       </p:grpSpPr>
       <p:sp>
         <p:nvSpPr>
-          <p:cNvPr id="151" name="TextShape 1"/>
-          <p:cNvSpPr txBox="1"/>
+          <p:cNvPr id="143" name="CustomShape 1"/>
+          <p:cNvSpPr/>
           <p:nvPr/>
         </p:nvSpPr>
         <p:spPr>
           <a:xfrm>
             <a:off x="720000" y="288000"/>
-            <a:ext cx="6623640" cy="503640"/>
+            <a:ext cx="6623280" cy="503280"/>
           </a:xfrm>
           <a:prstGeom prst="rect">
             <a:avLst/>
@@ -8939,6 +8309,12 @@
             <a:noFill/>
           </a:ln>
         </p:spPr>
+        <p:style>
+          <a:lnRef idx="0"/>
+          <a:fillRef idx="0"/>
+          <a:effectRef idx="0"/>
+          <a:fontRef idx="minor"/>
+        </p:style>
         <p:txBody>
           <a:bodyPr lIns="0" rIns="0" tIns="0" bIns="0" anchor="ctr"/>
           <a:p>
@@ -8948,7 +8324,7 @@
               </a:lnSpc>
             </a:pPr>
             <a:r>
-              <a:rPr b="1" lang="nl-NL" sz="1800" spc="-1" strike="noStrike">
+              <a:rPr b="1" lang="en-US" sz="1800" spc="-1" strike="noStrike">
                 <a:solidFill>
                   <a:srgbClr val="e63232"/>
                 </a:solidFill>
@@ -8956,25 +8332,22 @@
               </a:rPr>
               <a:t>JSX</a:t>
             </a:r>
-            <a:endParaRPr b="0" lang="nl-NL" sz="1800" spc="-1" strike="noStrike">
-              <a:solidFill>
-                <a:srgbClr val="000000"/>
-              </a:solidFill>
-              <a:latin typeface="Arial"/>
-            </a:endParaRPr>
-          </a:p>
-        </p:txBody>
-      </p:sp>
-      <p:sp>
-        <p:nvSpPr>
-          <p:cNvPr id="152" name="TextShape 2"/>
-          <p:cNvSpPr txBox="1"/>
+            <a:endParaRPr b="0" lang="en-US" sz="1800" spc="-1" strike="noStrike">
+              <a:latin typeface="Arial"/>
+            </a:endParaRPr>
+          </a:p>
+        </p:txBody>
+      </p:sp>
+      <p:sp>
+        <p:nvSpPr>
+          <p:cNvPr id="144" name="CustomShape 2"/>
+          <p:cNvSpPr/>
           <p:nvPr/>
         </p:nvSpPr>
         <p:spPr>
           <a:xfrm>
             <a:off x="4968000" y="5004000"/>
-            <a:ext cx="3239640" cy="107640"/>
+            <a:ext cx="3239280" cy="107280"/>
           </a:xfrm>
           <a:prstGeom prst="rect">
             <a:avLst/>
@@ -8984,6 +8357,12 @@
             <a:noFill/>
           </a:ln>
         </p:spPr>
+        <p:style>
+          <a:lnRef idx="0"/>
+          <a:fillRef idx="0"/>
+          <a:effectRef idx="0"/>
+          <a:fontRef idx="minor"/>
+        </p:style>
         <p:txBody>
           <a:bodyPr lIns="0" rIns="0" tIns="0" bIns="0"/>
           <a:p>
@@ -9002,21 +8381,21 @@
               <a:t>Titel van de presentatie</a:t>
             </a:r>
             <a:endParaRPr b="0" lang="en-US" sz="600" spc="-1" strike="noStrike">
-              <a:latin typeface="Times New Roman"/>
-            </a:endParaRPr>
-          </a:p>
-        </p:txBody>
-      </p:sp>
-      <p:sp>
-        <p:nvSpPr>
-          <p:cNvPr id="153" name="TextShape 3"/>
-          <p:cNvSpPr txBox="1"/>
+              <a:latin typeface="Arial"/>
+            </a:endParaRPr>
+          </a:p>
+        </p:txBody>
+      </p:sp>
+      <p:sp>
+        <p:nvSpPr>
+          <p:cNvPr id="145" name="CustomShape 3"/>
+          <p:cNvSpPr/>
           <p:nvPr/>
         </p:nvSpPr>
         <p:spPr>
           <a:xfrm>
             <a:off x="8280000" y="5004000"/>
-            <a:ext cx="143640" cy="107640"/>
+            <a:ext cx="143280" cy="107280"/>
           </a:xfrm>
           <a:prstGeom prst="rect">
             <a:avLst/>
@@ -9026,6 +8405,12 @@
             <a:noFill/>
           </a:ln>
         </p:spPr>
+        <p:style>
+          <a:lnRef idx="0"/>
+          <a:fillRef idx="0"/>
+          <a:effectRef idx="0"/>
+          <a:fontRef idx="minor"/>
+        </p:style>
         <p:txBody>
           <a:bodyPr lIns="0" rIns="0" tIns="0" bIns="0"/>
           <a:p>
@@ -9034,7 +8419,7 @@
                 <a:spcPct val="100000"/>
               </a:lnSpc>
             </a:pPr>
-            <a:fld id="{8781CC16-7B4C-40DE-84FE-C83FADA003B5}" type="slidenum">
+            <a:fld id="{431F823C-B2B5-48C7-900B-EE7A56646ADD}" type="slidenum">
               <a:rPr b="0" lang="en-US" sz="600" spc="-1" strike="noStrike">
                 <a:solidFill>
                   <a:srgbClr val="ffffff"/>
@@ -9044,14 +8429,14 @@
               <a:t>1</a:t>
             </a:fld>
             <a:endParaRPr b="0" lang="en-US" sz="600" spc="-1" strike="noStrike">
-              <a:latin typeface="Times New Roman"/>
+              <a:latin typeface="Arial"/>
             </a:endParaRPr>
           </a:p>
         </p:txBody>
       </p:sp>
       <p:pic>
         <p:nvPicPr>
-          <p:cNvPr id="154" name="Picture 12" descr=""/>
+          <p:cNvPr id="146" name="Picture 12" descr=""/>
           <p:cNvPicPr/>
           <p:nvPr/>
         </p:nvPicPr>
@@ -9062,7 +8447,7 @@
         <p:spPr>
           <a:xfrm>
             <a:off x="6631200" y="1188720"/>
-            <a:ext cx="2076120" cy="1904760"/>
+            <a:ext cx="2075760" cy="1904400"/>
           </a:xfrm>
           <a:prstGeom prst="rect">
             <a:avLst/>
@@ -9074,7 +8459,7 @@
       </p:pic>
       <p:pic>
         <p:nvPicPr>
-          <p:cNvPr id="155" name="Picture 14" descr=""/>
+          <p:cNvPr id="147" name="Picture 14" descr=""/>
           <p:cNvPicPr/>
           <p:nvPr/>
         </p:nvPicPr>
@@ -9085,7 +8470,7 @@
         <p:spPr>
           <a:xfrm>
             <a:off x="-2880" y="703800"/>
-            <a:ext cx="5981400" cy="3658320"/>
+            <a:ext cx="5981040" cy="3657960"/>
           </a:xfrm>
           <a:prstGeom prst="rect">
             <a:avLst/>
@@ -9146,14 +8531,14 @@
       </p:grpSpPr>
       <p:sp>
         <p:nvSpPr>
-          <p:cNvPr id="156" name="TextShape 1"/>
-          <p:cNvSpPr txBox="1"/>
+          <p:cNvPr id="148" name="CustomShape 1"/>
+          <p:cNvSpPr/>
           <p:nvPr/>
         </p:nvSpPr>
         <p:spPr>
           <a:xfrm>
             <a:off x="720000" y="288000"/>
-            <a:ext cx="6623640" cy="503640"/>
+            <a:ext cx="6623280" cy="503280"/>
           </a:xfrm>
           <a:prstGeom prst="rect">
             <a:avLst/>
@@ -9163,6 +8548,12 @@
             <a:noFill/>
           </a:ln>
         </p:spPr>
+        <p:style>
+          <a:lnRef idx="0"/>
+          <a:fillRef idx="0"/>
+          <a:effectRef idx="0"/>
+          <a:fontRef idx="minor"/>
+        </p:style>
         <p:txBody>
           <a:bodyPr lIns="0" rIns="0" tIns="0" bIns="0" anchor="ctr"/>
           <a:p>
@@ -9172,7 +8563,7 @@
               </a:lnSpc>
             </a:pPr>
             <a:r>
-              <a:rPr b="1" lang="nl-NL" sz="1800" spc="-1" strike="noStrike">
+              <a:rPr b="1" lang="en-US" sz="1800" spc="-1" strike="noStrike">
                 <a:solidFill>
                   <a:srgbClr val="e63232"/>
                 </a:solidFill>
@@ -9180,25 +8571,22 @@
               </a:rPr>
               <a:t>Props</a:t>
             </a:r>
-            <a:endParaRPr b="0" lang="nl-NL" sz="1800" spc="-1" strike="noStrike">
-              <a:solidFill>
-                <a:srgbClr val="000000"/>
-              </a:solidFill>
-              <a:latin typeface="Arial"/>
-            </a:endParaRPr>
-          </a:p>
-        </p:txBody>
-      </p:sp>
-      <p:sp>
-        <p:nvSpPr>
-          <p:cNvPr id="157" name="TextShape 2"/>
-          <p:cNvSpPr txBox="1"/>
+            <a:endParaRPr b="0" lang="en-US" sz="1800" spc="-1" strike="noStrike">
+              <a:latin typeface="Arial"/>
+            </a:endParaRPr>
+          </a:p>
+        </p:txBody>
+      </p:sp>
+      <p:sp>
+        <p:nvSpPr>
+          <p:cNvPr id="149" name="CustomShape 2"/>
+          <p:cNvSpPr/>
           <p:nvPr/>
         </p:nvSpPr>
         <p:spPr>
           <a:xfrm>
             <a:off x="4968000" y="5004000"/>
-            <a:ext cx="3239640" cy="107640"/>
+            <a:ext cx="3239280" cy="107280"/>
           </a:xfrm>
           <a:prstGeom prst="rect">
             <a:avLst/>
@@ -9208,6 +8596,12 @@
             <a:noFill/>
           </a:ln>
         </p:spPr>
+        <p:style>
+          <a:lnRef idx="0"/>
+          <a:fillRef idx="0"/>
+          <a:effectRef idx="0"/>
+          <a:fontRef idx="minor"/>
+        </p:style>
         <p:txBody>
           <a:bodyPr lIns="0" rIns="0" tIns="0" bIns="0"/>
           <a:p>
@@ -9226,21 +8620,21 @@
               <a:t>Titel van de presentatie</a:t>
             </a:r>
             <a:endParaRPr b="0" lang="en-US" sz="600" spc="-1" strike="noStrike">
-              <a:latin typeface="Times New Roman"/>
-            </a:endParaRPr>
-          </a:p>
-        </p:txBody>
-      </p:sp>
-      <p:sp>
-        <p:nvSpPr>
-          <p:cNvPr id="158" name="TextShape 3"/>
-          <p:cNvSpPr txBox="1"/>
+              <a:latin typeface="Arial"/>
+            </a:endParaRPr>
+          </a:p>
+        </p:txBody>
+      </p:sp>
+      <p:sp>
+        <p:nvSpPr>
+          <p:cNvPr id="150" name="CustomShape 3"/>
+          <p:cNvSpPr/>
           <p:nvPr/>
         </p:nvSpPr>
         <p:spPr>
           <a:xfrm>
             <a:off x="8280000" y="5004000"/>
-            <a:ext cx="143640" cy="107640"/>
+            <a:ext cx="143280" cy="107280"/>
           </a:xfrm>
           <a:prstGeom prst="rect">
             <a:avLst/>
@@ -9250,6 +8644,12 @@
             <a:noFill/>
           </a:ln>
         </p:spPr>
+        <p:style>
+          <a:lnRef idx="0"/>
+          <a:fillRef idx="0"/>
+          <a:effectRef idx="0"/>
+          <a:fontRef idx="minor"/>
+        </p:style>
         <p:txBody>
           <a:bodyPr lIns="0" rIns="0" tIns="0" bIns="0"/>
           <a:p>
@@ -9258,7 +8658,7 @@
                 <a:spcPct val="100000"/>
               </a:lnSpc>
             </a:pPr>
-            <a:fld id="{0076A546-934B-4284-B3AE-131CBB17B45D}" type="slidenum">
+            <a:fld id="{62EEC5E2-0FC4-4933-93B5-9BD8F089D0E5}" type="slidenum">
               <a:rPr b="0" lang="en-US" sz="600" spc="-1" strike="noStrike">
                 <a:solidFill>
                   <a:srgbClr val="ffffff"/>
@@ -9268,14 +8668,14 @@
               <a:t>1</a:t>
             </a:fld>
             <a:endParaRPr b="0" lang="en-US" sz="600" spc="-1" strike="noStrike">
-              <a:latin typeface="Times New Roman"/>
+              <a:latin typeface="Arial"/>
             </a:endParaRPr>
           </a:p>
         </p:txBody>
       </p:sp>
       <p:pic>
         <p:nvPicPr>
-          <p:cNvPr id="159" name="Picture 12" descr=""/>
+          <p:cNvPr id="151" name="Picture 12" descr=""/>
           <p:cNvPicPr/>
           <p:nvPr/>
         </p:nvPicPr>
@@ -9286,7 +8686,7 @@
         <p:spPr>
           <a:xfrm>
             <a:off x="6276600" y="1413000"/>
-            <a:ext cx="2742840" cy="1696320"/>
+            <a:ext cx="2742480" cy="1695960"/>
           </a:xfrm>
           <a:prstGeom prst="rect">
             <a:avLst/>
@@ -9298,7 +8698,7 @@
       </p:pic>
       <p:pic>
         <p:nvPicPr>
-          <p:cNvPr id="160" name="Picture 14" descr=""/>
+          <p:cNvPr id="152" name="Picture 14" descr=""/>
           <p:cNvPicPr/>
           <p:nvPr/>
         </p:nvPicPr>
@@ -9309,7 +8709,7 @@
         <p:spPr>
           <a:xfrm>
             <a:off x="145440" y="702000"/>
-            <a:ext cx="5445000" cy="4127040"/>
+            <a:ext cx="5444640" cy="4126680"/>
           </a:xfrm>
           <a:prstGeom prst="rect">
             <a:avLst/>
@@ -9370,14 +8770,14 @@
       </p:grpSpPr>
       <p:sp>
         <p:nvSpPr>
-          <p:cNvPr id="161" name="TextShape 1"/>
-          <p:cNvSpPr txBox="1"/>
+          <p:cNvPr id="153" name="CustomShape 1"/>
+          <p:cNvSpPr/>
           <p:nvPr/>
         </p:nvSpPr>
         <p:spPr>
           <a:xfrm>
             <a:off x="720000" y="288000"/>
-            <a:ext cx="6623640" cy="503640"/>
+            <a:ext cx="6623280" cy="503280"/>
           </a:xfrm>
           <a:prstGeom prst="rect">
             <a:avLst/>
@@ -9387,6 +8787,12 @@
             <a:noFill/>
           </a:ln>
         </p:spPr>
+        <p:style>
+          <a:lnRef idx="0"/>
+          <a:fillRef idx="0"/>
+          <a:effectRef idx="0"/>
+          <a:fontRef idx="minor"/>
+        </p:style>
         <p:txBody>
           <a:bodyPr lIns="0" rIns="0" tIns="0" bIns="0" anchor="ctr"/>
           <a:p>
@@ -9396,7 +8802,7 @@
               </a:lnSpc>
             </a:pPr>
             <a:r>
-              <a:rPr b="1" lang="nl-NL" sz="1800" spc="-1" strike="noStrike">
+              <a:rPr b="1" lang="en-US" sz="1800" spc="-1" strike="noStrike">
                 <a:solidFill>
                   <a:srgbClr val="e63232"/>
                 </a:solidFill>
@@ -9404,10 +8810,7 @@
               </a:rPr>
               <a:t>State</a:t>
             </a:r>
-            <a:endParaRPr b="0" lang="nl-NL" sz="1800" spc="-1" strike="noStrike">
-              <a:solidFill>
-                <a:srgbClr val="000000"/>
-              </a:solidFill>
+            <a:endParaRPr b="0" lang="en-US" sz="1800" spc="-1" strike="noStrike">
               <a:latin typeface="Arial"/>
             </a:endParaRPr>
           </a:p>
@@ -9415,7 +8818,7 @@
       </p:sp>
       <p:pic>
         <p:nvPicPr>
-          <p:cNvPr id="162" name="Picture 7" descr=""/>
+          <p:cNvPr id="154" name="Picture 7" descr=""/>
           <p:cNvPicPr/>
           <p:nvPr/>
         </p:nvPicPr>
@@ -9426,7 +8829,7 @@
         <p:spPr>
           <a:xfrm>
             <a:off x="6599880" y="1433160"/>
-            <a:ext cx="790200" cy="533160"/>
+            <a:ext cx="789840" cy="532800"/>
           </a:xfrm>
           <a:prstGeom prst="rect">
             <a:avLst/>
@@ -9438,14 +8841,14 @@
       </p:pic>
       <p:sp>
         <p:nvSpPr>
-          <p:cNvPr id="163" name="TextShape 2"/>
-          <p:cNvSpPr txBox="1"/>
+          <p:cNvPr id="155" name="CustomShape 2"/>
+          <p:cNvSpPr/>
           <p:nvPr/>
         </p:nvSpPr>
         <p:spPr>
           <a:xfrm>
             <a:off x="4968000" y="5004000"/>
-            <a:ext cx="3239640" cy="107640"/>
+            <a:ext cx="3239280" cy="107280"/>
           </a:xfrm>
           <a:prstGeom prst="rect">
             <a:avLst/>
@@ -9455,6 +8858,12 @@
             <a:noFill/>
           </a:ln>
         </p:spPr>
+        <p:style>
+          <a:lnRef idx="0"/>
+          <a:fillRef idx="0"/>
+          <a:effectRef idx="0"/>
+          <a:fontRef idx="minor"/>
+        </p:style>
         <p:txBody>
           <a:bodyPr lIns="0" rIns="0" tIns="0" bIns="0"/>
           <a:p>
@@ -9473,21 +8882,21 @@
               <a:t>Titel van de presentatie</a:t>
             </a:r>
             <a:endParaRPr b="0" lang="en-US" sz="600" spc="-1" strike="noStrike">
-              <a:latin typeface="Times New Roman"/>
-            </a:endParaRPr>
-          </a:p>
-        </p:txBody>
-      </p:sp>
-      <p:sp>
-        <p:nvSpPr>
-          <p:cNvPr id="164" name="TextShape 3"/>
-          <p:cNvSpPr txBox="1"/>
+              <a:latin typeface="Arial"/>
+            </a:endParaRPr>
+          </a:p>
+        </p:txBody>
+      </p:sp>
+      <p:sp>
+        <p:nvSpPr>
+          <p:cNvPr id="156" name="CustomShape 3"/>
+          <p:cNvSpPr/>
           <p:nvPr/>
         </p:nvSpPr>
         <p:spPr>
           <a:xfrm>
             <a:off x="8280000" y="5004000"/>
-            <a:ext cx="143640" cy="107640"/>
+            <a:ext cx="143280" cy="107280"/>
           </a:xfrm>
           <a:prstGeom prst="rect">
             <a:avLst/>
@@ -9497,6 +8906,12 @@
             <a:noFill/>
           </a:ln>
         </p:spPr>
+        <p:style>
+          <a:lnRef idx="0"/>
+          <a:fillRef idx="0"/>
+          <a:effectRef idx="0"/>
+          <a:fontRef idx="minor"/>
+        </p:style>
         <p:txBody>
           <a:bodyPr lIns="0" rIns="0" tIns="0" bIns="0"/>
           <a:p>
@@ -9505,7 +8920,7 @@
                 <a:spcPct val="100000"/>
               </a:lnSpc>
             </a:pPr>
-            <a:fld id="{88E9D71D-5FB5-44D5-8AEB-BFA354BFE926}" type="slidenum">
+            <a:fld id="{CDEA0981-5981-4FFF-9D01-48F2A11C0FC9}" type="slidenum">
               <a:rPr b="0" lang="en-US" sz="600" spc="-1" strike="noStrike">
                 <a:solidFill>
                   <a:srgbClr val="ffffff"/>
@@ -9515,14 +8930,14 @@
               <a:t>1</a:t>
             </a:fld>
             <a:endParaRPr b="0" lang="en-US" sz="600" spc="-1" strike="noStrike">
-              <a:latin typeface="Times New Roman"/>
+              <a:latin typeface="Arial"/>
             </a:endParaRPr>
           </a:p>
         </p:txBody>
       </p:sp>
       <p:pic>
         <p:nvPicPr>
-          <p:cNvPr id="165" name="Picture 9" descr=""/>
+          <p:cNvPr id="157" name="Picture 9" descr=""/>
           <p:cNvPicPr/>
           <p:nvPr/>
         </p:nvPicPr>
@@ -9533,7 +8948,7 @@
         <p:spPr>
           <a:xfrm>
             <a:off x="6603120" y="2408400"/>
-            <a:ext cx="1314000" cy="580680"/>
+            <a:ext cx="1313640" cy="580320"/>
           </a:xfrm>
           <a:prstGeom prst="rect">
             <a:avLst/>
@@ -9545,7 +8960,7 @@
       </p:pic>
       <p:pic>
         <p:nvPicPr>
-          <p:cNvPr id="166" name="Picture 11" descr=""/>
+          <p:cNvPr id="158" name="Picture 11" descr=""/>
           <p:cNvPicPr/>
           <p:nvPr/>
         </p:nvPicPr>
@@ -9556,7 +8971,7 @@
         <p:spPr>
           <a:xfrm>
             <a:off x="258120" y="1246320"/>
-            <a:ext cx="5395680" cy="3074040"/>
+            <a:ext cx="5395320" cy="3073680"/>
           </a:xfrm>
           <a:prstGeom prst="rect">
             <a:avLst/>
@@ -9617,14 +9032,14 @@
       </p:grpSpPr>
       <p:sp>
         <p:nvSpPr>
-          <p:cNvPr id="167" name="TextShape 1"/>
-          <p:cNvSpPr txBox="1"/>
+          <p:cNvPr id="159" name="CustomShape 1"/>
+          <p:cNvSpPr/>
           <p:nvPr/>
         </p:nvSpPr>
         <p:spPr>
           <a:xfrm>
             <a:off x="720000" y="288000"/>
-            <a:ext cx="6623640" cy="503640"/>
+            <a:ext cx="6623280" cy="503280"/>
           </a:xfrm>
           <a:prstGeom prst="rect">
             <a:avLst/>
@@ -9634,6 +9049,12 @@
             <a:noFill/>
           </a:ln>
         </p:spPr>
+        <p:style>
+          <a:lnRef idx="0"/>
+          <a:fillRef idx="0"/>
+          <a:effectRef idx="0"/>
+          <a:fontRef idx="minor"/>
+        </p:style>
         <p:txBody>
           <a:bodyPr lIns="0" rIns="0" tIns="0" bIns="0" anchor="ctr"/>
           <a:p>
@@ -9643,7 +9064,7 @@
               </a:lnSpc>
             </a:pPr>
             <a:r>
-              <a:rPr b="1" lang="nl-NL" sz="1800" spc="-1" strike="noStrike">
+              <a:rPr b="1" lang="en-US" sz="1800" spc="-1" strike="noStrike">
                 <a:solidFill>
                   <a:srgbClr val="e63232"/>
                 </a:solidFill>
@@ -9651,25 +9072,22 @@
               </a:rPr>
               <a:t>Hands-on Time!</a:t>
             </a:r>
-            <a:endParaRPr b="0" lang="nl-NL" sz="1800" spc="-1" strike="noStrike">
-              <a:solidFill>
-                <a:srgbClr val="000000"/>
-              </a:solidFill>
-              <a:latin typeface="Arial"/>
-            </a:endParaRPr>
-          </a:p>
-        </p:txBody>
-      </p:sp>
-      <p:sp>
-        <p:nvSpPr>
-          <p:cNvPr id="168" name="TextShape 2"/>
-          <p:cNvSpPr txBox="1"/>
+            <a:endParaRPr b="0" lang="en-US" sz="1800" spc="-1" strike="noStrike">
+              <a:latin typeface="Arial"/>
+            </a:endParaRPr>
+          </a:p>
+        </p:txBody>
+      </p:sp>
+      <p:sp>
+        <p:nvSpPr>
+          <p:cNvPr id="160" name="CustomShape 2"/>
+          <p:cNvSpPr/>
           <p:nvPr/>
         </p:nvSpPr>
         <p:spPr>
           <a:xfrm>
             <a:off x="2347200" y="2194560"/>
-            <a:ext cx="2407680" cy="778680"/>
+            <a:ext cx="2407320" cy="778320"/>
           </a:xfrm>
           <a:prstGeom prst="rect">
             <a:avLst/>
@@ -9679,6 +9097,12 @@
             <a:noFill/>
           </a:ln>
         </p:spPr>
+        <p:style>
+          <a:lnRef idx="0"/>
+          <a:fillRef idx="0"/>
+          <a:effectRef idx="0"/>
+          <a:fontRef idx="minor"/>
+        </p:style>
         <p:txBody>
           <a:bodyPr lIns="0" rIns="0" tIns="0" bIns="0"/>
           <a:p>
@@ -9688,7 +9112,7 @@
               </a:lnSpc>
             </a:pPr>
             <a:r>
-              <a:rPr b="0" lang="nl-NL" sz="3200" spc="-1" strike="noStrike">
+              <a:rPr b="0" lang="en-US" sz="3200" spc="-1" strike="noStrike">
                 <a:solidFill>
                   <a:srgbClr val="ffffff"/>
                 </a:solidFill>
@@ -9696,25 +9120,22 @@
               </a:rPr>
               <a:t>Questions?</a:t>
             </a:r>
-            <a:endParaRPr b="0" lang="nl-NL" sz="3200" spc="-1" strike="noStrike">
-              <a:solidFill>
-                <a:srgbClr val="000000"/>
-              </a:solidFill>
-              <a:latin typeface="Arial"/>
-            </a:endParaRPr>
-          </a:p>
-        </p:txBody>
-      </p:sp>
-      <p:sp>
-        <p:nvSpPr>
-          <p:cNvPr id="169" name="TextShape 3"/>
-          <p:cNvSpPr txBox="1"/>
+            <a:endParaRPr b="0" lang="en-US" sz="3200" spc="-1" strike="noStrike">
+              <a:latin typeface="Arial"/>
+            </a:endParaRPr>
+          </a:p>
+        </p:txBody>
+      </p:sp>
+      <p:sp>
+        <p:nvSpPr>
+          <p:cNvPr id="161" name="CustomShape 3"/>
+          <p:cNvSpPr/>
           <p:nvPr/>
         </p:nvSpPr>
         <p:spPr>
           <a:xfrm>
             <a:off x="4968000" y="5004000"/>
-            <a:ext cx="3239640" cy="107640"/>
+            <a:ext cx="3239280" cy="107280"/>
           </a:xfrm>
           <a:prstGeom prst="rect">
             <a:avLst/>
@@ -9724,6 +9145,12 @@
             <a:noFill/>
           </a:ln>
         </p:spPr>
+        <p:style>
+          <a:lnRef idx="0"/>
+          <a:fillRef idx="0"/>
+          <a:effectRef idx="0"/>
+          <a:fontRef idx="minor"/>
+        </p:style>
         <p:txBody>
           <a:bodyPr lIns="0" rIns="0" tIns="0" bIns="0"/>
           <a:p>
@@ -9742,21 +9169,21 @@
               <a:t>Titel van de presentatie</a:t>
             </a:r>
             <a:endParaRPr b="0" lang="en-US" sz="600" spc="-1" strike="noStrike">
-              <a:latin typeface="Times New Roman"/>
-            </a:endParaRPr>
-          </a:p>
-        </p:txBody>
-      </p:sp>
-      <p:sp>
-        <p:nvSpPr>
-          <p:cNvPr id="170" name="TextShape 4"/>
-          <p:cNvSpPr txBox="1"/>
+              <a:latin typeface="Arial"/>
+            </a:endParaRPr>
+          </a:p>
+        </p:txBody>
+      </p:sp>
+      <p:sp>
+        <p:nvSpPr>
+          <p:cNvPr id="162" name="CustomShape 4"/>
+          <p:cNvSpPr/>
           <p:nvPr/>
         </p:nvSpPr>
         <p:spPr>
           <a:xfrm>
             <a:off x="8280000" y="5004000"/>
-            <a:ext cx="143640" cy="107640"/>
+            <a:ext cx="143280" cy="107280"/>
           </a:xfrm>
           <a:prstGeom prst="rect">
             <a:avLst/>
@@ -9766,6 +9193,12 @@
             <a:noFill/>
           </a:ln>
         </p:spPr>
+        <p:style>
+          <a:lnRef idx="0"/>
+          <a:fillRef idx="0"/>
+          <a:effectRef idx="0"/>
+          <a:fontRef idx="minor"/>
+        </p:style>
         <p:txBody>
           <a:bodyPr lIns="0" rIns="0" tIns="0" bIns="0"/>
           <a:p>
@@ -9774,7 +9207,7 @@
                 <a:spcPct val="100000"/>
               </a:lnSpc>
             </a:pPr>
-            <a:fld id="{31D6A668-D1D1-48E2-8BEE-B9B47A0A6AAC}" type="slidenum">
+            <a:fld id="{099211FE-7834-4FD7-A528-F93C08B50C7D}" type="slidenum">
               <a:rPr b="0" lang="en-US" sz="600" spc="-1" strike="noStrike">
                 <a:solidFill>
                   <a:srgbClr val="ffffff"/>
@@ -9784,14 +9217,14 @@
               <a:t>1</a:t>
             </a:fld>
             <a:endParaRPr b="0" lang="en-US" sz="600" spc="-1" strike="noStrike">
-              <a:latin typeface="Times New Roman"/>
+              <a:latin typeface="Arial"/>
             </a:endParaRPr>
           </a:p>
         </p:txBody>
       </p:sp>
       <p:pic>
         <p:nvPicPr>
-          <p:cNvPr id="171" name="Picture Placeholder 6" descr=""/>
+          <p:cNvPr id="163" name="Picture Placeholder 6" descr=""/>
           <p:cNvPicPr/>
           <p:nvPr/>
         </p:nvPicPr>
@@ -9802,7 +9235,7 @@
         <p:spPr>
           <a:xfrm>
             <a:off x="6840000" y="810000"/>
-            <a:ext cx="2303640" cy="3509640"/>
+            <a:ext cx="2303280" cy="3509280"/>
           </a:xfrm>
           <a:prstGeom prst="rect">
             <a:avLst/>
@@ -9866,14 +9299,14 @@
       </p:grpSpPr>
       <p:sp>
         <p:nvSpPr>
-          <p:cNvPr id="172" name="TextShape 1"/>
-          <p:cNvSpPr txBox="1"/>
+          <p:cNvPr id="164" name="CustomShape 1"/>
+          <p:cNvSpPr/>
           <p:nvPr/>
         </p:nvSpPr>
         <p:spPr>
           <a:xfrm>
             <a:off x="720000" y="288000"/>
-            <a:ext cx="6623640" cy="503640"/>
+            <a:ext cx="6623280" cy="503280"/>
           </a:xfrm>
           <a:prstGeom prst="rect">
             <a:avLst/>
@@ -9883,6 +9316,12 @@
             <a:noFill/>
           </a:ln>
         </p:spPr>
+        <p:style>
+          <a:lnRef idx="0"/>
+          <a:fillRef idx="0"/>
+          <a:effectRef idx="0"/>
+          <a:fontRef idx="minor"/>
+        </p:style>
         <p:txBody>
           <a:bodyPr lIns="0" rIns="0" tIns="0" bIns="0" anchor="ctr"/>
           <a:p>
@@ -9892,7 +9331,7 @@
               </a:lnSpc>
             </a:pPr>
             <a:r>
-              <a:rPr b="1" lang="nl-NL" sz="1800" spc="-1" strike="noStrike">
+              <a:rPr b="1" lang="en-US" sz="1800" spc="-1" strike="noStrike">
                 <a:solidFill>
                   <a:srgbClr val="e63232"/>
                 </a:solidFill>
@@ -9900,25 +9339,22 @@
               </a:rPr>
               <a:t>Hands-on: Editing JSX</a:t>
             </a:r>
-            <a:endParaRPr b="0" lang="nl-NL" sz="1800" spc="-1" strike="noStrike">
-              <a:solidFill>
-                <a:srgbClr val="000000"/>
-              </a:solidFill>
-              <a:latin typeface="Arial"/>
-            </a:endParaRPr>
-          </a:p>
-        </p:txBody>
-      </p:sp>
-      <p:sp>
-        <p:nvSpPr>
-          <p:cNvPr id="173" name="TextShape 2"/>
-          <p:cNvSpPr txBox="1"/>
+            <a:endParaRPr b="0" lang="en-US" sz="1800" spc="-1" strike="noStrike">
+              <a:latin typeface="Arial"/>
+            </a:endParaRPr>
+          </a:p>
+        </p:txBody>
+      </p:sp>
+      <p:sp>
+        <p:nvSpPr>
+          <p:cNvPr id="165" name="CustomShape 2"/>
+          <p:cNvSpPr/>
           <p:nvPr/>
         </p:nvSpPr>
         <p:spPr>
           <a:xfrm>
             <a:off x="4968000" y="5004000"/>
-            <a:ext cx="3239640" cy="107640"/>
+            <a:ext cx="3239280" cy="107280"/>
           </a:xfrm>
           <a:prstGeom prst="rect">
             <a:avLst/>
@@ -9928,6 +9364,12 @@
             <a:noFill/>
           </a:ln>
         </p:spPr>
+        <p:style>
+          <a:lnRef idx="0"/>
+          <a:fillRef idx="0"/>
+          <a:effectRef idx="0"/>
+          <a:fontRef idx="minor"/>
+        </p:style>
         <p:txBody>
           <a:bodyPr lIns="0" rIns="0" tIns="0" bIns="0"/>
           <a:p>
@@ -9946,21 +9388,21 @@
               <a:t>Titel van de presentatie</a:t>
             </a:r>
             <a:endParaRPr b="0" lang="en-US" sz="600" spc="-1" strike="noStrike">
-              <a:latin typeface="Times New Roman"/>
-            </a:endParaRPr>
-          </a:p>
-        </p:txBody>
-      </p:sp>
-      <p:sp>
-        <p:nvSpPr>
-          <p:cNvPr id="174" name="TextShape 3"/>
-          <p:cNvSpPr txBox="1"/>
+              <a:latin typeface="Arial"/>
+            </a:endParaRPr>
+          </a:p>
+        </p:txBody>
+      </p:sp>
+      <p:sp>
+        <p:nvSpPr>
+          <p:cNvPr id="166" name="CustomShape 3"/>
+          <p:cNvSpPr/>
           <p:nvPr/>
         </p:nvSpPr>
         <p:spPr>
           <a:xfrm>
             <a:off x="8280000" y="5004000"/>
-            <a:ext cx="143640" cy="107640"/>
+            <a:ext cx="143280" cy="107280"/>
           </a:xfrm>
           <a:prstGeom prst="rect">
             <a:avLst/>
@@ -9970,6 +9412,12 @@
             <a:noFill/>
           </a:ln>
         </p:spPr>
+        <p:style>
+          <a:lnRef idx="0"/>
+          <a:fillRef idx="0"/>
+          <a:effectRef idx="0"/>
+          <a:fontRef idx="minor"/>
+        </p:style>
         <p:txBody>
           <a:bodyPr lIns="0" rIns="0" tIns="0" bIns="0"/>
           <a:p>
@@ -9978,31 +9426,31 @@
                 <a:spcPct val="100000"/>
               </a:lnSpc>
             </a:pPr>
-            <a:fld id="{36C095A4-6970-4968-BEA9-17ED1451C7E2}" type="slidenum">
+            <a:fld id="{156C6B59-342F-439C-8B38-312C3019B765}" type="slidenum">
               <a:rPr b="0" lang="en-US" sz="600" spc="-1" strike="noStrike">
                 <a:solidFill>
                   <a:srgbClr val="ffffff"/>
                 </a:solidFill>
                 <a:latin typeface="Arial"/>
               </a:rPr>
-              <a:t>1</a:t>
+              <a:t>&lt;number&gt;</a:t>
             </a:fld>
             <a:endParaRPr b="0" lang="en-US" sz="600" spc="-1" strike="noStrike">
-              <a:latin typeface="Times New Roman"/>
-            </a:endParaRPr>
-          </a:p>
-        </p:txBody>
-      </p:sp>
-      <p:sp>
-        <p:nvSpPr>
-          <p:cNvPr id="175" name="TextShape 4"/>
-          <p:cNvSpPr txBox="1"/>
+              <a:latin typeface="Arial"/>
+            </a:endParaRPr>
+          </a:p>
+        </p:txBody>
+      </p:sp>
+      <p:sp>
+        <p:nvSpPr>
+          <p:cNvPr id="167" name="CustomShape 4"/>
+          <p:cNvSpPr/>
           <p:nvPr/>
         </p:nvSpPr>
         <p:spPr>
           <a:xfrm>
-            <a:off x="717120" y="792000"/>
-            <a:ext cx="6623640" cy="3886920"/>
+            <a:off x="691920" y="1554480"/>
+            <a:ext cx="6623280" cy="3886560"/>
           </a:xfrm>
           <a:prstGeom prst="rect">
             <a:avLst/>
@@ -10012,6 +9460,12 @@
             <a:noFill/>
           </a:ln>
         </p:spPr>
+        <p:style>
+          <a:lnRef idx="0"/>
+          <a:fillRef idx="0"/>
+          <a:effectRef idx="0"/>
+          <a:fontRef idx="minor"/>
+        </p:style>
         <p:txBody>
           <a:bodyPr lIns="0" rIns="0" tIns="0" bIns="0"/>
           <a:p>
@@ -10020,15 +9474,12 @@
                 <a:spcPct val="120000"/>
               </a:lnSpc>
             </a:pPr>
-            <a:endParaRPr b="0" lang="nl-NL" sz="1500" spc="-1" strike="noStrike">
-              <a:solidFill>
-                <a:srgbClr val="000000"/>
-              </a:solidFill>
-              <a:latin typeface="Arial"/>
-            </a:endParaRPr>
-          </a:p>
-          <a:p>
-            <a:pPr marL="285840" indent="-285480">
+            <a:endParaRPr b="0" lang="en-US" sz="1800" spc="-1" strike="noStrike">
+              <a:latin typeface="Arial"/>
+            </a:endParaRPr>
+          </a:p>
+          <a:p>
+            <a:pPr marL="285840" indent="-285120">
               <a:lnSpc>
                 <a:spcPct val="120000"/>
               </a:lnSpc>
@@ -10039,7 +9490,7 @@
               <a:buChar char="•"/>
             </a:pPr>
             <a:r>
-              <a:rPr b="0" lang="nl-NL" sz="1500" spc="-1" strike="noStrike">
+              <a:rPr b="0" lang="en-US" sz="1500" spc="-1" strike="noStrike">
                 <a:solidFill>
                   <a:srgbClr val="000000"/>
                 </a:solidFill>
@@ -10047,15 +9498,12 @@
               </a:rPr>
               <a:t>Git clone https://github.com/AMIS-Services/react-series</a:t>
             </a:r>
-            <a:endParaRPr b="0" lang="nl-NL" sz="1500" spc="-1" strike="noStrike">
-              <a:solidFill>
-                <a:srgbClr val="000000"/>
-              </a:solidFill>
-              <a:latin typeface="Arial"/>
-            </a:endParaRPr>
-          </a:p>
-          <a:p>
-            <a:pPr marL="285840" indent="-285480">
+            <a:endParaRPr b="0" lang="en-US" sz="1500" spc="-1" strike="noStrike">
+              <a:latin typeface="Arial"/>
+            </a:endParaRPr>
+          </a:p>
+          <a:p>
+            <a:pPr marL="285840" indent="-285120">
               <a:lnSpc>
                 <a:spcPct val="120000"/>
               </a:lnSpc>
@@ -10066,23 +9514,20 @@
               <a:buChar char="•"/>
             </a:pPr>
             <a:r>
-              <a:rPr b="0" lang="nl-NL" sz="1500" spc="-1" strike="noStrike">
+              <a:rPr b="0" lang="en-US" sz="1500" spc="-1" strike="noStrike">
                 <a:solidFill>
                   <a:srgbClr val="000000"/>
                 </a:solidFill>
                 <a:latin typeface="Arial"/>
               </a:rPr>
-              <a:t>Cd into dir exercise and run yarn start</a:t>
+              <a:t>Cd into dir exercise, run `yarn install` and `yarn start`</a:t>
             </a:r>
-            <a:endParaRPr b="0" lang="nl-NL" sz="1500" spc="-1" strike="noStrike">
-              <a:solidFill>
-                <a:srgbClr val="000000"/>
-              </a:solidFill>
-              <a:latin typeface="Arial"/>
-            </a:endParaRPr>
-          </a:p>
-          <a:p>
-            <a:pPr marL="285840" indent="-285480">
+            <a:endParaRPr b="0" lang="en-US" sz="1500" spc="-1" strike="noStrike">
+              <a:latin typeface="Arial"/>
+            </a:endParaRPr>
+          </a:p>
+          <a:p>
+            <a:pPr marL="285840" indent="-285120">
               <a:lnSpc>
                 <a:spcPct val="120000"/>
               </a:lnSpc>
@@ -10093,7 +9538,7 @@
               <a:buChar char="•"/>
             </a:pPr>
             <a:r>
-              <a:rPr b="0" lang="nl-NL" sz="1500" spc="-1" strike="noStrike">
+              <a:rPr b="0" lang="en-US" sz="1500" spc="-1" strike="noStrike">
                 <a:solidFill>
                   <a:srgbClr val="000000"/>
                 </a:solidFill>
@@ -10101,15 +9546,12 @@
               </a:rPr>
               <a:t>Inspect the page in your browser</a:t>
             </a:r>
-            <a:endParaRPr b="0" lang="nl-NL" sz="1500" spc="-1" strike="noStrike">
-              <a:solidFill>
-                <a:srgbClr val="000000"/>
-              </a:solidFill>
-              <a:latin typeface="Arial"/>
-            </a:endParaRPr>
-          </a:p>
-          <a:p>
-            <a:pPr marL="285840" indent="-285480">
+            <a:endParaRPr b="0" lang="en-US" sz="1500" spc="-1" strike="noStrike">
+              <a:latin typeface="Arial"/>
+            </a:endParaRPr>
+          </a:p>
+          <a:p>
+            <a:pPr marL="285840" indent="-285120">
               <a:lnSpc>
                 <a:spcPct val="120000"/>
               </a:lnSpc>
@@ -10120,36 +9562,59 @@
               <a:buChar char="•"/>
             </a:pPr>
             <a:r>
-              <a:rPr b="0" lang="nl-NL" sz="1500" spc="-1" strike="noStrike">
+              <a:rPr b="0" lang="en-US" sz="1500" spc="-1" strike="noStrike">
                 <a:solidFill>
                   <a:srgbClr val="000000"/>
                 </a:solidFill>
                 <a:latin typeface="Arial"/>
               </a:rPr>
-              <a:t>Edit the JSX to show a AMISBnB as a title</a:t>
+              <a:t>Edit the JSX in the file src/App.js to show AMISBnB as a title</a:t>
             </a:r>
-            <a:endParaRPr b="0" lang="nl-NL" sz="1500" spc="-1" strike="noStrike">
-              <a:solidFill>
-                <a:srgbClr val="000000"/>
-              </a:solidFill>
-              <a:latin typeface="Arial"/>
-            </a:endParaRPr>
-          </a:p>
-          <a:p>
-            <a:pPr marL="285840" indent="-285480">
+            <a:endParaRPr b="0" lang="en-US" sz="1500" spc="-1" strike="noStrike">
+              <a:latin typeface="Arial"/>
+            </a:endParaRPr>
+          </a:p>
+          <a:p>
+            <a:pPr>
               <a:lnSpc>
                 <a:spcPct val="120000"/>
               </a:lnSpc>
-              <a:buClr>
-                <a:srgbClr val="000000"/>
-              </a:buClr>
-              <a:buFont typeface="Arial"/>
-              <a:buChar char="•"/>
-            </a:pPr>
-            <a:endParaRPr b="0" lang="nl-NL" sz="1500" spc="-1" strike="noStrike">
-              <a:solidFill>
-                <a:srgbClr val="000000"/>
-              </a:solidFill>
+            </a:pPr>
+            <a:endParaRPr b="0" lang="en-US" sz="1500" spc="-1" strike="noStrike">
+              <a:latin typeface="Arial"/>
+            </a:endParaRPr>
+          </a:p>
+        </p:txBody>
+      </p:sp>
+      <p:sp>
+        <p:nvSpPr>
+          <p:cNvPr id="168" name="TextShape 5"/>
+          <p:cNvSpPr txBox="1"/>
+          <p:nvPr/>
+        </p:nvSpPr>
+        <p:spPr>
+          <a:xfrm>
+            <a:off x="731520" y="1097280"/>
+            <a:ext cx="7040880" cy="305280"/>
+          </a:xfrm>
+          <a:prstGeom prst="rect">
+            <a:avLst/>
+          </a:prstGeom>
+          <a:noFill/>
+          <a:ln>
+            <a:noFill/>
+          </a:ln>
+        </p:spPr>
+        <p:txBody>
+          <a:bodyPr lIns="90000" rIns="90000" tIns="45000" bIns="45000"/>
+          <a:p>
+            <a:r>
+              <a:rPr b="0" lang="en-US" sz="1800" spc="-1" strike="noStrike">
+                <a:latin typeface="Arial"/>
+              </a:rPr>
+              <a:t>Suggestion: use VS Code with ESlint plugin for error-checking</a:t>
+            </a:r>
+            <a:endParaRPr b="0" lang="en-US" sz="1800" spc="-1" strike="noStrike">
               <a:latin typeface="Arial"/>
             </a:endParaRPr>
           </a:p>

--- a/sig1/slides/SIG react 1.pptx
+++ b/sig1/slides/SIG react 1.pptx
@@ -4061,7 +4061,7 @@
         <p:spPr>
           <a:xfrm>
             <a:off x="7200000" y="360000"/>
-            <a:ext cx="1258200" cy="285840"/>
+            <a:ext cx="1257840" cy="285480"/>
           </a:xfrm>
           <a:prstGeom prst="rect">
             <a:avLst/>
@@ -4084,7 +4084,7 @@
         <p:spPr>
           <a:xfrm>
             <a:off x="0" y="4966560"/>
-            <a:ext cx="9143280" cy="176040"/>
+            <a:ext cx="9142920" cy="175680"/>
           </a:xfrm>
           <a:prstGeom prst="rect">
             <a:avLst/>
@@ -4141,7 +4141,7 @@
         <p:spPr>
           <a:xfrm>
             <a:off x="0" y="4966560"/>
-            <a:ext cx="9143280" cy="176040"/>
+            <a:ext cx="9142920" cy="175680"/>
           </a:xfrm>
           <a:prstGeom prst="rect">
             <a:avLst/>
@@ -4164,7 +4164,7 @@
         <p:spPr>
           <a:xfrm>
             <a:off x="648000" y="108000"/>
-            <a:ext cx="2879640" cy="648360"/>
+            <a:ext cx="2879280" cy="648000"/>
           </a:xfrm>
           <a:prstGeom prst="rect">
             <a:avLst/>
@@ -4445,7 +4445,7 @@
         <p:spPr>
           <a:xfrm>
             <a:off x="7200000" y="360000"/>
-            <a:ext cx="1258200" cy="285840"/>
+            <a:ext cx="1257840" cy="285480"/>
           </a:xfrm>
           <a:prstGeom prst="rect">
             <a:avLst/>
@@ -4468,7 +4468,7 @@
         <p:spPr>
           <a:xfrm>
             <a:off x="0" y="4966560"/>
-            <a:ext cx="9143280" cy="176040"/>
+            <a:ext cx="9142920" cy="175680"/>
           </a:xfrm>
           <a:prstGeom prst="rect">
             <a:avLst/>
@@ -4783,7 +4783,7 @@
         <p:spPr>
           <a:xfrm>
             <a:off x="7200000" y="360000"/>
-            <a:ext cx="1258200" cy="285840"/>
+            <a:ext cx="1257840" cy="285480"/>
           </a:xfrm>
           <a:prstGeom prst="rect">
             <a:avLst/>
@@ -4806,7 +4806,7 @@
         <p:spPr>
           <a:xfrm>
             <a:off x="0" y="4966560"/>
-            <a:ext cx="9143280" cy="176040"/>
+            <a:ext cx="9142920" cy="175680"/>
           </a:xfrm>
           <a:prstGeom prst="rect">
             <a:avLst/>
@@ -4859,7 +4859,7 @@
         <p:spPr>
           <a:xfrm>
             <a:off x="0" y="812880"/>
-            <a:ext cx="9143280" cy="3509280"/>
+            <a:ext cx="9142920" cy="3508920"/>
           </a:xfrm>
           <a:prstGeom prst="rect">
             <a:avLst/>
@@ -5151,7 +5151,7 @@
         <p:spPr>
           <a:xfrm>
             <a:off x="0" y="810000"/>
-            <a:ext cx="9143280" cy="3347280"/>
+            <a:ext cx="9142920" cy="3346920"/>
           </a:xfrm>
           <a:prstGeom prst="rect">
             <a:avLst/>
@@ -5173,7 +5173,7 @@
         <p:spPr>
           <a:xfrm>
             <a:off x="5400000" y="1548000"/>
-            <a:ext cx="3023280" cy="3023280"/>
+            <a:ext cx="3022920" cy="3022920"/>
           </a:xfrm>
           <a:prstGeom prst="rect">
             <a:avLst/>
@@ -5205,6 +5205,7 @@
                   <a:srgbClr val="ffffff"/>
                 </a:solidFill>
                 <a:latin typeface="Arial"/>
+                <a:ea typeface="DejaVu Sans"/>
               </a:rPr>
               <a:t>SIG React</a:t>
             </a:r>
@@ -5215,6 +5216,7 @@
                   <a:srgbClr val="ffffff"/>
                 </a:solidFill>
                 <a:latin typeface="Arial"/>
+                <a:ea typeface="DejaVu Sans"/>
               </a:rPr>
               <a:t>24-07-2018</a:t>
             </a:r>
@@ -5282,7 +5284,7 @@
         <p:spPr>
           <a:xfrm>
             <a:off x="720000" y="288000"/>
-            <a:ext cx="6623280" cy="503280"/>
+            <a:ext cx="6622920" cy="502920"/>
           </a:xfrm>
           <a:prstGeom prst="rect">
             <a:avLst/>
@@ -5312,6 +5314,7 @@
                   <a:srgbClr val="e63232"/>
                 </a:solidFill>
                 <a:latin typeface="Arial"/>
+                <a:ea typeface="DejaVu Sans"/>
               </a:rPr>
               <a:t>Hands-on: Creating a component</a:t>
             </a:r>
@@ -5330,7 +5333,7 @@
         <p:spPr>
           <a:xfrm>
             <a:off x="4968000" y="5004000"/>
-            <a:ext cx="3239280" cy="107280"/>
+            <a:ext cx="3238920" cy="106920"/>
           </a:xfrm>
           <a:prstGeom prst="rect">
             <a:avLst/>
@@ -5360,8 +5363,9 @@
                   <a:srgbClr val="ffffff"/>
                 </a:solidFill>
                 <a:latin typeface="Arial"/>
-              </a:rPr>
-              <a:t>Titel van de presentatie</a:t>
+                <a:ea typeface="DejaVu Sans"/>
+              </a:rPr>
+              <a:t>React</a:t>
             </a:r>
             <a:endParaRPr b="0" lang="en-US" sz="600" spc="-1" strike="noStrike">
               <a:latin typeface="Arial"/>
@@ -5378,7 +5382,7 @@
         <p:spPr>
           <a:xfrm>
             <a:off x="8280000" y="5004000"/>
-            <a:ext cx="143280" cy="107280"/>
+            <a:ext cx="142920" cy="106920"/>
           </a:xfrm>
           <a:prstGeom prst="rect">
             <a:avLst/>
@@ -5402,12 +5406,13 @@
                 <a:spcPct val="100000"/>
               </a:lnSpc>
             </a:pPr>
-            <a:fld id="{98A78FA5-DDF2-4A85-9106-E4AF14D17C01}" type="slidenum">
+            <a:fld id="{A80B5D2F-63F6-4E37-8C8E-E7F10932D507}" type="slidenum">
               <a:rPr b="0" lang="en-US" sz="600" spc="-1" strike="noStrike">
                 <a:solidFill>
                   <a:srgbClr val="ffffff"/>
                 </a:solidFill>
                 <a:latin typeface="Arial"/>
+                <a:ea typeface="DejaVu Sans"/>
               </a:rPr>
               <a:t>&lt;number&gt;</a:t>
             </a:fld>
@@ -5426,7 +5431,7 @@
         <p:spPr>
           <a:xfrm>
             <a:off x="717120" y="792000"/>
-            <a:ext cx="6623280" cy="3886560"/>
+            <a:ext cx="6622920" cy="3886200"/>
           </a:xfrm>
           <a:prstGeom prst="rect">
             <a:avLst/>
@@ -5455,7 +5460,7 @@
             </a:endParaRPr>
           </a:p>
           <a:p>
-            <a:pPr marL="285840" indent="-285120">
+            <a:pPr marL="285840" indent="-284760">
               <a:lnSpc>
                 <a:spcPct val="120000"/>
               </a:lnSpc>
@@ -5471,6 +5476,7 @@
                   <a:srgbClr val="000000"/>
                 </a:solidFill>
                 <a:latin typeface="Arial"/>
+                <a:ea typeface="DejaVu Sans"/>
               </a:rPr>
               <a:t>Create the folder src/components</a:t>
             </a:r>
@@ -5479,7 +5485,7 @@
             </a:endParaRPr>
           </a:p>
           <a:p>
-            <a:pPr marL="285840" indent="-285120">
+            <a:pPr marL="285840" indent="-284760">
               <a:lnSpc>
                 <a:spcPct val="120000"/>
               </a:lnSpc>
@@ -5495,6 +5501,7 @@
                   <a:srgbClr val="000000"/>
                 </a:solidFill>
                 <a:latin typeface="Arial"/>
+                <a:ea typeface="DejaVu Sans"/>
               </a:rPr>
               <a:t>Create a new component by adding a file named Appbar.js with the code shown below.</a:t>
             </a:r>
@@ -5503,7 +5510,7 @@
             </a:endParaRPr>
           </a:p>
           <a:p>
-            <a:pPr marL="285840" indent="-285120">
+            <a:pPr marL="285840" indent="-284760">
               <a:lnSpc>
                 <a:spcPct val="120000"/>
               </a:lnSpc>
@@ -5519,6 +5526,7 @@
                   <a:srgbClr val="000000"/>
                 </a:solidFill>
                 <a:latin typeface="Arial"/>
+                <a:ea typeface="DejaVu Sans"/>
               </a:rPr>
               <a:t>Add JSX to the return of the render method. </a:t>
             </a:r>
@@ -5527,7 +5535,7 @@
             </a:endParaRPr>
           </a:p>
           <a:p>
-            <a:pPr marL="285840" indent="-285120">
+            <a:pPr marL="285840" indent="-284760">
               <a:lnSpc>
                 <a:spcPct val="120000"/>
               </a:lnSpc>
@@ -5543,6 +5551,7 @@
                   <a:srgbClr val="000000"/>
                 </a:solidFill>
                 <a:latin typeface="Arial"/>
+                <a:ea typeface="DejaVu Sans"/>
               </a:rPr>
               <a:t>Add some styling in a .css file and import the css file</a:t>
             </a:r>
@@ -5551,7 +5560,7 @@
             </a:endParaRPr>
           </a:p>
           <a:p>
-            <a:pPr marL="285840" indent="-285120">
+            <a:pPr marL="285840" indent="-284760">
               <a:lnSpc>
                 <a:spcPct val="120000"/>
               </a:lnSpc>
@@ -5567,6 +5576,7 @@
                   <a:srgbClr val="000000"/>
                 </a:solidFill>
                 <a:latin typeface="Arial"/>
+                <a:ea typeface="DejaVu Sans"/>
               </a:rPr>
               <a:t>Import and use the component in  src/App.js</a:t>
             </a:r>
@@ -5599,7 +5609,7 @@
         <p:spPr>
           <a:xfrm>
             <a:off x="2332080" y="2670840"/>
-            <a:ext cx="4343040" cy="2333160"/>
+            <a:ext cx="4342680" cy="2332800"/>
           </a:xfrm>
           <a:prstGeom prst="rect">
             <a:avLst/>
@@ -5667,7 +5677,7 @@
         <p:spPr>
           <a:xfrm>
             <a:off x="720000" y="288000"/>
-            <a:ext cx="6623280" cy="503280"/>
+            <a:ext cx="6622920" cy="502920"/>
           </a:xfrm>
           <a:prstGeom prst="rect">
             <a:avLst/>
@@ -5697,6 +5707,7 @@
                   <a:srgbClr val="e63232"/>
                 </a:solidFill>
                 <a:latin typeface="Arial"/>
+                <a:ea typeface="DejaVu Sans"/>
               </a:rPr>
               <a:t>Hands-on: passing props to your component</a:t>
             </a:r>
@@ -5715,7 +5726,7 @@
         <p:spPr>
           <a:xfrm>
             <a:off x="4968000" y="5004000"/>
-            <a:ext cx="3239280" cy="107280"/>
+            <a:ext cx="3238920" cy="106920"/>
           </a:xfrm>
           <a:prstGeom prst="rect">
             <a:avLst/>
@@ -5745,8 +5756,9 @@
                   <a:srgbClr val="ffffff"/>
                 </a:solidFill>
                 <a:latin typeface="Arial"/>
-              </a:rPr>
-              <a:t>Titel van de presentatie</a:t>
+                <a:ea typeface="DejaVu Sans"/>
+              </a:rPr>
+              <a:t>React</a:t>
             </a:r>
             <a:endParaRPr b="0" lang="en-US" sz="600" spc="-1" strike="noStrike">
               <a:latin typeface="Arial"/>
@@ -5763,7 +5775,7 @@
         <p:spPr>
           <a:xfrm>
             <a:off x="8280000" y="5004000"/>
-            <a:ext cx="143280" cy="107280"/>
+            <a:ext cx="142920" cy="106920"/>
           </a:xfrm>
           <a:prstGeom prst="rect">
             <a:avLst/>
@@ -5787,12 +5799,13 @@
                 <a:spcPct val="100000"/>
               </a:lnSpc>
             </a:pPr>
-            <a:fld id="{2DC73CA2-27A4-4701-AD3C-97B20E195BCB}" type="slidenum">
+            <a:fld id="{843D067F-4F57-4BC7-9EB7-33F205D350A7}" type="slidenum">
               <a:rPr b="0" lang="en-US" sz="600" spc="-1" strike="noStrike">
                 <a:solidFill>
                   <a:srgbClr val="ffffff"/>
                 </a:solidFill>
                 <a:latin typeface="Arial"/>
+                <a:ea typeface="DejaVu Sans"/>
               </a:rPr>
               <a:t>&lt;number&gt;</a:t>
             </a:fld>
@@ -5811,7 +5824,7 @@
         <p:spPr>
           <a:xfrm>
             <a:off x="717120" y="792000"/>
-            <a:ext cx="6623280" cy="3886560"/>
+            <a:ext cx="6622920" cy="3886200"/>
           </a:xfrm>
           <a:prstGeom prst="rect">
             <a:avLst/>
@@ -5840,7 +5853,7 @@
             </a:endParaRPr>
           </a:p>
           <a:p>
-            <a:pPr marL="285840" indent="-285120">
+            <a:pPr marL="285840" indent="-284760">
               <a:lnSpc>
                 <a:spcPct val="120000"/>
               </a:lnSpc>
@@ -5856,6 +5869,7 @@
                   <a:srgbClr val="000000"/>
                 </a:solidFill>
                 <a:latin typeface="Arial"/>
+                <a:ea typeface="DejaVu Sans"/>
               </a:rPr>
               <a:t>Pass a prop to your Appbar ( `&lt;Appbar propName=’a string’ /&gt;`)</a:t>
             </a:r>
@@ -5864,7 +5878,7 @@
             </a:endParaRPr>
           </a:p>
           <a:p>
-            <a:pPr marL="285840" indent="-285120">
+            <a:pPr marL="285840" indent="-284760">
               <a:lnSpc>
                 <a:spcPct val="120000"/>
               </a:lnSpc>
@@ -5880,6 +5894,7 @@
                   <a:srgbClr val="000000"/>
                 </a:solidFill>
                 <a:latin typeface="Arial"/>
+                <a:ea typeface="DejaVu Sans"/>
               </a:rPr>
               <a:t>Use this prop in the Appbar (availabe with `this.props.propName`)</a:t>
             </a:r>
@@ -5888,7 +5903,7 @@
             </a:endParaRPr>
           </a:p>
           <a:p>
-            <a:pPr marL="285840" indent="-285120">
+            <a:pPr marL="285840" indent="-284760">
               <a:lnSpc>
                 <a:spcPct val="120000"/>
               </a:lnSpc>
@@ -5904,6 +5919,7 @@
                   <a:srgbClr val="000000"/>
                 </a:solidFill>
                 <a:latin typeface="Arial"/>
+                <a:ea typeface="DejaVu Sans"/>
               </a:rPr>
               <a:t>Try using multiple Appbar components in your App.js with different values for your prop</a:t>
             </a:r>
@@ -5981,7 +5997,7 @@
         <p:spPr>
           <a:xfrm>
             <a:off x="720000" y="288000"/>
-            <a:ext cx="6623280" cy="503280"/>
+            <a:ext cx="6622920" cy="502920"/>
           </a:xfrm>
           <a:prstGeom prst="rect">
             <a:avLst/>
@@ -6011,6 +6027,7 @@
                   <a:srgbClr val="e63232"/>
                 </a:solidFill>
                 <a:latin typeface="Arial"/>
+                <a:ea typeface="DejaVu Sans"/>
               </a:rPr>
               <a:t>Hands-on: displaying data</a:t>
             </a:r>
@@ -6029,7 +6046,7 @@
         <p:spPr>
           <a:xfrm>
             <a:off x="4968000" y="5004000"/>
-            <a:ext cx="3239280" cy="107280"/>
+            <a:ext cx="3238920" cy="106920"/>
           </a:xfrm>
           <a:prstGeom prst="rect">
             <a:avLst/>
@@ -6059,8 +6076,9 @@
                   <a:srgbClr val="ffffff"/>
                 </a:solidFill>
                 <a:latin typeface="Arial"/>
-              </a:rPr>
-              <a:t>Titel van de presentatie</a:t>
+                <a:ea typeface="DejaVu Sans"/>
+              </a:rPr>
+              <a:t>React</a:t>
             </a:r>
             <a:endParaRPr b="0" lang="en-US" sz="600" spc="-1" strike="noStrike">
               <a:latin typeface="Arial"/>
@@ -6077,7 +6095,7 @@
         <p:spPr>
           <a:xfrm>
             <a:off x="8280000" y="5004000"/>
-            <a:ext cx="143280" cy="107280"/>
+            <a:ext cx="142920" cy="106920"/>
           </a:xfrm>
           <a:prstGeom prst="rect">
             <a:avLst/>
@@ -6101,12 +6119,13 @@
                 <a:spcPct val="100000"/>
               </a:lnSpc>
             </a:pPr>
-            <a:fld id="{B5B288B2-F8E5-4A2A-96C5-43F4DA7CE584}" type="slidenum">
+            <a:fld id="{9AC8A86D-1356-433F-8632-4F5277DA76A6}" type="slidenum">
               <a:rPr b="0" lang="en-US" sz="600" spc="-1" strike="noStrike">
                 <a:solidFill>
                   <a:srgbClr val="ffffff"/>
                 </a:solidFill>
                 <a:latin typeface="Arial"/>
+                <a:ea typeface="DejaVu Sans"/>
               </a:rPr>
               <a:t>&lt;number&gt;</a:t>
             </a:fld>
@@ -6125,7 +6144,7 @@
         <p:spPr>
           <a:xfrm>
             <a:off x="783000" y="776520"/>
-            <a:ext cx="6623280" cy="3886560"/>
+            <a:ext cx="6622920" cy="3886200"/>
           </a:xfrm>
           <a:prstGeom prst="rect">
             <a:avLst/>
@@ -6154,7 +6173,7 @@
             </a:endParaRPr>
           </a:p>
           <a:p>
-            <a:pPr marL="285840" indent="-285120">
+            <a:pPr marL="285840" indent="-284760">
               <a:lnSpc>
                 <a:spcPct val="120000"/>
               </a:lnSpc>
@@ -6170,6 +6189,7 @@
                   <a:srgbClr val="000000"/>
                 </a:solidFill>
                 <a:latin typeface="Arial"/>
+                <a:ea typeface="DejaVu Sans"/>
               </a:rPr>
               <a:t>Import the data from the resources folder (`import { accomodations } from ‘src/resources/accommodations.js’`)</a:t>
             </a:r>
@@ -6178,7 +6198,7 @@
             </a:endParaRPr>
           </a:p>
           <a:p>
-            <a:pPr marL="285840" indent="-285120">
+            <a:pPr marL="285840" indent="-284760">
               <a:lnSpc>
                 <a:spcPct val="120000"/>
               </a:lnSpc>
@@ -6194,6 +6214,7 @@
                   <a:srgbClr val="000000"/>
                 </a:solidFill>
                 <a:latin typeface="Arial"/>
+                <a:ea typeface="DejaVu Sans"/>
               </a:rPr>
               <a:t>Use accommodations.map(() =&gt; {}) to display a div with the accommodations name for each accommodation</a:t>
             </a:r>
@@ -6202,7 +6223,7 @@
             </a:endParaRPr>
           </a:p>
           <a:p>
-            <a:pPr marL="285840" indent="-285120">
+            <a:pPr marL="285840" indent="-284760">
               <a:lnSpc>
                 <a:spcPct val="120000"/>
               </a:lnSpc>
@@ -6218,6 +6239,7 @@
                   <a:srgbClr val="000000"/>
                 </a:solidFill>
                 <a:latin typeface="Arial"/>
+                <a:ea typeface="DejaVu Sans"/>
               </a:rPr>
               <a:t>Move the rendering of the accommodations to a separate function called renderAccommodations which should JSX. Use it by changing the map function to: `accommodations.map(this.renderAccomodations)`</a:t>
             </a:r>
@@ -6226,7 +6248,7 @@
             </a:endParaRPr>
           </a:p>
           <a:p>
-            <a:pPr marL="285840" indent="-285120">
+            <a:pPr marL="285840" indent="-284760">
               <a:lnSpc>
                 <a:spcPct val="120000"/>
               </a:lnSpc>
@@ -6242,6 +6264,7 @@
                   <a:srgbClr val="000000"/>
                 </a:solidFill>
                 <a:latin typeface="Arial"/>
+                <a:ea typeface="DejaVu Sans"/>
               </a:rPr>
               <a:t>Display more of the data from the accommodations objects. Add some styling.</a:t>
             </a:r>
@@ -6319,7 +6342,7 @@
         <p:spPr>
           <a:xfrm>
             <a:off x="720000" y="288000"/>
-            <a:ext cx="6623280" cy="503280"/>
+            <a:ext cx="6622920" cy="502920"/>
           </a:xfrm>
           <a:prstGeom prst="rect">
             <a:avLst/>
@@ -6349,6 +6372,7 @@
                   <a:srgbClr val="e63232"/>
                 </a:solidFill>
                 <a:latin typeface="Arial"/>
+                <a:ea typeface="DejaVu Sans"/>
               </a:rPr>
               <a:t>Hands-on: move accommodation to it’s own component</a:t>
             </a:r>
@@ -6367,7 +6391,7 @@
         <p:spPr>
           <a:xfrm>
             <a:off x="4968000" y="5004000"/>
-            <a:ext cx="3239280" cy="107280"/>
+            <a:ext cx="3238920" cy="106920"/>
           </a:xfrm>
           <a:prstGeom prst="rect">
             <a:avLst/>
@@ -6397,8 +6421,9 @@
                   <a:srgbClr val="ffffff"/>
                 </a:solidFill>
                 <a:latin typeface="Arial"/>
-              </a:rPr>
-              <a:t>Titel van de presentatie</a:t>
+                <a:ea typeface="DejaVu Sans"/>
+              </a:rPr>
+              <a:t>React</a:t>
             </a:r>
             <a:endParaRPr b="0" lang="en-US" sz="600" spc="-1" strike="noStrike">
               <a:latin typeface="Arial"/>
@@ -6415,7 +6440,7 @@
         <p:spPr>
           <a:xfrm>
             <a:off x="8280000" y="5004000"/>
-            <a:ext cx="143280" cy="107280"/>
+            <a:ext cx="142920" cy="106920"/>
           </a:xfrm>
           <a:prstGeom prst="rect">
             <a:avLst/>
@@ -6439,12 +6464,13 @@
                 <a:spcPct val="100000"/>
               </a:lnSpc>
             </a:pPr>
-            <a:fld id="{7EDD62CB-6CEF-4C5A-BE04-8044DA09DF01}" type="slidenum">
+            <a:fld id="{513FC12F-FAB1-482D-8C4C-420FB2BDDEC4}" type="slidenum">
               <a:rPr b="0" lang="en-US" sz="600" spc="-1" strike="noStrike">
                 <a:solidFill>
                   <a:srgbClr val="ffffff"/>
                 </a:solidFill>
                 <a:latin typeface="Arial"/>
+                <a:ea typeface="DejaVu Sans"/>
               </a:rPr>
               <a:t>&lt;number&gt;</a:t>
             </a:fld>
@@ -6463,7 +6489,7 @@
         <p:spPr>
           <a:xfrm>
             <a:off x="717120" y="792000"/>
-            <a:ext cx="6623280" cy="3886560"/>
+            <a:ext cx="6622920" cy="3886200"/>
           </a:xfrm>
           <a:prstGeom prst="rect">
             <a:avLst/>
@@ -6492,7 +6518,7 @@
             </a:endParaRPr>
           </a:p>
           <a:p>
-            <a:pPr marL="285840" indent="-285120">
+            <a:pPr marL="285840" indent="-284760">
               <a:lnSpc>
                 <a:spcPct val="120000"/>
               </a:lnSpc>
@@ -6508,6 +6534,7 @@
                   <a:srgbClr val="000000"/>
                 </a:solidFill>
                 <a:latin typeface="Arial"/>
+                <a:ea typeface="DejaVu Sans"/>
               </a:rPr>
               <a:t>Create a new .js and .css file for Accommodation. Add the required code to export a component from these files and move the rendering of an accommodation to this component. </a:t>
             </a:r>
@@ -6516,7 +6543,7 @@
             </a:endParaRPr>
           </a:p>
           <a:p>
-            <a:pPr marL="285840" indent="-285120">
+            <a:pPr marL="285840" indent="-284760">
               <a:lnSpc>
                 <a:spcPct val="120000"/>
               </a:lnSpc>
@@ -6532,6 +6559,7 @@
                   <a:srgbClr val="000000"/>
                 </a:solidFill>
                 <a:latin typeface="Arial"/>
+                <a:ea typeface="DejaVu Sans"/>
               </a:rPr>
               <a:t>Move the css you used to style the individial accommodations from Accommodations.css to the new css file</a:t>
             </a:r>
@@ -6540,7 +6568,7 @@
             </a:endParaRPr>
           </a:p>
           <a:p>
-            <a:pPr marL="285840" indent="-285120">
+            <a:pPr marL="285840" indent="-284760">
               <a:lnSpc>
                 <a:spcPct val="120000"/>
               </a:lnSpc>
@@ -6556,6 +6584,7 @@
                   <a:srgbClr val="000000"/>
                 </a:solidFill>
                 <a:latin typeface="Arial"/>
+                <a:ea typeface="DejaVu Sans"/>
               </a:rPr>
               <a:t>Display the component &lt;HomeIcon /&gt; from the resources folder in your new Accomodation component. Have its color be based on favorite being true or false.</a:t>
             </a:r>
@@ -6643,7 +6672,7 @@
         <p:spPr>
           <a:xfrm>
             <a:off x="720000" y="288000"/>
-            <a:ext cx="6623280" cy="503280"/>
+            <a:ext cx="6622920" cy="502920"/>
           </a:xfrm>
           <a:prstGeom prst="rect">
             <a:avLst/>
@@ -6673,6 +6702,7 @@
                   <a:srgbClr val="e63232"/>
                 </a:solidFill>
                 <a:latin typeface="Arial"/>
+                <a:ea typeface="DejaVu Sans"/>
               </a:rPr>
               <a:t>Hands-on: using state</a:t>
             </a:r>
@@ -6691,7 +6721,7 @@
         <p:spPr>
           <a:xfrm>
             <a:off x="4968000" y="5004000"/>
-            <a:ext cx="3239280" cy="107280"/>
+            <a:ext cx="3238920" cy="106920"/>
           </a:xfrm>
           <a:prstGeom prst="rect">
             <a:avLst/>
@@ -6721,8 +6751,9 @@
                   <a:srgbClr val="ffffff"/>
                 </a:solidFill>
                 <a:latin typeface="Arial"/>
-              </a:rPr>
-              <a:t>Titel van de presentatie</a:t>
+                <a:ea typeface="DejaVu Sans"/>
+              </a:rPr>
+              <a:t>React</a:t>
             </a:r>
             <a:endParaRPr b="0" lang="en-US" sz="600" spc="-1" strike="noStrike">
               <a:latin typeface="Arial"/>
@@ -6739,7 +6770,7 @@
         <p:spPr>
           <a:xfrm>
             <a:off x="8280000" y="5004000"/>
-            <a:ext cx="143280" cy="107280"/>
+            <a:ext cx="142920" cy="106920"/>
           </a:xfrm>
           <a:prstGeom prst="rect">
             <a:avLst/>
@@ -6763,12 +6794,13 @@
                 <a:spcPct val="100000"/>
               </a:lnSpc>
             </a:pPr>
-            <a:fld id="{283F7000-0BB2-438B-BCBD-E9CDB96BC7D6}" type="slidenum">
+            <a:fld id="{BEA6CDE1-56CE-46BF-99C9-8C4B1346A1C4}" type="slidenum">
               <a:rPr b="0" lang="en-US" sz="600" spc="-1" strike="noStrike">
                 <a:solidFill>
                   <a:srgbClr val="ffffff"/>
                 </a:solidFill>
                 <a:latin typeface="Arial"/>
+                <a:ea typeface="DejaVu Sans"/>
               </a:rPr>
               <a:t>&lt;number&gt;</a:t>
             </a:fld>
@@ -6787,7 +6819,7 @@
         <p:spPr>
           <a:xfrm>
             <a:off x="717120" y="792000"/>
-            <a:ext cx="6623280" cy="3886560"/>
+            <a:ext cx="6622920" cy="3886200"/>
           </a:xfrm>
           <a:prstGeom prst="rect">
             <a:avLst/>
@@ -6816,7 +6848,7 @@
             </a:endParaRPr>
           </a:p>
           <a:p>
-            <a:pPr marL="285840" indent="-285120">
+            <a:pPr marL="285840" indent="-284760">
               <a:lnSpc>
                 <a:spcPct val="120000"/>
               </a:lnSpc>
@@ -6832,6 +6864,7 @@
                   <a:srgbClr val="000000"/>
                 </a:solidFill>
                 <a:latin typeface="Arial"/>
+                <a:ea typeface="DejaVu Sans"/>
               </a:rPr>
               <a:t>Have the HomeIcon be shown dependent on state rather than props by adding a this.state.favorite to your Accommodation component</a:t>
             </a:r>
@@ -6840,7 +6873,7 @@
             </a:endParaRPr>
           </a:p>
           <a:p>
-            <a:pPr marL="285840" indent="-285120">
+            <a:pPr marL="285840" indent="-284760">
               <a:lnSpc>
                 <a:spcPct val="120000"/>
               </a:lnSpc>
@@ -6856,6 +6889,7 @@
                   <a:srgbClr val="000000"/>
                 </a:solidFill>
                 <a:latin typeface="Arial"/>
+                <a:ea typeface="DejaVu Sans"/>
               </a:rPr>
               <a:t>Add a function to toggle the value of this.state.favorite using `this.setState()`</a:t>
             </a:r>
@@ -6864,7 +6898,7 @@
             </a:endParaRPr>
           </a:p>
           <a:p>
-            <a:pPr marL="285840" indent="-285120">
+            <a:pPr marL="285840" indent="-284760">
               <a:lnSpc>
                 <a:spcPct val="120000"/>
               </a:lnSpc>
@@ -6880,6 +6914,7 @@
                   <a:srgbClr val="000000"/>
                 </a:solidFill>
                 <a:latin typeface="Arial"/>
+                <a:ea typeface="DejaVu Sans"/>
               </a:rPr>
               <a:t>Add an `onClick` property to your HomeIcon which calls the function you just wrote</a:t>
             </a:r>
@@ -6967,7 +7002,7 @@
         <p:spPr>
           <a:xfrm>
             <a:off x="720000" y="288000"/>
-            <a:ext cx="6623280" cy="503280"/>
+            <a:ext cx="6622920" cy="502920"/>
           </a:xfrm>
           <a:prstGeom prst="rect">
             <a:avLst/>
@@ -6997,6 +7032,7 @@
                   <a:srgbClr val="e63232"/>
                 </a:solidFill>
                 <a:latin typeface="Arial"/>
+                <a:ea typeface="DejaVu Sans"/>
               </a:rPr>
               <a:t>Hands-on extra: displaying favorites at the top</a:t>
             </a:r>
@@ -7015,7 +7051,7 @@
         <p:spPr>
           <a:xfrm>
             <a:off x="4968000" y="5004000"/>
-            <a:ext cx="3239280" cy="107280"/>
+            <a:ext cx="3238920" cy="106920"/>
           </a:xfrm>
           <a:prstGeom prst="rect">
             <a:avLst/>
@@ -7045,8 +7081,9 @@
                   <a:srgbClr val="ffffff"/>
                 </a:solidFill>
                 <a:latin typeface="Arial"/>
-              </a:rPr>
-              <a:t>Titel van de presentatie</a:t>
+                <a:ea typeface="DejaVu Sans"/>
+              </a:rPr>
+              <a:t>React</a:t>
             </a:r>
             <a:endParaRPr b="0" lang="en-US" sz="600" spc="-1" strike="noStrike">
               <a:latin typeface="Arial"/>
@@ -7063,7 +7100,7 @@
         <p:spPr>
           <a:xfrm>
             <a:off x="8280000" y="5004000"/>
-            <a:ext cx="143280" cy="107280"/>
+            <a:ext cx="142920" cy="106920"/>
           </a:xfrm>
           <a:prstGeom prst="rect">
             <a:avLst/>
@@ -7087,12 +7124,13 @@
                 <a:spcPct val="100000"/>
               </a:lnSpc>
             </a:pPr>
-            <a:fld id="{F2762546-B5CF-48C9-AF48-3A6545906EBC}" type="slidenum">
+            <a:fld id="{A9B1F130-10AA-4C22-86F0-B2B034BE207A}" type="slidenum">
               <a:rPr b="0" lang="en-US" sz="600" spc="-1" strike="noStrike">
                 <a:solidFill>
                   <a:srgbClr val="ffffff"/>
                 </a:solidFill>
                 <a:latin typeface="Arial"/>
+                <a:ea typeface="DejaVu Sans"/>
               </a:rPr>
               <a:t>&lt;number&gt;</a:t>
             </a:fld>
@@ -7111,7 +7149,7 @@
         <p:spPr>
           <a:xfrm>
             <a:off x="717120" y="792000"/>
-            <a:ext cx="6623280" cy="3886560"/>
+            <a:ext cx="6622920" cy="3886200"/>
           </a:xfrm>
           <a:prstGeom prst="rect">
             <a:avLst/>
@@ -7140,7 +7178,7 @@
             </a:endParaRPr>
           </a:p>
           <a:p>
-            <a:pPr marL="285840" indent="-285120">
+            <a:pPr marL="285840" indent="-284760">
               <a:lnSpc>
                 <a:spcPct val="120000"/>
               </a:lnSpc>
@@ -7156,6 +7194,7 @@
                   <a:srgbClr val="000000"/>
                 </a:solidFill>
                 <a:latin typeface="Arial"/>
+                <a:ea typeface="DejaVu Sans"/>
               </a:rPr>
               <a:t>Display the accommodations which have `favorite === true` a second time at the top of the page</a:t>
             </a:r>
@@ -7164,7 +7203,7 @@
             </a:endParaRPr>
           </a:p>
           <a:p>
-            <a:pPr marL="285840" indent="-285120">
+            <a:pPr marL="285840" indent="-284760">
               <a:lnSpc>
                 <a:spcPct val="120000"/>
               </a:lnSpc>
@@ -7180,6 +7219,7 @@
                   <a:srgbClr val="000000"/>
                 </a:solidFill>
                 <a:latin typeface="Arial"/>
+                <a:ea typeface="DejaVu Sans"/>
               </a:rPr>
               <a:t>Make sure that the toggleState will still work by keeping the state in the parent component and passing down the toggle function to the child</a:t>
             </a:r>
@@ -7267,7 +7307,7 @@
         <p:spPr>
           <a:xfrm>
             <a:off x="720000" y="288000"/>
-            <a:ext cx="6623280" cy="503280"/>
+            <a:ext cx="6622920" cy="502920"/>
           </a:xfrm>
           <a:prstGeom prst="rect">
             <a:avLst/>
@@ -7297,6 +7337,7 @@
                   <a:srgbClr val="e63232"/>
                 </a:solidFill>
                 <a:latin typeface="Arial"/>
+                <a:ea typeface="DejaVu Sans"/>
               </a:rPr>
               <a:t>React</a:t>
             </a:r>
@@ -7315,7 +7356,7 @@
         <p:spPr>
           <a:xfrm>
             <a:off x="720000" y="1224000"/>
-            <a:ext cx="6623280" cy="3491280"/>
+            <a:ext cx="6622920" cy="3490920"/>
           </a:xfrm>
           <a:prstGeom prst="rect">
             <a:avLst/>
@@ -7334,7 +7375,7 @@
         <p:txBody>
           <a:bodyPr lIns="0" rIns="0" tIns="0" bIns="0"/>
           <a:p>
-            <a:pPr marL="180000" indent="-179280">
+            <a:pPr marL="180000" indent="-178920">
               <a:lnSpc>
                 <a:spcPct val="120000"/>
               </a:lnSpc>
@@ -7350,15 +7391,16 @@
                   <a:srgbClr val="000000"/>
                 </a:solidFill>
                 <a:latin typeface="Arial"/>
-              </a:rPr>
-              <a:t>5 years old &amp; made by facebook</a:t>
+                <a:ea typeface="DejaVu Sans"/>
+              </a:rPr>
+              <a:t>First version: May 2013</a:t>
             </a:r>
             <a:endParaRPr b="0" lang="en-US" sz="1500" spc="-1" strike="noStrike">
               <a:latin typeface="Arial"/>
             </a:endParaRPr>
           </a:p>
           <a:p>
-            <a:pPr marL="180000" indent="-179280">
+            <a:pPr marL="180000" indent="-178920">
               <a:lnSpc>
                 <a:spcPct val="120000"/>
               </a:lnSpc>
@@ -7374,15 +7416,16 @@
                   <a:srgbClr val="000000"/>
                 </a:solidFill>
                 <a:latin typeface="Arial"/>
-              </a:rPr>
-              <a:t>Most popular JS framework</a:t>
+                <a:ea typeface="DejaVu Sans"/>
+              </a:rPr>
+              <a:t>Created by Facebook</a:t>
             </a:r>
             <a:endParaRPr b="0" lang="en-US" sz="1500" spc="-1" strike="noStrike">
               <a:latin typeface="Arial"/>
             </a:endParaRPr>
           </a:p>
           <a:p>
-            <a:pPr marL="180000" indent="-179280">
+            <a:pPr marL="180000" indent="-178920">
               <a:lnSpc>
                 <a:spcPct val="120000"/>
               </a:lnSpc>
@@ -7398,15 +7441,16 @@
                   <a:srgbClr val="000000"/>
                 </a:solidFill>
                 <a:latin typeface="Arial"/>
-              </a:rPr>
-              <a:t>Unopinionated</a:t>
+                <a:ea typeface="DejaVu Sans"/>
+              </a:rPr>
+              <a:t>Most popular JS framework</a:t>
             </a:r>
             <a:endParaRPr b="0" lang="en-US" sz="1500" spc="-1" strike="noStrike">
               <a:latin typeface="Arial"/>
             </a:endParaRPr>
           </a:p>
           <a:p>
-            <a:pPr marL="180000" indent="-179280">
+            <a:pPr marL="180000" indent="-178920">
               <a:lnSpc>
                 <a:spcPct val="120000"/>
               </a:lnSpc>
@@ -7422,15 +7466,16 @@
                   <a:srgbClr val="000000"/>
                 </a:solidFill>
                 <a:latin typeface="Arial"/>
-              </a:rPr>
-              <a:t>Component based</a:t>
+                <a:ea typeface="DejaVu Sans"/>
+              </a:rPr>
+              <a:t>Unopinionated</a:t>
             </a:r>
             <a:endParaRPr b="0" lang="en-US" sz="1500" spc="-1" strike="noStrike">
               <a:latin typeface="Arial"/>
             </a:endParaRPr>
           </a:p>
           <a:p>
-            <a:pPr marL="180000" indent="-179280">
+            <a:pPr marL="180000" indent="-178920">
               <a:lnSpc>
                 <a:spcPct val="120000"/>
               </a:lnSpc>
@@ -7446,15 +7491,16 @@
                   <a:srgbClr val="000000"/>
                 </a:solidFill>
                 <a:latin typeface="Arial"/>
-              </a:rPr>
-              <a:t>Spawned React Native</a:t>
+                <a:ea typeface="DejaVu Sans"/>
+              </a:rPr>
+              <a:t>Single Page Applications</a:t>
             </a:r>
             <a:endParaRPr b="0" lang="en-US" sz="1500" spc="-1" strike="noStrike">
               <a:latin typeface="Arial"/>
             </a:endParaRPr>
           </a:p>
           <a:p>
-            <a:pPr marL="180000" indent="-179280">
+            <a:pPr marL="180000" indent="-178920">
               <a:lnSpc>
                 <a:spcPct val="120000"/>
               </a:lnSpc>
@@ -7470,6 +7516,57 @@
                   <a:srgbClr val="000000"/>
                 </a:solidFill>
                 <a:latin typeface="Arial"/>
+                <a:ea typeface="DejaVu Sans"/>
+              </a:rPr>
+              <a:t>Component based</a:t>
+            </a:r>
+            <a:endParaRPr b="0" lang="en-US" sz="1500" spc="-1" strike="noStrike">
+              <a:latin typeface="Arial"/>
+            </a:endParaRPr>
+          </a:p>
+          <a:p>
+            <a:pPr marL="180000" indent="-178920">
+              <a:lnSpc>
+                <a:spcPct val="120000"/>
+              </a:lnSpc>
+              <a:buClr>
+                <a:srgbClr val="000000"/>
+              </a:buClr>
+              <a:buFont typeface="Arial"/>
+              <a:buChar char="•"/>
+            </a:pPr>
+            <a:r>
+              <a:rPr b="0" lang="en-US" sz="1500" spc="-1" strike="noStrike">
+                <a:solidFill>
+                  <a:srgbClr val="000000"/>
+                </a:solidFill>
+                <a:latin typeface="Arial"/>
+                <a:ea typeface="DejaVu Sans"/>
+              </a:rPr>
+              <a:t>Spawned React Native</a:t>
+            </a:r>
+            <a:endParaRPr b="0" lang="en-US" sz="1500" spc="-1" strike="noStrike">
+              <a:latin typeface="Arial"/>
+            </a:endParaRPr>
+          </a:p>
+          <a:p>
+            <a:pPr marL="180000" indent="-178920">
+              <a:lnSpc>
+                <a:spcPct val="120000"/>
+              </a:lnSpc>
+              <a:buClr>
+                <a:srgbClr val="000000"/>
+              </a:buClr>
+              <a:buFont typeface="Arial"/>
+              <a:buChar char="•"/>
+            </a:pPr>
+            <a:r>
+              <a:rPr b="0" lang="en-US" sz="1500" spc="-1" strike="noStrike">
+                <a:solidFill>
+                  <a:srgbClr val="000000"/>
+                </a:solidFill>
+                <a:latin typeface="Arial"/>
+                <a:ea typeface="DejaVu Sans"/>
               </a:rPr>
               <a:t>Awesome</a:t>
             </a:r>
@@ -7488,7 +7585,7 @@
         <p:spPr>
           <a:xfrm>
             <a:off x="4968000" y="5004000"/>
-            <a:ext cx="3239280" cy="107280"/>
+            <a:ext cx="3238920" cy="106920"/>
           </a:xfrm>
           <a:prstGeom prst="rect">
             <a:avLst/>
@@ -7518,8 +7615,9 @@
                   <a:srgbClr val="ffffff"/>
                 </a:solidFill>
                 <a:latin typeface="Arial"/>
-              </a:rPr>
-              <a:t>Titel van de presentatie</a:t>
+                <a:ea typeface="DejaVu Sans"/>
+              </a:rPr>
+              <a:t>React</a:t>
             </a:r>
             <a:endParaRPr b="0" lang="en-US" sz="600" spc="-1" strike="noStrike">
               <a:latin typeface="Arial"/>
@@ -7536,7 +7634,7 @@
         <p:spPr>
           <a:xfrm>
             <a:off x="8280000" y="5004000"/>
-            <a:ext cx="143280" cy="107280"/>
+            <a:ext cx="142920" cy="106920"/>
           </a:xfrm>
           <a:prstGeom prst="rect">
             <a:avLst/>
@@ -7560,12 +7658,13 @@
                 <a:spcPct val="100000"/>
               </a:lnSpc>
             </a:pPr>
-            <a:fld id="{6E8F72B7-F0EE-4E0D-9875-92CCE5AF1604}" type="slidenum">
+            <a:fld id="{359D3C54-42F9-48E5-AF1E-25C9B71A399E}" type="slidenum">
               <a:rPr b="0" lang="en-US" sz="600" spc="-1" strike="noStrike">
                 <a:solidFill>
                   <a:srgbClr val="ffffff"/>
                 </a:solidFill>
                 <a:latin typeface="Arial"/>
+                <a:ea typeface="DejaVu Sans"/>
               </a:rPr>
               <a:t>1</a:t>
             </a:fld>
@@ -7588,7 +7687,7 @@
         <p:spPr>
           <a:xfrm>
             <a:off x="4389120" y="791640"/>
-            <a:ext cx="2790000" cy="2809080"/>
+            <a:ext cx="2789640" cy="2808720"/>
           </a:xfrm>
           <a:prstGeom prst="rect">
             <a:avLst/>
@@ -7607,7 +7706,7 @@
         <p:spPr>
           <a:xfrm>
             <a:off x="8138160" y="4663440"/>
-            <a:ext cx="1462680" cy="198360"/>
+            <a:ext cx="1462320" cy="198000"/>
           </a:xfrm>
           <a:prstGeom prst="rect">
             <a:avLst/>
@@ -7633,7 +7732,11 @@
             </a:pPr>
             <a:r>
               <a:rPr b="0" lang="en-US" sz="900" spc="-1" strike="noStrike">
-                <a:latin typeface="Arial"/>
+                <a:solidFill>
+                  <a:srgbClr val="000000"/>
+                </a:solidFill>
+                <a:latin typeface="Arial"/>
+                <a:ea typeface="DejaVu Sans"/>
               </a:rPr>
               <a:t>Stateofjs.com</a:t>
             </a:r>
@@ -7701,7 +7804,7 @@
         <p:spPr>
           <a:xfrm>
             <a:off x="720000" y="288000"/>
-            <a:ext cx="6623280" cy="503280"/>
+            <a:ext cx="6622920" cy="502920"/>
           </a:xfrm>
           <a:prstGeom prst="rect">
             <a:avLst/>
@@ -7731,6 +7834,7 @@
                   <a:srgbClr val="e63232"/>
                 </a:solidFill>
                 <a:latin typeface="Arial"/>
+                <a:ea typeface="DejaVu Sans"/>
               </a:rPr>
               <a:t>Components</a:t>
             </a:r>
@@ -7749,7 +7853,7 @@
         <p:spPr>
           <a:xfrm>
             <a:off x="720000" y="791640"/>
-            <a:ext cx="6623280" cy="3886560"/>
+            <a:ext cx="6622920" cy="3886200"/>
           </a:xfrm>
           <a:prstGeom prst="rect">
             <a:avLst/>
@@ -7779,6 +7883,7 @@
                   <a:srgbClr val="000000"/>
                 </a:solidFill>
                 <a:latin typeface="Arial"/>
+                <a:ea typeface="DejaVu Sans"/>
               </a:rPr>
               <a:t>Components:</a:t>
             </a:r>
@@ -7787,7 +7892,7 @@
             </a:endParaRPr>
           </a:p>
           <a:p>
-            <a:pPr marL="285840" indent="-285120">
+            <a:pPr marL="285840" indent="-284760">
               <a:lnSpc>
                 <a:spcPct val="120000"/>
               </a:lnSpc>
@@ -7803,6 +7908,7 @@
                   <a:srgbClr val="000000"/>
                 </a:solidFill>
                 <a:latin typeface="Arial"/>
+                <a:ea typeface="DejaVu Sans"/>
               </a:rPr>
               <a:t>Are reusable blocks of code</a:t>
             </a:r>
@@ -7811,7 +7917,7 @@
             </a:endParaRPr>
           </a:p>
           <a:p>
-            <a:pPr marL="285840" indent="-285120">
+            <a:pPr marL="285840" indent="-284760">
               <a:lnSpc>
                 <a:spcPct val="120000"/>
               </a:lnSpc>
@@ -7827,6 +7933,7 @@
                   <a:srgbClr val="000000"/>
                 </a:solidFill>
                 <a:latin typeface="Arial"/>
+                <a:ea typeface="DejaVu Sans"/>
               </a:rPr>
               <a:t>Render JSX</a:t>
             </a:r>
@@ -7835,7 +7942,7 @@
             </a:endParaRPr>
           </a:p>
           <a:p>
-            <a:pPr marL="285840" indent="-285120">
+            <a:pPr marL="285840" indent="-284760">
               <a:lnSpc>
                 <a:spcPct val="120000"/>
               </a:lnSpc>
@@ -7851,6 +7958,7 @@
                   <a:srgbClr val="000000"/>
                 </a:solidFill>
                 <a:latin typeface="Arial"/>
+                <a:ea typeface="DejaVu Sans"/>
               </a:rPr>
               <a:t>Can be passed properties when called</a:t>
             </a:r>
@@ -7859,7 +7967,7 @@
             </a:endParaRPr>
           </a:p>
           <a:p>
-            <a:pPr marL="285840" indent="-285120">
+            <a:pPr marL="285840" indent="-284760">
               <a:lnSpc>
                 <a:spcPct val="120000"/>
               </a:lnSpc>
@@ -7875,6 +7983,7 @@
                   <a:srgbClr val="000000"/>
                 </a:solidFill>
                 <a:latin typeface="Arial"/>
+                <a:ea typeface="DejaVu Sans"/>
               </a:rPr>
               <a:t>Have their own state</a:t>
             </a:r>
@@ -7893,7 +8002,7 @@
         <p:spPr>
           <a:xfrm>
             <a:off x="4968000" y="5004000"/>
-            <a:ext cx="3239280" cy="107280"/>
+            <a:ext cx="3238920" cy="106920"/>
           </a:xfrm>
           <a:prstGeom prst="rect">
             <a:avLst/>
@@ -7923,8 +8032,9 @@
                   <a:srgbClr val="ffffff"/>
                 </a:solidFill>
                 <a:latin typeface="Arial"/>
-              </a:rPr>
-              <a:t>Titel van de presentatie</a:t>
+                <a:ea typeface="DejaVu Sans"/>
+              </a:rPr>
+              <a:t>React</a:t>
             </a:r>
             <a:endParaRPr b="0" lang="en-US" sz="600" spc="-1" strike="noStrike">
               <a:latin typeface="Arial"/>
@@ -7941,7 +8051,7 @@
         <p:spPr>
           <a:xfrm>
             <a:off x="8280000" y="5004000"/>
-            <a:ext cx="143280" cy="107280"/>
+            <a:ext cx="142920" cy="106920"/>
           </a:xfrm>
           <a:prstGeom prst="rect">
             <a:avLst/>
@@ -7965,12 +8075,13 @@
                 <a:spcPct val="100000"/>
               </a:lnSpc>
             </a:pPr>
-            <a:fld id="{A9949FA9-7AD1-4648-8076-9D55E26A98D0}" type="slidenum">
+            <a:fld id="{67F0FCCE-2E43-40F9-8C18-73AE35F776E4}" type="slidenum">
               <a:rPr b="0" lang="en-US" sz="600" spc="-1" strike="noStrike">
                 <a:solidFill>
                   <a:srgbClr val="ffffff"/>
                 </a:solidFill>
                 <a:latin typeface="Arial"/>
+                <a:ea typeface="DejaVu Sans"/>
               </a:rPr>
               <a:t>1</a:t>
             </a:fld>
@@ -8038,7 +8149,7 @@
         <p:spPr>
           <a:xfrm>
             <a:off x="720000" y="288000"/>
-            <a:ext cx="6623280" cy="503280"/>
+            <a:ext cx="6622920" cy="502920"/>
           </a:xfrm>
           <a:prstGeom prst="rect">
             <a:avLst/>
@@ -8068,6 +8179,7 @@
                   <a:srgbClr val="e63232"/>
                 </a:solidFill>
                 <a:latin typeface="Arial"/>
+                <a:ea typeface="DejaVu Sans"/>
               </a:rPr>
               <a:t>Components</a:t>
             </a:r>
@@ -8086,7 +8198,7 @@
         <p:spPr>
           <a:xfrm>
             <a:off x="4968000" y="5004000"/>
-            <a:ext cx="3239280" cy="107280"/>
+            <a:ext cx="3238920" cy="106920"/>
           </a:xfrm>
           <a:prstGeom prst="rect">
             <a:avLst/>
@@ -8116,8 +8228,9 @@
                   <a:srgbClr val="ffffff"/>
                 </a:solidFill>
                 <a:latin typeface="Arial"/>
-              </a:rPr>
-              <a:t>Titel van de presentatie</a:t>
+                <a:ea typeface="DejaVu Sans"/>
+              </a:rPr>
+              <a:t>React</a:t>
             </a:r>
             <a:endParaRPr b="0" lang="en-US" sz="600" spc="-1" strike="noStrike">
               <a:latin typeface="Arial"/>
@@ -8134,7 +8247,7 @@
         <p:spPr>
           <a:xfrm>
             <a:off x="8280000" y="5004000"/>
-            <a:ext cx="143280" cy="107280"/>
+            <a:ext cx="142920" cy="106920"/>
           </a:xfrm>
           <a:prstGeom prst="rect">
             <a:avLst/>
@@ -8158,12 +8271,13 @@
                 <a:spcPct val="100000"/>
               </a:lnSpc>
             </a:pPr>
-            <a:fld id="{D114D0B2-3D65-448C-ACA5-B03BC73E5547}" type="slidenum">
+            <a:fld id="{2E747347-4A82-4E60-9B14-36C159E91FF9}" type="slidenum">
               <a:rPr b="0" lang="en-US" sz="600" spc="-1" strike="noStrike">
                 <a:solidFill>
                   <a:srgbClr val="ffffff"/>
                 </a:solidFill>
                 <a:latin typeface="Arial"/>
+                <a:ea typeface="DejaVu Sans"/>
               </a:rPr>
               <a:t>1</a:t>
             </a:fld>
@@ -8186,7 +8300,7 @@
         <p:spPr>
           <a:xfrm>
             <a:off x="780480" y="658440"/>
-            <a:ext cx="6446520" cy="4432320"/>
+            <a:ext cx="6446160" cy="4431960"/>
           </a:xfrm>
           <a:prstGeom prst="rect">
             <a:avLst/>
@@ -8205,7 +8319,7 @@
         <p:spPr>
           <a:xfrm>
             <a:off x="8138160" y="4663440"/>
-            <a:ext cx="1462680" cy="198360"/>
+            <a:ext cx="1462320" cy="198000"/>
           </a:xfrm>
           <a:prstGeom prst="rect">
             <a:avLst/>
@@ -8231,7 +8345,11 @@
             </a:pPr>
             <a:r>
               <a:rPr b="0" lang="en-US" sz="900" spc="-1" strike="noStrike">
-                <a:latin typeface="Arial"/>
+                <a:solidFill>
+                  <a:srgbClr val="000000"/>
+                </a:solidFill>
+                <a:latin typeface="Arial"/>
+                <a:ea typeface="DejaVu Sans"/>
               </a:rPr>
               <a:t>Tweakers.net</a:t>
             </a:r>
@@ -8299,7 +8417,7 @@
         <p:spPr>
           <a:xfrm>
             <a:off x="720000" y="288000"/>
-            <a:ext cx="6623280" cy="503280"/>
+            <a:ext cx="6622920" cy="502920"/>
           </a:xfrm>
           <a:prstGeom prst="rect">
             <a:avLst/>
@@ -8329,6 +8447,7 @@
                   <a:srgbClr val="e63232"/>
                 </a:solidFill>
                 <a:latin typeface="Arial"/>
+                <a:ea typeface="DejaVu Sans"/>
               </a:rPr>
               <a:t>JSX</a:t>
             </a:r>
@@ -8347,7 +8466,7 @@
         <p:spPr>
           <a:xfrm>
             <a:off x="4968000" y="5004000"/>
-            <a:ext cx="3239280" cy="107280"/>
+            <a:ext cx="3238920" cy="106920"/>
           </a:xfrm>
           <a:prstGeom prst="rect">
             <a:avLst/>
@@ -8377,8 +8496,9 @@
                   <a:srgbClr val="ffffff"/>
                 </a:solidFill>
                 <a:latin typeface="Arial"/>
-              </a:rPr>
-              <a:t>Titel van de presentatie</a:t>
+                <a:ea typeface="DejaVu Sans"/>
+              </a:rPr>
+              <a:t>React</a:t>
             </a:r>
             <a:endParaRPr b="0" lang="en-US" sz="600" spc="-1" strike="noStrike">
               <a:latin typeface="Arial"/>
@@ -8395,7 +8515,7 @@
         <p:spPr>
           <a:xfrm>
             <a:off x="8280000" y="5004000"/>
-            <a:ext cx="143280" cy="107280"/>
+            <a:ext cx="142920" cy="106920"/>
           </a:xfrm>
           <a:prstGeom prst="rect">
             <a:avLst/>
@@ -8419,12 +8539,13 @@
                 <a:spcPct val="100000"/>
               </a:lnSpc>
             </a:pPr>
-            <a:fld id="{431F823C-B2B5-48C7-900B-EE7A56646ADD}" type="slidenum">
+            <a:fld id="{18A7A6EC-2304-4C74-8CC9-F1BC35BD38AA}" type="slidenum">
               <a:rPr b="0" lang="en-US" sz="600" spc="-1" strike="noStrike">
                 <a:solidFill>
                   <a:srgbClr val="ffffff"/>
                 </a:solidFill>
                 <a:latin typeface="Arial"/>
+                <a:ea typeface="DejaVu Sans"/>
               </a:rPr>
               <a:t>1</a:t>
             </a:fld>
@@ -8447,7 +8568,7 @@
         <p:spPr>
           <a:xfrm>
             <a:off x="6631200" y="1188720"/>
-            <a:ext cx="2075760" cy="1904400"/>
+            <a:ext cx="2075400" cy="1904040"/>
           </a:xfrm>
           <a:prstGeom prst="rect">
             <a:avLst/>
@@ -8470,7 +8591,7 @@
         <p:spPr>
           <a:xfrm>
             <a:off x="-2880" y="703800"/>
-            <a:ext cx="5981040" cy="3657960"/>
+            <a:ext cx="5980680" cy="3657600"/>
           </a:xfrm>
           <a:prstGeom prst="rect">
             <a:avLst/>
@@ -8538,7 +8659,7 @@
         <p:spPr>
           <a:xfrm>
             <a:off x="720000" y="288000"/>
-            <a:ext cx="6623280" cy="503280"/>
+            <a:ext cx="6622920" cy="502920"/>
           </a:xfrm>
           <a:prstGeom prst="rect">
             <a:avLst/>
@@ -8568,6 +8689,7 @@
                   <a:srgbClr val="e63232"/>
                 </a:solidFill>
                 <a:latin typeface="Arial"/>
+                <a:ea typeface="DejaVu Sans"/>
               </a:rPr>
               <a:t>Props</a:t>
             </a:r>
@@ -8586,7 +8708,7 @@
         <p:spPr>
           <a:xfrm>
             <a:off x="4968000" y="5004000"/>
-            <a:ext cx="3239280" cy="107280"/>
+            <a:ext cx="3238920" cy="106920"/>
           </a:xfrm>
           <a:prstGeom prst="rect">
             <a:avLst/>
@@ -8616,8 +8738,9 @@
                   <a:srgbClr val="ffffff"/>
                 </a:solidFill>
                 <a:latin typeface="Arial"/>
-              </a:rPr>
-              <a:t>Titel van de presentatie</a:t>
+                <a:ea typeface="DejaVu Sans"/>
+              </a:rPr>
+              <a:t>React</a:t>
             </a:r>
             <a:endParaRPr b="0" lang="en-US" sz="600" spc="-1" strike="noStrike">
               <a:latin typeface="Arial"/>
@@ -8634,7 +8757,7 @@
         <p:spPr>
           <a:xfrm>
             <a:off x="8280000" y="5004000"/>
-            <a:ext cx="143280" cy="107280"/>
+            <a:ext cx="142920" cy="106920"/>
           </a:xfrm>
           <a:prstGeom prst="rect">
             <a:avLst/>
@@ -8658,12 +8781,13 @@
                 <a:spcPct val="100000"/>
               </a:lnSpc>
             </a:pPr>
-            <a:fld id="{62EEC5E2-0FC4-4933-93B5-9BD8F089D0E5}" type="slidenum">
+            <a:fld id="{3A343C01-5286-4B13-9C40-6008F84BAC3A}" type="slidenum">
               <a:rPr b="0" lang="en-US" sz="600" spc="-1" strike="noStrike">
                 <a:solidFill>
                   <a:srgbClr val="ffffff"/>
                 </a:solidFill>
                 <a:latin typeface="Arial"/>
+                <a:ea typeface="DejaVu Sans"/>
               </a:rPr>
               <a:t>1</a:t>
             </a:fld>
@@ -8686,7 +8810,7 @@
         <p:spPr>
           <a:xfrm>
             <a:off x="6276600" y="1413000"/>
-            <a:ext cx="2742480" cy="1695960"/>
+            <a:ext cx="2742120" cy="1695600"/>
           </a:xfrm>
           <a:prstGeom prst="rect">
             <a:avLst/>
@@ -8709,7 +8833,7 @@
         <p:spPr>
           <a:xfrm>
             <a:off x="145440" y="702000"/>
-            <a:ext cx="5444640" cy="4126680"/>
+            <a:ext cx="5444280" cy="4126320"/>
           </a:xfrm>
           <a:prstGeom prst="rect">
             <a:avLst/>
@@ -8777,7 +8901,7 @@
         <p:spPr>
           <a:xfrm>
             <a:off x="720000" y="288000"/>
-            <a:ext cx="6623280" cy="503280"/>
+            <a:ext cx="6622920" cy="502920"/>
           </a:xfrm>
           <a:prstGeom prst="rect">
             <a:avLst/>
@@ -8807,6 +8931,7 @@
                   <a:srgbClr val="e63232"/>
                 </a:solidFill>
                 <a:latin typeface="Arial"/>
+                <a:ea typeface="DejaVu Sans"/>
               </a:rPr>
               <a:t>State</a:t>
             </a:r>
@@ -8829,7 +8954,7 @@
         <p:spPr>
           <a:xfrm>
             <a:off x="6599880" y="1433160"/>
-            <a:ext cx="789840" cy="532800"/>
+            <a:ext cx="789480" cy="532440"/>
           </a:xfrm>
           <a:prstGeom prst="rect">
             <a:avLst/>
@@ -8848,7 +8973,7 @@
         <p:spPr>
           <a:xfrm>
             <a:off x="4968000" y="5004000"/>
-            <a:ext cx="3239280" cy="107280"/>
+            <a:ext cx="3238920" cy="106920"/>
           </a:xfrm>
           <a:prstGeom prst="rect">
             <a:avLst/>
@@ -8878,8 +9003,9 @@
                   <a:srgbClr val="ffffff"/>
                 </a:solidFill>
                 <a:latin typeface="Arial"/>
-              </a:rPr>
-              <a:t>Titel van de presentatie</a:t>
+                <a:ea typeface="DejaVu Sans"/>
+              </a:rPr>
+              <a:t>React</a:t>
             </a:r>
             <a:endParaRPr b="0" lang="en-US" sz="600" spc="-1" strike="noStrike">
               <a:latin typeface="Arial"/>
@@ -8896,7 +9022,7 @@
         <p:spPr>
           <a:xfrm>
             <a:off x="8280000" y="5004000"/>
-            <a:ext cx="143280" cy="107280"/>
+            <a:ext cx="142920" cy="106920"/>
           </a:xfrm>
           <a:prstGeom prst="rect">
             <a:avLst/>
@@ -8920,14 +9046,15 @@
                 <a:spcPct val="100000"/>
               </a:lnSpc>
             </a:pPr>
-            <a:fld id="{CDEA0981-5981-4FFF-9D01-48F2A11C0FC9}" type="slidenum">
+            <a:fld id="{80F64BCC-73FC-4D0D-83B8-5CAB51179F4F}" type="slidenum">
               <a:rPr b="0" lang="en-US" sz="600" spc="-1" strike="noStrike">
                 <a:solidFill>
                   <a:srgbClr val="ffffff"/>
                 </a:solidFill>
                 <a:latin typeface="Arial"/>
-              </a:rPr>
-              <a:t>1</a:t>
+                <a:ea typeface="DejaVu Sans"/>
+              </a:rPr>
+              <a:t>&lt;number&gt;</a:t>
             </a:fld>
             <a:endParaRPr b="0" lang="en-US" sz="600" spc="-1" strike="noStrike">
               <a:latin typeface="Arial"/>
@@ -8948,7 +9075,7 @@
         <p:spPr>
           <a:xfrm>
             <a:off x="6603120" y="2408400"/>
-            <a:ext cx="1313640" cy="580320"/>
+            <a:ext cx="1313280" cy="579960"/>
           </a:xfrm>
           <a:prstGeom prst="rect">
             <a:avLst/>
@@ -8971,7 +9098,7 @@
         <p:spPr>
           <a:xfrm>
             <a:off x="258120" y="1246320"/>
-            <a:ext cx="5395320" cy="3073680"/>
+            <a:ext cx="5394960" cy="3073320"/>
           </a:xfrm>
           <a:prstGeom prst="rect">
             <a:avLst/>
@@ -9039,7 +9166,7 @@
         <p:spPr>
           <a:xfrm>
             <a:off x="720000" y="288000"/>
-            <a:ext cx="6623280" cy="503280"/>
+            <a:ext cx="6622920" cy="502920"/>
           </a:xfrm>
           <a:prstGeom prst="rect">
             <a:avLst/>
@@ -9069,6 +9196,7 @@
                   <a:srgbClr val="e63232"/>
                 </a:solidFill>
                 <a:latin typeface="Arial"/>
+                <a:ea typeface="DejaVu Sans"/>
               </a:rPr>
               <a:t>Hands-on Time!</a:t>
             </a:r>
@@ -9087,7 +9215,7 @@
         <p:spPr>
           <a:xfrm>
             <a:off x="2347200" y="2194560"/>
-            <a:ext cx="2407320" cy="778320"/>
+            <a:ext cx="2406960" cy="777960"/>
           </a:xfrm>
           <a:prstGeom prst="rect">
             <a:avLst/>
@@ -9117,6 +9245,7 @@
                   <a:srgbClr val="ffffff"/>
                 </a:solidFill>
                 <a:latin typeface="Arial"/>
+                <a:ea typeface="DejaVu Sans"/>
               </a:rPr>
               <a:t>Questions?</a:t>
             </a:r>
@@ -9135,7 +9264,7 @@
         <p:spPr>
           <a:xfrm>
             <a:off x="4968000" y="5004000"/>
-            <a:ext cx="3239280" cy="107280"/>
+            <a:ext cx="3238920" cy="106920"/>
           </a:xfrm>
           <a:prstGeom prst="rect">
             <a:avLst/>
@@ -9165,8 +9294,9 @@
                   <a:srgbClr val="ffffff"/>
                 </a:solidFill>
                 <a:latin typeface="Arial"/>
-              </a:rPr>
-              <a:t>Titel van de presentatie</a:t>
+                <a:ea typeface="DejaVu Sans"/>
+              </a:rPr>
+              <a:t>React</a:t>
             </a:r>
             <a:endParaRPr b="0" lang="en-US" sz="600" spc="-1" strike="noStrike">
               <a:latin typeface="Arial"/>
@@ -9183,7 +9313,7 @@
         <p:spPr>
           <a:xfrm>
             <a:off x="8280000" y="5004000"/>
-            <a:ext cx="143280" cy="107280"/>
+            <a:ext cx="142920" cy="106920"/>
           </a:xfrm>
           <a:prstGeom prst="rect">
             <a:avLst/>
@@ -9207,14 +9337,15 @@
                 <a:spcPct val="100000"/>
               </a:lnSpc>
             </a:pPr>
-            <a:fld id="{099211FE-7834-4FD7-A528-F93C08B50C7D}" type="slidenum">
+            <a:fld id="{81F9EB9E-CAEE-45A1-BDCF-E87B20E4B791}" type="slidenum">
               <a:rPr b="0" lang="en-US" sz="600" spc="-1" strike="noStrike">
                 <a:solidFill>
                   <a:srgbClr val="ffffff"/>
                 </a:solidFill>
                 <a:latin typeface="Arial"/>
-              </a:rPr>
-              <a:t>1</a:t>
+                <a:ea typeface="DejaVu Sans"/>
+              </a:rPr>
+              <a:t>&lt;number&gt;</a:t>
             </a:fld>
             <a:endParaRPr b="0" lang="en-US" sz="600" spc="-1" strike="noStrike">
               <a:latin typeface="Arial"/>
@@ -9235,7 +9366,7 @@
         <p:spPr>
           <a:xfrm>
             <a:off x="6840000" y="810000"/>
-            <a:ext cx="2303280" cy="3509280"/>
+            <a:ext cx="2302920" cy="3508920"/>
           </a:xfrm>
           <a:prstGeom prst="rect">
             <a:avLst/>
@@ -9306,7 +9437,7 @@
         <p:spPr>
           <a:xfrm>
             <a:off x="720000" y="288000"/>
-            <a:ext cx="6623280" cy="503280"/>
+            <a:ext cx="6622920" cy="502920"/>
           </a:xfrm>
           <a:prstGeom prst="rect">
             <a:avLst/>
@@ -9336,6 +9467,7 @@
                   <a:srgbClr val="e63232"/>
                 </a:solidFill>
                 <a:latin typeface="Arial"/>
+                <a:ea typeface="DejaVu Sans"/>
               </a:rPr>
               <a:t>Hands-on: Editing JSX</a:t>
             </a:r>
@@ -9354,7 +9486,7 @@
         <p:spPr>
           <a:xfrm>
             <a:off x="4968000" y="5004000"/>
-            <a:ext cx="3239280" cy="107280"/>
+            <a:ext cx="3238920" cy="106920"/>
           </a:xfrm>
           <a:prstGeom prst="rect">
             <a:avLst/>
@@ -9384,8 +9516,9 @@
                   <a:srgbClr val="ffffff"/>
                 </a:solidFill>
                 <a:latin typeface="Arial"/>
-              </a:rPr>
-              <a:t>Titel van de presentatie</a:t>
+                <a:ea typeface="DejaVu Sans"/>
+              </a:rPr>
+              <a:t>React</a:t>
             </a:r>
             <a:endParaRPr b="0" lang="en-US" sz="600" spc="-1" strike="noStrike">
               <a:latin typeface="Arial"/>
@@ -9402,7 +9535,7 @@
         <p:spPr>
           <a:xfrm>
             <a:off x="8280000" y="5004000"/>
-            <a:ext cx="143280" cy="107280"/>
+            <a:ext cx="142920" cy="106920"/>
           </a:xfrm>
           <a:prstGeom prst="rect">
             <a:avLst/>
@@ -9426,12 +9559,13 @@
                 <a:spcPct val="100000"/>
               </a:lnSpc>
             </a:pPr>
-            <a:fld id="{156C6B59-342F-439C-8B38-312C3019B765}" type="slidenum">
+            <a:fld id="{8D9D3F72-AAC6-402E-9071-E88825C44ED8}" type="slidenum">
               <a:rPr b="0" lang="en-US" sz="600" spc="-1" strike="noStrike">
                 <a:solidFill>
                   <a:srgbClr val="ffffff"/>
                 </a:solidFill>
                 <a:latin typeface="Arial"/>
+                <a:ea typeface="DejaVu Sans"/>
               </a:rPr>
               <a:t>&lt;number&gt;</a:t>
             </a:fld>
@@ -9450,7 +9584,7 @@
         <p:spPr>
           <a:xfrm>
             <a:off x="691920" y="1554480"/>
-            <a:ext cx="6623280" cy="3886560"/>
+            <a:ext cx="6622920" cy="3886200"/>
           </a:xfrm>
           <a:prstGeom prst="rect">
             <a:avLst/>
@@ -9479,7 +9613,7 @@
             </a:endParaRPr>
           </a:p>
           <a:p>
-            <a:pPr marL="285840" indent="-285120">
+            <a:pPr marL="285840" indent="-284760">
               <a:lnSpc>
                 <a:spcPct val="120000"/>
               </a:lnSpc>
@@ -9495,6 +9629,7 @@
                   <a:srgbClr val="000000"/>
                 </a:solidFill>
                 <a:latin typeface="Arial"/>
+                <a:ea typeface="DejaVu Sans"/>
               </a:rPr>
               <a:t>Git clone https://github.com/AMIS-Services/react-series</a:t>
             </a:r>
@@ -9503,7 +9638,7 @@
             </a:endParaRPr>
           </a:p>
           <a:p>
-            <a:pPr marL="285840" indent="-285120">
+            <a:pPr marL="285840" indent="-284760">
               <a:lnSpc>
                 <a:spcPct val="120000"/>
               </a:lnSpc>
@@ -9519,6 +9654,7 @@
                   <a:srgbClr val="000000"/>
                 </a:solidFill>
                 <a:latin typeface="Arial"/>
+                <a:ea typeface="DejaVu Sans"/>
               </a:rPr>
               <a:t>Cd into dir exercise, run `yarn install` and `yarn start`</a:t>
             </a:r>
@@ -9527,7 +9663,7 @@
             </a:endParaRPr>
           </a:p>
           <a:p>
-            <a:pPr marL="285840" indent="-285120">
+            <a:pPr marL="285840" indent="-284760">
               <a:lnSpc>
                 <a:spcPct val="120000"/>
               </a:lnSpc>
@@ -9543,6 +9679,7 @@
                   <a:srgbClr val="000000"/>
                 </a:solidFill>
                 <a:latin typeface="Arial"/>
+                <a:ea typeface="DejaVu Sans"/>
               </a:rPr>
               <a:t>Inspect the page in your browser</a:t>
             </a:r>
@@ -9551,7 +9688,7 @@
             </a:endParaRPr>
           </a:p>
           <a:p>
-            <a:pPr marL="285840" indent="-285120">
+            <a:pPr marL="285840" indent="-284760">
               <a:lnSpc>
                 <a:spcPct val="120000"/>
               </a:lnSpc>
@@ -9567,6 +9704,7 @@
                   <a:srgbClr val="000000"/>
                 </a:solidFill>
                 <a:latin typeface="Arial"/>
+                <a:ea typeface="DejaVu Sans"/>
               </a:rPr>
               <a:t>Edit the JSX in the file src/App.js to show AMISBnB as a title</a:t>
             </a:r>
@@ -9588,14 +9726,14 @@
       </p:sp>
       <p:sp>
         <p:nvSpPr>
-          <p:cNvPr id="168" name="TextShape 5"/>
-          <p:cNvSpPr txBox="1"/>
+          <p:cNvPr id="168" name="CustomShape 5"/>
+          <p:cNvSpPr/>
           <p:nvPr/>
         </p:nvSpPr>
         <p:spPr>
           <a:xfrm>
             <a:off x="731520" y="1097280"/>
-            <a:ext cx="7040880" cy="305280"/>
+            <a:ext cx="7040520" cy="304920"/>
           </a:xfrm>
           <a:prstGeom prst="rect">
             <a:avLst/>
@@ -9605,9 +9743,20 @@
             <a:noFill/>
           </a:ln>
         </p:spPr>
+        <p:style>
+          <a:lnRef idx="0"/>
+          <a:fillRef idx="0"/>
+          <a:effectRef idx="0"/>
+          <a:fontRef idx="minor"/>
+        </p:style>
         <p:txBody>
           <a:bodyPr lIns="90000" rIns="90000" tIns="45000" bIns="45000"/>
           <a:p>
+            <a:pPr>
+              <a:lnSpc>
+                <a:spcPct val="100000"/>
+              </a:lnSpc>
+            </a:pPr>
             <a:r>
               <a:rPr b="0" lang="en-US" sz="1800" spc="-1" strike="noStrike">
                 <a:latin typeface="Arial"/>

--- a/sig1/slides/SIG react 1.pptx
+++ b/sig1/slides/SIG react 1.pptx
@@ -22,6 +22,7 @@
     <p:sldId id="268" r:id="rId17"/>
     <p:sldId id="269" r:id="rId18"/>
     <p:sldId id="270" r:id="rId19"/>
+    <p:sldId id="271" r:id="rId20"/>
   </p:sldIdLst>
   <p:sldSz cx="9144000" cy="5143500"/>
   <p:notesSz cx="7559675" cy="10691812"/>
@@ -4061,7 +4062,7 @@
         <p:spPr>
           <a:xfrm>
             <a:off x="7200000" y="360000"/>
-            <a:ext cx="1257840" cy="285480"/>
+            <a:ext cx="1257120" cy="284760"/>
           </a:xfrm>
           <a:prstGeom prst="rect">
             <a:avLst/>
@@ -4084,7 +4085,7 @@
         <p:spPr>
           <a:xfrm>
             <a:off x="0" y="4966560"/>
-            <a:ext cx="9142920" cy="175680"/>
+            <a:ext cx="9142200" cy="174960"/>
           </a:xfrm>
           <a:prstGeom prst="rect">
             <a:avLst/>
@@ -4141,7 +4142,7 @@
         <p:spPr>
           <a:xfrm>
             <a:off x="0" y="4966560"/>
-            <a:ext cx="9142920" cy="175680"/>
+            <a:ext cx="9142200" cy="174960"/>
           </a:xfrm>
           <a:prstGeom prst="rect">
             <a:avLst/>
@@ -4164,7 +4165,7 @@
         <p:spPr>
           <a:xfrm>
             <a:off x="648000" y="108000"/>
-            <a:ext cx="2879280" cy="648000"/>
+            <a:ext cx="2878560" cy="647280"/>
           </a:xfrm>
           <a:prstGeom prst="rect">
             <a:avLst/>
@@ -4445,7 +4446,7 @@
         <p:spPr>
           <a:xfrm>
             <a:off x="7200000" y="360000"/>
-            <a:ext cx="1257840" cy="285480"/>
+            <a:ext cx="1257120" cy="284760"/>
           </a:xfrm>
           <a:prstGeom prst="rect">
             <a:avLst/>
@@ -4468,7 +4469,7 @@
         <p:spPr>
           <a:xfrm>
             <a:off x="0" y="4966560"/>
-            <a:ext cx="9142920" cy="175680"/>
+            <a:ext cx="9142200" cy="174960"/>
           </a:xfrm>
           <a:prstGeom prst="rect">
             <a:avLst/>
@@ -4783,7 +4784,7 @@
         <p:spPr>
           <a:xfrm>
             <a:off x="7200000" y="360000"/>
-            <a:ext cx="1257840" cy="285480"/>
+            <a:ext cx="1257120" cy="284760"/>
           </a:xfrm>
           <a:prstGeom prst="rect">
             <a:avLst/>
@@ -4806,7 +4807,7 @@
         <p:spPr>
           <a:xfrm>
             <a:off x="0" y="4966560"/>
-            <a:ext cx="9142920" cy="175680"/>
+            <a:ext cx="9142200" cy="174960"/>
           </a:xfrm>
           <a:prstGeom prst="rect">
             <a:avLst/>
@@ -4859,7 +4860,7 @@
         <p:spPr>
           <a:xfrm>
             <a:off x="0" y="812880"/>
-            <a:ext cx="9142920" cy="3508920"/>
+            <a:ext cx="9142200" cy="3508200"/>
           </a:xfrm>
           <a:prstGeom prst="rect">
             <a:avLst/>
@@ -5151,7 +5152,7 @@
         <p:spPr>
           <a:xfrm>
             <a:off x="0" y="810000"/>
-            <a:ext cx="9142920" cy="3346920"/>
+            <a:ext cx="9142200" cy="3346200"/>
           </a:xfrm>
           <a:prstGeom prst="rect">
             <a:avLst/>
@@ -5173,7 +5174,7 @@
         <p:spPr>
           <a:xfrm>
             <a:off x="5400000" y="1548000"/>
-            <a:ext cx="3022920" cy="3022920"/>
+            <a:ext cx="3022200" cy="3022200"/>
           </a:xfrm>
           <a:prstGeom prst="rect">
             <a:avLst/>
@@ -5207,7 +5208,7 @@
                 <a:latin typeface="Arial"/>
                 <a:ea typeface="DejaVu Sans"/>
               </a:rPr>
-              <a:t>SIG React</a:t>
+              <a:t>Training React</a:t>
             </a:r>
             <a:br/>
             <a:r>
@@ -5218,7 +5219,7 @@
                 <a:latin typeface="Arial"/>
                 <a:ea typeface="DejaVu Sans"/>
               </a:rPr>
-              <a:t>24-07-2018</a:t>
+              <a:t>30-11-2018</a:t>
             </a:r>
             <a:endParaRPr b="0" lang="en-US" sz="2800" spc="-1" strike="noStrike">
               <a:latin typeface="Arial"/>
@@ -5277,14 +5278,14 @@
       </p:grpSpPr>
       <p:sp>
         <p:nvSpPr>
-          <p:cNvPr id="169" name="CustomShape 1"/>
+          <p:cNvPr id="172" name="CustomShape 1"/>
           <p:cNvSpPr/>
           <p:nvPr/>
         </p:nvSpPr>
         <p:spPr>
           <a:xfrm>
             <a:off x="720000" y="288000"/>
-            <a:ext cx="6622920" cy="502920"/>
+            <a:ext cx="6622200" cy="502200"/>
           </a:xfrm>
           <a:prstGeom prst="rect">
             <a:avLst/>
@@ -5316,7 +5317,7 @@
                 <a:latin typeface="Arial"/>
                 <a:ea typeface="DejaVu Sans"/>
               </a:rPr>
-              <a:t>Hands-on: Creating a component</a:t>
+              <a:t>Hands-on: Editing JSX</a:t>
             </a:r>
             <a:endParaRPr b="0" lang="en-US" sz="1800" spc="-1" strike="noStrike">
               <a:latin typeface="Arial"/>
@@ -5326,14 +5327,14 @@
       </p:sp>
       <p:sp>
         <p:nvSpPr>
-          <p:cNvPr id="170" name="CustomShape 2"/>
+          <p:cNvPr id="173" name="CustomShape 2"/>
           <p:cNvSpPr/>
           <p:nvPr/>
         </p:nvSpPr>
         <p:spPr>
           <a:xfrm>
             <a:off x="4968000" y="5004000"/>
-            <a:ext cx="3238920" cy="106920"/>
+            <a:ext cx="3238200" cy="106200"/>
           </a:xfrm>
           <a:prstGeom prst="rect">
             <a:avLst/>
@@ -5375,14 +5376,14 @@
       </p:sp>
       <p:sp>
         <p:nvSpPr>
-          <p:cNvPr id="171" name="CustomShape 3"/>
+          <p:cNvPr id="174" name="CustomShape 3"/>
           <p:cNvSpPr/>
           <p:nvPr/>
         </p:nvSpPr>
         <p:spPr>
           <a:xfrm>
             <a:off x="8280000" y="5004000"/>
-            <a:ext cx="142920" cy="106920"/>
+            <a:ext cx="142200" cy="106200"/>
           </a:xfrm>
           <a:prstGeom prst="rect">
             <a:avLst/>
@@ -5406,7 +5407,7 @@
                 <a:spcPct val="100000"/>
               </a:lnSpc>
             </a:pPr>
-            <a:fld id="{A80B5D2F-63F6-4E37-8C8E-E7F10932D507}" type="slidenum">
+            <a:fld id="{CAF0D822-1558-4525-A514-B57CACEC18E8}" type="slidenum">
               <a:rPr b="0" lang="en-US" sz="600" spc="-1" strike="noStrike">
                 <a:solidFill>
                   <a:srgbClr val="ffffff"/>
@@ -5424,14 +5425,14 @@
       </p:sp>
       <p:sp>
         <p:nvSpPr>
-          <p:cNvPr id="172" name="CustomShape 4"/>
+          <p:cNvPr id="175" name="CustomShape 4"/>
           <p:cNvSpPr/>
           <p:nvPr/>
         </p:nvSpPr>
         <p:spPr>
           <a:xfrm>
-            <a:off x="717120" y="792000"/>
-            <a:ext cx="6622920" cy="3886200"/>
+            <a:off x="691920" y="1554480"/>
+            <a:ext cx="6622200" cy="3885480"/>
           </a:xfrm>
           <a:prstGeom prst="rect">
             <a:avLst/>
@@ -5460,7 +5461,7 @@
             </a:endParaRPr>
           </a:p>
           <a:p>
-            <a:pPr marL="285840" indent="-284760">
+            <a:pPr marL="285840" indent="-284040">
               <a:lnSpc>
                 <a:spcPct val="120000"/>
               </a:lnSpc>
@@ -5478,14 +5479,14 @@
                 <a:latin typeface="Arial"/>
                 <a:ea typeface="DejaVu Sans"/>
               </a:rPr>
-              <a:t>Create the folder src/components</a:t>
+              <a:t>Git clone https://github.com/AMIS-Services/react-series</a:t>
             </a:r>
             <a:endParaRPr b="0" lang="en-US" sz="1500" spc="-1" strike="noStrike">
               <a:latin typeface="Arial"/>
             </a:endParaRPr>
           </a:p>
           <a:p>
-            <a:pPr marL="285840" indent="-284760">
+            <a:pPr marL="285840" indent="-284040">
               <a:lnSpc>
                 <a:spcPct val="120000"/>
               </a:lnSpc>
@@ -5503,14 +5504,14 @@
                 <a:latin typeface="Arial"/>
                 <a:ea typeface="DejaVu Sans"/>
               </a:rPr>
-              <a:t>Create a new component by adding a file named Appbar.js with the code shown below.</a:t>
+              <a:t>Cd into dir exercise, run `yarn install` and `yarn start`</a:t>
             </a:r>
             <a:endParaRPr b="0" lang="en-US" sz="1500" spc="-1" strike="noStrike">
               <a:latin typeface="Arial"/>
             </a:endParaRPr>
           </a:p>
           <a:p>
-            <a:pPr marL="285840" indent="-284760">
+            <a:pPr marL="285840" indent="-284040">
               <a:lnSpc>
                 <a:spcPct val="120000"/>
               </a:lnSpc>
@@ -5528,14 +5529,14 @@
                 <a:latin typeface="Arial"/>
                 <a:ea typeface="DejaVu Sans"/>
               </a:rPr>
-              <a:t>Add JSX to the return of the render method. </a:t>
+              <a:t>Inspect the page in your browser</a:t>
             </a:r>
             <a:endParaRPr b="0" lang="en-US" sz="1500" spc="-1" strike="noStrike">
               <a:latin typeface="Arial"/>
             </a:endParaRPr>
           </a:p>
           <a:p>
-            <a:pPr marL="285840" indent="-284760">
+            <a:pPr marL="285840" indent="-284040">
               <a:lnSpc>
                 <a:spcPct val="120000"/>
               </a:lnSpc>
@@ -5553,32 +5554,7 @@
                 <a:latin typeface="Arial"/>
                 <a:ea typeface="DejaVu Sans"/>
               </a:rPr>
-              <a:t>Add some styling in a .css file and import the css file</a:t>
-            </a:r>
-            <a:endParaRPr b="0" lang="en-US" sz="1500" spc="-1" strike="noStrike">
-              <a:latin typeface="Arial"/>
-            </a:endParaRPr>
-          </a:p>
-          <a:p>
-            <a:pPr marL="285840" indent="-284760">
-              <a:lnSpc>
-                <a:spcPct val="120000"/>
-              </a:lnSpc>
-              <a:buClr>
-                <a:srgbClr val="000000"/>
-              </a:buClr>
-              <a:buFont typeface="Arial"/>
-              <a:buChar char="•"/>
-            </a:pPr>
-            <a:r>
-              <a:rPr b="0" lang="en-US" sz="1500" spc="-1" strike="noStrike">
-                <a:solidFill>
-                  <a:srgbClr val="000000"/>
-                </a:solidFill>
-                <a:latin typeface="Arial"/>
-                <a:ea typeface="DejaVu Sans"/>
-              </a:rPr>
-              <a:t>Import and use the component in  src/App.js</a:t>
+              <a:t>Edit the JSX in the file src/App.js to show AMISBnB as a title</a:t>
             </a:r>
             <a:endParaRPr b="0" lang="en-US" sz="1500" spc="-1" strike="noStrike">
               <a:latin typeface="Arial"/>
@@ -5596,29 +5572,55 @@
           </a:p>
         </p:txBody>
       </p:sp>
-      <p:pic>
-        <p:nvPicPr>
-          <p:cNvPr id="173" name="" descr=""/>
-          <p:cNvPicPr/>
+      <p:sp>
+        <p:nvSpPr>
+          <p:cNvPr id="176" name="CustomShape 5"/>
+          <p:cNvSpPr/>
           <p:nvPr/>
-        </p:nvPicPr>
-        <p:blipFill>
-          <a:blip r:embed="rId1"/>
-          <a:stretch/>
-        </p:blipFill>
-        <p:spPr>
-          <a:xfrm>
-            <a:off x="2332080" y="2670840"/>
-            <a:ext cx="4342680" cy="2332800"/>
-          </a:xfrm>
-          <a:prstGeom prst="rect">
-            <a:avLst/>
-          </a:prstGeom>
+        </p:nvSpPr>
+        <p:spPr>
+          <a:xfrm>
+            <a:off x="731520" y="1097280"/>
+            <a:ext cx="7039800" cy="304200"/>
+          </a:xfrm>
+          <a:prstGeom prst="rect">
+            <a:avLst/>
+          </a:prstGeom>
+          <a:noFill/>
           <a:ln>
             <a:noFill/>
           </a:ln>
         </p:spPr>
-      </p:pic>
+        <p:style>
+          <a:lnRef idx="0"/>
+          <a:fillRef idx="0"/>
+          <a:effectRef idx="0"/>
+          <a:fontRef idx="minor"/>
+        </p:style>
+        <p:txBody>
+          <a:bodyPr lIns="90000" rIns="90000" tIns="45000" bIns="45000"/>
+          <a:p>
+            <a:pPr>
+              <a:lnSpc>
+                <a:spcPct val="100000"/>
+              </a:lnSpc>
+            </a:pPr>
+            <a:r>
+              <a:rPr b="0" lang="en-US" sz="1800" spc="-1" strike="noStrike">
+                <a:solidFill>
+                  <a:srgbClr val="000000"/>
+                </a:solidFill>
+                <a:latin typeface="Arial"/>
+                <a:ea typeface="DejaVu Sans"/>
+              </a:rPr>
+              <a:t>Suggestion: use VS Code with ESlint plugin for error-checking</a:t>
+            </a:r>
+            <a:endParaRPr b="0" lang="en-US" sz="1800" spc="-1" strike="noStrike">
+              <a:latin typeface="Arial"/>
+            </a:endParaRPr>
+          </a:p>
+        </p:txBody>
+      </p:sp>
     </p:spTree>
   </p:cSld>
   <p:timing>
@@ -5670,14 +5672,14 @@
       </p:grpSpPr>
       <p:sp>
         <p:nvSpPr>
-          <p:cNvPr id="174" name="CustomShape 1"/>
+          <p:cNvPr id="177" name="CustomShape 1"/>
           <p:cNvSpPr/>
           <p:nvPr/>
         </p:nvSpPr>
         <p:spPr>
           <a:xfrm>
             <a:off x="720000" y="288000"/>
-            <a:ext cx="6622920" cy="502920"/>
+            <a:ext cx="6622200" cy="502200"/>
           </a:xfrm>
           <a:prstGeom prst="rect">
             <a:avLst/>
@@ -5709,7 +5711,7 @@
                 <a:latin typeface="Arial"/>
                 <a:ea typeface="DejaVu Sans"/>
               </a:rPr>
-              <a:t>Hands-on: passing props to your component</a:t>
+              <a:t>Hands-on: Creating a component</a:t>
             </a:r>
             <a:endParaRPr b="0" lang="en-US" sz="1800" spc="-1" strike="noStrike">
               <a:latin typeface="Arial"/>
@@ -5719,14 +5721,14 @@
       </p:sp>
       <p:sp>
         <p:nvSpPr>
-          <p:cNvPr id="175" name="CustomShape 2"/>
+          <p:cNvPr id="178" name="CustomShape 2"/>
           <p:cNvSpPr/>
           <p:nvPr/>
         </p:nvSpPr>
         <p:spPr>
           <a:xfrm>
             <a:off x="4968000" y="5004000"/>
-            <a:ext cx="3238920" cy="106920"/>
+            <a:ext cx="3238200" cy="106200"/>
           </a:xfrm>
           <a:prstGeom prst="rect">
             <a:avLst/>
@@ -5768,14 +5770,14 @@
       </p:sp>
       <p:sp>
         <p:nvSpPr>
-          <p:cNvPr id="176" name="CustomShape 3"/>
+          <p:cNvPr id="179" name="CustomShape 3"/>
           <p:cNvSpPr/>
           <p:nvPr/>
         </p:nvSpPr>
         <p:spPr>
           <a:xfrm>
             <a:off x="8280000" y="5004000"/>
-            <a:ext cx="142920" cy="106920"/>
+            <a:ext cx="142200" cy="106200"/>
           </a:xfrm>
           <a:prstGeom prst="rect">
             <a:avLst/>
@@ -5799,7 +5801,7 @@
                 <a:spcPct val="100000"/>
               </a:lnSpc>
             </a:pPr>
-            <a:fld id="{843D067F-4F57-4BC7-9EB7-33F205D350A7}" type="slidenum">
+            <a:fld id="{92F6A286-B250-4DF4-90C6-CDF1F918C966}" type="slidenum">
               <a:rPr b="0" lang="en-US" sz="600" spc="-1" strike="noStrike">
                 <a:solidFill>
                   <a:srgbClr val="ffffff"/>
@@ -5817,14 +5819,14 @@
       </p:sp>
       <p:sp>
         <p:nvSpPr>
-          <p:cNvPr id="177" name="CustomShape 4"/>
+          <p:cNvPr id="180" name="CustomShape 4"/>
           <p:cNvSpPr/>
           <p:nvPr/>
         </p:nvSpPr>
         <p:spPr>
           <a:xfrm>
             <a:off x="717120" y="792000"/>
-            <a:ext cx="6622920" cy="3886200"/>
+            <a:ext cx="6622200" cy="3885480"/>
           </a:xfrm>
           <a:prstGeom prst="rect">
             <a:avLst/>
@@ -5853,7 +5855,7 @@
             </a:endParaRPr>
           </a:p>
           <a:p>
-            <a:pPr marL="285840" indent="-284760">
+            <a:pPr marL="285840" indent="-284040">
               <a:lnSpc>
                 <a:spcPct val="120000"/>
               </a:lnSpc>
@@ -5871,14 +5873,14 @@
                 <a:latin typeface="Arial"/>
                 <a:ea typeface="DejaVu Sans"/>
               </a:rPr>
-              <a:t>Pass a prop to your Appbar ( `&lt;Appbar propName=’a string’ /&gt;`)</a:t>
+              <a:t>Create the folder src/components</a:t>
             </a:r>
             <a:endParaRPr b="0" lang="en-US" sz="1500" spc="-1" strike="noStrike">
               <a:latin typeface="Arial"/>
             </a:endParaRPr>
           </a:p>
           <a:p>
-            <a:pPr marL="285840" indent="-284760">
+            <a:pPr marL="285840" indent="-284040">
               <a:lnSpc>
                 <a:spcPct val="120000"/>
               </a:lnSpc>
@@ -5896,14 +5898,14 @@
                 <a:latin typeface="Arial"/>
                 <a:ea typeface="DejaVu Sans"/>
               </a:rPr>
-              <a:t>Use this prop in the Appbar (availabe with `this.props.propName`)</a:t>
+              <a:t>Create a new component by adding a file named Appbar.js with the code shown below.</a:t>
             </a:r>
             <a:endParaRPr b="0" lang="en-US" sz="1500" spc="-1" strike="noStrike">
               <a:latin typeface="Arial"/>
             </a:endParaRPr>
           </a:p>
           <a:p>
-            <a:pPr marL="285840" indent="-284760">
+            <a:pPr marL="285840" indent="-284040">
               <a:lnSpc>
                 <a:spcPct val="120000"/>
               </a:lnSpc>
@@ -5921,7 +5923,57 @@
                 <a:latin typeface="Arial"/>
                 <a:ea typeface="DejaVu Sans"/>
               </a:rPr>
-              <a:t>Try using multiple Appbar components in your App.js with different values for your prop</a:t>
+              <a:t>Add JSX to the return of the render method. </a:t>
+            </a:r>
+            <a:endParaRPr b="0" lang="en-US" sz="1500" spc="-1" strike="noStrike">
+              <a:latin typeface="Arial"/>
+            </a:endParaRPr>
+          </a:p>
+          <a:p>
+            <a:pPr marL="285840" indent="-284040">
+              <a:lnSpc>
+                <a:spcPct val="120000"/>
+              </a:lnSpc>
+              <a:buClr>
+                <a:srgbClr val="000000"/>
+              </a:buClr>
+              <a:buFont typeface="Arial"/>
+              <a:buChar char="•"/>
+            </a:pPr>
+            <a:r>
+              <a:rPr b="0" lang="en-US" sz="1500" spc="-1" strike="noStrike">
+                <a:solidFill>
+                  <a:srgbClr val="000000"/>
+                </a:solidFill>
+                <a:latin typeface="Arial"/>
+                <a:ea typeface="DejaVu Sans"/>
+              </a:rPr>
+              <a:t>Add some styling in a .css file and import the css file</a:t>
+            </a:r>
+            <a:endParaRPr b="0" lang="en-US" sz="1500" spc="-1" strike="noStrike">
+              <a:latin typeface="Arial"/>
+            </a:endParaRPr>
+          </a:p>
+          <a:p>
+            <a:pPr marL="285840" indent="-284040">
+              <a:lnSpc>
+                <a:spcPct val="120000"/>
+              </a:lnSpc>
+              <a:buClr>
+                <a:srgbClr val="000000"/>
+              </a:buClr>
+              <a:buFont typeface="Arial"/>
+              <a:buChar char="•"/>
+            </a:pPr>
+            <a:r>
+              <a:rPr b="0" lang="en-US" sz="1500" spc="-1" strike="noStrike">
+                <a:solidFill>
+                  <a:srgbClr val="000000"/>
+                </a:solidFill>
+                <a:latin typeface="Arial"/>
+                <a:ea typeface="DejaVu Sans"/>
+              </a:rPr>
+              <a:t>Import and use the component in  src/App.js</a:t>
             </a:r>
             <a:endParaRPr b="0" lang="en-US" sz="1500" spc="-1" strike="noStrike">
               <a:latin typeface="Arial"/>
@@ -5939,6 +5991,29 @@
           </a:p>
         </p:txBody>
       </p:sp>
+      <p:pic>
+        <p:nvPicPr>
+          <p:cNvPr id="181" name="" descr=""/>
+          <p:cNvPicPr/>
+          <p:nvPr/>
+        </p:nvPicPr>
+        <p:blipFill>
+          <a:blip r:embed="rId1"/>
+          <a:stretch/>
+        </p:blipFill>
+        <p:spPr>
+          <a:xfrm>
+            <a:off x="2332080" y="2670840"/>
+            <a:ext cx="4341960" cy="2332080"/>
+          </a:xfrm>
+          <a:prstGeom prst="rect">
+            <a:avLst/>
+          </a:prstGeom>
+          <a:ln>
+            <a:noFill/>
+          </a:ln>
+        </p:spPr>
+      </p:pic>
     </p:spTree>
   </p:cSld>
   <p:timing>
@@ -5990,14 +6065,14 @@
       </p:grpSpPr>
       <p:sp>
         <p:nvSpPr>
-          <p:cNvPr id="178" name="CustomShape 1"/>
+          <p:cNvPr id="182" name="CustomShape 1"/>
           <p:cNvSpPr/>
           <p:nvPr/>
         </p:nvSpPr>
         <p:spPr>
           <a:xfrm>
             <a:off x="720000" y="288000"/>
-            <a:ext cx="6622920" cy="502920"/>
+            <a:ext cx="6622200" cy="502200"/>
           </a:xfrm>
           <a:prstGeom prst="rect">
             <a:avLst/>
@@ -6029,7 +6104,7 @@
                 <a:latin typeface="Arial"/>
                 <a:ea typeface="DejaVu Sans"/>
               </a:rPr>
-              <a:t>Hands-on: displaying data</a:t>
+              <a:t>Hands-on: passing props to your component</a:t>
             </a:r>
             <a:endParaRPr b="0" lang="en-US" sz="1800" spc="-1" strike="noStrike">
               <a:latin typeface="Arial"/>
@@ -6039,14 +6114,14 @@
       </p:sp>
       <p:sp>
         <p:nvSpPr>
-          <p:cNvPr id="179" name="CustomShape 2"/>
+          <p:cNvPr id="183" name="CustomShape 2"/>
           <p:cNvSpPr/>
           <p:nvPr/>
         </p:nvSpPr>
         <p:spPr>
           <a:xfrm>
             <a:off x="4968000" y="5004000"/>
-            <a:ext cx="3238920" cy="106920"/>
+            <a:ext cx="3238200" cy="106200"/>
           </a:xfrm>
           <a:prstGeom prst="rect">
             <a:avLst/>
@@ -6088,14 +6163,14 @@
       </p:sp>
       <p:sp>
         <p:nvSpPr>
-          <p:cNvPr id="180" name="CustomShape 3"/>
+          <p:cNvPr id="184" name="CustomShape 3"/>
           <p:cNvSpPr/>
           <p:nvPr/>
         </p:nvSpPr>
         <p:spPr>
           <a:xfrm>
             <a:off x="8280000" y="5004000"/>
-            <a:ext cx="142920" cy="106920"/>
+            <a:ext cx="142200" cy="106200"/>
           </a:xfrm>
           <a:prstGeom prst="rect">
             <a:avLst/>
@@ -6119,7 +6194,7 @@
                 <a:spcPct val="100000"/>
               </a:lnSpc>
             </a:pPr>
-            <a:fld id="{9AC8A86D-1356-433F-8632-4F5277DA76A6}" type="slidenum">
+            <a:fld id="{C5AC7645-F6D5-472A-B0FE-56909695C0A1}" type="slidenum">
               <a:rPr b="0" lang="en-US" sz="600" spc="-1" strike="noStrike">
                 <a:solidFill>
                   <a:srgbClr val="ffffff"/>
@@ -6137,14 +6212,14 @@
       </p:sp>
       <p:sp>
         <p:nvSpPr>
-          <p:cNvPr id="181" name="CustomShape 4"/>
+          <p:cNvPr id="185" name="CustomShape 4"/>
           <p:cNvSpPr/>
           <p:nvPr/>
         </p:nvSpPr>
         <p:spPr>
           <a:xfrm>
-            <a:off x="783000" y="776520"/>
-            <a:ext cx="6622920" cy="3886200"/>
+            <a:off x="717120" y="792000"/>
+            <a:ext cx="6622200" cy="3885480"/>
           </a:xfrm>
           <a:prstGeom prst="rect">
             <a:avLst/>
@@ -6173,7 +6248,7 @@
             </a:endParaRPr>
           </a:p>
           <a:p>
-            <a:pPr marL="285840" indent="-284760">
+            <a:pPr marL="285840" indent="-284040">
               <a:lnSpc>
                 <a:spcPct val="120000"/>
               </a:lnSpc>
@@ -6191,14 +6266,24 @@
                 <a:latin typeface="Arial"/>
                 <a:ea typeface="DejaVu Sans"/>
               </a:rPr>
-              <a:t>Import the data from the resources folder (`import { accomodations } from ‘src/resources/accommodations.js’`)</a:t>
+              <a:t>Pass a prop to your Appbar: </a:t>
+            </a:r>
+            <a:r>
+              <a:rPr b="0" i="1" lang="en-US" sz="1500" spc="-1" strike="noStrike">
+                <a:solidFill>
+                  <a:srgbClr val="000000"/>
+                </a:solidFill>
+                <a:latin typeface="Arial"/>
+                <a:ea typeface="DejaVu Sans"/>
+              </a:rPr>
+              <a:t>`&lt;Appbar propName=’a string’ /&gt;`</a:t>
             </a:r>
             <a:endParaRPr b="0" lang="en-US" sz="1500" spc="-1" strike="noStrike">
               <a:latin typeface="Arial"/>
             </a:endParaRPr>
           </a:p>
           <a:p>
-            <a:pPr marL="285840" indent="-284760">
+            <a:pPr marL="285840" indent="-284040">
               <a:lnSpc>
                 <a:spcPct val="120000"/>
               </a:lnSpc>
@@ -6216,14 +6301,34 @@
                 <a:latin typeface="Arial"/>
                 <a:ea typeface="DejaVu Sans"/>
               </a:rPr>
-              <a:t>Use accommodations.map(() =&gt; {}) to display a div with the accommodations name for each accommodation</a:t>
+              <a:t>Use this prop in the Appbar (availabe with `</a:t>
+            </a:r>
+            <a:r>
+              <a:rPr b="0" i="1" lang="en-US" sz="1500" spc="-1" strike="noStrike">
+                <a:solidFill>
+                  <a:srgbClr val="000000"/>
+                </a:solidFill>
+                <a:latin typeface="Arial"/>
+                <a:ea typeface="DejaVu Sans"/>
+              </a:rPr>
+              <a:t>this.props.propName</a:t>
+            </a:r>
+            <a:r>
+              <a:rPr b="0" lang="en-US" sz="1500" spc="-1" strike="noStrike">
+                <a:solidFill>
+                  <a:srgbClr val="000000"/>
+                </a:solidFill>
+                <a:latin typeface="Arial"/>
+                <a:ea typeface="DejaVu Sans"/>
+              </a:rPr>
+              <a:t>`)</a:t>
             </a:r>
             <a:endParaRPr b="0" lang="en-US" sz="1500" spc="-1" strike="noStrike">
               <a:latin typeface="Arial"/>
             </a:endParaRPr>
           </a:p>
           <a:p>
-            <a:pPr marL="285840" indent="-284760">
+            <a:pPr marL="285840" indent="-284040">
               <a:lnSpc>
                 <a:spcPct val="120000"/>
               </a:lnSpc>
@@ -6241,32 +6346,7 @@
                 <a:latin typeface="Arial"/>
                 <a:ea typeface="DejaVu Sans"/>
               </a:rPr>
-              <a:t>Move the rendering of the accommodations to a separate function called renderAccommodations which should JSX. Use it by changing the map function to: `accommodations.map(this.renderAccomodations)`</a:t>
-            </a:r>
-            <a:endParaRPr b="0" lang="en-US" sz="1500" spc="-1" strike="noStrike">
-              <a:latin typeface="Arial"/>
-            </a:endParaRPr>
-          </a:p>
-          <a:p>
-            <a:pPr marL="285840" indent="-284760">
-              <a:lnSpc>
-                <a:spcPct val="120000"/>
-              </a:lnSpc>
-              <a:buClr>
-                <a:srgbClr val="000000"/>
-              </a:buClr>
-              <a:buFont typeface="Arial"/>
-              <a:buChar char="•"/>
-            </a:pPr>
-            <a:r>
-              <a:rPr b="0" lang="en-US" sz="1500" spc="-1" strike="noStrike">
-                <a:solidFill>
-                  <a:srgbClr val="000000"/>
-                </a:solidFill>
-                <a:latin typeface="Arial"/>
-                <a:ea typeface="DejaVu Sans"/>
-              </a:rPr>
-              <a:t>Display more of the data from the accommodations objects. Add some styling.</a:t>
+              <a:t>Try using multiple Appbar components in your App.js with different values for your prop</a:t>
             </a:r>
             <a:endParaRPr b="0" lang="en-US" sz="1500" spc="-1" strike="noStrike">
               <a:latin typeface="Arial"/>
@@ -6335,14 +6415,14 @@
       </p:grpSpPr>
       <p:sp>
         <p:nvSpPr>
-          <p:cNvPr id="182" name="CustomShape 1"/>
+          <p:cNvPr id="186" name="CustomShape 1"/>
           <p:cNvSpPr/>
           <p:nvPr/>
         </p:nvSpPr>
         <p:spPr>
           <a:xfrm>
             <a:off x="720000" y="288000"/>
-            <a:ext cx="6622920" cy="502920"/>
+            <a:ext cx="6622200" cy="502200"/>
           </a:xfrm>
           <a:prstGeom prst="rect">
             <a:avLst/>
@@ -6374,7 +6454,7 @@
                 <a:latin typeface="Arial"/>
                 <a:ea typeface="DejaVu Sans"/>
               </a:rPr>
-              <a:t>Hands-on: move accommodation to it’s own component</a:t>
+              <a:t>Hands-on: displaying data</a:t>
             </a:r>
             <a:endParaRPr b="0" lang="en-US" sz="1800" spc="-1" strike="noStrike">
               <a:latin typeface="Arial"/>
@@ -6384,14 +6464,14 @@
       </p:sp>
       <p:sp>
         <p:nvSpPr>
-          <p:cNvPr id="183" name="CustomShape 2"/>
+          <p:cNvPr id="187" name="CustomShape 2"/>
           <p:cNvSpPr/>
           <p:nvPr/>
         </p:nvSpPr>
         <p:spPr>
           <a:xfrm>
             <a:off x="4968000" y="5004000"/>
-            <a:ext cx="3238920" cy="106920"/>
+            <a:ext cx="3238200" cy="106200"/>
           </a:xfrm>
           <a:prstGeom prst="rect">
             <a:avLst/>
@@ -6433,14 +6513,14 @@
       </p:sp>
       <p:sp>
         <p:nvSpPr>
-          <p:cNvPr id="184" name="CustomShape 3"/>
+          <p:cNvPr id="188" name="CustomShape 3"/>
           <p:cNvSpPr/>
           <p:nvPr/>
         </p:nvSpPr>
         <p:spPr>
           <a:xfrm>
             <a:off x="8280000" y="5004000"/>
-            <a:ext cx="142920" cy="106920"/>
+            <a:ext cx="142200" cy="106200"/>
           </a:xfrm>
           <a:prstGeom prst="rect">
             <a:avLst/>
@@ -6464,7 +6544,7 @@
                 <a:spcPct val="100000"/>
               </a:lnSpc>
             </a:pPr>
-            <a:fld id="{513FC12F-FAB1-482D-8C4C-420FB2BDDEC4}" type="slidenum">
+            <a:fld id="{19099D3E-E3C8-45FC-848A-2733D7CF1EF5}" type="slidenum">
               <a:rPr b="0" lang="en-US" sz="600" spc="-1" strike="noStrike">
                 <a:solidFill>
                   <a:srgbClr val="ffffff"/>
@@ -6482,14 +6562,14 @@
       </p:sp>
       <p:sp>
         <p:nvSpPr>
-          <p:cNvPr id="185" name="CustomShape 4"/>
+          <p:cNvPr id="189" name="CustomShape 4"/>
           <p:cNvSpPr/>
           <p:nvPr/>
         </p:nvSpPr>
         <p:spPr>
           <a:xfrm>
-            <a:off x="717120" y="792000"/>
-            <a:ext cx="6622920" cy="3886200"/>
+            <a:off x="783000" y="776520"/>
+            <a:ext cx="6622200" cy="3885480"/>
           </a:xfrm>
           <a:prstGeom prst="rect">
             <a:avLst/>
@@ -6518,7 +6598,7 @@
             </a:endParaRPr>
           </a:p>
           <a:p>
-            <a:pPr marL="285840" indent="-284760">
+            <a:pPr marL="285840" indent="-284040">
               <a:lnSpc>
                 <a:spcPct val="120000"/>
               </a:lnSpc>
@@ -6536,14 +6616,24 @@
                 <a:latin typeface="Arial"/>
                 <a:ea typeface="DejaVu Sans"/>
               </a:rPr>
-              <a:t>Create a new .js and .css file for Accommodation. Add the required code to export a component from these files and move the rendering of an accommodation to this component. </a:t>
+              <a:t>Import the data from the resources folder: </a:t>
+            </a:r>
+            <a:r>
+              <a:rPr b="0" i="1" lang="en-US" sz="1500" spc="-1" strike="noStrike">
+                <a:solidFill>
+                  <a:srgbClr val="000000"/>
+                </a:solidFill>
+                <a:latin typeface="Arial"/>
+                <a:ea typeface="DejaVu Sans"/>
+              </a:rPr>
+              <a:t>`import { accomodations } from ‘src/resources/accommodations.js’`</a:t>
             </a:r>
             <a:endParaRPr b="0" lang="en-US" sz="1500" spc="-1" strike="noStrike">
               <a:latin typeface="Arial"/>
             </a:endParaRPr>
           </a:p>
           <a:p>
-            <a:pPr marL="285840" indent="-284760">
+            <a:pPr marL="285840" indent="-284040">
               <a:lnSpc>
                 <a:spcPct val="120000"/>
               </a:lnSpc>
@@ -6561,14 +6651,34 @@
                 <a:latin typeface="Arial"/>
                 <a:ea typeface="DejaVu Sans"/>
               </a:rPr>
-              <a:t>Move the css you used to style the individial accommodations from Accommodations.css to the new css file</a:t>
+              <a:t>Use </a:t>
+            </a:r>
+            <a:r>
+              <a:rPr b="0" i="1" lang="en-US" sz="1500" spc="-1" strike="noStrike">
+                <a:solidFill>
+                  <a:srgbClr val="000000"/>
+                </a:solidFill>
+                <a:latin typeface="Arial"/>
+                <a:ea typeface="DejaVu Sans"/>
+              </a:rPr>
+              <a:t>accommodations.map((accommodation) =&gt; { return ...})</a:t>
+            </a:r>
+            <a:r>
+              <a:rPr b="0" lang="en-US" sz="1500" spc="-1" strike="noStrike">
+                <a:solidFill>
+                  <a:srgbClr val="000000"/>
+                </a:solidFill>
+                <a:latin typeface="Arial"/>
+                <a:ea typeface="DejaVu Sans"/>
+              </a:rPr>
+              <a:t> to display a div with the accommodations name for each accommodation</a:t>
             </a:r>
             <a:endParaRPr b="0" lang="en-US" sz="1500" spc="-1" strike="noStrike">
               <a:latin typeface="Arial"/>
             </a:endParaRPr>
           </a:p>
           <a:p>
-            <a:pPr marL="285840" indent="-284760">
+            <a:pPr marL="285840" indent="-284040">
               <a:lnSpc>
                 <a:spcPct val="120000"/>
               </a:lnSpc>
@@ -6586,18 +6696,63 @@
                 <a:latin typeface="Arial"/>
                 <a:ea typeface="DejaVu Sans"/>
               </a:rPr>
-              <a:t>Display the component &lt;HomeIcon /&gt; from the resources folder in your new Accomodation component. Have its color be based on favorite being true or false.</a:t>
+              <a:t>Move the rendering of the accommodations to a separate function called </a:t>
+            </a:r>
+            <a:r>
+              <a:rPr b="0" i="1" lang="en-US" sz="1500" spc="-1" strike="noStrike">
+                <a:solidFill>
+                  <a:srgbClr val="000000"/>
+                </a:solidFill>
+                <a:latin typeface="Arial"/>
+                <a:ea typeface="DejaVu Sans"/>
+              </a:rPr>
+              <a:t>renderAccommodations</a:t>
+            </a:r>
+            <a:r>
+              <a:rPr b="0" lang="en-US" sz="1500" spc="-1" strike="noStrike">
+                <a:solidFill>
+                  <a:srgbClr val="000000"/>
+                </a:solidFill>
+                <a:latin typeface="Arial"/>
+                <a:ea typeface="DejaVu Sans"/>
+              </a:rPr>
+              <a:t> which should JSX. Use it by changing the map function to: </a:t>
+            </a:r>
+            <a:r>
+              <a:rPr b="0" i="1" lang="en-US" sz="1500" spc="-1" strike="noStrike">
+                <a:solidFill>
+                  <a:srgbClr val="000000"/>
+                </a:solidFill>
+                <a:latin typeface="Arial"/>
+                <a:ea typeface="DejaVu Sans"/>
+              </a:rPr>
+              <a:t>`accommodations.map(this.renderAccomodations)`</a:t>
             </a:r>
             <a:endParaRPr b="0" lang="en-US" sz="1500" spc="-1" strike="noStrike">
               <a:latin typeface="Arial"/>
             </a:endParaRPr>
           </a:p>
           <a:p>
-            <a:pPr>
+            <a:pPr marL="285840" indent="-284040">
               <a:lnSpc>
                 <a:spcPct val="120000"/>
               </a:lnSpc>
-            </a:pPr>
+              <a:buClr>
+                <a:srgbClr val="000000"/>
+              </a:buClr>
+              <a:buFont typeface="Arial"/>
+              <a:buChar char="•"/>
+            </a:pPr>
+            <a:r>
+              <a:rPr b="0" lang="en-US" sz="1500" spc="-1" strike="noStrike">
+                <a:solidFill>
+                  <a:srgbClr val="000000"/>
+                </a:solidFill>
+                <a:latin typeface="Arial"/>
+                <a:ea typeface="DejaVu Sans"/>
+              </a:rPr>
+              <a:t>Display more of the data from the accommodations objects. Add some styling.</a:t>
+            </a:r>
             <a:endParaRPr b="0" lang="en-US" sz="1500" spc="-1" strike="noStrike">
               <a:latin typeface="Arial"/>
             </a:endParaRPr>
@@ -6665,14 +6820,14 @@
       </p:grpSpPr>
       <p:sp>
         <p:nvSpPr>
-          <p:cNvPr id="186" name="CustomShape 1"/>
+          <p:cNvPr id="190" name="CustomShape 1"/>
           <p:cNvSpPr/>
           <p:nvPr/>
         </p:nvSpPr>
         <p:spPr>
           <a:xfrm>
             <a:off x="720000" y="288000"/>
-            <a:ext cx="6622920" cy="502920"/>
+            <a:ext cx="6622200" cy="502200"/>
           </a:xfrm>
           <a:prstGeom prst="rect">
             <a:avLst/>
@@ -6704,7 +6859,7 @@
                 <a:latin typeface="Arial"/>
                 <a:ea typeface="DejaVu Sans"/>
               </a:rPr>
-              <a:t>Hands-on: using state</a:t>
+              <a:t>Hands-on: move accommodation to it’s own component</a:t>
             </a:r>
             <a:endParaRPr b="0" lang="en-US" sz="1800" spc="-1" strike="noStrike">
               <a:latin typeface="Arial"/>
@@ -6714,14 +6869,14 @@
       </p:sp>
       <p:sp>
         <p:nvSpPr>
-          <p:cNvPr id="187" name="CustomShape 2"/>
+          <p:cNvPr id="191" name="CustomShape 2"/>
           <p:cNvSpPr/>
           <p:nvPr/>
         </p:nvSpPr>
         <p:spPr>
           <a:xfrm>
             <a:off x="4968000" y="5004000"/>
-            <a:ext cx="3238920" cy="106920"/>
+            <a:ext cx="3238200" cy="106200"/>
           </a:xfrm>
           <a:prstGeom prst="rect">
             <a:avLst/>
@@ -6763,14 +6918,14 @@
       </p:sp>
       <p:sp>
         <p:nvSpPr>
-          <p:cNvPr id="188" name="CustomShape 3"/>
+          <p:cNvPr id="192" name="CustomShape 3"/>
           <p:cNvSpPr/>
           <p:nvPr/>
         </p:nvSpPr>
         <p:spPr>
           <a:xfrm>
             <a:off x="8280000" y="5004000"/>
-            <a:ext cx="142920" cy="106920"/>
+            <a:ext cx="142200" cy="106200"/>
           </a:xfrm>
           <a:prstGeom prst="rect">
             <a:avLst/>
@@ -6794,7 +6949,7 @@
                 <a:spcPct val="100000"/>
               </a:lnSpc>
             </a:pPr>
-            <a:fld id="{BEA6CDE1-56CE-46BF-99C9-8C4B1346A1C4}" type="slidenum">
+            <a:fld id="{3B1D9530-DE53-4B9D-9753-6EDE00A75BE3}" type="slidenum">
               <a:rPr b="0" lang="en-US" sz="600" spc="-1" strike="noStrike">
                 <a:solidFill>
                   <a:srgbClr val="ffffff"/>
@@ -6812,14 +6967,14 @@
       </p:sp>
       <p:sp>
         <p:nvSpPr>
-          <p:cNvPr id="189" name="CustomShape 4"/>
+          <p:cNvPr id="193" name="CustomShape 4"/>
           <p:cNvSpPr/>
           <p:nvPr/>
         </p:nvSpPr>
         <p:spPr>
           <a:xfrm>
             <a:off x="717120" y="792000"/>
-            <a:ext cx="6622920" cy="3886200"/>
+            <a:ext cx="6622200" cy="3885480"/>
           </a:xfrm>
           <a:prstGeom prst="rect">
             <a:avLst/>
@@ -6848,7 +7003,7 @@
             </a:endParaRPr>
           </a:p>
           <a:p>
-            <a:pPr marL="285840" indent="-284760">
+            <a:pPr marL="285840" indent="-284040">
               <a:lnSpc>
                 <a:spcPct val="120000"/>
               </a:lnSpc>
@@ -6866,14 +7021,14 @@
                 <a:latin typeface="Arial"/>
                 <a:ea typeface="DejaVu Sans"/>
               </a:rPr>
-              <a:t>Have the HomeIcon be shown dependent on state rather than props by adding a this.state.favorite to your Accommodation component</a:t>
+              <a:t>Create a new .js and .css file for AccommodationCard. Add the required code to export a component from these files and move the rendering of an accommodation to this component. </a:t>
             </a:r>
             <a:endParaRPr b="0" lang="en-US" sz="1500" spc="-1" strike="noStrike">
               <a:latin typeface="Arial"/>
             </a:endParaRPr>
           </a:p>
           <a:p>
-            <a:pPr marL="285840" indent="-284760">
+            <a:pPr marL="285840" indent="-284040">
               <a:lnSpc>
                 <a:spcPct val="120000"/>
               </a:lnSpc>
@@ -6891,14 +7046,14 @@
                 <a:latin typeface="Arial"/>
                 <a:ea typeface="DejaVu Sans"/>
               </a:rPr>
-              <a:t>Add a function to toggle the value of this.state.favorite using `this.setState()`</a:t>
+              <a:t>Move the css you used to style the individial accommodations from Accommodations.css to the new css file</a:t>
             </a:r>
             <a:endParaRPr b="0" lang="en-US" sz="1500" spc="-1" strike="noStrike">
               <a:latin typeface="Arial"/>
             </a:endParaRPr>
           </a:p>
           <a:p>
-            <a:pPr marL="285840" indent="-284760">
+            <a:pPr marL="285840" indent="-284040">
               <a:lnSpc>
                 <a:spcPct val="120000"/>
               </a:lnSpc>
@@ -6916,7 +7071,27 @@
                 <a:latin typeface="Arial"/>
                 <a:ea typeface="DejaVu Sans"/>
               </a:rPr>
-              <a:t>Add an `onClick` property to your HomeIcon which calls the function you just wrote</a:t>
+              <a:t>Display the component </a:t>
+            </a:r>
+            <a:r>
+              <a:rPr b="0" i="1" lang="en-US" sz="1500" spc="-1" strike="noStrike">
+                <a:solidFill>
+                  <a:srgbClr val="000000"/>
+                </a:solidFill>
+                <a:latin typeface="Arial"/>
+                <a:ea typeface="DejaVu Sans"/>
+              </a:rPr>
+              <a:t>&lt;HomeIcon /&gt;</a:t>
+            </a:r>
+            <a:r>
+              <a:rPr b="0" lang="en-US" sz="1500" spc="-1" strike="noStrike">
+                <a:solidFill>
+                  <a:srgbClr val="000000"/>
+                </a:solidFill>
+                <a:latin typeface="Arial"/>
+                <a:ea typeface="DejaVu Sans"/>
+              </a:rPr>
+              <a:t> from the resources folder in your new Accomodation component. Have its color be based on favorite being true or false.</a:t>
             </a:r>
             <a:endParaRPr b="0" lang="en-US" sz="1500" spc="-1" strike="noStrike">
               <a:latin typeface="Arial"/>
@@ -6995,14 +7170,14 @@
       </p:grpSpPr>
       <p:sp>
         <p:nvSpPr>
-          <p:cNvPr id="190" name="CustomShape 1"/>
+          <p:cNvPr id="194" name="CustomShape 1"/>
           <p:cNvSpPr/>
           <p:nvPr/>
         </p:nvSpPr>
         <p:spPr>
           <a:xfrm>
             <a:off x="720000" y="288000"/>
-            <a:ext cx="6622920" cy="502920"/>
+            <a:ext cx="6622200" cy="502200"/>
           </a:xfrm>
           <a:prstGeom prst="rect">
             <a:avLst/>
@@ -7034,7 +7209,7 @@
                 <a:latin typeface="Arial"/>
                 <a:ea typeface="DejaVu Sans"/>
               </a:rPr>
-              <a:t>Hands-on extra: displaying favorites at the top</a:t>
+              <a:t>Hands-on: using state</a:t>
             </a:r>
             <a:endParaRPr b="0" lang="en-US" sz="1800" spc="-1" strike="noStrike">
               <a:latin typeface="Arial"/>
@@ -7044,14 +7219,14 @@
       </p:sp>
       <p:sp>
         <p:nvSpPr>
-          <p:cNvPr id="191" name="CustomShape 2"/>
+          <p:cNvPr id="195" name="CustomShape 2"/>
           <p:cNvSpPr/>
           <p:nvPr/>
         </p:nvSpPr>
         <p:spPr>
           <a:xfrm>
             <a:off x="4968000" y="5004000"/>
-            <a:ext cx="3238920" cy="106920"/>
+            <a:ext cx="3238200" cy="106200"/>
           </a:xfrm>
           <a:prstGeom prst="rect">
             <a:avLst/>
@@ -7093,14 +7268,14 @@
       </p:sp>
       <p:sp>
         <p:nvSpPr>
-          <p:cNvPr id="192" name="CustomShape 3"/>
+          <p:cNvPr id="196" name="CustomShape 3"/>
           <p:cNvSpPr/>
           <p:nvPr/>
         </p:nvSpPr>
         <p:spPr>
           <a:xfrm>
             <a:off x="8280000" y="5004000"/>
-            <a:ext cx="142920" cy="106920"/>
+            <a:ext cx="142200" cy="106200"/>
           </a:xfrm>
           <a:prstGeom prst="rect">
             <a:avLst/>
@@ -7124,7 +7299,7 @@
                 <a:spcPct val="100000"/>
               </a:lnSpc>
             </a:pPr>
-            <a:fld id="{A9B1F130-10AA-4C22-86F0-B2B034BE207A}" type="slidenum">
+            <a:fld id="{8A34A41B-DB8A-43BB-944A-99EBC695656E}" type="slidenum">
               <a:rPr b="0" lang="en-US" sz="600" spc="-1" strike="noStrike">
                 <a:solidFill>
                   <a:srgbClr val="ffffff"/>
@@ -7142,14 +7317,14 @@
       </p:sp>
       <p:sp>
         <p:nvSpPr>
-          <p:cNvPr id="193" name="CustomShape 4"/>
+          <p:cNvPr id="197" name="CustomShape 4"/>
           <p:cNvSpPr/>
           <p:nvPr/>
         </p:nvSpPr>
         <p:spPr>
           <a:xfrm>
             <a:off x="717120" y="792000"/>
-            <a:ext cx="6622920" cy="3886200"/>
+            <a:ext cx="6622200" cy="3885480"/>
           </a:xfrm>
           <a:prstGeom prst="rect">
             <a:avLst/>
@@ -7178,7 +7353,7 @@
             </a:endParaRPr>
           </a:p>
           <a:p>
-            <a:pPr marL="285840" indent="-284760">
+            <a:pPr marL="285840" indent="-284040">
               <a:lnSpc>
                 <a:spcPct val="120000"/>
               </a:lnSpc>
@@ -7196,14 +7371,34 @@
                 <a:latin typeface="Arial"/>
                 <a:ea typeface="DejaVu Sans"/>
               </a:rPr>
-              <a:t>Display the accommodations which have `favorite === true` a second time at the top of the page</a:t>
+              <a:t>Have the HomeIcon be shown dependent on state rather than props by adding a </a:t>
+            </a:r>
+            <a:r>
+              <a:rPr b="0" i="1" lang="en-US" sz="1500" spc="-1" strike="noStrike">
+                <a:solidFill>
+                  <a:srgbClr val="000000"/>
+                </a:solidFill>
+                <a:latin typeface="Arial"/>
+                <a:ea typeface="DejaVu Sans"/>
+              </a:rPr>
+              <a:t>this.state.favorite</a:t>
+            </a:r>
+            <a:r>
+              <a:rPr b="0" lang="en-US" sz="1500" spc="-1" strike="noStrike">
+                <a:solidFill>
+                  <a:srgbClr val="000000"/>
+                </a:solidFill>
+                <a:latin typeface="Arial"/>
+                <a:ea typeface="DejaVu Sans"/>
+              </a:rPr>
+              <a:t> to your Accommodation component</a:t>
             </a:r>
             <a:endParaRPr b="0" lang="en-US" sz="1500" spc="-1" strike="noStrike">
               <a:latin typeface="Arial"/>
             </a:endParaRPr>
           </a:p>
           <a:p>
-            <a:pPr marL="285840" indent="-284760">
+            <a:pPr marL="285840" indent="-284040">
               <a:lnSpc>
                 <a:spcPct val="120000"/>
               </a:lnSpc>
@@ -7221,7 +7416,72 @@
                 <a:latin typeface="Arial"/>
                 <a:ea typeface="DejaVu Sans"/>
               </a:rPr>
-              <a:t>Make sure that the toggleState will still work by keeping the state in the parent component and passing down the toggle function to the child</a:t>
+              <a:t>Add a function to your component which toggles the value of this.state.favorite using `</a:t>
+            </a:r>
+            <a:r>
+              <a:rPr b="0" i="1" lang="en-US" sz="1500" spc="-1" strike="noStrike">
+                <a:solidFill>
+                  <a:srgbClr val="000000"/>
+                </a:solidFill>
+                <a:latin typeface="Arial"/>
+                <a:ea typeface="DejaVu Sans"/>
+              </a:rPr>
+              <a:t>this.setState()</a:t>
+            </a:r>
+            <a:r>
+              <a:rPr b="0" lang="en-US" sz="1500" spc="-1" strike="noStrike">
+                <a:solidFill>
+                  <a:srgbClr val="000000"/>
+                </a:solidFill>
+                <a:latin typeface="Arial"/>
+                <a:ea typeface="DejaVu Sans"/>
+              </a:rPr>
+              <a:t>`</a:t>
+            </a:r>
+            <a:endParaRPr b="0" lang="en-US" sz="1500" spc="-1" strike="noStrike">
+              <a:latin typeface="Arial"/>
+            </a:endParaRPr>
+          </a:p>
+          <a:p>
+            <a:pPr marL="285840" indent="-284040">
+              <a:lnSpc>
+                <a:spcPct val="120000"/>
+              </a:lnSpc>
+              <a:buClr>
+                <a:srgbClr val="000000"/>
+              </a:buClr>
+              <a:buFont typeface="Arial"/>
+              <a:buChar char="•"/>
+            </a:pPr>
+            <a:r>
+              <a:rPr b="0" lang="en-US" sz="1500" spc="-1" strike="noStrike">
+                <a:solidFill>
+                  <a:srgbClr val="000000"/>
+                </a:solidFill>
+                <a:latin typeface="Arial"/>
+                <a:ea typeface="DejaVu Sans"/>
+              </a:rPr>
+              <a:t>Add an </a:t>
+            </a:r>
+            <a:r>
+              <a:rPr b="0" i="1" lang="en-US" sz="1500" spc="-1" strike="noStrike">
+                <a:solidFill>
+                  <a:srgbClr val="000000"/>
+                </a:solidFill>
+                <a:latin typeface="Arial"/>
+                <a:ea typeface="DejaVu Sans"/>
+              </a:rPr>
+              <a:t>`onClick`</a:t>
+            </a:r>
+            <a:r>
+              <a:rPr b="0" lang="en-US" sz="1500" spc="-1" strike="noStrike">
+                <a:solidFill>
+                  <a:srgbClr val="000000"/>
+                </a:solidFill>
+                <a:latin typeface="Arial"/>
+                <a:ea typeface="DejaVu Sans"/>
+              </a:rPr>
+              <a:t> property to your HomeIcon which calls the function you just wrote</a:t>
             </a:r>
             <a:endParaRPr b="0" lang="en-US" sz="1500" spc="-1" strike="noStrike">
               <a:latin typeface="Arial"/>
@@ -7258,6 +7518,331 @@
           <p:childTnLst>
             <p:seq>
               <p:cTn id="30" dur="indefinite" nodeType="mainSeq"/>
+              <p:prevCondLst>
+                <p:cond delay="0" evt="onPrev">
+                  <p:tgtEl>
+                    <p:sldTgt/>
+                  </p:tgtEl>
+                </p:cond>
+              </p:prevCondLst>
+              <p:nextCondLst>
+                <p:cond delay="0" evt="onNext">
+                  <p:tgtEl>
+                    <p:sldTgt/>
+                  </p:tgtEl>
+                </p:cond>
+              </p:nextCondLst>
+            </p:seq>
+          </p:childTnLst>
+        </p:cTn>
+      </p:par>
+    </p:tnLst>
+  </p:timing>
+</p:sld>
+</file>
+
+<file path=ppt/slides/slide16.xml><?xml version="1.0" encoding="utf-8"?>
+<p:sld xmlns:a="http://schemas.openxmlformats.org/drawingml/2006/main" xmlns:p="http://schemas.openxmlformats.org/presentationml/2006/main" xmlns:r="http://schemas.openxmlformats.org/officeDocument/2006/relationships" xmlns:p14="http://schemas.microsoft.com/office/powerpoint/2010/main" xmlns:p15="http://schemas.microsoft.com/office/powerpoint/2012/main" xmlns:mc="http://schemas.openxmlformats.org/markup-compatibility/2006">
+  <p:cSld>
+    <p:spTree>
+      <p:nvGrpSpPr>
+        <p:cNvPr id="1" name=""/>
+        <p:cNvGrpSpPr/>
+        <p:nvPr/>
+      </p:nvGrpSpPr>
+      <p:grpSpPr>
+        <a:xfrm>
+          <a:off x="0" y="0"/>
+          <a:ext cx="0" cy="0"/>
+          <a:chOff x="0" y="0"/>
+          <a:chExt cx="0" cy="0"/>
+        </a:xfrm>
+      </p:grpSpPr>
+      <p:sp>
+        <p:nvSpPr>
+          <p:cNvPr id="198" name="CustomShape 1"/>
+          <p:cNvSpPr/>
+          <p:nvPr/>
+        </p:nvSpPr>
+        <p:spPr>
+          <a:xfrm>
+            <a:off x="720000" y="288000"/>
+            <a:ext cx="6622200" cy="502200"/>
+          </a:xfrm>
+          <a:prstGeom prst="rect">
+            <a:avLst/>
+          </a:prstGeom>
+          <a:noFill/>
+          <a:ln>
+            <a:noFill/>
+          </a:ln>
+        </p:spPr>
+        <p:style>
+          <a:lnRef idx="0"/>
+          <a:fillRef idx="0"/>
+          <a:effectRef idx="0"/>
+          <a:fontRef idx="minor"/>
+        </p:style>
+        <p:txBody>
+          <a:bodyPr lIns="0" rIns="0" tIns="0" bIns="0" anchor="ctr"/>
+          <a:p>
+            <a:pPr>
+              <a:lnSpc>
+                <a:spcPct val="85000"/>
+              </a:lnSpc>
+            </a:pPr>
+            <a:r>
+              <a:rPr b="1" lang="en-US" sz="1800" spc="-1" strike="noStrike">
+                <a:solidFill>
+                  <a:srgbClr val="e63232"/>
+                </a:solidFill>
+                <a:latin typeface="Arial"/>
+                <a:ea typeface="DejaVu Sans"/>
+              </a:rPr>
+              <a:t>Hands-on extra: displaying favorites at the top</a:t>
+            </a:r>
+            <a:endParaRPr b="0" lang="en-US" sz="1800" spc="-1" strike="noStrike">
+              <a:latin typeface="Arial"/>
+            </a:endParaRPr>
+          </a:p>
+        </p:txBody>
+      </p:sp>
+      <p:sp>
+        <p:nvSpPr>
+          <p:cNvPr id="199" name="CustomShape 2"/>
+          <p:cNvSpPr/>
+          <p:nvPr/>
+        </p:nvSpPr>
+        <p:spPr>
+          <a:xfrm>
+            <a:off x="4968000" y="5004000"/>
+            <a:ext cx="3238200" cy="106200"/>
+          </a:xfrm>
+          <a:prstGeom prst="rect">
+            <a:avLst/>
+          </a:prstGeom>
+          <a:noFill/>
+          <a:ln>
+            <a:noFill/>
+          </a:ln>
+        </p:spPr>
+        <p:style>
+          <a:lnRef idx="0"/>
+          <a:fillRef idx="0"/>
+          <a:effectRef idx="0"/>
+          <a:fontRef idx="minor"/>
+        </p:style>
+        <p:txBody>
+          <a:bodyPr lIns="0" rIns="0" tIns="0" bIns="0"/>
+          <a:p>
+            <a:pPr algn="r">
+              <a:lnSpc>
+                <a:spcPct val="100000"/>
+              </a:lnSpc>
+            </a:pPr>
+            <a:r>
+              <a:rPr b="0" lang="en-US" sz="600" spc="-1" strike="noStrike">
+                <a:solidFill>
+                  <a:srgbClr val="ffffff"/>
+                </a:solidFill>
+                <a:latin typeface="Arial"/>
+                <a:ea typeface="DejaVu Sans"/>
+              </a:rPr>
+              <a:t>React</a:t>
+            </a:r>
+            <a:endParaRPr b="0" lang="en-US" sz="600" spc="-1" strike="noStrike">
+              <a:latin typeface="Arial"/>
+            </a:endParaRPr>
+          </a:p>
+        </p:txBody>
+      </p:sp>
+      <p:sp>
+        <p:nvSpPr>
+          <p:cNvPr id="200" name="CustomShape 3"/>
+          <p:cNvSpPr/>
+          <p:nvPr/>
+        </p:nvSpPr>
+        <p:spPr>
+          <a:xfrm>
+            <a:off x="8280000" y="5004000"/>
+            <a:ext cx="142200" cy="106200"/>
+          </a:xfrm>
+          <a:prstGeom prst="rect">
+            <a:avLst/>
+          </a:prstGeom>
+          <a:noFill/>
+          <a:ln>
+            <a:noFill/>
+          </a:ln>
+        </p:spPr>
+        <p:style>
+          <a:lnRef idx="0"/>
+          <a:fillRef idx="0"/>
+          <a:effectRef idx="0"/>
+          <a:fontRef idx="minor"/>
+        </p:style>
+        <p:txBody>
+          <a:bodyPr lIns="0" rIns="0" tIns="0" bIns="0"/>
+          <a:p>
+            <a:pPr algn="r">
+              <a:lnSpc>
+                <a:spcPct val="100000"/>
+              </a:lnSpc>
+            </a:pPr>
+            <a:fld id="{DE3D91E1-80C6-421E-9CAB-2A709F67BF5B}" type="slidenum">
+              <a:rPr b="0" lang="en-US" sz="600" spc="-1" strike="noStrike">
+                <a:solidFill>
+                  <a:srgbClr val="ffffff"/>
+                </a:solidFill>
+                <a:latin typeface="Arial"/>
+                <a:ea typeface="DejaVu Sans"/>
+              </a:rPr>
+              <a:t>&lt;number&gt;</a:t>
+            </a:fld>
+            <a:endParaRPr b="0" lang="en-US" sz="600" spc="-1" strike="noStrike">
+              <a:latin typeface="Arial"/>
+            </a:endParaRPr>
+          </a:p>
+        </p:txBody>
+      </p:sp>
+      <p:sp>
+        <p:nvSpPr>
+          <p:cNvPr id="201" name="CustomShape 4"/>
+          <p:cNvSpPr/>
+          <p:nvPr/>
+        </p:nvSpPr>
+        <p:spPr>
+          <a:xfrm>
+            <a:off x="717120" y="792000"/>
+            <a:ext cx="6622200" cy="3885480"/>
+          </a:xfrm>
+          <a:prstGeom prst="rect">
+            <a:avLst/>
+          </a:prstGeom>
+          <a:noFill/>
+          <a:ln>
+            <a:noFill/>
+          </a:ln>
+        </p:spPr>
+        <p:style>
+          <a:lnRef idx="0"/>
+          <a:fillRef idx="0"/>
+          <a:effectRef idx="0"/>
+          <a:fontRef idx="minor"/>
+        </p:style>
+        <p:txBody>
+          <a:bodyPr lIns="0" rIns="0" tIns="0" bIns="0"/>
+          <a:p>
+            <a:pPr>
+              <a:lnSpc>
+                <a:spcPct val="120000"/>
+              </a:lnSpc>
+            </a:pPr>
+            <a:endParaRPr b="0" lang="en-US" sz="1800" spc="-1" strike="noStrike">
+              <a:latin typeface="Arial"/>
+            </a:endParaRPr>
+          </a:p>
+          <a:p>
+            <a:pPr marL="285840" indent="-284040">
+              <a:lnSpc>
+                <a:spcPct val="120000"/>
+              </a:lnSpc>
+              <a:buClr>
+                <a:srgbClr val="000000"/>
+              </a:buClr>
+              <a:buFont typeface="Arial"/>
+              <a:buChar char="•"/>
+            </a:pPr>
+            <a:r>
+              <a:rPr b="0" lang="en-US" sz="1500" spc="-1" strike="noStrike">
+                <a:solidFill>
+                  <a:srgbClr val="000000"/>
+                </a:solidFill>
+                <a:latin typeface="Arial"/>
+                <a:ea typeface="DejaVu Sans"/>
+              </a:rPr>
+              <a:t>Display the accommodations which have `</a:t>
+            </a:r>
+            <a:r>
+              <a:rPr b="0" i="1" lang="en-US" sz="1500" spc="-1" strike="noStrike">
+                <a:solidFill>
+                  <a:srgbClr val="000000"/>
+                </a:solidFill>
+                <a:latin typeface="Arial"/>
+                <a:ea typeface="DejaVu Sans"/>
+              </a:rPr>
+              <a:t>favorite === true</a:t>
+            </a:r>
+            <a:r>
+              <a:rPr b="0" lang="en-US" sz="1500" spc="-1" strike="noStrike">
+                <a:solidFill>
+                  <a:srgbClr val="000000"/>
+                </a:solidFill>
+                <a:latin typeface="Arial"/>
+                <a:ea typeface="DejaVu Sans"/>
+              </a:rPr>
+              <a:t>` a second time at the top of the page</a:t>
+            </a:r>
+            <a:endParaRPr b="0" lang="en-US" sz="1500" spc="-1" strike="noStrike">
+              <a:latin typeface="Arial"/>
+            </a:endParaRPr>
+          </a:p>
+          <a:p>
+            <a:pPr marL="285840" indent="-284040">
+              <a:lnSpc>
+                <a:spcPct val="120000"/>
+              </a:lnSpc>
+              <a:buClr>
+                <a:srgbClr val="000000"/>
+              </a:buClr>
+              <a:buFont typeface="Arial"/>
+              <a:buChar char="•"/>
+            </a:pPr>
+            <a:r>
+              <a:rPr b="0" lang="en-US" sz="1500" spc="-1" strike="noStrike">
+                <a:solidFill>
+                  <a:srgbClr val="000000"/>
+                </a:solidFill>
+                <a:latin typeface="Arial"/>
+                <a:ea typeface="DejaVu Sans"/>
+              </a:rPr>
+              <a:t>Make sure that the toggleState will still work by keeping the state in the parent component and passing down the toggle function to the child</a:t>
+            </a:r>
+            <a:endParaRPr b="0" lang="en-US" sz="1500" spc="-1" strike="noStrike">
+              <a:latin typeface="Arial"/>
+            </a:endParaRPr>
+          </a:p>
+          <a:p>
+            <a:pPr>
+              <a:lnSpc>
+                <a:spcPct val="120000"/>
+              </a:lnSpc>
+            </a:pPr>
+            <a:endParaRPr b="0" lang="en-US" sz="1500" spc="-1" strike="noStrike">
+              <a:latin typeface="Arial"/>
+            </a:endParaRPr>
+          </a:p>
+          <a:p>
+            <a:pPr>
+              <a:lnSpc>
+                <a:spcPct val="120000"/>
+              </a:lnSpc>
+            </a:pPr>
+            <a:endParaRPr b="0" lang="en-US" sz="1500" spc="-1" strike="noStrike">
+              <a:latin typeface="Arial"/>
+            </a:endParaRPr>
+          </a:p>
+        </p:txBody>
+      </p:sp>
+    </p:spTree>
+  </p:cSld>
+  <p:timing>
+    <p:tnLst>
+      <p:par>
+        <p:cTn id="31" dur="indefinite" restart="never" nodeType="tmRoot">
+          <p:childTnLst>
+            <p:seq>
+              <p:cTn id="32" dur="indefinite" nodeType="mainSeq"/>
               <p:prevCondLst>
                 <p:cond delay="0" evt="onPrev">
                   <p:tgtEl>
@@ -7307,7 +7892,7 @@
         <p:spPr>
           <a:xfrm>
             <a:off x="720000" y="288000"/>
-            <a:ext cx="6622920" cy="502920"/>
+            <a:ext cx="6622200" cy="502200"/>
           </a:xfrm>
           <a:prstGeom prst="rect">
             <a:avLst/>
@@ -7356,7 +7941,7 @@
         <p:spPr>
           <a:xfrm>
             <a:off x="720000" y="1224000"/>
-            <a:ext cx="6622920" cy="3490920"/>
+            <a:ext cx="6622200" cy="3490200"/>
           </a:xfrm>
           <a:prstGeom prst="rect">
             <a:avLst/>
@@ -7375,7 +7960,7 @@
         <p:txBody>
           <a:bodyPr lIns="0" rIns="0" tIns="0" bIns="0"/>
           <a:p>
-            <a:pPr marL="180000" indent="-178920">
+            <a:pPr marL="180000" indent="-178200">
               <a:lnSpc>
                 <a:spcPct val="120000"/>
               </a:lnSpc>
@@ -7400,7 +7985,7 @@
             </a:endParaRPr>
           </a:p>
           <a:p>
-            <a:pPr marL="180000" indent="-178920">
+            <a:pPr marL="180000" indent="-178200">
               <a:lnSpc>
                 <a:spcPct val="120000"/>
               </a:lnSpc>
@@ -7425,7 +8010,7 @@
             </a:endParaRPr>
           </a:p>
           <a:p>
-            <a:pPr marL="180000" indent="-178920">
+            <a:pPr marL="180000" indent="-178200">
               <a:lnSpc>
                 <a:spcPct val="120000"/>
               </a:lnSpc>
@@ -7450,7 +8035,7 @@
             </a:endParaRPr>
           </a:p>
           <a:p>
-            <a:pPr marL="180000" indent="-178920">
+            <a:pPr marL="180000" indent="-178200">
               <a:lnSpc>
                 <a:spcPct val="120000"/>
               </a:lnSpc>
@@ -7475,7 +8060,7 @@
             </a:endParaRPr>
           </a:p>
           <a:p>
-            <a:pPr marL="180000" indent="-178920">
+            <a:pPr marL="180000" indent="-178200">
               <a:lnSpc>
                 <a:spcPct val="120000"/>
               </a:lnSpc>
@@ -7500,7 +8085,7 @@
             </a:endParaRPr>
           </a:p>
           <a:p>
-            <a:pPr marL="180000" indent="-178920">
+            <a:pPr marL="180000" indent="-178200">
               <a:lnSpc>
                 <a:spcPct val="120000"/>
               </a:lnSpc>
@@ -7525,7 +8110,7 @@
             </a:endParaRPr>
           </a:p>
           <a:p>
-            <a:pPr marL="180000" indent="-178920">
+            <a:pPr marL="180000" indent="-178200">
               <a:lnSpc>
                 <a:spcPct val="120000"/>
               </a:lnSpc>
@@ -7550,7 +8135,7 @@
             </a:endParaRPr>
           </a:p>
           <a:p>
-            <a:pPr marL="180000" indent="-178920">
+            <a:pPr marL="180000" indent="-178200">
               <a:lnSpc>
                 <a:spcPct val="120000"/>
               </a:lnSpc>
@@ -7585,7 +8170,7 @@
         <p:spPr>
           <a:xfrm>
             <a:off x="4968000" y="5004000"/>
-            <a:ext cx="3238920" cy="106920"/>
+            <a:ext cx="3238200" cy="106200"/>
           </a:xfrm>
           <a:prstGeom prst="rect">
             <a:avLst/>
@@ -7634,7 +8219,7 @@
         <p:spPr>
           <a:xfrm>
             <a:off x="8280000" y="5004000"/>
-            <a:ext cx="142920" cy="106920"/>
+            <a:ext cx="142200" cy="106200"/>
           </a:xfrm>
           <a:prstGeom prst="rect">
             <a:avLst/>
@@ -7658,7 +8243,7 @@
                 <a:spcPct val="100000"/>
               </a:lnSpc>
             </a:pPr>
-            <a:fld id="{359D3C54-42F9-48E5-AF1E-25C9B71A399E}" type="slidenum">
+            <a:fld id="{F47AC297-9DD6-45E0-83F7-72DBE751B690}" type="slidenum">
               <a:rPr b="0" lang="en-US" sz="600" spc="-1" strike="noStrike">
                 <a:solidFill>
                   <a:srgbClr val="ffffff"/>
@@ -7687,7 +8272,7 @@
         <p:spPr>
           <a:xfrm>
             <a:off x="4389120" y="791640"/>
-            <a:ext cx="2789640" cy="2808720"/>
+            <a:ext cx="2788920" cy="2808000"/>
           </a:xfrm>
           <a:prstGeom prst="rect">
             <a:avLst/>
@@ -7706,7 +8291,7 @@
         <p:spPr>
           <a:xfrm>
             <a:off x="8138160" y="4663440"/>
-            <a:ext cx="1462320" cy="198000"/>
+            <a:ext cx="1461600" cy="197280"/>
           </a:xfrm>
           <a:prstGeom prst="rect">
             <a:avLst/>
@@ -7804,7 +8389,7 @@
         <p:spPr>
           <a:xfrm>
             <a:off x="720000" y="288000"/>
-            <a:ext cx="6622920" cy="502920"/>
+            <a:ext cx="6622200" cy="502200"/>
           </a:xfrm>
           <a:prstGeom prst="rect">
             <a:avLst/>
@@ -7853,7 +8438,7 @@
         <p:spPr>
           <a:xfrm>
             <a:off x="720000" y="791640"/>
-            <a:ext cx="6622920" cy="3886200"/>
+            <a:ext cx="6622200" cy="3885480"/>
           </a:xfrm>
           <a:prstGeom prst="rect">
             <a:avLst/>
@@ -7892,7 +8477,7 @@
             </a:endParaRPr>
           </a:p>
           <a:p>
-            <a:pPr marL="285840" indent="-284760">
+            <a:pPr marL="285840" indent="-284040">
               <a:lnSpc>
                 <a:spcPct val="120000"/>
               </a:lnSpc>
@@ -7917,7 +8502,7 @@
             </a:endParaRPr>
           </a:p>
           <a:p>
-            <a:pPr marL="285840" indent="-284760">
+            <a:pPr marL="285840" indent="-284040">
               <a:lnSpc>
                 <a:spcPct val="120000"/>
               </a:lnSpc>
@@ -7942,7 +8527,7 @@
             </a:endParaRPr>
           </a:p>
           <a:p>
-            <a:pPr marL="285840" indent="-284760">
+            <a:pPr marL="285840" indent="-284040">
               <a:lnSpc>
                 <a:spcPct val="120000"/>
               </a:lnSpc>
@@ -7967,7 +8552,7 @@
             </a:endParaRPr>
           </a:p>
           <a:p>
-            <a:pPr marL="285840" indent="-284760">
+            <a:pPr marL="285840" indent="-284040">
               <a:lnSpc>
                 <a:spcPct val="120000"/>
               </a:lnSpc>
@@ -7991,6 +8576,31 @@
               <a:latin typeface="Arial"/>
             </a:endParaRPr>
           </a:p>
+          <a:p>
+            <a:pPr marL="285840" indent="-284040">
+              <a:lnSpc>
+                <a:spcPct val="120000"/>
+              </a:lnSpc>
+              <a:buClr>
+                <a:srgbClr val="000000"/>
+              </a:buClr>
+              <a:buFont typeface="Arial"/>
+              <a:buChar char="•"/>
+            </a:pPr>
+            <a:r>
+              <a:rPr b="0" lang="en-US" sz="1500" spc="-1" strike="noStrike">
+                <a:solidFill>
+                  <a:srgbClr val="000000"/>
+                </a:solidFill>
+                <a:latin typeface="Arial"/>
+                <a:ea typeface="DejaVu Sans"/>
+              </a:rPr>
+              <a:t>Have a parent – child relation</a:t>
+            </a:r>
+            <a:endParaRPr b="0" lang="en-US" sz="1500" spc="-1" strike="noStrike">
+              <a:latin typeface="Arial"/>
+            </a:endParaRPr>
+          </a:p>
         </p:txBody>
       </p:sp>
       <p:sp>
@@ -8002,7 +8612,7 @@
         <p:spPr>
           <a:xfrm>
             <a:off x="4968000" y="5004000"/>
-            <a:ext cx="3238920" cy="106920"/>
+            <a:ext cx="3238200" cy="106200"/>
           </a:xfrm>
           <a:prstGeom prst="rect">
             <a:avLst/>
@@ -8051,7 +8661,7 @@
         <p:spPr>
           <a:xfrm>
             <a:off x="8280000" y="5004000"/>
-            <a:ext cx="142920" cy="106920"/>
+            <a:ext cx="142200" cy="106200"/>
           </a:xfrm>
           <a:prstGeom prst="rect">
             <a:avLst/>
@@ -8075,7 +8685,7 @@
                 <a:spcPct val="100000"/>
               </a:lnSpc>
             </a:pPr>
-            <a:fld id="{67F0FCCE-2E43-40F9-8C18-73AE35F776E4}" type="slidenum">
+            <a:fld id="{5F8D3F00-DEF8-43D2-B691-ADE1753ACB72}" type="slidenum">
               <a:rPr b="0" lang="en-US" sz="600" spc="-1" strike="noStrike">
                 <a:solidFill>
                   <a:srgbClr val="ffffff"/>
@@ -8149,7 +8759,7 @@
         <p:spPr>
           <a:xfrm>
             <a:off x="720000" y="288000"/>
-            <a:ext cx="6622920" cy="502920"/>
+            <a:ext cx="6622200" cy="502200"/>
           </a:xfrm>
           <a:prstGeom prst="rect">
             <a:avLst/>
@@ -8198,7 +8808,7 @@
         <p:spPr>
           <a:xfrm>
             <a:off x="4968000" y="5004000"/>
-            <a:ext cx="3238920" cy="106920"/>
+            <a:ext cx="3238200" cy="106200"/>
           </a:xfrm>
           <a:prstGeom prst="rect">
             <a:avLst/>
@@ -8247,7 +8857,7 @@
         <p:spPr>
           <a:xfrm>
             <a:off x="8280000" y="5004000"/>
-            <a:ext cx="142920" cy="106920"/>
+            <a:ext cx="142200" cy="106200"/>
           </a:xfrm>
           <a:prstGeom prst="rect">
             <a:avLst/>
@@ -8271,7 +8881,7 @@
                 <a:spcPct val="100000"/>
               </a:lnSpc>
             </a:pPr>
-            <a:fld id="{2E747347-4A82-4E60-9B14-36C159E91FF9}" type="slidenum">
+            <a:fld id="{84C79925-305F-467B-97E3-EBCD311C3026}" type="slidenum">
               <a:rPr b="0" lang="en-US" sz="600" spc="-1" strike="noStrike">
                 <a:solidFill>
                   <a:srgbClr val="ffffff"/>
@@ -8300,7 +8910,7 @@
         <p:spPr>
           <a:xfrm>
             <a:off x="780480" y="658440"/>
-            <a:ext cx="6446160" cy="4431960"/>
+            <a:ext cx="6445440" cy="4431240"/>
           </a:xfrm>
           <a:prstGeom prst="rect">
             <a:avLst/>
@@ -8319,7 +8929,7 @@
         <p:spPr>
           <a:xfrm>
             <a:off x="8138160" y="4663440"/>
-            <a:ext cx="1462320" cy="198000"/>
+            <a:ext cx="1461600" cy="197280"/>
           </a:xfrm>
           <a:prstGeom prst="rect">
             <a:avLst/>
@@ -8417,7 +9027,7 @@
         <p:spPr>
           <a:xfrm>
             <a:off x="720000" y="288000"/>
-            <a:ext cx="6622920" cy="502920"/>
+            <a:ext cx="6622200" cy="502200"/>
           </a:xfrm>
           <a:prstGeom prst="rect">
             <a:avLst/>
@@ -8449,7 +9059,7 @@
                 <a:latin typeface="Arial"/>
                 <a:ea typeface="DejaVu Sans"/>
               </a:rPr>
-              <a:t>JSX</a:t>
+              <a:t>Components</a:t>
             </a:r>
             <a:endParaRPr b="0" lang="en-US" sz="1800" spc="-1" strike="noStrike">
               <a:latin typeface="Arial"/>
@@ -8465,8 +9075,8 @@
         </p:nvSpPr>
         <p:spPr>
           <a:xfrm>
-            <a:off x="4968000" y="5004000"/>
-            <a:ext cx="3238920" cy="106920"/>
+            <a:off x="720000" y="791640"/>
+            <a:ext cx="6622200" cy="3885480"/>
           </a:xfrm>
           <a:prstGeom prst="rect">
             <a:avLst/>
@@ -8485,22 +9095,147 @@
         <p:txBody>
           <a:bodyPr lIns="0" rIns="0" tIns="0" bIns="0"/>
           <a:p>
-            <a:pPr algn="r">
+            <a:pPr>
               <a:lnSpc>
-                <a:spcPct val="100000"/>
+                <a:spcPct val="120000"/>
               </a:lnSpc>
             </a:pPr>
             <a:r>
-              <a:rPr b="0" lang="en-US" sz="600" spc="-1" strike="noStrike">
-                <a:solidFill>
-                  <a:srgbClr val="ffffff"/>
-                </a:solidFill>
-                <a:latin typeface="Arial"/>
-                <a:ea typeface="DejaVu Sans"/>
-              </a:rPr>
-              <a:t>React</a:t>
-            </a:r>
-            <a:endParaRPr b="0" lang="en-US" sz="600" spc="-1" strike="noStrike">
+              <a:rPr b="0" lang="en-US" sz="1500" spc="-1" strike="noStrike">
+                <a:solidFill>
+                  <a:srgbClr val="000000"/>
+                </a:solidFill>
+                <a:latin typeface="Arial"/>
+                <a:ea typeface="DejaVu Sans"/>
+              </a:rPr>
+              <a:t>Components:</a:t>
+            </a:r>
+            <a:endParaRPr b="0" lang="en-US" sz="1500" spc="-1" strike="noStrike">
+              <a:latin typeface="Arial"/>
+            </a:endParaRPr>
+          </a:p>
+          <a:p>
+            <a:pPr marL="285840" indent="-284040">
+              <a:lnSpc>
+                <a:spcPct val="120000"/>
+              </a:lnSpc>
+              <a:buClr>
+                <a:srgbClr val="000000"/>
+              </a:buClr>
+              <a:buFont typeface="Arial"/>
+              <a:buChar char="•"/>
+            </a:pPr>
+            <a:r>
+              <a:rPr b="0" lang="en-US" sz="1500" spc="-1" strike="noStrike">
+                <a:solidFill>
+                  <a:srgbClr val="000000"/>
+                </a:solidFill>
+                <a:latin typeface="Arial"/>
+                <a:ea typeface="DejaVu Sans"/>
+              </a:rPr>
+              <a:t>Are reusable blocks of code</a:t>
+            </a:r>
+            <a:endParaRPr b="0" lang="en-US" sz="1500" spc="-1" strike="noStrike">
+              <a:latin typeface="Arial"/>
+            </a:endParaRPr>
+          </a:p>
+          <a:p>
+            <a:pPr marL="285840" indent="-284040">
+              <a:lnSpc>
+                <a:spcPct val="120000"/>
+              </a:lnSpc>
+              <a:buClr>
+                <a:srgbClr val="000000"/>
+              </a:buClr>
+              <a:buFont typeface="Arial"/>
+              <a:buChar char="•"/>
+            </a:pPr>
+            <a:r>
+              <a:rPr b="0" lang="en-US" sz="1500" spc="-1" strike="noStrike">
+                <a:solidFill>
+                  <a:srgbClr val="000000"/>
+                </a:solidFill>
+                <a:latin typeface="Arial"/>
+                <a:ea typeface="DejaVu Sans"/>
+              </a:rPr>
+              <a:t>Render JSX</a:t>
+            </a:r>
+            <a:endParaRPr b="0" lang="en-US" sz="1500" spc="-1" strike="noStrike">
+              <a:latin typeface="Arial"/>
+            </a:endParaRPr>
+          </a:p>
+          <a:p>
+            <a:pPr marL="285840" indent="-284040">
+              <a:lnSpc>
+                <a:spcPct val="120000"/>
+              </a:lnSpc>
+              <a:buClr>
+                <a:srgbClr val="000000"/>
+              </a:buClr>
+              <a:buFont typeface="Arial"/>
+              <a:buChar char="•"/>
+            </a:pPr>
+            <a:r>
+              <a:rPr b="0" lang="en-US" sz="1500" spc="-1" strike="noStrike">
+                <a:solidFill>
+                  <a:srgbClr val="000000"/>
+                </a:solidFill>
+                <a:latin typeface="Arial"/>
+                <a:ea typeface="DejaVu Sans"/>
+              </a:rPr>
+              <a:t>Can be passed properties when called</a:t>
+            </a:r>
+            <a:endParaRPr b="0" lang="en-US" sz="1500" spc="-1" strike="noStrike">
+              <a:latin typeface="Arial"/>
+            </a:endParaRPr>
+          </a:p>
+          <a:p>
+            <a:pPr marL="285840" indent="-284040">
+              <a:lnSpc>
+                <a:spcPct val="120000"/>
+              </a:lnSpc>
+              <a:buClr>
+                <a:srgbClr val="000000"/>
+              </a:buClr>
+              <a:buFont typeface="Arial"/>
+              <a:buChar char="•"/>
+            </a:pPr>
+            <a:r>
+              <a:rPr b="0" lang="en-US" sz="1500" spc="-1" strike="noStrike">
+                <a:solidFill>
+                  <a:srgbClr val="000000"/>
+                </a:solidFill>
+                <a:latin typeface="Arial"/>
+                <a:ea typeface="DejaVu Sans"/>
+              </a:rPr>
+              <a:t>Have their own state</a:t>
+            </a:r>
+            <a:endParaRPr b="0" lang="en-US" sz="1500" spc="-1" strike="noStrike">
+              <a:latin typeface="Arial"/>
+            </a:endParaRPr>
+          </a:p>
+          <a:p>
+            <a:pPr marL="285840" indent="-284040">
+              <a:lnSpc>
+                <a:spcPct val="120000"/>
+              </a:lnSpc>
+              <a:buClr>
+                <a:srgbClr val="000000"/>
+              </a:buClr>
+              <a:buFont typeface="Arial"/>
+              <a:buChar char="•"/>
+            </a:pPr>
+            <a:r>
+              <a:rPr b="0" lang="en-US" sz="1500" spc="-1" strike="noStrike">
+                <a:solidFill>
+                  <a:srgbClr val="000000"/>
+                </a:solidFill>
+                <a:latin typeface="Arial"/>
+                <a:ea typeface="DejaVu Sans"/>
+              </a:rPr>
+              <a:t>Have a parent – child relation</a:t>
+            </a:r>
+            <a:endParaRPr b="0" lang="en-US" sz="1500" spc="-1" strike="noStrike">
               <a:latin typeface="Arial"/>
             </a:endParaRPr>
           </a:p>
@@ -8514,8 +9249,8 @@
         </p:nvSpPr>
         <p:spPr>
           <a:xfrm>
-            <a:off x="8280000" y="5004000"/>
-            <a:ext cx="142920" cy="106920"/>
+            <a:off x="4968000" y="5004000"/>
+            <a:ext cx="3238200" cy="106200"/>
           </a:xfrm>
           <a:prstGeom prst="rect">
             <a:avLst/>
@@ -8539,7 +9274,56 @@
                 <a:spcPct val="100000"/>
               </a:lnSpc>
             </a:pPr>
-            <a:fld id="{18A7A6EC-2304-4C74-8CC9-F1BC35BD38AA}" type="slidenum">
+            <a:r>
+              <a:rPr b="0" lang="en-US" sz="600" spc="-1" strike="noStrike">
+                <a:solidFill>
+                  <a:srgbClr val="ffffff"/>
+                </a:solidFill>
+                <a:latin typeface="Arial"/>
+                <a:ea typeface="DejaVu Sans"/>
+              </a:rPr>
+              <a:t>React</a:t>
+            </a:r>
+            <a:endParaRPr b="0" lang="en-US" sz="600" spc="-1" strike="noStrike">
+              <a:latin typeface="Arial"/>
+            </a:endParaRPr>
+          </a:p>
+        </p:txBody>
+      </p:sp>
+      <p:sp>
+        <p:nvSpPr>
+          <p:cNvPr id="146" name="CustomShape 4"/>
+          <p:cNvSpPr/>
+          <p:nvPr/>
+        </p:nvSpPr>
+        <p:spPr>
+          <a:xfrm>
+            <a:off x="8280000" y="5004000"/>
+            <a:ext cx="142200" cy="106200"/>
+          </a:xfrm>
+          <a:prstGeom prst="rect">
+            <a:avLst/>
+          </a:prstGeom>
+          <a:noFill/>
+          <a:ln>
+            <a:noFill/>
+          </a:ln>
+        </p:spPr>
+        <p:style>
+          <a:lnRef idx="0"/>
+          <a:fillRef idx="0"/>
+          <a:effectRef idx="0"/>
+          <a:fontRef idx="minor"/>
+        </p:style>
+        <p:txBody>
+          <a:bodyPr lIns="0" rIns="0" tIns="0" bIns="0"/>
+          <a:p>
+            <a:pPr algn="r">
+              <a:lnSpc>
+                <a:spcPct val="100000"/>
+              </a:lnSpc>
+            </a:pPr>
+            <a:fld id="{5A7037E0-CF37-4633-A280-562C4A4E63CA}" type="slidenum">
               <a:rPr b="0" lang="en-US" sz="600" spc="-1" strike="noStrike">
                 <a:solidFill>
                   <a:srgbClr val="ffffff"/>
@@ -8555,52 +9339,126 @@
           </a:p>
         </p:txBody>
       </p:sp>
-      <p:pic>
-        <p:nvPicPr>
-          <p:cNvPr id="146" name="Picture 12" descr=""/>
-          <p:cNvPicPr/>
+      <p:sp>
+        <p:nvSpPr>
+          <p:cNvPr id="147" name="CustomShape 5"/>
+          <p:cNvSpPr/>
           <p:nvPr/>
-        </p:nvPicPr>
-        <p:blipFill>
-          <a:blip r:embed="rId1"/>
-          <a:stretch/>
-        </p:blipFill>
-        <p:spPr>
-          <a:xfrm>
-            <a:off x="6631200" y="1188720"/>
-            <a:ext cx="2075400" cy="1904040"/>
-          </a:xfrm>
-          <a:prstGeom prst="rect">
-            <a:avLst/>
-          </a:prstGeom>
+        </p:nvSpPr>
+        <p:spPr>
+          <a:xfrm>
+            <a:off x="5394960" y="1280160"/>
+            <a:ext cx="3108960" cy="2651760"/>
+          </a:xfrm>
+          <a:prstGeom prst="rect">
+            <a:avLst/>
+          </a:prstGeom>
+          <a:solidFill>
+            <a:srgbClr val="729fcf"/>
+          </a:solidFill>
           <a:ln>
-            <a:noFill/>
+            <a:solidFill>
+              <a:srgbClr val="3465a4"/>
+            </a:solidFill>
           </a:ln>
         </p:spPr>
-      </p:pic>
-      <p:pic>
-        <p:nvPicPr>
-          <p:cNvPr id="147" name="Picture 14" descr=""/>
-          <p:cNvPicPr/>
+        <p:style>
+          <a:lnRef idx="0"/>
+          <a:fillRef idx="0"/>
+          <a:effectRef idx="0"/>
+          <a:fontRef idx="minor"/>
+        </p:style>
+      </p:sp>
+      <p:sp>
+        <p:nvSpPr>
+          <p:cNvPr id="148" name="CustomShape 6"/>
+          <p:cNvSpPr/>
           <p:nvPr/>
-        </p:nvPicPr>
-        <p:blipFill>
-          <a:blip r:embed="rId2"/>
-          <a:stretch/>
-        </p:blipFill>
-        <p:spPr>
-          <a:xfrm>
-            <a:off x="-2880" y="703800"/>
-            <a:ext cx="5980680" cy="3657600"/>
-          </a:xfrm>
-          <a:prstGeom prst="rect">
-            <a:avLst/>
-          </a:prstGeom>
+        </p:nvSpPr>
+        <p:spPr>
+          <a:xfrm>
+            <a:off x="5577840" y="1554480"/>
+            <a:ext cx="2743200" cy="1280160"/>
+          </a:xfrm>
+          <a:prstGeom prst="rect">
+            <a:avLst/>
+          </a:prstGeom>
+          <a:solidFill>
+            <a:srgbClr val="ed1c24"/>
+          </a:solidFill>
           <a:ln>
-            <a:noFill/>
+            <a:solidFill>
+              <a:srgbClr val="3465a4"/>
+            </a:solidFill>
           </a:ln>
         </p:spPr>
-      </p:pic>
+        <p:style>
+          <a:lnRef idx="0"/>
+          <a:fillRef idx="0"/>
+          <a:effectRef idx="0"/>
+          <a:fontRef idx="minor"/>
+        </p:style>
+      </p:sp>
+      <p:sp>
+        <p:nvSpPr>
+          <p:cNvPr id="149" name="CustomShape 7"/>
+          <p:cNvSpPr/>
+          <p:nvPr/>
+        </p:nvSpPr>
+        <p:spPr>
+          <a:xfrm>
+            <a:off x="5669280" y="2926080"/>
+            <a:ext cx="1737360" cy="822960"/>
+          </a:xfrm>
+          <a:prstGeom prst="rect">
+            <a:avLst/>
+          </a:prstGeom>
+          <a:solidFill>
+            <a:srgbClr val="72bf44"/>
+          </a:solidFill>
+          <a:ln>
+            <a:solidFill>
+              <a:srgbClr val="3465a4"/>
+            </a:solidFill>
+          </a:ln>
+        </p:spPr>
+        <p:style>
+          <a:lnRef idx="0"/>
+          <a:fillRef idx="0"/>
+          <a:effectRef idx="0"/>
+          <a:fontRef idx="minor"/>
+        </p:style>
+      </p:sp>
+      <p:sp>
+        <p:nvSpPr>
+          <p:cNvPr id="150" name="CustomShape 8"/>
+          <p:cNvSpPr/>
+          <p:nvPr/>
+        </p:nvSpPr>
+        <p:spPr>
+          <a:xfrm>
+            <a:off x="6035040" y="3017520"/>
+            <a:ext cx="1097280" cy="640080"/>
+          </a:xfrm>
+          <a:prstGeom prst="rect">
+            <a:avLst/>
+          </a:prstGeom>
+          <a:solidFill>
+            <a:srgbClr val="fff200"/>
+          </a:solidFill>
+          <a:ln>
+            <a:solidFill>
+              <a:srgbClr val="3465a4"/>
+            </a:solidFill>
+          </a:ln>
+        </p:spPr>
+        <p:style>
+          <a:lnRef idx="0"/>
+          <a:fillRef idx="0"/>
+          <a:effectRef idx="0"/>
+          <a:fontRef idx="minor"/>
+        </p:style>
+      </p:sp>
     </p:spTree>
   </p:cSld>
   <p:timing>
@@ -8652,14 +9510,14 @@
       </p:grpSpPr>
       <p:sp>
         <p:nvSpPr>
-          <p:cNvPr id="148" name="CustomShape 1"/>
+          <p:cNvPr id="151" name="CustomShape 1"/>
           <p:cNvSpPr/>
           <p:nvPr/>
         </p:nvSpPr>
         <p:spPr>
           <a:xfrm>
             <a:off x="720000" y="288000"/>
-            <a:ext cx="6622920" cy="502920"/>
+            <a:ext cx="6622200" cy="502200"/>
           </a:xfrm>
           <a:prstGeom prst="rect">
             <a:avLst/>
@@ -8691,7 +9549,7 @@
                 <a:latin typeface="Arial"/>
                 <a:ea typeface="DejaVu Sans"/>
               </a:rPr>
-              <a:t>Props</a:t>
+              <a:t>JSX</a:t>
             </a:r>
             <a:endParaRPr b="0" lang="en-US" sz="1800" spc="-1" strike="noStrike">
               <a:latin typeface="Arial"/>
@@ -8701,14 +9559,14 @@
       </p:sp>
       <p:sp>
         <p:nvSpPr>
-          <p:cNvPr id="149" name="CustomShape 2"/>
+          <p:cNvPr id="152" name="CustomShape 2"/>
           <p:cNvSpPr/>
           <p:nvPr/>
         </p:nvSpPr>
         <p:spPr>
           <a:xfrm>
             <a:off x="4968000" y="5004000"/>
-            <a:ext cx="3238920" cy="106920"/>
+            <a:ext cx="3238200" cy="106200"/>
           </a:xfrm>
           <a:prstGeom prst="rect">
             <a:avLst/>
@@ -8750,14 +9608,14 @@
       </p:sp>
       <p:sp>
         <p:nvSpPr>
-          <p:cNvPr id="150" name="CustomShape 3"/>
+          <p:cNvPr id="153" name="CustomShape 3"/>
           <p:cNvSpPr/>
           <p:nvPr/>
         </p:nvSpPr>
         <p:spPr>
           <a:xfrm>
             <a:off x="8280000" y="5004000"/>
-            <a:ext cx="142920" cy="106920"/>
+            <a:ext cx="142200" cy="106200"/>
           </a:xfrm>
           <a:prstGeom prst="rect">
             <a:avLst/>
@@ -8781,7 +9639,7 @@
                 <a:spcPct val="100000"/>
               </a:lnSpc>
             </a:pPr>
-            <a:fld id="{3A343C01-5286-4B13-9C40-6008F84BAC3A}" type="slidenum">
+            <a:fld id="{1BE0701F-C6A2-4EA2-A854-E8B3AC6583F4}" type="slidenum">
               <a:rPr b="0" lang="en-US" sz="600" spc="-1" strike="noStrike">
                 <a:solidFill>
                   <a:srgbClr val="ffffff"/>
@@ -8799,7 +9657,7 @@
       </p:sp>
       <p:pic>
         <p:nvPicPr>
-          <p:cNvPr id="151" name="Picture 12" descr=""/>
+          <p:cNvPr id="154" name="Picture 12" descr=""/>
           <p:cNvPicPr/>
           <p:nvPr/>
         </p:nvPicPr>
@@ -8809,8 +9667,8 @@
         </p:blipFill>
         <p:spPr>
           <a:xfrm>
-            <a:off x="6276600" y="1413000"/>
-            <a:ext cx="2742120" cy="1695600"/>
+            <a:off x="6631200" y="1188720"/>
+            <a:ext cx="2074680" cy="1903320"/>
           </a:xfrm>
           <a:prstGeom prst="rect">
             <a:avLst/>
@@ -8822,7 +9680,7 @@
       </p:pic>
       <p:pic>
         <p:nvPicPr>
-          <p:cNvPr id="152" name="Picture 14" descr=""/>
+          <p:cNvPr id="155" name="Picture 14" descr=""/>
           <p:cNvPicPr/>
           <p:nvPr/>
         </p:nvPicPr>
@@ -8832,8 +9690,8 @@
         </p:blipFill>
         <p:spPr>
           <a:xfrm>
-            <a:off x="145440" y="702000"/>
-            <a:ext cx="5444280" cy="4126320"/>
+            <a:off x="-2880" y="703800"/>
+            <a:ext cx="5979960" cy="3656880"/>
           </a:xfrm>
           <a:prstGeom prst="rect">
             <a:avLst/>
@@ -8894,14 +9752,14 @@
       </p:grpSpPr>
       <p:sp>
         <p:nvSpPr>
-          <p:cNvPr id="153" name="CustomShape 1"/>
+          <p:cNvPr id="156" name="CustomShape 1"/>
           <p:cNvSpPr/>
           <p:nvPr/>
         </p:nvSpPr>
         <p:spPr>
           <a:xfrm>
             <a:off x="720000" y="288000"/>
-            <a:ext cx="6622920" cy="502920"/>
+            <a:ext cx="6622200" cy="502200"/>
           </a:xfrm>
           <a:prstGeom prst="rect">
             <a:avLst/>
@@ -8933,9 +9791,107 @@
                 <a:latin typeface="Arial"/>
                 <a:ea typeface="DejaVu Sans"/>
               </a:rPr>
-              <a:t>State</a:t>
+              <a:t>Props</a:t>
             </a:r>
             <a:endParaRPr b="0" lang="en-US" sz="1800" spc="-1" strike="noStrike">
+              <a:latin typeface="Arial"/>
+            </a:endParaRPr>
+          </a:p>
+        </p:txBody>
+      </p:sp>
+      <p:sp>
+        <p:nvSpPr>
+          <p:cNvPr id="157" name="CustomShape 2"/>
+          <p:cNvSpPr/>
+          <p:nvPr/>
+        </p:nvSpPr>
+        <p:spPr>
+          <a:xfrm>
+            <a:off x="4968000" y="5004000"/>
+            <a:ext cx="3238200" cy="106200"/>
+          </a:xfrm>
+          <a:prstGeom prst="rect">
+            <a:avLst/>
+          </a:prstGeom>
+          <a:noFill/>
+          <a:ln>
+            <a:noFill/>
+          </a:ln>
+        </p:spPr>
+        <p:style>
+          <a:lnRef idx="0"/>
+          <a:fillRef idx="0"/>
+          <a:effectRef idx="0"/>
+          <a:fontRef idx="minor"/>
+        </p:style>
+        <p:txBody>
+          <a:bodyPr lIns="0" rIns="0" tIns="0" bIns="0"/>
+          <a:p>
+            <a:pPr algn="r">
+              <a:lnSpc>
+                <a:spcPct val="100000"/>
+              </a:lnSpc>
+            </a:pPr>
+            <a:r>
+              <a:rPr b="0" lang="en-US" sz="600" spc="-1" strike="noStrike">
+                <a:solidFill>
+                  <a:srgbClr val="ffffff"/>
+                </a:solidFill>
+                <a:latin typeface="Arial"/>
+                <a:ea typeface="DejaVu Sans"/>
+              </a:rPr>
+              <a:t>React</a:t>
+            </a:r>
+            <a:endParaRPr b="0" lang="en-US" sz="600" spc="-1" strike="noStrike">
+              <a:latin typeface="Arial"/>
+            </a:endParaRPr>
+          </a:p>
+        </p:txBody>
+      </p:sp>
+      <p:sp>
+        <p:nvSpPr>
+          <p:cNvPr id="158" name="CustomShape 3"/>
+          <p:cNvSpPr/>
+          <p:nvPr/>
+        </p:nvSpPr>
+        <p:spPr>
+          <a:xfrm>
+            <a:off x="8280000" y="5004000"/>
+            <a:ext cx="142200" cy="106200"/>
+          </a:xfrm>
+          <a:prstGeom prst="rect">
+            <a:avLst/>
+          </a:prstGeom>
+          <a:noFill/>
+          <a:ln>
+            <a:noFill/>
+          </a:ln>
+        </p:spPr>
+        <p:style>
+          <a:lnRef idx="0"/>
+          <a:fillRef idx="0"/>
+          <a:effectRef idx="0"/>
+          <a:fontRef idx="minor"/>
+        </p:style>
+        <p:txBody>
+          <a:bodyPr lIns="0" rIns="0" tIns="0" bIns="0"/>
+          <a:p>
+            <a:pPr algn="r">
+              <a:lnSpc>
+                <a:spcPct val="100000"/>
+              </a:lnSpc>
+            </a:pPr>
+            <a:fld id="{9364CA26-5D88-47F9-B06F-1CF7C2FC0989}" type="slidenum">
+              <a:rPr b="0" lang="en-US" sz="600" spc="-1" strike="noStrike">
+                <a:solidFill>
+                  <a:srgbClr val="ffffff"/>
+                </a:solidFill>
+                <a:latin typeface="Arial"/>
+                <a:ea typeface="DejaVu Sans"/>
+              </a:rPr>
+              <a:t>1</a:t>
+            </a:fld>
+            <a:endParaRPr b="0" lang="en-US" sz="600" spc="-1" strike="noStrike">
               <a:latin typeface="Arial"/>
             </a:endParaRPr>
           </a:p>
@@ -8943,7 +9899,7 @@
       </p:sp>
       <p:pic>
         <p:nvPicPr>
-          <p:cNvPr id="154" name="Picture 7" descr=""/>
+          <p:cNvPr id="159" name="Picture 12" descr=""/>
           <p:cNvPicPr/>
           <p:nvPr/>
         </p:nvPicPr>
@@ -8953,8 +9909,8 @@
         </p:blipFill>
         <p:spPr>
           <a:xfrm>
-            <a:off x="6599880" y="1433160"/>
-            <a:ext cx="789480" cy="532440"/>
+            <a:off x="6276600" y="1413000"/>
+            <a:ext cx="2741400" cy="1694880"/>
           </a:xfrm>
           <a:prstGeom prst="rect">
             <a:avLst/>
@@ -8964,107 +9920,9 @@
           </a:ln>
         </p:spPr>
       </p:pic>
-      <p:sp>
-        <p:nvSpPr>
-          <p:cNvPr id="155" name="CustomShape 2"/>
-          <p:cNvSpPr/>
-          <p:nvPr/>
-        </p:nvSpPr>
-        <p:spPr>
-          <a:xfrm>
-            <a:off x="4968000" y="5004000"/>
-            <a:ext cx="3238920" cy="106920"/>
-          </a:xfrm>
-          <a:prstGeom prst="rect">
-            <a:avLst/>
-          </a:prstGeom>
-          <a:noFill/>
-          <a:ln>
-            <a:noFill/>
-          </a:ln>
-        </p:spPr>
-        <p:style>
-          <a:lnRef idx="0"/>
-          <a:fillRef idx="0"/>
-          <a:effectRef idx="0"/>
-          <a:fontRef idx="minor"/>
-        </p:style>
-        <p:txBody>
-          <a:bodyPr lIns="0" rIns="0" tIns="0" bIns="0"/>
-          <a:p>
-            <a:pPr algn="r">
-              <a:lnSpc>
-                <a:spcPct val="100000"/>
-              </a:lnSpc>
-            </a:pPr>
-            <a:r>
-              <a:rPr b="0" lang="en-US" sz="600" spc="-1" strike="noStrike">
-                <a:solidFill>
-                  <a:srgbClr val="ffffff"/>
-                </a:solidFill>
-                <a:latin typeface="Arial"/>
-                <a:ea typeface="DejaVu Sans"/>
-              </a:rPr>
-              <a:t>React</a:t>
-            </a:r>
-            <a:endParaRPr b="0" lang="en-US" sz="600" spc="-1" strike="noStrike">
-              <a:latin typeface="Arial"/>
-            </a:endParaRPr>
-          </a:p>
-        </p:txBody>
-      </p:sp>
-      <p:sp>
-        <p:nvSpPr>
-          <p:cNvPr id="156" name="CustomShape 3"/>
-          <p:cNvSpPr/>
-          <p:nvPr/>
-        </p:nvSpPr>
-        <p:spPr>
-          <a:xfrm>
-            <a:off x="8280000" y="5004000"/>
-            <a:ext cx="142920" cy="106920"/>
-          </a:xfrm>
-          <a:prstGeom prst="rect">
-            <a:avLst/>
-          </a:prstGeom>
-          <a:noFill/>
-          <a:ln>
-            <a:noFill/>
-          </a:ln>
-        </p:spPr>
-        <p:style>
-          <a:lnRef idx="0"/>
-          <a:fillRef idx="0"/>
-          <a:effectRef idx="0"/>
-          <a:fontRef idx="minor"/>
-        </p:style>
-        <p:txBody>
-          <a:bodyPr lIns="0" rIns="0" tIns="0" bIns="0"/>
-          <a:p>
-            <a:pPr algn="r">
-              <a:lnSpc>
-                <a:spcPct val="100000"/>
-              </a:lnSpc>
-            </a:pPr>
-            <a:fld id="{80F64BCC-73FC-4D0D-83B8-5CAB51179F4F}" type="slidenum">
-              <a:rPr b="0" lang="en-US" sz="600" spc="-1" strike="noStrike">
-                <a:solidFill>
-                  <a:srgbClr val="ffffff"/>
-                </a:solidFill>
-                <a:latin typeface="Arial"/>
-                <a:ea typeface="DejaVu Sans"/>
-              </a:rPr>
-              <a:t>&lt;number&gt;</a:t>
-            </a:fld>
-            <a:endParaRPr b="0" lang="en-US" sz="600" spc="-1" strike="noStrike">
-              <a:latin typeface="Arial"/>
-            </a:endParaRPr>
-          </a:p>
-        </p:txBody>
-      </p:sp>
       <p:pic>
         <p:nvPicPr>
-          <p:cNvPr id="157" name="Picture 9" descr=""/>
+          <p:cNvPr id="160" name="Picture 14" descr=""/>
           <p:cNvPicPr/>
           <p:nvPr/>
         </p:nvPicPr>
@@ -9074,31 +9932,8 @@
         </p:blipFill>
         <p:spPr>
           <a:xfrm>
-            <a:off x="6603120" y="2408400"/>
-            <a:ext cx="1313280" cy="579960"/>
-          </a:xfrm>
-          <a:prstGeom prst="rect">
-            <a:avLst/>
-          </a:prstGeom>
-          <a:ln>
-            <a:noFill/>
-          </a:ln>
-        </p:spPr>
-      </p:pic>
-      <p:pic>
-        <p:nvPicPr>
-          <p:cNvPr id="158" name="Picture 11" descr=""/>
-          <p:cNvPicPr/>
-          <p:nvPr/>
-        </p:nvPicPr>
-        <p:blipFill>
-          <a:blip r:embed="rId3"/>
-          <a:stretch/>
-        </p:blipFill>
-        <p:spPr>
-          <a:xfrm>
-            <a:off x="258120" y="1246320"/>
-            <a:ext cx="5394960" cy="3073320"/>
+            <a:off x="145440" y="702000"/>
+            <a:ext cx="5443560" cy="4125600"/>
           </a:xfrm>
           <a:prstGeom prst="rect">
             <a:avLst/>
@@ -9159,14 +9994,14 @@
       </p:grpSpPr>
       <p:sp>
         <p:nvSpPr>
-          <p:cNvPr id="159" name="CustomShape 1"/>
+          <p:cNvPr id="161" name="CustomShape 1"/>
           <p:cNvSpPr/>
           <p:nvPr/>
         </p:nvSpPr>
         <p:spPr>
           <a:xfrm>
             <a:off x="720000" y="288000"/>
-            <a:ext cx="6622920" cy="502920"/>
+            <a:ext cx="6622200" cy="502200"/>
           </a:xfrm>
           <a:prstGeom prst="rect">
             <a:avLst/>
@@ -9198,156 +10033,9 @@
                 <a:latin typeface="Arial"/>
                 <a:ea typeface="DejaVu Sans"/>
               </a:rPr>
-              <a:t>Hands-on Time!</a:t>
+              <a:t>State</a:t>
             </a:r>
             <a:endParaRPr b="0" lang="en-US" sz="1800" spc="-1" strike="noStrike">
-              <a:latin typeface="Arial"/>
-            </a:endParaRPr>
-          </a:p>
-        </p:txBody>
-      </p:sp>
-      <p:sp>
-        <p:nvSpPr>
-          <p:cNvPr id="160" name="CustomShape 2"/>
-          <p:cNvSpPr/>
-          <p:nvPr/>
-        </p:nvSpPr>
-        <p:spPr>
-          <a:xfrm>
-            <a:off x="2347200" y="2194560"/>
-            <a:ext cx="2406960" cy="777960"/>
-          </a:xfrm>
-          <a:prstGeom prst="rect">
-            <a:avLst/>
-          </a:prstGeom>
-          <a:noFill/>
-          <a:ln>
-            <a:noFill/>
-          </a:ln>
-        </p:spPr>
-        <p:style>
-          <a:lnRef idx="0"/>
-          <a:fillRef idx="0"/>
-          <a:effectRef idx="0"/>
-          <a:fontRef idx="minor"/>
-        </p:style>
-        <p:txBody>
-          <a:bodyPr lIns="0" rIns="0" tIns="0" bIns="0"/>
-          <a:p>
-            <a:pPr>
-              <a:lnSpc>
-                <a:spcPct val="120000"/>
-              </a:lnSpc>
-            </a:pPr>
-            <a:r>
-              <a:rPr b="0" lang="en-US" sz="3200" spc="-1" strike="noStrike">
-                <a:solidFill>
-                  <a:srgbClr val="ffffff"/>
-                </a:solidFill>
-                <a:latin typeface="Arial"/>
-                <a:ea typeface="DejaVu Sans"/>
-              </a:rPr>
-              <a:t>Questions?</a:t>
-            </a:r>
-            <a:endParaRPr b="0" lang="en-US" sz="3200" spc="-1" strike="noStrike">
-              <a:latin typeface="Arial"/>
-            </a:endParaRPr>
-          </a:p>
-        </p:txBody>
-      </p:sp>
-      <p:sp>
-        <p:nvSpPr>
-          <p:cNvPr id="161" name="CustomShape 3"/>
-          <p:cNvSpPr/>
-          <p:nvPr/>
-        </p:nvSpPr>
-        <p:spPr>
-          <a:xfrm>
-            <a:off x="4968000" y="5004000"/>
-            <a:ext cx="3238920" cy="106920"/>
-          </a:xfrm>
-          <a:prstGeom prst="rect">
-            <a:avLst/>
-          </a:prstGeom>
-          <a:noFill/>
-          <a:ln>
-            <a:noFill/>
-          </a:ln>
-        </p:spPr>
-        <p:style>
-          <a:lnRef idx="0"/>
-          <a:fillRef idx="0"/>
-          <a:effectRef idx="0"/>
-          <a:fontRef idx="minor"/>
-        </p:style>
-        <p:txBody>
-          <a:bodyPr lIns="0" rIns="0" tIns="0" bIns="0"/>
-          <a:p>
-            <a:pPr algn="r">
-              <a:lnSpc>
-                <a:spcPct val="100000"/>
-              </a:lnSpc>
-            </a:pPr>
-            <a:r>
-              <a:rPr b="0" lang="en-US" sz="600" spc="-1" strike="noStrike">
-                <a:solidFill>
-                  <a:srgbClr val="ffffff"/>
-                </a:solidFill>
-                <a:latin typeface="Arial"/>
-                <a:ea typeface="DejaVu Sans"/>
-              </a:rPr>
-              <a:t>React</a:t>
-            </a:r>
-            <a:endParaRPr b="0" lang="en-US" sz="600" spc="-1" strike="noStrike">
-              <a:latin typeface="Arial"/>
-            </a:endParaRPr>
-          </a:p>
-        </p:txBody>
-      </p:sp>
-      <p:sp>
-        <p:nvSpPr>
-          <p:cNvPr id="162" name="CustomShape 4"/>
-          <p:cNvSpPr/>
-          <p:nvPr/>
-        </p:nvSpPr>
-        <p:spPr>
-          <a:xfrm>
-            <a:off x="8280000" y="5004000"/>
-            <a:ext cx="142920" cy="106920"/>
-          </a:xfrm>
-          <a:prstGeom prst="rect">
-            <a:avLst/>
-          </a:prstGeom>
-          <a:noFill/>
-          <a:ln>
-            <a:noFill/>
-          </a:ln>
-        </p:spPr>
-        <p:style>
-          <a:lnRef idx="0"/>
-          <a:fillRef idx="0"/>
-          <a:effectRef idx="0"/>
-          <a:fontRef idx="minor"/>
-        </p:style>
-        <p:txBody>
-          <a:bodyPr lIns="0" rIns="0" tIns="0" bIns="0"/>
-          <a:p>
-            <a:pPr algn="r">
-              <a:lnSpc>
-                <a:spcPct val="100000"/>
-              </a:lnSpc>
-            </a:pPr>
-            <a:fld id="{81F9EB9E-CAEE-45A1-BDCF-E87B20E4B791}" type="slidenum">
-              <a:rPr b="0" lang="en-US" sz="600" spc="-1" strike="noStrike">
-                <a:solidFill>
-                  <a:srgbClr val="ffffff"/>
-                </a:solidFill>
-                <a:latin typeface="Arial"/>
-                <a:ea typeface="DejaVu Sans"/>
-              </a:rPr>
-              <a:t>&lt;number&gt;</a:t>
-            </a:fld>
-            <a:endParaRPr b="0" lang="en-US" sz="600" spc="-1" strike="noStrike">
               <a:latin typeface="Arial"/>
             </a:endParaRPr>
           </a:p>
@@ -9355,7 +10043,7 @@
       </p:sp>
       <p:pic>
         <p:nvPicPr>
-          <p:cNvPr id="163" name="Picture Placeholder 6" descr=""/>
+          <p:cNvPr id="162" name="Picture 7" descr=""/>
           <p:cNvPicPr/>
           <p:nvPr/>
         </p:nvPicPr>
@@ -9365,17 +10053,158 @@
         </p:blipFill>
         <p:spPr>
           <a:xfrm>
-            <a:off x="6840000" y="810000"/>
-            <a:ext cx="2302920" cy="3508920"/>
-          </a:xfrm>
-          <a:prstGeom prst="rect">
-            <a:avLst/>
-          </a:prstGeom>
-          <a:ln w="9360">
-            <a:solidFill>
-              <a:schemeClr val="bg1"/>
-            </a:solidFill>
-            <a:round/>
+            <a:off x="6599880" y="1433160"/>
+            <a:ext cx="788760" cy="531720"/>
+          </a:xfrm>
+          <a:prstGeom prst="rect">
+            <a:avLst/>
+          </a:prstGeom>
+          <a:ln>
+            <a:noFill/>
+          </a:ln>
+        </p:spPr>
+      </p:pic>
+      <p:sp>
+        <p:nvSpPr>
+          <p:cNvPr id="163" name="CustomShape 2"/>
+          <p:cNvSpPr/>
+          <p:nvPr/>
+        </p:nvSpPr>
+        <p:spPr>
+          <a:xfrm>
+            <a:off x="4968000" y="5004000"/>
+            <a:ext cx="3238200" cy="106200"/>
+          </a:xfrm>
+          <a:prstGeom prst="rect">
+            <a:avLst/>
+          </a:prstGeom>
+          <a:noFill/>
+          <a:ln>
+            <a:noFill/>
+          </a:ln>
+        </p:spPr>
+        <p:style>
+          <a:lnRef idx="0"/>
+          <a:fillRef idx="0"/>
+          <a:effectRef idx="0"/>
+          <a:fontRef idx="minor"/>
+        </p:style>
+        <p:txBody>
+          <a:bodyPr lIns="0" rIns="0" tIns="0" bIns="0"/>
+          <a:p>
+            <a:pPr algn="r">
+              <a:lnSpc>
+                <a:spcPct val="100000"/>
+              </a:lnSpc>
+            </a:pPr>
+            <a:r>
+              <a:rPr b="0" lang="en-US" sz="600" spc="-1" strike="noStrike">
+                <a:solidFill>
+                  <a:srgbClr val="ffffff"/>
+                </a:solidFill>
+                <a:latin typeface="Arial"/>
+                <a:ea typeface="DejaVu Sans"/>
+              </a:rPr>
+              <a:t>React</a:t>
+            </a:r>
+            <a:endParaRPr b="0" lang="en-US" sz="600" spc="-1" strike="noStrike">
+              <a:latin typeface="Arial"/>
+            </a:endParaRPr>
+          </a:p>
+        </p:txBody>
+      </p:sp>
+      <p:sp>
+        <p:nvSpPr>
+          <p:cNvPr id="164" name="CustomShape 3"/>
+          <p:cNvSpPr/>
+          <p:nvPr/>
+        </p:nvSpPr>
+        <p:spPr>
+          <a:xfrm>
+            <a:off x="8280000" y="5004000"/>
+            <a:ext cx="142200" cy="106200"/>
+          </a:xfrm>
+          <a:prstGeom prst="rect">
+            <a:avLst/>
+          </a:prstGeom>
+          <a:noFill/>
+          <a:ln>
+            <a:noFill/>
+          </a:ln>
+        </p:spPr>
+        <p:style>
+          <a:lnRef idx="0"/>
+          <a:fillRef idx="0"/>
+          <a:effectRef idx="0"/>
+          <a:fontRef idx="minor"/>
+        </p:style>
+        <p:txBody>
+          <a:bodyPr lIns="0" rIns="0" tIns="0" bIns="0"/>
+          <a:p>
+            <a:pPr algn="r">
+              <a:lnSpc>
+                <a:spcPct val="100000"/>
+              </a:lnSpc>
+            </a:pPr>
+            <a:fld id="{3069D3B7-FD57-4DDE-A3EB-ECC887436BDC}" type="slidenum">
+              <a:rPr b="0" lang="en-US" sz="600" spc="-1" strike="noStrike">
+                <a:solidFill>
+                  <a:srgbClr val="ffffff"/>
+                </a:solidFill>
+                <a:latin typeface="Arial"/>
+                <a:ea typeface="DejaVu Sans"/>
+              </a:rPr>
+              <a:t>1</a:t>
+            </a:fld>
+            <a:endParaRPr b="0" lang="en-US" sz="600" spc="-1" strike="noStrike">
+              <a:latin typeface="Arial"/>
+            </a:endParaRPr>
+          </a:p>
+        </p:txBody>
+      </p:sp>
+      <p:pic>
+        <p:nvPicPr>
+          <p:cNvPr id="165" name="Picture 9" descr=""/>
+          <p:cNvPicPr/>
+          <p:nvPr/>
+        </p:nvPicPr>
+        <p:blipFill>
+          <a:blip r:embed="rId2"/>
+          <a:stretch/>
+        </p:blipFill>
+        <p:spPr>
+          <a:xfrm>
+            <a:off x="6603120" y="2408400"/>
+            <a:ext cx="1312560" cy="579240"/>
+          </a:xfrm>
+          <a:prstGeom prst="rect">
+            <a:avLst/>
+          </a:prstGeom>
+          <a:ln>
+            <a:noFill/>
+          </a:ln>
+        </p:spPr>
+      </p:pic>
+      <p:pic>
+        <p:nvPicPr>
+          <p:cNvPr id="166" name="Picture 11" descr=""/>
+          <p:cNvPicPr/>
+          <p:nvPr/>
+        </p:nvPicPr>
+        <p:blipFill>
+          <a:blip r:embed="rId3"/>
+          <a:stretch/>
+        </p:blipFill>
+        <p:spPr>
+          <a:xfrm>
+            <a:off x="258120" y="1246320"/>
+            <a:ext cx="5394240" cy="3072600"/>
+          </a:xfrm>
+          <a:prstGeom prst="rect">
+            <a:avLst/>
+          </a:prstGeom>
+          <a:ln>
+            <a:noFill/>
           </a:ln>
         </p:spPr>
       </p:pic>
@@ -9430,14 +10259,14 @@
       </p:grpSpPr>
       <p:sp>
         <p:nvSpPr>
-          <p:cNvPr id="164" name="CustomShape 1"/>
+          <p:cNvPr id="167" name="CustomShape 1"/>
           <p:cNvSpPr/>
           <p:nvPr/>
         </p:nvSpPr>
         <p:spPr>
           <a:xfrm>
             <a:off x="720000" y="288000"/>
-            <a:ext cx="6622920" cy="502920"/>
+            <a:ext cx="6622200" cy="502200"/>
           </a:xfrm>
           <a:prstGeom prst="rect">
             <a:avLst/>
@@ -9469,7 +10298,7 @@
                 <a:latin typeface="Arial"/>
                 <a:ea typeface="DejaVu Sans"/>
               </a:rPr>
-              <a:t>Hands-on: Editing JSX</a:t>
+              <a:t>Hands-on Time!</a:t>
             </a:r>
             <a:endParaRPr b="0" lang="en-US" sz="1800" spc="-1" strike="noStrike">
               <a:latin typeface="Arial"/>
@@ -9479,14 +10308,14 @@
       </p:sp>
       <p:sp>
         <p:nvSpPr>
-          <p:cNvPr id="165" name="CustomShape 2"/>
+          <p:cNvPr id="168" name="CustomShape 2"/>
           <p:cNvSpPr/>
           <p:nvPr/>
         </p:nvSpPr>
         <p:spPr>
           <a:xfrm>
-            <a:off x="4968000" y="5004000"/>
-            <a:ext cx="3238920" cy="106920"/>
+            <a:off x="2347200" y="2194560"/>
+            <a:ext cx="2406240" cy="777240"/>
           </a:xfrm>
           <a:prstGeom prst="rect">
             <a:avLst/>
@@ -9505,37 +10334,37 @@
         <p:txBody>
           <a:bodyPr lIns="0" rIns="0" tIns="0" bIns="0"/>
           <a:p>
-            <a:pPr algn="r">
+            <a:pPr>
               <a:lnSpc>
-                <a:spcPct val="100000"/>
+                <a:spcPct val="120000"/>
               </a:lnSpc>
             </a:pPr>
             <a:r>
-              <a:rPr b="0" lang="en-US" sz="600" spc="-1" strike="noStrike">
+              <a:rPr b="0" lang="en-US" sz="3200" spc="-1" strike="noStrike">
                 <a:solidFill>
                   <a:srgbClr val="ffffff"/>
                 </a:solidFill>
                 <a:latin typeface="Arial"/>
                 <a:ea typeface="DejaVu Sans"/>
               </a:rPr>
-              <a:t>React</a:t>
-            </a:r>
-            <a:endParaRPr b="0" lang="en-US" sz="600" spc="-1" strike="noStrike">
-              <a:latin typeface="Arial"/>
-            </a:endParaRPr>
-          </a:p>
-        </p:txBody>
-      </p:sp>
-      <p:sp>
-        <p:nvSpPr>
-          <p:cNvPr id="166" name="CustomShape 3"/>
+              <a:t>Questions?</a:t>
+            </a:r>
+            <a:endParaRPr b="0" lang="en-US" sz="3200" spc="-1" strike="noStrike">
+              <a:latin typeface="Arial"/>
+            </a:endParaRPr>
+          </a:p>
+        </p:txBody>
+      </p:sp>
+      <p:sp>
+        <p:nvSpPr>
+          <p:cNvPr id="169" name="CustomShape 3"/>
           <p:cNvSpPr/>
           <p:nvPr/>
         </p:nvSpPr>
         <p:spPr>
           <a:xfrm>
-            <a:off x="8280000" y="5004000"/>
-            <a:ext cx="142920" cy="106920"/>
+            <a:off x="4968000" y="5004000"/>
+            <a:ext cx="3238200" cy="106200"/>
           </a:xfrm>
           <a:prstGeom prst="rect">
             <a:avLst/>
@@ -9559,7 +10388,7 @@
                 <a:spcPct val="100000"/>
               </a:lnSpc>
             </a:pPr>
-            <a:fld id="{8D9D3F72-AAC6-402E-9071-E88825C44ED8}" type="slidenum">
+            <a:r>
               <a:rPr b="0" lang="en-US" sz="600" spc="-1" strike="noStrike">
                 <a:solidFill>
                   <a:srgbClr val="ffffff"/>
@@ -9567,8 +10396,8 @@
                 <a:latin typeface="Arial"/>
                 <a:ea typeface="DejaVu Sans"/>
               </a:rPr>
-              <a:t>&lt;number&gt;</a:t>
-            </a:fld>
+              <a:t>React</a:t>
+            </a:r>
             <a:endParaRPr b="0" lang="en-US" sz="600" spc="-1" strike="noStrike">
               <a:latin typeface="Arial"/>
             </a:endParaRPr>
@@ -9577,14 +10406,14 @@
       </p:sp>
       <p:sp>
         <p:nvSpPr>
-          <p:cNvPr id="167" name="CustomShape 4"/>
+          <p:cNvPr id="170" name="CustomShape 4"/>
           <p:cNvSpPr/>
           <p:nvPr/>
         </p:nvSpPr>
         <p:spPr>
           <a:xfrm>
-            <a:off x="691920" y="1554480"/>
-            <a:ext cx="6622920" cy="3886200"/>
+            <a:off x="8280000" y="5004000"/>
+            <a:ext cx="142200" cy="106200"/>
           </a:xfrm>
           <a:prstGeom prst="rect">
             <a:avLst/>
@@ -9603,172 +10432,53 @@
         <p:txBody>
           <a:bodyPr lIns="0" rIns="0" tIns="0" bIns="0"/>
           <a:p>
-            <a:pPr>
-              <a:lnSpc>
-                <a:spcPct val="120000"/>
-              </a:lnSpc>
-            </a:pPr>
-            <a:endParaRPr b="0" lang="en-US" sz="1800" spc="-1" strike="noStrike">
-              <a:latin typeface="Arial"/>
-            </a:endParaRPr>
-          </a:p>
-          <a:p>
-            <a:pPr marL="285840" indent="-284760">
-              <a:lnSpc>
-                <a:spcPct val="120000"/>
-              </a:lnSpc>
-              <a:buClr>
-                <a:srgbClr val="000000"/>
-              </a:buClr>
-              <a:buFont typeface="Arial"/>
-              <a:buChar char="•"/>
-            </a:pPr>
-            <a:r>
-              <a:rPr b="0" lang="en-US" sz="1500" spc="-1" strike="noStrike">
-                <a:solidFill>
-                  <a:srgbClr val="000000"/>
-                </a:solidFill>
-                <a:latin typeface="Arial"/>
-                <a:ea typeface="DejaVu Sans"/>
-              </a:rPr>
-              <a:t>Git clone https://github.com/AMIS-Services/react-series</a:t>
-            </a:r>
-            <a:endParaRPr b="0" lang="en-US" sz="1500" spc="-1" strike="noStrike">
-              <a:latin typeface="Arial"/>
-            </a:endParaRPr>
-          </a:p>
-          <a:p>
-            <a:pPr marL="285840" indent="-284760">
-              <a:lnSpc>
-                <a:spcPct val="120000"/>
-              </a:lnSpc>
-              <a:buClr>
-                <a:srgbClr val="000000"/>
-              </a:buClr>
-              <a:buFont typeface="Arial"/>
-              <a:buChar char="•"/>
-            </a:pPr>
-            <a:r>
-              <a:rPr b="0" lang="en-US" sz="1500" spc="-1" strike="noStrike">
-                <a:solidFill>
-                  <a:srgbClr val="000000"/>
-                </a:solidFill>
-                <a:latin typeface="Arial"/>
-                <a:ea typeface="DejaVu Sans"/>
-              </a:rPr>
-              <a:t>Cd into dir exercise, run `yarn install` and `yarn start`</a:t>
-            </a:r>
-            <a:endParaRPr b="0" lang="en-US" sz="1500" spc="-1" strike="noStrike">
-              <a:latin typeface="Arial"/>
-            </a:endParaRPr>
-          </a:p>
-          <a:p>
-            <a:pPr marL="285840" indent="-284760">
-              <a:lnSpc>
-                <a:spcPct val="120000"/>
-              </a:lnSpc>
-              <a:buClr>
-                <a:srgbClr val="000000"/>
-              </a:buClr>
-              <a:buFont typeface="Arial"/>
-              <a:buChar char="•"/>
-            </a:pPr>
-            <a:r>
-              <a:rPr b="0" lang="en-US" sz="1500" spc="-1" strike="noStrike">
-                <a:solidFill>
-                  <a:srgbClr val="000000"/>
-                </a:solidFill>
-                <a:latin typeface="Arial"/>
-                <a:ea typeface="DejaVu Sans"/>
-              </a:rPr>
-              <a:t>Inspect the page in your browser</a:t>
-            </a:r>
-            <a:endParaRPr b="0" lang="en-US" sz="1500" spc="-1" strike="noStrike">
-              <a:latin typeface="Arial"/>
-            </a:endParaRPr>
-          </a:p>
-          <a:p>
-            <a:pPr marL="285840" indent="-284760">
-              <a:lnSpc>
-                <a:spcPct val="120000"/>
-              </a:lnSpc>
-              <a:buClr>
-                <a:srgbClr val="000000"/>
-              </a:buClr>
-              <a:buFont typeface="Arial"/>
-              <a:buChar char="•"/>
-            </a:pPr>
-            <a:r>
-              <a:rPr b="0" lang="en-US" sz="1500" spc="-1" strike="noStrike">
-                <a:solidFill>
-                  <a:srgbClr val="000000"/>
-                </a:solidFill>
-                <a:latin typeface="Arial"/>
-                <a:ea typeface="DejaVu Sans"/>
-              </a:rPr>
-              <a:t>Edit the JSX in the file src/App.js to show AMISBnB as a title</a:t>
-            </a:r>
-            <a:endParaRPr b="0" lang="en-US" sz="1500" spc="-1" strike="noStrike">
-              <a:latin typeface="Arial"/>
-            </a:endParaRPr>
-          </a:p>
-          <a:p>
-            <a:pPr>
-              <a:lnSpc>
-                <a:spcPct val="120000"/>
-              </a:lnSpc>
-            </a:pPr>
-            <a:endParaRPr b="0" lang="en-US" sz="1500" spc="-1" strike="noStrike">
-              <a:latin typeface="Arial"/>
-            </a:endParaRPr>
-          </a:p>
-        </p:txBody>
-      </p:sp>
-      <p:sp>
-        <p:nvSpPr>
-          <p:cNvPr id="168" name="CustomShape 5"/>
-          <p:cNvSpPr/>
-          <p:nvPr/>
-        </p:nvSpPr>
-        <p:spPr>
-          <a:xfrm>
-            <a:off x="731520" y="1097280"/>
-            <a:ext cx="7040520" cy="304920"/>
-          </a:xfrm>
-          <a:prstGeom prst="rect">
-            <a:avLst/>
-          </a:prstGeom>
-          <a:noFill/>
-          <a:ln>
-            <a:noFill/>
-          </a:ln>
-        </p:spPr>
-        <p:style>
-          <a:lnRef idx="0"/>
-          <a:fillRef idx="0"/>
-          <a:effectRef idx="0"/>
-          <a:fontRef idx="minor"/>
-        </p:style>
-        <p:txBody>
-          <a:bodyPr lIns="90000" rIns="90000" tIns="45000" bIns="45000"/>
-          <a:p>
-            <a:pPr>
+            <a:pPr algn="r">
               <a:lnSpc>
                 <a:spcPct val="100000"/>
               </a:lnSpc>
             </a:pPr>
-            <a:r>
-              <a:rPr b="0" lang="en-US" sz="1800" spc="-1" strike="noStrike">
-                <a:latin typeface="Arial"/>
-              </a:rPr>
-              <a:t>Suggestion: use VS Code with ESlint plugin for error-checking</a:t>
-            </a:r>
-            <a:endParaRPr b="0" lang="en-US" sz="1800" spc="-1" strike="noStrike">
-              <a:latin typeface="Arial"/>
-            </a:endParaRPr>
-          </a:p>
-        </p:txBody>
-      </p:sp>
+            <a:fld id="{AB6A4346-D09B-4EA7-903C-AB3474479844}" type="slidenum">
+              <a:rPr b="0" lang="en-US" sz="600" spc="-1" strike="noStrike">
+                <a:solidFill>
+                  <a:srgbClr val="ffffff"/>
+                </a:solidFill>
+                <a:latin typeface="Arial"/>
+                <a:ea typeface="DejaVu Sans"/>
+              </a:rPr>
+              <a:t>&lt;number&gt;</a:t>
+            </a:fld>
+            <a:endParaRPr b="0" lang="en-US" sz="600" spc="-1" strike="noStrike">
+              <a:latin typeface="Arial"/>
+            </a:endParaRPr>
+          </a:p>
+        </p:txBody>
+      </p:sp>
+      <p:pic>
+        <p:nvPicPr>
+          <p:cNvPr id="171" name="Picture Placeholder 6" descr=""/>
+          <p:cNvPicPr/>
+          <p:nvPr/>
+        </p:nvPicPr>
+        <p:blipFill>
+          <a:blip r:embed="rId1"/>
+          <a:stretch/>
+        </p:blipFill>
+        <p:spPr>
+          <a:xfrm>
+            <a:off x="6840000" y="810000"/>
+            <a:ext cx="2302200" cy="3508200"/>
+          </a:xfrm>
+          <a:prstGeom prst="rect">
+            <a:avLst/>
+          </a:prstGeom>
+          <a:ln w="9360">
+            <a:solidFill>
+              <a:schemeClr val="bg1"/>
+            </a:solidFill>
+            <a:round/>
+          </a:ln>
+        </p:spPr>
+      </p:pic>
     </p:spTree>
   </p:cSld>
   <p:timing>

--- a/sig1/slides/SIG react 1.pptx
+++ b/sig1/slides/SIG react 1.pptx
@@ -4062,7 +4062,7 @@
         <p:spPr>
           <a:xfrm>
             <a:off x="7200000" y="360000"/>
-            <a:ext cx="1257120" cy="284760"/>
+            <a:ext cx="1256760" cy="284400"/>
           </a:xfrm>
           <a:prstGeom prst="rect">
             <a:avLst/>
@@ -4085,7 +4085,7 @@
         <p:spPr>
           <a:xfrm>
             <a:off x="0" y="4966560"/>
-            <a:ext cx="9142200" cy="174960"/>
+            <a:ext cx="9141840" cy="174600"/>
           </a:xfrm>
           <a:prstGeom prst="rect">
             <a:avLst/>
@@ -4142,7 +4142,7 @@
         <p:spPr>
           <a:xfrm>
             <a:off x="0" y="4966560"/>
-            <a:ext cx="9142200" cy="174960"/>
+            <a:ext cx="9141840" cy="174600"/>
           </a:xfrm>
           <a:prstGeom prst="rect">
             <a:avLst/>
@@ -4165,7 +4165,7 @@
         <p:spPr>
           <a:xfrm>
             <a:off x="648000" y="108000"/>
-            <a:ext cx="2878560" cy="647280"/>
+            <a:ext cx="2878200" cy="646920"/>
           </a:xfrm>
           <a:prstGeom prst="rect">
             <a:avLst/>
@@ -4446,7 +4446,7 @@
         <p:spPr>
           <a:xfrm>
             <a:off x="7200000" y="360000"/>
-            <a:ext cx="1257120" cy="284760"/>
+            <a:ext cx="1256760" cy="284400"/>
           </a:xfrm>
           <a:prstGeom prst="rect">
             <a:avLst/>
@@ -4469,7 +4469,7 @@
         <p:spPr>
           <a:xfrm>
             <a:off x="0" y="4966560"/>
-            <a:ext cx="9142200" cy="174960"/>
+            <a:ext cx="9141840" cy="174600"/>
           </a:xfrm>
           <a:prstGeom prst="rect">
             <a:avLst/>
@@ -4784,7 +4784,7 @@
         <p:spPr>
           <a:xfrm>
             <a:off x="7200000" y="360000"/>
-            <a:ext cx="1257120" cy="284760"/>
+            <a:ext cx="1256760" cy="284400"/>
           </a:xfrm>
           <a:prstGeom prst="rect">
             <a:avLst/>
@@ -4807,7 +4807,7 @@
         <p:spPr>
           <a:xfrm>
             <a:off x="0" y="4966560"/>
-            <a:ext cx="9142200" cy="174960"/>
+            <a:ext cx="9141840" cy="174600"/>
           </a:xfrm>
           <a:prstGeom prst="rect">
             <a:avLst/>
@@ -4860,7 +4860,7 @@
         <p:spPr>
           <a:xfrm>
             <a:off x="0" y="812880"/>
-            <a:ext cx="9142200" cy="3508200"/>
+            <a:ext cx="9141840" cy="3507840"/>
           </a:xfrm>
           <a:prstGeom prst="rect">
             <a:avLst/>
@@ -5152,7 +5152,7 @@
         <p:spPr>
           <a:xfrm>
             <a:off x="0" y="810000"/>
-            <a:ext cx="9142200" cy="3346200"/>
+            <a:ext cx="9141840" cy="3345840"/>
           </a:xfrm>
           <a:prstGeom prst="rect">
             <a:avLst/>
@@ -5174,7 +5174,7 @@
         <p:spPr>
           <a:xfrm>
             <a:off x="5400000" y="1548000"/>
-            <a:ext cx="3022200" cy="3022200"/>
+            <a:ext cx="3021840" cy="3021840"/>
           </a:xfrm>
           <a:prstGeom prst="rect">
             <a:avLst/>
@@ -5285,7 +5285,7 @@
         <p:spPr>
           <a:xfrm>
             <a:off x="720000" y="288000"/>
-            <a:ext cx="6622200" cy="502200"/>
+            <a:ext cx="6621840" cy="501840"/>
           </a:xfrm>
           <a:prstGeom prst="rect">
             <a:avLst/>
@@ -5334,7 +5334,7 @@
         <p:spPr>
           <a:xfrm>
             <a:off x="4968000" y="5004000"/>
-            <a:ext cx="3238200" cy="106200"/>
+            <a:ext cx="3237840" cy="105840"/>
           </a:xfrm>
           <a:prstGeom prst="rect">
             <a:avLst/>
@@ -5383,7 +5383,7 @@
         <p:spPr>
           <a:xfrm>
             <a:off x="8280000" y="5004000"/>
-            <a:ext cx="142200" cy="106200"/>
+            <a:ext cx="141840" cy="105840"/>
           </a:xfrm>
           <a:prstGeom prst="rect">
             <a:avLst/>
@@ -5407,7 +5407,7 @@
                 <a:spcPct val="100000"/>
               </a:lnSpc>
             </a:pPr>
-            <a:fld id="{CAF0D822-1558-4525-A514-B57CACEC18E8}" type="slidenum">
+            <a:fld id="{75E96247-052F-4BB6-997E-009485E2D011}" type="slidenum">
               <a:rPr b="0" lang="en-US" sz="600" spc="-1" strike="noStrike">
                 <a:solidFill>
                   <a:srgbClr val="ffffff"/>
@@ -5432,7 +5432,7 @@
         <p:spPr>
           <a:xfrm>
             <a:off x="691920" y="1554480"/>
-            <a:ext cx="6622200" cy="3885480"/>
+            <a:ext cx="6621840" cy="3885120"/>
           </a:xfrm>
           <a:prstGeom prst="rect">
             <a:avLst/>
@@ -5461,7 +5461,7 @@
             </a:endParaRPr>
           </a:p>
           <a:p>
-            <a:pPr marL="285840" indent="-284040">
+            <a:pPr marL="285840" indent="-283680">
               <a:lnSpc>
                 <a:spcPct val="120000"/>
               </a:lnSpc>
@@ -5486,7 +5486,7 @@
             </a:endParaRPr>
           </a:p>
           <a:p>
-            <a:pPr marL="285840" indent="-284040">
+            <a:pPr marL="285840" indent="-283680">
               <a:lnSpc>
                 <a:spcPct val="120000"/>
               </a:lnSpc>
@@ -5511,7 +5511,7 @@
             </a:endParaRPr>
           </a:p>
           <a:p>
-            <a:pPr marL="285840" indent="-284040">
+            <a:pPr marL="285840" indent="-283680">
               <a:lnSpc>
                 <a:spcPct val="120000"/>
               </a:lnSpc>
@@ -5536,7 +5536,7 @@
             </a:endParaRPr>
           </a:p>
           <a:p>
-            <a:pPr marL="285840" indent="-284040">
+            <a:pPr marL="285840" indent="-283680">
               <a:lnSpc>
                 <a:spcPct val="120000"/>
               </a:lnSpc>
@@ -5581,7 +5581,7 @@
         <p:spPr>
           <a:xfrm>
             <a:off x="731520" y="1097280"/>
-            <a:ext cx="7039800" cy="304200"/>
+            <a:ext cx="7039440" cy="303840"/>
           </a:xfrm>
           <a:prstGeom prst="rect">
             <a:avLst/>
@@ -5679,7 +5679,7 @@
         <p:spPr>
           <a:xfrm>
             <a:off x="720000" y="288000"/>
-            <a:ext cx="6622200" cy="502200"/>
+            <a:ext cx="6621840" cy="501840"/>
           </a:xfrm>
           <a:prstGeom prst="rect">
             <a:avLst/>
@@ -5728,7 +5728,7 @@
         <p:spPr>
           <a:xfrm>
             <a:off x="4968000" y="5004000"/>
-            <a:ext cx="3238200" cy="106200"/>
+            <a:ext cx="3237840" cy="105840"/>
           </a:xfrm>
           <a:prstGeom prst="rect">
             <a:avLst/>
@@ -5777,7 +5777,7 @@
         <p:spPr>
           <a:xfrm>
             <a:off x="8280000" y="5004000"/>
-            <a:ext cx="142200" cy="106200"/>
+            <a:ext cx="141840" cy="105840"/>
           </a:xfrm>
           <a:prstGeom prst="rect">
             <a:avLst/>
@@ -5801,7 +5801,7 @@
                 <a:spcPct val="100000"/>
               </a:lnSpc>
             </a:pPr>
-            <a:fld id="{92F6A286-B250-4DF4-90C6-CDF1F918C966}" type="slidenum">
+            <a:fld id="{757043A3-6E1B-4682-B9A5-B02C8994C025}" type="slidenum">
               <a:rPr b="0" lang="en-US" sz="600" spc="-1" strike="noStrike">
                 <a:solidFill>
                   <a:srgbClr val="ffffff"/>
@@ -5826,7 +5826,7 @@
         <p:spPr>
           <a:xfrm>
             <a:off x="717120" y="792000"/>
-            <a:ext cx="6622200" cy="3885480"/>
+            <a:ext cx="6621840" cy="3885120"/>
           </a:xfrm>
           <a:prstGeom prst="rect">
             <a:avLst/>
@@ -5855,7 +5855,7 @@
             </a:endParaRPr>
           </a:p>
           <a:p>
-            <a:pPr marL="285840" indent="-284040">
+            <a:pPr marL="285840" indent="-283680">
               <a:lnSpc>
                 <a:spcPct val="120000"/>
               </a:lnSpc>
@@ -5880,7 +5880,7 @@
             </a:endParaRPr>
           </a:p>
           <a:p>
-            <a:pPr marL="285840" indent="-284040">
+            <a:pPr marL="285840" indent="-283680">
               <a:lnSpc>
                 <a:spcPct val="120000"/>
               </a:lnSpc>
@@ -5905,7 +5905,7 @@
             </a:endParaRPr>
           </a:p>
           <a:p>
-            <a:pPr marL="285840" indent="-284040">
+            <a:pPr marL="285840" indent="-283680">
               <a:lnSpc>
                 <a:spcPct val="120000"/>
               </a:lnSpc>
@@ -5930,7 +5930,7 @@
             </a:endParaRPr>
           </a:p>
           <a:p>
-            <a:pPr marL="285840" indent="-284040">
+            <a:pPr marL="285840" indent="-283680">
               <a:lnSpc>
                 <a:spcPct val="120000"/>
               </a:lnSpc>
@@ -5955,7 +5955,7 @@
             </a:endParaRPr>
           </a:p>
           <a:p>
-            <a:pPr marL="285840" indent="-284040">
+            <a:pPr marL="285840" indent="-283680">
               <a:lnSpc>
                 <a:spcPct val="120000"/>
               </a:lnSpc>
@@ -6004,7 +6004,7 @@
         <p:spPr>
           <a:xfrm>
             <a:off x="2332080" y="2670840"/>
-            <a:ext cx="4341960" cy="2332080"/>
+            <a:ext cx="4341600" cy="2331720"/>
           </a:xfrm>
           <a:prstGeom prst="rect">
             <a:avLst/>
@@ -6072,7 +6072,7 @@
         <p:spPr>
           <a:xfrm>
             <a:off x="720000" y="288000"/>
-            <a:ext cx="6622200" cy="502200"/>
+            <a:ext cx="6621840" cy="501840"/>
           </a:xfrm>
           <a:prstGeom prst="rect">
             <a:avLst/>
@@ -6121,7 +6121,7 @@
         <p:spPr>
           <a:xfrm>
             <a:off x="4968000" y="5004000"/>
-            <a:ext cx="3238200" cy="106200"/>
+            <a:ext cx="3237840" cy="105840"/>
           </a:xfrm>
           <a:prstGeom prst="rect">
             <a:avLst/>
@@ -6170,7 +6170,7 @@
         <p:spPr>
           <a:xfrm>
             <a:off x="8280000" y="5004000"/>
-            <a:ext cx="142200" cy="106200"/>
+            <a:ext cx="141840" cy="105840"/>
           </a:xfrm>
           <a:prstGeom prst="rect">
             <a:avLst/>
@@ -6194,7 +6194,7 @@
                 <a:spcPct val="100000"/>
               </a:lnSpc>
             </a:pPr>
-            <a:fld id="{C5AC7645-F6D5-472A-B0FE-56909695C0A1}" type="slidenum">
+            <a:fld id="{BFD30C9B-71E0-4066-B342-82423F2A09D7}" type="slidenum">
               <a:rPr b="0" lang="en-US" sz="600" spc="-1" strike="noStrike">
                 <a:solidFill>
                   <a:srgbClr val="ffffff"/>
@@ -6219,7 +6219,7 @@
         <p:spPr>
           <a:xfrm>
             <a:off x="717120" y="792000"/>
-            <a:ext cx="6622200" cy="3885480"/>
+            <a:ext cx="6621840" cy="3885120"/>
           </a:xfrm>
           <a:prstGeom prst="rect">
             <a:avLst/>
@@ -6248,7 +6248,7 @@
             </a:endParaRPr>
           </a:p>
           <a:p>
-            <a:pPr marL="285840" indent="-284040">
+            <a:pPr marL="285840" indent="-283680">
               <a:lnSpc>
                 <a:spcPct val="120000"/>
               </a:lnSpc>
@@ -6283,7 +6283,7 @@
             </a:endParaRPr>
           </a:p>
           <a:p>
-            <a:pPr marL="285840" indent="-284040">
+            <a:pPr marL="285840" indent="-283680">
               <a:lnSpc>
                 <a:spcPct val="120000"/>
               </a:lnSpc>
@@ -6328,7 +6328,7 @@
             </a:endParaRPr>
           </a:p>
           <a:p>
-            <a:pPr marL="285840" indent="-284040">
+            <a:pPr marL="285840" indent="-283680">
               <a:lnSpc>
                 <a:spcPct val="120000"/>
               </a:lnSpc>
@@ -6422,7 +6422,7 @@
         <p:spPr>
           <a:xfrm>
             <a:off x="720000" y="288000"/>
-            <a:ext cx="6622200" cy="502200"/>
+            <a:ext cx="6621840" cy="501840"/>
           </a:xfrm>
           <a:prstGeom prst="rect">
             <a:avLst/>
@@ -6471,7 +6471,7 @@
         <p:spPr>
           <a:xfrm>
             <a:off x="4968000" y="5004000"/>
-            <a:ext cx="3238200" cy="106200"/>
+            <a:ext cx="3237840" cy="105840"/>
           </a:xfrm>
           <a:prstGeom prst="rect">
             <a:avLst/>
@@ -6520,7 +6520,7 @@
         <p:spPr>
           <a:xfrm>
             <a:off x="8280000" y="5004000"/>
-            <a:ext cx="142200" cy="106200"/>
+            <a:ext cx="141840" cy="105840"/>
           </a:xfrm>
           <a:prstGeom prst="rect">
             <a:avLst/>
@@ -6544,7 +6544,7 @@
                 <a:spcPct val="100000"/>
               </a:lnSpc>
             </a:pPr>
-            <a:fld id="{19099D3E-E3C8-45FC-848A-2733D7CF1EF5}" type="slidenum">
+            <a:fld id="{9A7089CC-6CA5-499C-8452-66A99DE72E45}" type="slidenum">
               <a:rPr b="0" lang="en-US" sz="600" spc="-1" strike="noStrike">
                 <a:solidFill>
                   <a:srgbClr val="ffffff"/>
@@ -6569,7 +6569,7 @@
         <p:spPr>
           <a:xfrm>
             <a:off x="783000" y="776520"/>
-            <a:ext cx="6622200" cy="3885480"/>
+            <a:ext cx="6621840" cy="3885120"/>
           </a:xfrm>
           <a:prstGeom prst="rect">
             <a:avLst/>
@@ -6598,7 +6598,7 @@
             </a:endParaRPr>
           </a:p>
           <a:p>
-            <a:pPr marL="285840" indent="-284040">
+            <a:pPr marL="285840" indent="-283680">
               <a:lnSpc>
                 <a:spcPct val="120000"/>
               </a:lnSpc>
@@ -6633,7 +6633,7 @@
             </a:endParaRPr>
           </a:p>
           <a:p>
-            <a:pPr marL="285840" indent="-284040">
+            <a:pPr marL="285840" indent="-283680">
               <a:lnSpc>
                 <a:spcPct val="120000"/>
               </a:lnSpc>
@@ -6678,7 +6678,7 @@
             </a:endParaRPr>
           </a:p>
           <a:p>
-            <a:pPr marL="285840" indent="-284040">
+            <a:pPr marL="285840" indent="-283680">
               <a:lnSpc>
                 <a:spcPct val="120000"/>
               </a:lnSpc>
@@ -6733,7 +6733,7 @@
             </a:endParaRPr>
           </a:p>
           <a:p>
-            <a:pPr marL="285840" indent="-284040">
+            <a:pPr marL="285840" indent="-283680">
               <a:lnSpc>
                 <a:spcPct val="120000"/>
               </a:lnSpc>
@@ -6827,7 +6827,7 @@
         <p:spPr>
           <a:xfrm>
             <a:off x="720000" y="288000"/>
-            <a:ext cx="6622200" cy="502200"/>
+            <a:ext cx="6621840" cy="501840"/>
           </a:xfrm>
           <a:prstGeom prst="rect">
             <a:avLst/>
@@ -6876,7 +6876,7 @@
         <p:spPr>
           <a:xfrm>
             <a:off x="4968000" y="5004000"/>
-            <a:ext cx="3238200" cy="106200"/>
+            <a:ext cx="3237840" cy="105840"/>
           </a:xfrm>
           <a:prstGeom prst="rect">
             <a:avLst/>
@@ -6925,7 +6925,7 @@
         <p:spPr>
           <a:xfrm>
             <a:off x="8280000" y="5004000"/>
-            <a:ext cx="142200" cy="106200"/>
+            <a:ext cx="141840" cy="105840"/>
           </a:xfrm>
           <a:prstGeom prst="rect">
             <a:avLst/>
@@ -6949,7 +6949,7 @@
                 <a:spcPct val="100000"/>
               </a:lnSpc>
             </a:pPr>
-            <a:fld id="{3B1D9530-DE53-4B9D-9753-6EDE00A75BE3}" type="slidenum">
+            <a:fld id="{4C1599F4-3A43-46E2-99B1-652D71696100}" type="slidenum">
               <a:rPr b="0" lang="en-US" sz="600" spc="-1" strike="noStrike">
                 <a:solidFill>
                   <a:srgbClr val="ffffff"/>
@@ -6974,7 +6974,7 @@
         <p:spPr>
           <a:xfrm>
             <a:off x="717120" y="792000"/>
-            <a:ext cx="6622200" cy="3885480"/>
+            <a:ext cx="6621840" cy="3885120"/>
           </a:xfrm>
           <a:prstGeom prst="rect">
             <a:avLst/>
@@ -7003,7 +7003,7 @@
             </a:endParaRPr>
           </a:p>
           <a:p>
-            <a:pPr marL="285840" indent="-284040">
+            <a:pPr marL="285840" indent="-283680">
               <a:lnSpc>
                 <a:spcPct val="120000"/>
               </a:lnSpc>
@@ -7028,7 +7028,7 @@
             </a:endParaRPr>
           </a:p>
           <a:p>
-            <a:pPr marL="285840" indent="-284040">
+            <a:pPr marL="285840" indent="-283680">
               <a:lnSpc>
                 <a:spcPct val="120000"/>
               </a:lnSpc>
@@ -7053,7 +7053,7 @@
             </a:endParaRPr>
           </a:p>
           <a:p>
-            <a:pPr marL="285840" indent="-284040">
+            <a:pPr marL="285840" indent="-283680">
               <a:lnSpc>
                 <a:spcPct val="120000"/>
               </a:lnSpc>
@@ -7177,7 +7177,7 @@
         <p:spPr>
           <a:xfrm>
             <a:off x="720000" y="288000"/>
-            <a:ext cx="6622200" cy="502200"/>
+            <a:ext cx="6621840" cy="501840"/>
           </a:xfrm>
           <a:prstGeom prst="rect">
             <a:avLst/>
@@ -7226,7 +7226,7 @@
         <p:spPr>
           <a:xfrm>
             <a:off x="4968000" y="5004000"/>
-            <a:ext cx="3238200" cy="106200"/>
+            <a:ext cx="3237840" cy="105840"/>
           </a:xfrm>
           <a:prstGeom prst="rect">
             <a:avLst/>
@@ -7275,7 +7275,7 @@
         <p:spPr>
           <a:xfrm>
             <a:off x="8280000" y="5004000"/>
-            <a:ext cx="142200" cy="106200"/>
+            <a:ext cx="141840" cy="105840"/>
           </a:xfrm>
           <a:prstGeom prst="rect">
             <a:avLst/>
@@ -7299,7 +7299,7 @@
                 <a:spcPct val="100000"/>
               </a:lnSpc>
             </a:pPr>
-            <a:fld id="{8A34A41B-DB8A-43BB-944A-99EBC695656E}" type="slidenum">
+            <a:fld id="{0576E6EB-1CB6-46B7-B1A5-EF848FD87C24}" type="slidenum">
               <a:rPr b="0" lang="en-US" sz="600" spc="-1" strike="noStrike">
                 <a:solidFill>
                   <a:srgbClr val="ffffff"/>
@@ -7324,7 +7324,7 @@
         <p:spPr>
           <a:xfrm>
             <a:off x="717120" y="792000"/>
-            <a:ext cx="6622200" cy="3885480"/>
+            <a:ext cx="6621840" cy="3885120"/>
           </a:xfrm>
           <a:prstGeom prst="rect">
             <a:avLst/>
@@ -7353,7 +7353,7 @@
             </a:endParaRPr>
           </a:p>
           <a:p>
-            <a:pPr marL="285840" indent="-284040">
+            <a:pPr marL="285840" indent="-283680">
               <a:lnSpc>
                 <a:spcPct val="120000"/>
               </a:lnSpc>
@@ -7391,14 +7391,14 @@
                 <a:latin typeface="Arial"/>
                 <a:ea typeface="DejaVu Sans"/>
               </a:rPr>
-              <a:t> to your Accommodation component</a:t>
+              <a:t> to your AccommodationCard component</a:t>
             </a:r>
             <a:endParaRPr b="0" lang="en-US" sz="1500" spc="-1" strike="noStrike">
               <a:latin typeface="Arial"/>
             </a:endParaRPr>
           </a:p>
           <a:p>
-            <a:pPr marL="285840" indent="-284040">
+            <a:pPr marL="285840" indent="-283680">
               <a:lnSpc>
                 <a:spcPct val="120000"/>
               </a:lnSpc>
@@ -7443,7 +7443,7 @@
             </a:endParaRPr>
           </a:p>
           <a:p>
-            <a:pPr marL="285840" indent="-284040">
+            <a:pPr marL="285840" indent="-283680">
               <a:lnSpc>
                 <a:spcPct val="120000"/>
               </a:lnSpc>
@@ -7567,7 +7567,7 @@
         <p:spPr>
           <a:xfrm>
             <a:off x="720000" y="288000"/>
-            <a:ext cx="6622200" cy="502200"/>
+            <a:ext cx="6621840" cy="501840"/>
           </a:xfrm>
           <a:prstGeom prst="rect">
             <a:avLst/>
@@ -7616,7 +7616,7 @@
         <p:spPr>
           <a:xfrm>
             <a:off x="4968000" y="5004000"/>
-            <a:ext cx="3238200" cy="106200"/>
+            <a:ext cx="3237840" cy="105840"/>
           </a:xfrm>
           <a:prstGeom prst="rect">
             <a:avLst/>
@@ -7665,7 +7665,7 @@
         <p:spPr>
           <a:xfrm>
             <a:off x="8280000" y="5004000"/>
-            <a:ext cx="142200" cy="106200"/>
+            <a:ext cx="141840" cy="105840"/>
           </a:xfrm>
           <a:prstGeom prst="rect">
             <a:avLst/>
@@ -7689,7 +7689,7 @@
                 <a:spcPct val="100000"/>
               </a:lnSpc>
             </a:pPr>
-            <a:fld id="{DE3D91E1-80C6-421E-9CAB-2A709F67BF5B}" type="slidenum">
+            <a:fld id="{200E7842-867B-45D0-A89B-C186012729CF}" type="slidenum">
               <a:rPr b="0" lang="en-US" sz="600" spc="-1" strike="noStrike">
                 <a:solidFill>
                   <a:srgbClr val="ffffff"/>
@@ -7714,7 +7714,7 @@
         <p:spPr>
           <a:xfrm>
             <a:off x="717120" y="792000"/>
-            <a:ext cx="6622200" cy="3885480"/>
+            <a:ext cx="6621840" cy="3885120"/>
           </a:xfrm>
           <a:prstGeom prst="rect">
             <a:avLst/>
@@ -7743,7 +7743,7 @@
             </a:endParaRPr>
           </a:p>
           <a:p>
-            <a:pPr marL="285840" indent="-284040">
+            <a:pPr marL="285840" indent="-283680">
               <a:lnSpc>
                 <a:spcPct val="120000"/>
               </a:lnSpc>
@@ -7788,7 +7788,7 @@
             </a:endParaRPr>
           </a:p>
           <a:p>
-            <a:pPr marL="285840" indent="-284040">
+            <a:pPr marL="285840" indent="-283680">
               <a:lnSpc>
                 <a:spcPct val="120000"/>
               </a:lnSpc>
@@ -7892,7 +7892,7 @@
         <p:spPr>
           <a:xfrm>
             <a:off x="720000" y="288000"/>
-            <a:ext cx="6622200" cy="502200"/>
+            <a:ext cx="6621840" cy="501840"/>
           </a:xfrm>
           <a:prstGeom prst="rect">
             <a:avLst/>
@@ -7941,7 +7941,7 @@
         <p:spPr>
           <a:xfrm>
             <a:off x="720000" y="1224000"/>
-            <a:ext cx="6622200" cy="3490200"/>
+            <a:ext cx="6621840" cy="3489840"/>
           </a:xfrm>
           <a:prstGeom prst="rect">
             <a:avLst/>
@@ -7960,7 +7960,7 @@
         <p:txBody>
           <a:bodyPr lIns="0" rIns="0" tIns="0" bIns="0"/>
           <a:p>
-            <a:pPr marL="180000" indent="-178200">
+            <a:pPr marL="180000" indent="-177840">
               <a:lnSpc>
                 <a:spcPct val="120000"/>
               </a:lnSpc>
@@ -7985,7 +7985,7 @@
             </a:endParaRPr>
           </a:p>
           <a:p>
-            <a:pPr marL="180000" indent="-178200">
+            <a:pPr marL="180000" indent="-177840">
               <a:lnSpc>
                 <a:spcPct val="120000"/>
               </a:lnSpc>
@@ -8010,7 +8010,7 @@
             </a:endParaRPr>
           </a:p>
           <a:p>
-            <a:pPr marL="180000" indent="-178200">
+            <a:pPr marL="180000" indent="-177840">
               <a:lnSpc>
                 <a:spcPct val="120000"/>
               </a:lnSpc>
@@ -8035,7 +8035,7 @@
             </a:endParaRPr>
           </a:p>
           <a:p>
-            <a:pPr marL="180000" indent="-178200">
+            <a:pPr marL="180000" indent="-177840">
               <a:lnSpc>
                 <a:spcPct val="120000"/>
               </a:lnSpc>
@@ -8060,7 +8060,7 @@
             </a:endParaRPr>
           </a:p>
           <a:p>
-            <a:pPr marL="180000" indent="-178200">
+            <a:pPr marL="180000" indent="-177840">
               <a:lnSpc>
                 <a:spcPct val="120000"/>
               </a:lnSpc>
@@ -8085,7 +8085,7 @@
             </a:endParaRPr>
           </a:p>
           <a:p>
-            <a:pPr marL="180000" indent="-178200">
+            <a:pPr marL="180000" indent="-177840">
               <a:lnSpc>
                 <a:spcPct val="120000"/>
               </a:lnSpc>
@@ -8110,7 +8110,7 @@
             </a:endParaRPr>
           </a:p>
           <a:p>
-            <a:pPr marL="180000" indent="-178200">
+            <a:pPr marL="180000" indent="-177840">
               <a:lnSpc>
                 <a:spcPct val="120000"/>
               </a:lnSpc>
@@ -8135,7 +8135,7 @@
             </a:endParaRPr>
           </a:p>
           <a:p>
-            <a:pPr marL="180000" indent="-178200">
+            <a:pPr marL="180000" indent="-177840">
               <a:lnSpc>
                 <a:spcPct val="120000"/>
               </a:lnSpc>
@@ -8170,7 +8170,7 @@
         <p:spPr>
           <a:xfrm>
             <a:off x="4968000" y="5004000"/>
-            <a:ext cx="3238200" cy="106200"/>
+            <a:ext cx="3237840" cy="105840"/>
           </a:xfrm>
           <a:prstGeom prst="rect">
             <a:avLst/>
@@ -8219,7 +8219,7 @@
         <p:spPr>
           <a:xfrm>
             <a:off x="8280000" y="5004000"/>
-            <a:ext cx="142200" cy="106200"/>
+            <a:ext cx="141840" cy="105840"/>
           </a:xfrm>
           <a:prstGeom prst="rect">
             <a:avLst/>
@@ -8243,7 +8243,7 @@
                 <a:spcPct val="100000"/>
               </a:lnSpc>
             </a:pPr>
-            <a:fld id="{F47AC297-9DD6-45E0-83F7-72DBE751B690}" type="slidenum">
+            <a:fld id="{C9F1FA0B-AA46-437E-9FB3-A24F7A0CB138}" type="slidenum">
               <a:rPr b="0" lang="en-US" sz="600" spc="-1" strike="noStrike">
                 <a:solidFill>
                   <a:srgbClr val="ffffff"/>
@@ -8272,7 +8272,7 @@
         <p:spPr>
           <a:xfrm>
             <a:off x="4389120" y="791640"/>
-            <a:ext cx="2788920" cy="2808000"/>
+            <a:ext cx="2788560" cy="2807640"/>
           </a:xfrm>
           <a:prstGeom prst="rect">
             <a:avLst/>
@@ -8291,7 +8291,7 @@
         <p:spPr>
           <a:xfrm>
             <a:off x="8138160" y="4663440"/>
-            <a:ext cx="1461600" cy="197280"/>
+            <a:ext cx="1461240" cy="196920"/>
           </a:xfrm>
           <a:prstGeom prst="rect">
             <a:avLst/>
@@ -8389,7 +8389,7 @@
         <p:spPr>
           <a:xfrm>
             <a:off x="720000" y="288000"/>
-            <a:ext cx="6622200" cy="502200"/>
+            <a:ext cx="6621840" cy="501840"/>
           </a:xfrm>
           <a:prstGeom prst="rect">
             <a:avLst/>
@@ -8438,7 +8438,7 @@
         <p:spPr>
           <a:xfrm>
             <a:off x="720000" y="791640"/>
-            <a:ext cx="6622200" cy="3885480"/>
+            <a:ext cx="6621840" cy="3885120"/>
           </a:xfrm>
           <a:prstGeom prst="rect">
             <a:avLst/>
@@ -8477,7 +8477,7 @@
             </a:endParaRPr>
           </a:p>
           <a:p>
-            <a:pPr marL="285840" indent="-284040">
+            <a:pPr marL="285840" indent="-283680">
               <a:lnSpc>
                 <a:spcPct val="120000"/>
               </a:lnSpc>
@@ -8502,7 +8502,7 @@
             </a:endParaRPr>
           </a:p>
           <a:p>
-            <a:pPr marL="285840" indent="-284040">
+            <a:pPr marL="285840" indent="-283680">
               <a:lnSpc>
                 <a:spcPct val="120000"/>
               </a:lnSpc>
@@ -8527,7 +8527,7 @@
             </a:endParaRPr>
           </a:p>
           <a:p>
-            <a:pPr marL="285840" indent="-284040">
+            <a:pPr marL="285840" indent="-283680">
               <a:lnSpc>
                 <a:spcPct val="120000"/>
               </a:lnSpc>
@@ -8552,7 +8552,7 @@
             </a:endParaRPr>
           </a:p>
           <a:p>
-            <a:pPr marL="285840" indent="-284040">
+            <a:pPr marL="285840" indent="-283680">
               <a:lnSpc>
                 <a:spcPct val="120000"/>
               </a:lnSpc>
@@ -8577,7 +8577,7 @@
             </a:endParaRPr>
           </a:p>
           <a:p>
-            <a:pPr marL="285840" indent="-284040">
+            <a:pPr marL="285840" indent="-283680">
               <a:lnSpc>
                 <a:spcPct val="120000"/>
               </a:lnSpc>
@@ -8612,7 +8612,7 @@
         <p:spPr>
           <a:xfrm>
             <a:off x="4968000" y="5004000"/>
-            <a:ext cx="3238200" cy="106200"/>
+            <a:ext cx="3237840" cy="105840"/>
           </a:xfrm>
           <a:prstGeom prst="rect">
             <a:avLst/>
@@ -8661,7 +8661,7 @@
         <p:spPr>
           <a:xfrm>
             <a:off x="8280000" y="5004000"/>
-            <a:ext cx="142200" cy="106200"/>
+            <a:ext cx="141840" cy="105840"/>
           </a:xfrm>
           <a:prstGeom prst="rect">
             <a:avLst/>
@@ -8685,7 +8685,7 @@
                 <a:spcPct val="100000"/>
               </a:lnSpc>
             </a:pPr>
-            <a:fld id="{5F8D3F00-DEF8-43D2-B691-ADE1753ACB72}" type="slidenum">
+            <a:fld id="{B69FB281-ECBA-4F9C-8142-2379263A2705}" type="slidenum">
               <a:rPr b="0" lang="en-US" sz="600" spc="-1" strike="noStrike">
                 <a:solidFill>
                   <a:srgbClr val="ffffff"/>
@@ -8759,7 +8759,7 @@
         <p:spPr>
           <a:xfrm>
             <a:off x="720000" y="288000"/>
-            <a:ext cx="6622200" cy="502200"/>
+            <a:ext cx="6621840" cy="501840"/>
           </a:xfrm>
           <a:prstGeom prst="rect">
             <a:avLst/>
@@ -8808,7 +8808,7 @@
         <p:spPr>
           <a:xfrm>
             <a:off x="4968000" y="5004000"/>
-            <a:ext cx="3238200" cy="106200"/>
+            <a:ext cx="3237840" cy="105840"/>
           </a:xfrm>
           <a:prstGeom prst="rect">
             <a:avLst/>
@@ -8857,7 +8857,7 @@
         <p:spPr>
           <a:xfrm>
             <a:off x="8280000" y="5004000"/>
-            <a:ext cx="142200" cy="106200"/>
+            <a:ext cx="141840" cy="105840"/>
           </a:xfrm>
           <a:prstGeom prst="rect">
             <a:avLst/>
@@ -8881,7 +8881,7 @@
                 <a:spcPct val="100000"/>
               </a:lnSpc>
             </a:pPr>
-            <a:fld id="{84C79925-305F-467B-97E3-EBCD311C3026}" type="slidenum">
+            <a:fld id="{AD1E0A5D-95C5-4693-9F2F-A72A202FA529}" type="slidenum">
               <a:rPr b="0" lang="en-US" sz="600" spc="-1" strike="noStrike">
                 <a:solidFill>
                   <a:srgbClr val="ffffff"/>
@@ -8910,7 +8910,7 @@
         <p:spPr>
           <a:xfrm>
             <a:off x="780480" y="658440"/>
-            <a:ext cx="6445440" cy="4431240"/>
+            <a:ext cx="6445080" cy="4430880"/>
           </a:xfrm>
           <a:prstGeom prst="rect">
             <a:avLst/>
@@ -8929,7 +8929,7 @@
         <p:spPr>
           <a:xfrm>
             <a:off x="8138160" y="4663440"/>
-            <a:ext cx="1461600" cy="197280"/>
+            <a:ext cx="1461240" cy="196920"/>
           </a:xfrm>
           <a:prstGeom prst="rect">
             <a:avLst/>
@@ -9027,7 +9027,7 @@
         <p:spPr>
           <a:xfrm>
             <a:off x="720000" y="288000"/>
-            <a:ext cx="6622200" cy="502200"/>
+            <a:ext cx="6621840" cy="501840"/>
           </a:xfrm>
           <a:prstGeom prst="rect">
             <a:avLst/>
@@ -9076,7 +9076,7 @@
         <p:spPr>
           <a:xfrm>
             <a:off x="720000" y="791640"/>
-            <a:ext cx="6622200" cy="3885480"/>
+            <a:ext cx="6621840" cy="3885120"/>
           </a:xfrm>
           <a:prstGeom prst="rect">
             <a:avLst/>
@@ -9115,7 +9115,7 @@
             </a:endParaRPr>
           </a:p>
           <a:p>
-            <a:pPr marL="285840" indent="-284040">
+            <a:pPr marL="285840" indent="-283680">
               <a:lnSpc>
                 <a:spcPct val="120000"/>
               </a:lnSpc>
@@ -9140,7 +9140,7 @@
             </a:endParaRPr>
           </a:p>
           <a:p>
-            <a:pPr marL="285840" indent="-284040">
+            <a:pPr marL="285840" indent="-283680">
               <a:lnSpc>
                 <a:spcPct val="120000"/>
               </a:lnSpc>
@@ -9165,7 +9165,7 @@
             </a:endParaRPr>
           </a:p>
           <a:p>
-            <a:pPr marL="285840" indent="-284040">
+            <a:pPr marL="285840" indent="-283680">
               <a:lnSpc>
                 <a:spcPct val="120000"/>
               </a:lnSpc>
@@ -9190,7 +9190,7 @@
             </a:endParaRPr>
           </a:p>
           <a:p>
-            <a:pPr marL="285840" indent="-284040">
+            <a:pPr marL="285840" indent="-283680">
               <a:lnSpc>
                 <a:spcPct val="120000"/>
               </a:lnSpc>
@@ -9215,7 +9215,7 @@
             </a:endParaRPr>
           </a:p>
           <a:p>
-            <a:pPr marL="285840" indent="-284040">
+            <a:pPr marL="285840" indent="-283680">
               <a:lnSpc>
                 <a:spcPct val="120000"/>
               </a:lnSpc>
@@ -9250,7 +9250,7 @@
         <p:spPr>
           <a:xfrm>
             <a:off x="4968000" y="5004000"/>
-            <a:ext cx="3238200" cy="106200"/>
+            <a:ext cx="3237840" cy="105840"/>
           </a:xfrm>
           <a:prstGeom prst="rect">
             <a:avLst/>
@@ -9299,7 +9299,7 @@
         <p:spPr>
           <a:xfrm>
             <a:off x="8280000" y="5004000"/>
-            <a:ext cx="142200" cy="106200"/>
+            <a:ext cx="141840" cy="105840"/>
           </a:xfrm>
           <a:prstGeom prst="rect">
             <a:avLst/>
@@ -9323,7 +9323,7 @@
                 <a:spcPct val="100000"/>
               </a:lnSpc>
             </a:pPr>
-            <a:fld id="{5A7037E0-CF37-4633-A280-562C4A4E63CA}" type="slidenum">
+            <a:fld id="{8351A309-5806-4A63-B72D-14EE7BE5E5A7}" type="slidenum">
               <a:rPr b="0" lang="en-US" sz="600" spc="-1" strike="noStrike">
                 <a:solidFill>
                   <a:srgbClr val="ffffff"/>
@@ -9348,7 +9348,7 @@
         <p:spPr>
           <a:xfrm>
             <a:off x="5394960" y="1280160"/>
-            <a:ext cx="3108960" cy="2651760"/>
+            <a:ext cx="3108600" cy="2651400"/>
           </a:xfrm>
           <a:prstGeom prst="rect">
             <a:avLst/>
@@ -9378,7 +9378,7 @@
         <p:spPr>
           <a:xfrm>
             <a:off x="5577840" y="1554480"/>
-            <a:ext cx="2743200" cy="1280160"/>
+            <a:ext cx="2742840" cy="1279800"/>
           </a:xfrm>
           <a:prstGeom prst="rect">
             <a:avLst/>
@@ -9408,7 +9408,7 @@
         <p:spPr>
           <a:xfrm>
             <a:off x="5669280" y="2926080"/>
-            <a:ext cx="1737360" cy="822960"/>
+            <a:ext cx="1737000" cy="822600"/>
           </a:xfrm>
           <a:prstGeom prst="rect">
             <a:avLst/>
@@ -9438,7 +9438,7 @@
         <p:spPr>
           <a:xfrm>
             <a:off x="6035040" y="3017520"/>
-            <a:ext cx="1097280" cy="640080"/>
+            <a:ext cx="1096920" cy="639720"/>
           </a:xfrm>
           <a:prstGeom prst="rect">
             <a:avLst/>
@@ -9517,7 +9517,7 @@
         <p:spPr>
           <a:xfrm>
             <a:off x="720000" y="288000"/>
-            <a:ext cx="6622200" cy="502200"/>
+            <a:ext cx="6621840" cy="501840"/>
           </a:xfrm>
           <a:prstGeom prst="rect">
             <a:avLst/>
@@ -9566,7 +9566,7 @@
         <p:spPr>
           <a:xfrm>
             <a:off x="4968000" y="5004000"/>
-            <a:ext cx="3238200" cy="106200"/>
+            <a:ext cx="3237840" cy="105840"/>
           </a:xfrm>
           <a:prstGeom prst="rect">
             <a:avLst/>
@@ -9615,7 +9615,7 @@
         <p:spPr>
           <a:xfrm>
             <a:off x="8280000" y="5004000"/>
-            <a:ext cx="142200" cy="106200"/>
+            <a:ext cx="141840" cy="105840"/>
           </a:xfrm>
           <a:prstGeom prst="rect">
             <a:avLst/>
@@ -9639,7 +9639,7 @@
                 <a:spcPct val="100000"/>
               </a:lnSpc>
             </a:pPr>
-            <a:fld id="{1BE0701F-C6A2-4EA2-A854-E8B3AC6583F4}" type="slidenum">
+            <a:fld id="{F9830F3C-7149-4C11-A317-F70D287E80C8}" type="slidenum">
               <a:rPr b="0" lang="en-US" sz="600" spc="-1" strike="noStrike">
                 <a:solidFill>
                   <a:srgbClr val="ffffff"/>
@@ -9668,7 +9668,7 @@
         <p:spPr>
           <a:xfrm>
             <a:off x="6631200" y="1188720"/>
-            <a:ext cx="2074680" cy="1903320"/>
+            <a:ext cx="2074320" cy="1902960"/>
           </a:xfrm>
           <a:prstGeom prst="rect">
             <a:avLst/>
@@ -9691,7 +9691,7 @@
         <p:spPr>
           <a:xfrm>
             <a:off x="-2880" y="703800"/>
-            <a:ext cx="5979960" cy="3656880"/>
+            <a:ext cx="5979600" cy="3656520"/>
           </a:xfrm>
           <a:prstGeom prst="rect">
             <a:avLst/>
@@ -9759,7 +9759,7 @@
         <p:spPr>
           <a:xfrm>
             <a:off x="720000" y="288000"/>
-            <a:ext cx="6622200" cy="502200"/>
+            <a:ext cx="6621840" cy="501840"/>
           </a:xfrm>
           <a:prstGeom prst="rect">
             <a:avLst/>
@@ -9808,7 +9808,7 @@
         <p:spPr>
           <a:xfrm>
             <a:off x="4968000" y="5004000"/>
-            <a:ext cx="3238200" cy="106200"/>
+            <a:ext cx="3237840" cy="105840"/>
           </a:xfrm>
           <a:prstGeom prst="rect">
             <a:avLst/>
@@ -9857,7 +9857,7 @@
         <p:spPr>
           <a:xfrm>
             <a:off x="8280000" y="5004000"/>
-            <a:ext cx="142200" cy="106200"/>
+            <a:ext cx="141840" cy="105840"/>
           </a:xfrm>
           <a:prstGeom prst="rect">
             <a:avLst/>
@@ -9881,7 +9881,7 @@
                 <a:spcPct val="100000"/>
               </a:lnSpc>
             </a:pPr>
-            <a:fld id="{9364CA26-5D88-47F9-B06F-1CF7C2FC0989}" type="slidenum">
+            <a:fld id="{C3A577BD-2358-41C6-9F9C-73757FB8476F}" type="slidenum">
               <a:rPr b="0" lang="en-US" sz="600" spc="-1" strike="noStrike">
                 <a:solidFill>
                   <a:srgbClr val="ffffff"/>
@@ -9910,7 +9910,7 @@
         <p:spPr>
           <a:xfrm>
             <a:off x="6276600" y="1413000"/>
-            <a:ext cx="2741400" cy="1694880"/>
+            <a:ext cx="2741040" cy="1694520"/>
           </a:xfrm>
           <a:prstGeom prst="rect">
             <a:avLst/>
@@ -9933,7 +9933,7 @@
         <p:spPr>
           <a:xfrm>
             <a:off x="145440" y="702000"/>
-            <a:ext cx="5443560" cy="4125600"/>
+            <a:ext cx="5443200" cy="4125240"/>
           </a:xfrm>
           <a:prstGeom prst="rect">
             <a:avLst/>
@@ -10001,7 +10001,7 @@
         <p:spPr>
           <a:xfrm>
             <a:off x="720000" y="288000"/>
-            <a:ext cx="6622200" cy="502200"/>
+            <a:ext cx="6621840" cy="501840"/>
           </a:xfrm>
           <a:prstGeom prst="rect">
             <a:avLst/>
@@ -10054,7 +10054,7 @@
         <p:spPr>
           <a:xfrm>
             <a:off x="6599880" y="1433160"/>
-            <a:ext cx="788760" cy="531720"/>
+            <a:ext cx="788400" cy="531360"/>
           </a:xfrm>
           <a:prstGeom prst="rect">
             <a:avLst/>
@@ -10073,7 +10073,7 @@
         <p:spPr>
           <a:xfrm>
             <a:off x="4968000" y="5004000"/>
-            <a:ext cx="3238200" cy="106200"/>
+            <a:ext cx="3237840" cy="105840"/>
           </a:xfrm>
           <a:prstGeom prst="rect">
             <a:avLst/>
@@ -10122,7 +10122,7 @@
         <p:spPr>
           <a:xfrm>
             <a:off x="8280000" y="5004000"/>
-            <a:ext cx="142200" cy="106200"/>
+            <a:ext cx="141840" cy="105840"/>
           </a:xfrm>
           <a:prstGeom prst="rect">
             <a:avLst/>
@@ -10146,7 +10146,7 @@
                 <a:spcPct val="100000"/>
               </a:lnSpc>
             </a:pPr>
-            <a:fld id="{3069D3B7-FD57-4DDE-A3EB-ECC887436BDC}" type="slidenum">
+            <a:fld id="{DD1DA4A1-8AE3-4BFD-9AA7-839945EFBAA0}" type="slidenum">
               <a:rPr b="0" lang="en-US" sz="600" spc="-1" strike="noStrike">
                 <a:solidFill>
                   <a:srgbClr val="ffffff"/>
@@ -10175,7 +10175,7 @@
         <p:spPr>
           <a:xfrm>
             <a:off x="6603120" y="2408400"/>
-            <a:ext cx="1312560" cy="579240"/>
+            <a:ext cx="1312200" cy="578880"/>
           </a:xfrm>
           <a:prstGeom prst="rect">
             <a:avLst/>
@@ -10198,7 +10198,7 @@
         <p:spPr>
           <a:xfrm>
             <a:off x="258120" y="1246320"/>
-            <a:ext cx="5394240" cy="3072600"/>
+            <a:ext cx="5393880" cy="3072240"/>
           </a:xfrm>
           <a:prstGeom prst="rect">
             <a:avLst/>
@@ -10266,7 +10266,7 @@
         <p:spPr>
           <a:xfrm>
             <a:off x="720000" y="288000"/>
-            <a:ext cx="6622200" cy="502200"/>
+            <a:ext cx="6621840" cy="501840"/>
           </a:xfrm>
           <a:prstGeom prst="rect">
             <a:avLst/>
@@ -10315,7 +10315,7 @@
         <p:spPr>
           <a:xfrm>
             <a:off x="2347200" y="2194560"/>
-            <a:ext cx="2406240" cy="777240"/>
+            <a:ext cx="2405880" cy="776880"/>
           </a:xfrm>
           <a:prstGeom prst="rect">
             <a:avLst/>
@@ -10364,7 +10364,7 @@
         <p:spPr>
           <a:xfrm>
             <a:off x="4968000" y="5004000"/>
-            <a:ext cx="3238200" cy="106200"/>
+            <a:ext cx="3237840" cy="105840"/>
           </a:xfrm>
           <a:prstGeom prst="rect">
             <a:avLst/>
@@ -10413,7 +10413,7 @@
         <p:spPr>
           <a:xfrm>
             <a:off x="8280000" y="5004000"/>
-            <a:ext cx="142200" cy="106200"/>
+            <a:ext cx="141840" cy="105840"/>
           </a:xfrm>
           <a:prstGeom prst="rect">
             <a:avLst/>
@@ -10437,7 +10437,7 @@
                 <a:spcPct val="100000"/>
               </a:lnSpc>
             </a:pPr>
-            <a:fld id="{AB6A4346-D09B-4EA7-903C-AB3474479844}" type="slidenum">
+            <a:fld id="{463DF4D3-A639-473E-8EF9-737D931BFEB1}" type="slidenum">
               <a:rPr b="0" lang="en-US" sz="600" spc="-1" strike="noStrike">
                 <a:solidFill>
                   <a:srgbClr val="ffffff"/>
@@ -10466,7 +10466,7 @@
         <p:spPr>
           <a:xfrm>
             <a:off x="6840000" y="810000"/>
-            <a:ext cx="2302200" cy="3508200"/>
+            <a:ext cx="2301840" cy="3507840"/>
           </a:xfrm>
           <a:prstGeom prst="rect">
             <a:avLst/>
